--- a/Presentation.pptx
+++ b/Presentation.pptx
@@ -4577,7 +4577,7 @@
             <a:pPr algn="ctr"/>
             <a:r>
               <a:rPr lang="en-US" sz="3000" dirty="0"/>
-              <a:t>Cytokine profile of blunt injury in ARDS is different than penetrating injury</a:t>
+              <a:t>Cytokine profile of blunt injury in ARDS and no ARDS is different than penetrating injury</a:t>
             </a:r>
           </a:p>
         </p:txBody>

--- a/Presentation.pptx
+++ b/Presentation.pptx
@@ -117,6 +117,11 @@
       </a:defRPr>
     </a:lvl9pPr>
   </p:defaultTextStyle>
+  <p:extLst>
+    <p:ext uri="{EFAFB233-063F-42B5-8137-9DF3F51BA10A}">
+      <p15:sldGuideLst xmlns:p15="http://schemas.microsoft.com/office/powerpoint/2012/main"/>
+    </p:ext>
+  </p:extLst>
 </p:presentation>
 </file>
 
@@ -214,7 +219,7 @@
           <a:p>
             <a:fld id="{E075B460-8CC1-4EBF-B663-3083FD19CB40}" type="datetimeFigureOut">
               <a:rPr lang="en-US" smtClean="0"/>
-              <a:t>6/7/2021</a:t>
+              <a:t>6/8/2021</a:t>
             </a:fld>
             <a:endParaRPr lang="en-US"/>
           </a:p>
@@ -850,7 +855,7 @@
           <a:p>
             <a:fld id="{0B403945-F34F-4DBC-9A75-9B940B695032}" type="datetimeFigureOut">
               <a:rPr lang="en-US" smtClean="0"/>
-              <a:t>6/6/2021</a:t>
+              <a:t>6/8/2021</a:t>
             </a:fld>
             <a:endParaRPr lang="en-US"/>
           </a:p>
@@ -1058,7 +1063,7 @@
           <a:p>
             <a:fld id="{0B403945-F34F-4DBC-9A75-9B940B695032}" type="datetimeFigureOut">
               <a:rPr lang="en-US" smtClean="0"/>
-              <a:t>6/6/2021</a:t>
+              <a:t>6/8/2021</a:t>
             </a:fld>
             <a:endParaRPr lang="en-US"/>
           </a:p>
@@ -1314,7 +1319,7 @@
           <a:p>
             <a:fld id="{0B403945-F34F-4DBC-9A75-9B940B695032}" type="datetimeFigureOut">
               <a:rPr lang="en-US" smtClean="0"/>
-              <a:t>6/6/2021</a:t>
+              <a:t>6/8/2021</a:t>
             </a:fld>
             <a:endParaRPr lang="en-US"/>
           </a:p>
@@ -1488,7 +1493,7 @@
           <a:p>
             <a:fld id="{0B403945-F34F-4DBC-9A75-9B940B695032}" type="datetimeFigureOut">
               <a:rPr lang="en-US" smtClean="0"/>
-              <a:t>6/6/2021</a:t>
+              <a:t>6/8/2021</a:t>
             </a:fld>
             <a:endParaRPr lang="en-US"/>
           </a:p>
@@ -1831,7 +1836,7 @@
           <a:p>
             <a:fld id="{0B403945-F34F-4DBC-9A75-9B940B695032}" type="datetimeFigureOut">
               <a:rPr lang="en-US" smtClean="0"/>
-              <a:t>6/6/2021</a:t>
+              <a:t>6/8/2021</a:t>
             </a:fld>
             <a:endParaRPr lang="en-US"/>
           </a:p>
@@ -2106,7 +2111,7 @@
           <a:p>
             <a:fld id="{0B403945-F34F-4DBC-9A75-9B940B695032}" type="datetimeFigureOut">
               <a:rPr lang="en-US" smtClean="0"/>
-              <a:t>6/6/2021</a:t>
+              <a:t>6/8/2021</a:t>
             </a:fld>
             <a:endParaRPr lang="en-US"/>
           </a:p>
@@ -2485,7 +2490,7 @@
           <a:p>
             <a:fld id="{0B403945-F34F-4DBC-9A75-9B940B695032}" type="datetimeFigureOut">
               <a:rPr lang="en-US" smtClean="0"/>
-              <a:t>6/6/2021</a:t>
+              <a:t>6/8/2021</a:t>
             </a:fld>
             <a:endParaRPr lang="en-US"/>
           </a:p>
@@ -2603,7 +2608,7 @@
           <a:p>
             <a:fld id="{0B403945-F34F-4DBC-9A75-9B940B695032}" type="datetimeFigureOut">
               <a:rPr lang="en-US" smtClean="0"/>
-              <a:t>6/6/2021</a:t>
+              <a:t>6/8/2021</a:t>
             </a:fld>
             <a:endParaRPr lang="en-US"/>
           </a:p>
@@ -2774,7 +2779,7 @@
           <a:p>
             <a:fld id="{0B403945-F34F-4DBC-9A75-9B940B695032}" type="datetimeFigureOut">
               <a:rPr lang="en-US" smtClean="0"/>
-              <a:t>6/6/2021</a:t>
+              <a:t>6/8/2021</a:t>
             </a:fld>
             <a:endParaRPr lang="en-US"/>
           </a:p>
@@ -3128,7 +3133,7 @@
           <a:p>
             <a:fld id="{0B403945-F34F-4DBC-9A75-9B940B695032}" type="datetimeFigureOut">
               <a:rPr lang="en-US" smtClean="0"/>
-              <a:t>6/6/2021</a:t>
+              <a:t>6/8/2021</a:t>
             </a:fld>
             <a:endParaRPr lang="en-US"/>
           </a:p>
@@ -3510,7 +3515,7 @@
           <a:p>
             <a:fld id="{0B403945-F34F-4DBC-9A75-9B940B695032}" type="datetimeFigureOut">
               <a:rPr lang="en-US" smtClean="0"/>
-              <a:t>6/6/2021</a:t>
+              <a:t>6/8/2021</a:t>
             </a:fld>
             <a:endParaRPr lang="en-US"/>
           </a:p>
@@ -3797,7 +3802,7 @@
           <a:p>
             <a:fld id="{0B403945-F34F-4DBC-9A75-9B940B695032}" type="datetimeFigureOut">
               <a:rPr lang="en-US" smtClean="0"/>
-              <a:t>6/6/2021</a:t>
+              <a:t>6/8/2021</a:t>
             </a:fld>
             <a:endParaRPr lang="en-US"/>
           </a:p>
@@ -4837,7 +4842,15 @@
             </a:pPr>
             <a:r>
               <a:rPr lang="en-US" dirty="0"/>
-              <a:t>Trauma accounts for 10% of the worlds deaths.</a:t>
+              <a:t>Deaths as a result </a:t>
+            </a:r>
+            <a:r>
+              <a:rPr lang="en-US"/>
+              <a:t>from injury </a:t>
+            </a:r>
+            <a:r>
+              <a:rPr lang="en-US" dirty="0"/>
+              <a:t>accounts for 10% of the worlds deaths.</a:t>
             </a:r>
           </a:p>
           <a:p>
@@ -5700,7 +5713,7 @@
         </p:nvSpPr>
         <p:spPr>
           <a:xfrm>
-            <a:off x="9044248" y="1901733"/>
+            <a:off x="9044248" y="1938965"/>
             <a:ext cx="429883" cy="184666"/>
           </a:xfrm>
           <a:prstGeom prst="rect">

--- a/Presentation.pptx
+++ b/Presentation.pptx
@@ -231,7 +231,7 @@
                   <a:bodyPr/>
                   <a:lstStyle/>
                   <a:p>
-                    <a:fld id="{75D7A6FF-A8B6-40C8-95C4-9EEA0948897E}" type="CELLRANGE">
+                    <a:fld id="{D5312D91-D991-470A-BFD5-E7F4AE6951AF}" type="CELLRANGE">
                       <a:rPr lang="en-US"/>
                       <a:pPr/>
                       <a:t>[CELLRANGE]</a:t>
@@ -265,7 +265,7 @@
                   <a:bodyPr/>
                   <a:lstStyle/>
                   <a:p>
-                    <a:fld id="{3EE0D501-851D-4395-A61C-5C558AF8228B}" type="CELLRANGE">
+                    <a:fld id="{F1191BA0-9001-4B43-BB17-FB8E49A09B24}" type="CELLRANGE">
                       <a:rPr lang="en-US"/>
                       <a:pPr/>
                       <a:t>[CELLRANGE]</a:t>
@@ -299,7 +299,7 @@
                   <a:bodyPr/>
                   <a:lstStyle/>
                   <a:p>
-                    <a:fld id="{1622D6E2-3DD3-4CC5-851A-2E6F845D48FB}" type="CELLRANGE">
+                    <a:fld id="{0C0E5025-33F0-44DD-A916-7B4203C70B1F}" type="CELLRANGE">
                       <a:rPr lang="en-US"/>
                       <a:pPr/>
                       <a:t>[CELLRANGE]</a:t>
@@ -333,7 +333,7 @@
                   <a:bodyPr/>
                   <a:lstStyle/>
                   <a:p>
-                    <a:fld id="{ABB66475-4A41-484C-B322-57E1DA22394D}" type="CELLRANGE">
+                    <a:fld id="{2D0A1832-90A7-44EA-8F59-DB2434299C11}" type="CELLRANGE">
                       <a:rPr lang="en-US"/>
                       <a:pPr/>
                       <a:t>[CELLRANGE]</a:t>
@@ -367,7 +367,7 @@
                   <a:bodyPr/>
                   <a:lstStyle/>
                   <a:p>
-                    <a:fld id="{EE3A494D-D44D-49BC-9663-CD82E8C6D7D3}" type="CELLRANGE">
+                    <a:fld id="{5693FCB6-6182-4E7C-BCF5-C5A4DFC6633D}" type="CELLRANGE">
                       <a:rPr lang="en-US"/>
                       <a:pPr/>
                       <a:t>[CELLRANGE]</a:t>
@@ -401,7 +401,7 @@
                   <a:bodyPr/>
                   <a:lstStyle/>
                   <a:p>
-                    <a:fld id="{F27868A3-E54C-411D-9508-91C2CAEDC002}" type="CELLRANGE">
+                    <a:fld id="{E078C8BB-5436-4626-93E4-A2134EFCF63D}" type="CELLRANGE">
                       <a:rPr lang="en-US"/>
                       <a:pPr/>
                       <a:t>[CELLRANGE]</a:t>
@@ -435,7 +435,7 @@
                   <a:bodyPr/>
                   <a:lstStyle/>
                   <a:p>
-                    <a:fld id="{049A7FCD-2F66-48CC-B4E3-1019777E28A5}" type="CELLRANGE">
+                    <a:fld id="{170AABB3-4273-4FA4-8AD0-05E10C8F90D1}" type="CELLRANGE">
                       <a:rPr lang="en-US"/>
                       <a:pPr/>
                       <a:t>[CELLRANGE]</a:t>
@@ -469,7 +469,7 @@
                   <a:bodyPr/>
                   <a:lstStyle/>
                   <a:p>
-                    <a:fld id="{F35B0D0B-BB8B-4644-BB5A-7F3DFA49F2DB}" type="CELLRANGE">
+                    <a:fld id="{B522F283-6388-4965-A9AE-DBA415EF6B83}" type="CELLRANGE">
                       <a:rPr lang="en-US"/>
                       <a:pPr/>
                       <a:t>[CELLRANGE]</a:t>
@@ -503,7 +503,7 @@
                   <a:bodyPr/>
                   <a:lstStyle/>
                   <a:p>
-                    <a:fld id="{11E39925-216B-47DD-885D-7B47E9DC93F2}" type="CELLRANGE">
+                    <a:fld id="{08C4553D-0F03-4664-B667-DD0759E7B4D2}" type="CELLRANGE">
                       <a:rPr lang="en-US"/>
                       <a:pPr/>
                       <a:t>[CELLRANGE]</a:t>
@@ -537,7 +537,7 @@
                   <a:bodyPr/>
                   <a:lstStyle/>
                   <a:p>
-                    <a:fld id="{B5BEDB7D-2538-4DBE-8319-4E7B1C270A9A}" type="CELLRANGE">
+                    <a:fld id="{2AB75C63-C03C-4F4C-8FDE-81F8C1E23B87}" type="CELLRANGE">
                       <a:rPr lang="en-US"/>
                       <a:pPr/>
                       <a:t>[CELLRANGE]</a:t>
@@ -571,7 +571,7 @@
                   <a:bodyPr/>
                   <a:lstStyle/>
                   <a:p>
-                    <a:fld id="{0FD406C6-FECC-4277-A82E-89E566032439}" type="CELLRANGE">
+                    <a:fld id="{69604A43-ADA2-4AC5-94C2-EE6DFF286340}" type="CELLRANGE">
                       <a:rPr lang="en-US"/>
                       <a:pPr/>
                       <a:t>[CELLRANGE]</a:t>
@@ -605,7 +605,7 @@
                   <a:bodyPr/>
                   <a:lstStyle/>
                   <a:p>
-                    <a:fld id="{C42F2DE4-8AFA-4776-A882-8A426993B0F5}" type="CELLRANGE">
+                    <a:fld id="{37432CB8-6754-4647-9F28-0BA67A9E338F}" type="CELLRANGE">
                       <a:rPr lang="en-US"/>
                       <a:pPr/>
                       <a:t>[CELLRANGE]</a:t>
@@ -639,7 +639,7 @@
                   <a:bodyPr/>
                   <a:lstStyle/>
                   <a:p>
-                    <a:fld id="{71FF6877-769F-4732-98EA-7223EC8DF211}" type="CELLRANGE">
+                    <a:fld id="{D689EB3E-E05A-4EC1-AED2-07B96B687F00}" type="CELLRANGE">
                       <a:rPr lang="en-US"/>
                       <a:pPr/>
                       <a:t>[CELLRANGE]</a:t>
@@ -673,7 +673,7 @@
                   <a:bodyPr/>
                   <a:lstStyle/>
                   <a:p>
-                    <a:fld id="{D0821BBC-4670-408C-8E8B-1F1A42CDB7BB}" type="CELLRANGE">
+                    <a:fld id="{AC27D320-361F-4565-8BBE-7B5FD369E3F1}" type="CELLRANGE">
                       <a:rPr lang="en-US"/>
                       <a:pPr/>
                       <a:t>[CELLRANGE]</a:t>
@@ -707,7 +707,7 @@
                   <a:bodyPr/>
                   <a:lstStyle/>
                   <a:p>
-                    <a:fld id="{A8D08A7C-0A47-4DF6-BEE2-3F47D87D933C}" type="CELLRANGE">
+                    <a:fld id="{8C9FA276-D408-4BD0-8052-D641DA61D476}" type="CELLRANGE">
                       <a:rPr lang="en-US"/>
                       <a:pPr/>
                       <a:t>[CELLRANGE]</a:t>
@@ -741,7 +741,7 @@
                   <a:bodyPr/>
                   <a:lstStyle/>
                   <a:p>
-                    <a:fld id="{C2175191-5095-4ADE-8472-4D3E35BE46A9}" type="CELLRANGE">
+                    <a:fld id="{D8F4A3BE-8FB7-43EC-A5F7-3FEBE702F27A}" type="CELLRANGE">
                       <a:rPr lang="en-US"/>
                       <a:pPr/>
                       <a:t>[CELLRANGE]</a:t>
@@ -775,7 +775,7 @@
                   <a:bodyPr/>
                   <a:lstStyle/>
                   <a:p>
-                    <a:fld id="{4D400917-E3A4-4139-99D3-375EA16024AB}" type="CELLRANGE">
+                    <a:fld id="{080E0175-089D-4F4F-8292-A17795EBE633}" type="CELLRANGE">
                       <a:rPr lang="en-US"/>
                       <a:pPr/>
                       <a:t>[CELLRANGE]</a:t>
@@ -809,7 +809,7 @@
                   <a:bodyPr/>
                   <a:lstStyle/>
                   <a:p>
-                    <a:fld id="{F08CDB78-71AB-4065-97BD-5362A78DC7A5}" type="CELLRANGE">
+                    <a:fld id="{68BF8DF6-5D81-431D-A14D-7745DFCDB897}" type="CELLRANGE">
                       <a:rPr lang="en-US"/>
                       <a:pPr/>
                       <a:t>[CELLRANGE]</a:t>
@@ -843,7 +843,7 @@
                   <a:bodyPr/>
                   <a:lstStyle/>
                   <a:p>
-                    <a:fld id="{57CA985F-5D3D-49A5-9BEF-0C1176792E9F}" type="CELLRANGE">
+                    <a:fld id="{CBF13A90-4CB6-450E-90B8-9DD10DC9F32D}" type="CELLRANGE">
                       <a:rPr lang="en-US"/>
                       <a:pPr/>
                       <a:t>[CELLRANGE]</a:t>
@@ -877,7 +877,7 @@
                   <a:bodyPr/>
                   <a:lstStyle/>
                   <a:p>
-                    <a:fld id="{6727A1EE-96AC-4F61-BC83-A9B102B2176D}" type="CELLRANGE">
+                    <a:fld id="{7202A2C7-0A52-4054-9AC9-DEF7E95C84BE}" type="CELLRANGE">
                       <a:rPr lang="en-US"/>
                       <a:pPr/>
                       <a:t>[CELLRANGE]</a:t>
@@ -911,7 +911,7 @@
                   <a:bodyPr/>
                   <a:lstStyle/>
                   <a:p>
-                    <a:fld id="{AC8424FB-0A35-4924-8A20-76256635FDEE}" type="CELLRANGE">
+                    <a:fld id="{A531C250-18F8-47DC-84CE-E220EB72B791}" type="CELLRANGE">
                       <a:rPr lang="en-US"/>
                       <a:pPr/>
                       <a:t>[CELLRANGE]</a:t>
@@ -945,7 +945,7 @@
                   <a:bodyPr/>
                   <a:lstStyle/>
                   <a:p>
-                    <a:fld id="{8909A3AB-08E9-4B12-AF79-EE236BD4A933}" type="CELLRANGE">
+                    <a:fld id="{CAF71BE3-DD26-4B1D-AE83-B71087690CC2}" type="CELLRANGE">
                       <a:rPr lang="en-US"/>
                       <a:pPr/>
                       <a:t>[CELLRANGE]</a:t>
@@ -979,7 +979,7 @@
                   <a:bodyPr/>
                   <a:lstStyle/>
                   <a:p>
-                    <a:fld id="{CE5FE50E-5DB4-4C41-8A66-FDB1E6C112AE}" type="CELLRANGE">
+                    <a:fld id="{5E9D79CB-66EC-4E4E-894E-2C77F73828FB}" type="CELLRANGE">
                       <a:rPr lang="en-US"/>
                       <a:pPr/>
                       <a:t>[CELLRANGE]</a:t>
@@ -1013,7 +1013,7 @@
                   <a:bodyPr/>
                   <a:lstStyle/>
                   <a:p>
-                    <a:fld id="{EF293DDA-BAA1-47FF-B153-8732C364005A}" type="CELLRANGE">
+                    <a:fld id="{A2D07B8C-F8CC-46EB-8317-08E35CC5B1AA}" type="CELLRANGE">
                       <a:rPr lang="en-US"/>
                       <a:pPr/>
                       <a:t>[CELLRANGE]</a:t>
@@ -1047,7 +1047,7 @@
                   <a:bodyPr/>
                   <a:lstStyle/>
                   <a:p>
-                    <a:fld id="{D2025320-CD43-4D10-9E22-9C30892F0D16}" type="CELLRANGE">
+                    <a:fld id="{3A30D1AB-6B25-4702-B3F6-27F605D8A17D}" type="CELLRANGE">
                       <a:rPr lang="en-US"/>
                       <a:pPr/>
                       <a:t>[CELLRANGE]</a:t>
@@ -1081,7 +1081,7 @@
                   <a:bodyPr/>
                   <a:lstStyle/>
                   <a:p>
-                    <a:fld id="{4813F56B-D222-48FB-BB72-22B3975CAF1E}" type="CELLRANGE">
+                    <a:fld id="{1C319092-8BDD-4929-A5A1-06F2B66AC6E5}" type="CELLRANGE">
                       <a:rPr lang="en-US"/>
                       <a:pPr/>
                       <a:t>[CELLRANGE]</a:t>
@@ -1115,7 +1115,7 @@
                   <a:bodyPr/>
                   <a:lstStyle/>
                   <a:p>
-                    <a:fld id="{0E598A28-FA6D-43F2-89D4-BB070200ADA3}" type="CELLRANGE">
+                    <a:fld id="{6AF8D032-C53F-4D21-BC8D-89E4F8766BEC}" type="CELLRANGE">
                       <a:rPr lang="en-US"/>
                       <a:pPr/>
                       <a:t>[CELLRANGE]</a:t>
@@ -1149,7 +1149,7 @@
                   <a:bodyPr/>
                   <a:lstStyle/>
                   <a:p>
-                    <a:fld id="{7F5D5980-A1D7-44BF-A8A3-B57C62C1D5CE}" type="CELLRANGE">
+                    <a:fld id="{464DF840-8AB9-4498-8370-4771121EBF7D}" type="CELLRANGE">
                       <a:rPr lang="en-US"/>
                       <a:pPr/>
                       <a:t>[CELLRANGE]</a:t>
@@ -1183,7 +1183,7 @@
                   <a:bodyPr/>
                   <a:lstStyle/>
                   <a:p>
-                    <a:fld id="{65174AC3-D49F-4A8A-B47C-A3FE39D13842}" type="CELLRANGE">
+                    <a:fld id="{8075E244-2A40-4EB0-A22A-F8B4EF9D30F2}" type="CELLRANGE">
                       <a:rPr lang="en-US"/>
                       <a:pPr/>
                       <a:t>[CELLRANGE]</a:t>
@@ -1217,7 +1217,7 @@
                   <a:bodyPr/>
                   <a:lstStyle/>
                   <a:p>
-                    <a:fld id="{34EDE397-51BD-4506-B4E7-6A83F45E5A05}" type="CELLRANGE">
+                    <a:fld id="{A3851848-93E4-4400-A2A0-44ACE4BC91BE}" type="CELLRANGE">
                       <a:rPr lang="en-US"/>
                       <a:pPr/>
                       <a:t>[CELLRANGE]</a:t>
@@ -1251,7 +1251,7 @@
                   <a:bodyPr/>
                   <a:lstStyle/>
                   <a:p>
-                    <a:fld id="{CA2924CE-D203-4D9D-9025-11FE45B680CE}" type="CELLRANGE">
+                    <a:fld id="{B49283B1-2B12-4C84-960F-FA5AC5995BD9}" type="CELLRANGE">
                       <a:rPr lang="en-US"/>
                       <a:pPr/>
                       <a:t>[CELLRANGE]</a:t>
@@ -1285,7 +1285,7 @@
                   <a:bodyPr/>
                   <a:lstStyle/>
                   <a:p>
-                    <a:fld id="{8F8E1E94-AD2E-44C9-A420-9C601C643AE2}" type="CELLRANGE">
+                    <a:fld id="{CF82968E-169C-4E6B-AB22-EEE642B3924B}" type="CELLRANGE">
                       <a:rPr lang="en-US"/>
                       <a:pPr/>
                       <a:t>[CELLRANGE]</a:t>
@@ -1319,7 +1319,7 @@
                   <a:bodyPr/>
                   <a:lstStyle/>
                   <a:p>
-                    <a:fld id="{85023BB4-A227-4CCA-9068-9C606ADD48D6}" type="CELLRANGE">
+                    <a:fld id="{80CE3331-237E-4617-946A-7C25D3DB6042}" type="CELLRANGE">
                       <a:rPr lang="en-US"/>
                       <a:pPr/>
                       <a:t>[CELLRANGE]</a:t>
@@ -1353,7 +1353,7 @@
                   <a:bodyPr/>
                   <a:lstStyle/>
                   <a:p>
-                    <a:fld id="{61B86CC5-3127-423C-AD9E-67B49E182042}" type="CELLRANGE">
+                    <a:fld id="{08AB27DF-A339-41D9-97E0-640676ED6A6B}" type="CELLRANGE">
                       <a:rPr lang="en-US"/>
                       <a:pPr/>
                       <a:t>[CELLRANGE]</a:t>
@@ -1387,7 +1387,7 @@
                   <a:bodyPr/>
                   <a:lstStyle/>
                   <a:p>
-                    <a:fld id="{C3AA2B6C-F033-4AD1-A946-D568741CE472}" type="CELLRANGE">
+                    <a:fld id="{48E8C1D6-3AF1-4BDE-808D-C6A0F8203412}" type="CELLRANGE">
                       <a:rPr lang="en-US"/>
                       <a:pPr/>
                       <a:t>[CELLRANGE]</a:t>
@@ -1421,7 +1421,7 @@
                   <a:bodyPr/>
                   <a:lstStyle/>
                   <a:p>
-                    <a:fld id="{1044BCB6-A77B-4008-9DF9-A990E7B79E48}" type="CELLRANGE">
+                    <a:fld id="{E9434B9E-B270-49FF-BE2A-4D97FEA6F297}" type="CELLRANGE">
                       <a:rPr lang="en-US"/>
                       <a:pPr/>
                       <a:t>[CELLRANGE]</a:t>
@@ -1455,7 +1455,7 @@
                   <a:bodyPr/>
                   <a:lstStyle/>
                   <a:p>
-                    <a:fld id="{C33A224B-8780-4B29-9113-87CE9263B51F}" type="CELLRANGE">
+                    <a:fld id="{F92D04B5-A72C-4290-B76F-DA9AEC66427F}" type="CELLRANGE">
                       <a:rPr lang="en-US"/>
                       <a:pPr/>
                       <a:t>[CELLRANGE]</a:t>
@@ -1489,7 +1489,7 @@
                   <a:bodyPr/>
                   <a:lstStyle/>
                   <a:p>
-                    <a:fld id="{D9E23F38-0BAF-458A-B81C-7F959D5364CC}" type="CELLRANGE">
+                    <a:fld id="{F80FA0D4-AA47-4603-9575-56779CC47529}" type="CELLRANGE">
                       <a:rPr lang="en-US"/>
                       <a:pPr/>
                       <a:t>[CELLRANGE]</a:t>
@@ -1523,7 +1523,7 @@
                   <a:bodyPr/>
                   <a:lstStyle/>
                   <a:p>
-                    <a:fld id="{D5D18928-FAF8-443C-B007-9479A88425AF}" type="CELLRANGE">
+                    <a:fld id="{3C5739D7-E51F-42CD-A035-7DA083919FE5}" type="CELLRANGE">
                       <a:rPr lang="en-US"/>
                       <a:pPr/>
                       <a:t>[CELLRANGE]</a:t>
@@ -1557,7 +1557,7 @@
                   <a:bodyPr/>
                   <a:lstStyle/>
                   <a:p>
-                    <a:fld id="{49E153F6-C7AD-46F0-964E-973F148D53FD}" type="CELLRANGE">
+                    <a:fld id="{D2835896-B4A1-4096-9B9A-A455384791E5}" type="CELLRANGE">
                       <a:rPr lang="en-US"/>
                       <a:pPr/>
                       <a:t>[CELLRANGE]</a:t>
@@ -1591,7 +1591,7 @@
                   <a:bodyPr/>
                   <a:lstStyle/>
                   <a:p>
-                    <a:fld id="{AF525CD8-37BF-48E6-9874-C2927FECD083}" type="CELLRANGE">
+                    <a:fld id="{B933EC9F-E450-4C22-AE6A-AC85872AE58D}" type="CELLRANGE">
                       <a:rPr lang="en-US"/>
                       <a:pPr/>
                       <a:t>[CELLRANGE]</a:t>
@@ -1625,7 +1625,7 @@
                   <a:bodyPr/>
                   <a:lstStyle/>
                   <a:p>
-                    <a:fld id="{A675828D-E33E-45F8-B590-8BF3B010C8BF}" type="CELLRANGE">
+                    <a:fld id="{C7A4A9D4-7955-4E44-B893-93085CC977C5}" type="CELLRANGE">
                       <a:rPr lang="en-US"/>
                       <a:pPr/>
                       <a:t>[CELLRANGE]</a:t>
@@ -1659,7 +1659,7 @@
                   <a:bodyPr/>
                   <a:lstStyle/>
                   <a:p>
-                    <a:fld id="{06BA4F25-8D4B-4894-A502-3D8CF790A97B}" type="CELLRANGE">
+                    <a:fld id="{5B07B84A-A01A-4629-83D2-1A4ED88EF881}" type="CELLRANGE">
                       <a:rPr lang="en-US"/>
                       <a:pPr/>
                       <a:t>[CELLRANGE]</a:t>
@@ -1693,7 +1693,7 @@
                   <a:bodyPr/>
                   <a:lstStyle/>
                   <a:p>
-                    <a:fld id="{D42D7578-9AF5-40FA-AE18-7AB79DE2DF70}" type="CELLRANGE">
+                    <a:fld id="{5F04FED9-C87D-489D-BDA9-69C99047FC77}" type="CELLRANGE">
                       <a:rPr lang="en-US"/>
                       <a:pPr/>
                       <a:t>[CELLRANGE]</a:t>
@@ -1727,7 +1727,7 @@
                   <a:bodyPr/>
                   <a:lstStyle/>
                   <a:p>
-                    <a:fld id="{F84BB716-7241-4A83-AEE8-1B6A66FBB416}" type="CELLRANGE">
+                    <a:fld id="{FDAF519F-79B2-410A-91B0-DFDF0A278EF2}" type="CELLRANGE">
                       <a:rPr lang="en-US"/>
                       <a:pPr/>
                       <a:t>[CELLRANGE]</a:t>
@@ -1761,7 +1761,7 @@
                   <a:bodyPr/>
                   <a:lstStyle/>
                   <a:p>
-                    <a:fld id="{7433F66A-320F-43DD-AC3B-BF5AC94F002C}" type="CELLRANGE">
+                    <a:fld id="{4052D1C8-95B8-435E-A3D3-39FCC68A72CC}" type="CELLRANGE">
                       <a:rPr lang="en-US"/>
                       <a:pPr/>
                       <a:t>[CELLRANGE]</a:t>
@@ -1795,7 +1795,7 @@
                   <a:bodyPr/>
                   <a:lstStyle/>
                   <a:p>
-                    <a:fld id="{AA87680B-62D7-4D05-B3CD-CA345464FB59}" type="CELLRANGE">
+                    <a:fld id="{6093C61D-1718-4039-A984-BACD4A0CF46E}" type="CELLRANGE">
                       <a:rPr lang="en-US"/>
                       <a:pPr/>
                       <a:t>[CELLRANGE]</a:t>
@@ -1829,7 +1829,7 @@
                   <a:bodyPr/>
                   <a:lstStyle/>
                   <a:p>
-                    <a:fld id="{98EE08A7-0E9F-44C6-AA0E-62E19591546C}" type="CELLRANGE">
+                    <a:fld id="{D9DF3C6C-9EE4-45C7-8C99-FC17F6E6197F}" type="CELLRANGE">
                       <a:rPr lang="en-US"/>
                       <a:pPr/>
                       <a:t>[CELLRANGE]</a:t>
@@ -1863,7 +1863,7 @@
                   <a:bodyPr/>
                   <a:lstStyle/>
                   <a:p>
-                    <a:fld id="{E5F2070A-45AD-4392-8B75-7D18B56D0A2F}" type="CELLRANGE">
+                    <a:fld id="{F9FB804A-DF2F-4D15-A280-8C3C3B6811DD}" type="CELLRANGE">
                       <a:rPr lang="en-US"/>
                       <a:pPr/>
                       <a:t>[CELLRANGE]</a:t>
@@ -1897,7 +1897,7 @@
                   <a:bodyPr/>
                   <a:lstStyle/>
                   <a:p>
-                    <a:fld id="{6E7EE971-E7DD-41A0-AFE7-C5F4BF76922F}" type="CELLRANGE">
+                    <a:fld id="{E2915376-B5F9-42B3-95DC-227C05D1737B}" type="CELLRANGE">
                       <a:rPr lang="en-US"/>
                       <a:pPr/>
                       <a:t>[CELLRANGE]</a:t>
@@ -1931,7 +1931,7 @@
                   <a:bodyPr/>
                   <a:lstStyle/>
                   <a:p>
-                    <a:fld id="{65D3F19B-2B96-402B-B11B-8FDE287C15D4}" type="CELLRANGE">
+                    <a:fld id="{0527B25B-BB89-46D3-8A91-C5634DF7D031}" type="CELLRANGE">
                       <a:rPr lang="en-US"/>
                       <a:pPr/>
                       <a:t>[CELLRANGE]</a:t>
@@ -1965,7 +1965,7 @@
                   <a:bodyPr/>
                   <a:lstStyle/>
                   <a:p>
-                    <a:fld id="{270E19EF-DDA4-4E4C-93E9-6BCE4F102784}" type="CELLRANGE">
+                    <a:fld id="{88DDBAB7-50C0-46D8-9AC9-D01E3DD6ADE0}" type="CELLRANGE">
                       <a:rPr lang="en-US"/>
                       <a:pPr/>
                       <a:t>[CELLRANGE]</a:t>
@@ -1999,7 +1999,7 @@
                   <a:bodyPr/>
                   <a:lstStyle/>
                   <a:p>
-                    <a:fld id="{045715C6-F24D-4F28-A8CF-E77444D07B80}" type="CELLRANGE">
+                    <a:fld id="{05CBC7C9-D774-4A85-890B-D69298CA31F3}" type="CELLRANGE">
                       <a:rPr lang="en-US"/>
                       <a:pPr/>
                       <a:t>[CELLRANGE]</a:t>
@@ -2033,7 +2033,7 @@
                   <a:bodyPr/>
                   <a:lstStyle/>
                   <a:p>
-                    <a:fld id="{EED4BFDD-3644-4776-939B-07274B450F6D}" type="CELLRANGE">
+                    <a:fld id="{4FDF95DA-F93B-4070-91B4-144DD180B4BD}" type="CELLRANGE">
                       <a:rPr lang="en-US"/>
                       <a:pPr/>
                       <a:t>[CELLRANGE]</a:t>
@@ -2067,7 +2067,7 @@
                   <a:bodyPr/>
                   <a:lstStyle/>
                   <a:p>
-                    <a:fld id="{90CB840B-A93F-4C6F-8F73-06C898B29769}" type="CELLRANGE">
+                    <a:fld id="{B7E2AC41-9E43-4A3C-AC3F-A5B21D2CA24E}" type="CELLRANGE">
                       <a:rPr lang="en-US"/>
                       <a:pPr/>
                       <a:t>[CELLRANGE]</a:t>
@@ -2101,7 +2101,7 @@
                   <a:bodyPr/>
                   <a:lstStyle/>
                   <a:p>
-                    <a:fld id="{EF0CFE41-92DB-4488-AD97-AAF9F96E2865}" type="CELLRANGE">
+                    <a:fld id="{EFD8A897-6EE8-4F63-AE62-8AB09FD6E095}" type="CELLRANGE">
                       <a:rPr lang="en-US"/>
                       <a:pPr/>
                       <a:t>[CELLRANGE]</a:t>
@@ -2135,7 +2135,7 @@
                   <a:bodyPr/>
                   <a:lstStyle/>
                   <a:p>
-                    <a:fld id="{469F8F9E-6C92-4D54-ABF2-6F1678FC7FBB}" type="CELLRANGE">
+                    <a:fld id="{01D87A79-B4D8-473B-A400-C9731875B164}" type="CELLRANGE">
                       <a:rPr lang="en-US"/>
                       <a:pPr/>
                       <a:t>[CELLRANGE]</a:t>
@@ -2169,7 +2169,7 @@
                   <a:bodyPr/>
                   <a:lstStyle/>
                   <a:p>
-                    <a:fld id="{768CA720-9695-4DC7-8376-0C07580F6E55}" type="CELLRANGE">
+                    <a:fld id="{DBF04FBB-51CF-4BC0-BF24-FFE54E1F0DDA}" type="CELLRANGE">
                       <a:rPr lang="en-US"/>
                       <a:pPr/>
                       <a:t>[CELLRANGE]</a:t>
@@ -2203,7 +2203,7 @@
                   <a:bodyPr/>
                   <a:lstStyle/>
                   <a:p>
-                    <a:fld id="{A342C8FA-F338-4C74-88EB-24FCE711E8F7}" type="CELLRANGE">
+                    <a:fld id="{3266B382-6468-4BE4-AEF3-F1638471D772}" type="CELLRANGE">
                       <a:rPr lang="en-US"/>
                       <a:pPr/>
                       <a:t>[CELLRANGE]</a:t>
@@ -2237,7 +2237,7 @@
                   <a:bodyPr/>
                   <a:lstStyle/>
                   <a:p>
-                    <a:fld id="{FA443520-05CD-4D94-AA10-68E328AB8011}" type="CELLRANGE">
+                    <a:fld id="{3D12D5EE-2388-45FF-86B6-B0B3CD0D35A8}" type="CELLRANGE">
                       <a:rPr lang="en-US"/>
                       <a:pPr/>
                       <a:t>[CELLRANGE]</a:t>
@@ -2271,7 +2271,7 @@
                   <a:bodyPr/>
                   <a:lstStyle/>
                   <a:p>
-                    <a:fld id="{6BFC77BC-67BA-43B0-9EDC-685A18E1DCC0}" type="CELLRANGE">
+                    <a:fld id="{97637D12-8524-40F2-8867-90CB9AD07A84}" type="CELLRANGE">
                       <a:rPr lang="en-US"/>
                       <a:pPr/>
                       <a:t>[CELLRANGE]</a:t>
@@ -2305,7 +2305,7 @@
                   <a:bodyPr/>
                   <a:lstStyle/>
                   <a:p>
-                    <a:fld id="{A6163DE8-FDA6-4E18-951F-365AEBFE3C83}" type="CELLRANGE">
+                    <a:fld id="{099BA0B1-F7B3-439F-846C-1928968DE89B}" type="CELLRANGE">
                       <a:rPr lang="en-US"/>
                       <a:pPr/>
                       <a:t>[CELLRANGE]</a:t>
@@ -2339,7 +2339,7 @@
                   <a:bodyPr/>
                   <a:lstStyle/>
                   <a:p>
-                    <a:fld id="{C017072F-9176-4D71-9373-3B925CBAB507}" type="CELLRANGE">
+                    <a:fld id="{F2073DA1-47FC-4804-9DE6-BC405EEDEEC6}" type="CELLRANGE">
                       <a:rPr lang="en-US"/>
                       <a:pPr/>
                       <a:t>[CELLRANGE]</a:t>
@@ -2373,7 +2373,7 @@
                   <a:bodyPr/>
                   <a:lstStyle/>
                   <a:p>
-                    <a:fld id="{8D1D2885-D3B7-49AD-95E7-99E08A6EBEF0}" type="CELLRANGE">
+                    <a:fld id="{70C58F3E-EE8C-4E3E-8C4B-E11D7597026B}" type="CELLRANGE">
                       <a:rPr lang="en-US"/>
                       <a:pPr/>
                       <a:t>[CELLRANGE]</a:t>
@@ -2407,7 +2407,7 @@
                   <a:bodyPr/>
                   <a:lstStyle/>
                   <a:p>
-                    <a:fld id="{F4A215B4-8120-4E7D-B666-85D45861F37D}" type="CELLRANGE">
+                    <a:fld id="{DA22C66F-D5B1-4855-9BBC-51FCD04B9782}" type="CELLRANGE">
                       <a:rPr lang="en-US"/>
                       <a:pPr/>
                       <a:t>[CELLRANGE]</a:t>
@@ -2441,7 +2441,7 @@
                   <a:bodyPr/>
                   <a:lstStyle/>
                   <a:p>
-                    <a:fld id="{E51F7C6A-176F-4E33-A9D8-B75A7F6AFEDD}" type="CELLRANGE">
+                    <a:fld id="{4997F525-B74E-4004-9CBF-97F586F5C8EF}" type="CELLRANGE">
                       <a:rPr lang="en-US"/>
                       <a:pPr/>
                       <a:t>[CELLRANGE]</a:t>
@@ -2475,7 +2475,7 @@
                   <a:bodyPr/>
                   <a:lstStyle/>
                   <a:p>
-                    <a:fld id="{28ADC207-ABE2-4273-B94A-21772E09F197}" type="CELLRANGE">
+                    <a:fld id="{880455D0-23D0-4AF5-ADE6-496689915C00}" type="CELLRANGE">
                       <a:rPr lang="en-US"/>
                       <a:pPr/>
                       <a:t>[CELLRANGE]</a:t>
@@ -2509,7 +2509,7 @@
                   <a:bodyPr/>
                   <a:lstStyle/>
                   <a:p>
-                    <a:fld id="{AA3D3219-85E6-4AA4-BE26-F428FCCC9472}" type="CELLRANGE">
+                    <a:fld id="{E4B85E98-03FA-4C16-A685-97511A8AF1EA}" type="CELLRANGE">
                       <a:rPr lang="en-US"/>
                       <a:pPr/>
                       <a:t>[CELLRANGE]</a:t>
@@ -2543,7 +2543,7 @@
                   <a:bodyPr/>
                   <a:lstStyle/>
                   <a:p>
-                    <a:fld id="{3F4D7969-68AD-4454-9695-212917D9380F}" type="CELLRANGE">
+                    <a:fld id="{077E080E-D06A-4213-9DC8-C66602B57769}" type="CELLRANGE">
                       <a:rPr lang="en-US"/>
                       <a:pPr/>
                       <a:t>[CELLRANGE]</a:t>
@@ -2577,7 +2577,7 @@
                   <a:bodyPr/>
                   <a:lstStyle/>
                   <a:p>
-                    <a:fld id="{A984EBFA-00CB-4D90-83A6-16118D5F22B8}" type="CELLRANGE">
+                    <a:fld id="{60D00DFC-B33E-4A09-8C27-F99D9C505A34}" type="CELLRANGE">
                       <a:rPr lang="en-US"/>
                       <a:pPr/>
                       <a:t>[CELLRANGE]</a:t>
@@ -2611,7 +2611,7 @@
                   <a:bodyPr/>
                   <a:lstStyle/>
                   <a:p>
-                    <a:fld id="{18656E03-AA9E-48E8-9CCC-AEF950BBA116}" type="CELLRANGE">
+                    <a:fld id="{AD0DF025-E6D1-4E39-BD25-B686E68A9816}" type="CELLRANGE">
                       <a:rPr lang="en-US"/>
                       <a:pPr/>
                       <a:t>[CELLRANGE]</a:t>
@@ -2645,7 +2645,7 @@
                   <a:bodyPr/>
                   <a:lstStyle/>
                   <a:p>
-                    <a:fld id="{8B4A07DB-228D-483D-94D5-7BD39D2CF753}" type="CELLRANGE">
+                    <a:fld id="{4F478153-C6AB-4281-A655-84BCA227136C}" type="CELLRANGE">
                       <a:rPr lang="en-US"/>
                       <a:pPr/>
                       <a:t>[CELLRANGE]</a:t>
@@ -2679,7 +2679,7 @@
                   <a:bodyPr/>
                   <a:lstStyle/>
                   <a:p>
-                    <a:fld id="{0D660B13-5264-462D-BC2E-D64FA328CA93}" type="CELLRANGE">
+                    <a:fld id="{87E5B9A9-7661-4A16-986E-FE19E9EE73D8}" type="CELLRANGE">
                       <a:rPr lang="en-US"/>
                       <a:pPr/>
                       <a:t>[CELLRANGE]</a:t>
@@ -2713,7 +2713,7 @@
                   <a:bodyPr/>
                   <a:lstStyle/>
                   <a:p>
-                    <a:fld id="{33765C14-7742-4EC2-9FA1-FD27A93596E7}" type="CELLRANGE">
+                    <a:fld id="{878281C4-98F5-4DF6-88F5-E18933CD522D}" type="CELLRANGE">
                       <a:rPr lang="en-US"/>
                       <a:pPr/>
                       <a:t>[CELLRANGE]</a:t>
@@ -2747,7 +2747,7 @@
                   <a:bodyPr/>
                   <a:lstStyle/>
                   <a:p>
-                    <a:fld id="{3489613C-B2EC-4C89-84C4-F0F6DB1EB87D}" type="CELLRANGE">
+                    <a:fld id="{44C805B8-D3F0-48D8-BCB5-85D88C2D08C4}" type="CELLRANGE">
                       <a:rPr lang="en-US"/>
                       <a:pPr/>
                       <a:t>[CELLRANGE]</a:t>
@@ -2781,7 +2781,7 @@
                   <a:bodyPr/>
                   <a:lstStyle/>
                   <a:p>
-                    <a:fld id="{98F1CE42-FF44-45CD-8D42-A106DC129213}" type="CELLRANGE">
+                    <a:fld id="{74F60C8A-7200-489F-8A7B-0EB720D071ED}" type="CELLRANGE">
                       <a:rPr lang="en-US"/>
                       <a:pPr/>
                       <a:t>[CELLRANGE]</a:t>
@@ -2815,7 +2815,7 @@
                   <a:bodyPr/>
                   <a:lstStyle/>
                   <a:p>
-                    <a:fld id="{15A8F260-2314-43D2-9143-A755864DEFBA}" type="CELLRANGE">
+                    <a:fld id="{EF12C04A-51AD-401A-8C47-54E58AB10457}" type="CELLRANGE">
                       <a:rPr lang="en-US"/>
                       <a:pPr/>
                       <a:t>[CELLRANGE]</a:t>
@@ -2849,7 +2849,7 @@
                   <a:bodyPr/>
                   <a:lstStyle/>
                   <a:p>
-                    <a:fld id="{FB28EBBF-603D-422F-89E1-9752D636DDDF}" type="CELLRANGE">
+                    <a:fld id="{13F1CA4B-9C17-4371-A0C2-3F31AC472468}" type="CELLRANGE">
                       <a:rPr lang="en-US"/>
                       <a:pPr/>
                       <a:t>[CELLRANGE]</a:t>
@@ -2883,7 +2883,7 @@
                   <a:bodyPr/>
                   <a:lstStyle/>
                   <a:p>
-                    <a:fld id="{BE735AD8-F54B-4C20-BD2B-2E26C1B00D61}" type="CELLRANGE">
+                    <a:fld id="{E301B746-B072-4CD4-A14A-D20EF860C6A7}" type="CELLRANGE">
                       <a:rPr lang="en-US"/>
                       <a:pPr/>
                       <a:t>[CELLRANGE]</a:t>
@@ -2917,7 +2917,7 @@
                   <a:bodyPr/>
                   <a:lstStyle/>
                   <a:p>
-                    <a:fld id="{F1D33C93-8F14-4E05-B627-4D61686AFA4C}" type="CELLRANGE">
+                    <a:fld id="{25DBD1C6-5358-48E2-A956-AB944FEF7DA7}" type="CELLRANGE">
                       <a:rPr lang="en-US"/>
                       <a:pPr/>
                       <a:t>[CELLRANGE]</a:t>
@@ -2951,7 +2951,7 @@
                   <a:bodyPr/>
                   <a:lstStyle/>
                   <a:p>
-                    <a:fld id="{F1DE15C4-AECE-4979-ACDD-984E7417B4A0}" type="CELLRANGE">
+                    <a:fld id="{CE19DA85-4453-434E-84EA-3EE3541F5062}" type="CELLRANGE">
                       <a:rPr lang="en-US"/>
                       <a:pPr/>
                       <a:t>[CELLRANGE]</a:t>
@@ -2985,7 +2985,7 @@
                   <a:bodyPr/>
                   <a:lstStyle/>
                   <a:p>
-                    <a:fld id="{C91B4821-A823-46A5-9F9D-5DBD1A163F6B}" type="CELLRANGE">
+                    <a:fld id="{CB0CD0DE-BF98-4764-AF9C-20059DA71B5B}" type="CELLRANGE">
                       <a:rPr lang="en-US"/>
                       <a:pPr/>
                       <a:t>[CELLRANGE]</a:t>
@@ -3019,7 +3019,7 @@
                   <a:bodyPr/>
                   <a:lstStyle/>
                   <a:p>
-                    <a:fld id="{241907FC-7EAB-4230-BD8B-55372C1AB1F3}" type="CELLRANGE">
+                    <a:fld id="{A4CA7D00-9DB7-4B44-B35D-F28407124A8C}" type="CELLRANGE">
                       <a:rPr lang="en-US"/>
                       <a:pPr/>
                       <a:t>[CELLRANGE]</a:t>
@@ -3053,7 +3053,7 @@
                   <a:bodyPr/>
                   <a:lstStyle/>
                   <a:p>
-                    <a:fld id="{B9AFB36F-5111-4E11-812B-F662F132918D}" type="CELLRANGE">
+                    <a:fld id="{58E14318-A9B9-4B23-8E7D-1D3CF170747C}" type="CELLRANGE">
                       <a:rPr lang="en-US"/>
                       <a:pPr/>
                       <a:t>[CELLRANGE]</a:t>
@@ -3087,7 +3087,7 @@
                   <a:bodyPr/>
                   <a:lstStyle/>
                   <a:p>
-                    <a:fld id="{DB296932-90E5-4676-A328-E9BCCC40201B}" type="CELLRANGE">
+                    <a:fld id="{9D970FDC-F82E-443A-9112-920923FBF2C5}" type="CELLRANGE">
                       <a:rPr lang="en-US"/>
                       <a:pPr/>
                       <a:t>[CELLRANGE]</a:t>
@@ -3121,7 +3121,7 @@
                   <a:bodyPr/>
                   <a:lstStyle/>
                   <a:p>
-                    <a:fld id="{DB28E5B0-3B54-484F-9A44-8C9CE584B700}" type="CELLRANGE">
+                    <a:fld id="{3DD3E628-E87C-44A3-ADE4-C0F4DB114766}" type="CELLRANGE">
                       <a:rPr lang="en-US"/>
                       <a:pPr/>
                       <a:t>[CELLRANGE]</a:t>
@@ -3155,7 +3155,7 @@
                   <a:bodyPr/>
                   <a:lstStyle/>
                   <a:p>
-                    <a:fld id="{44F5BF4E-36AD-406C-AFAE-601D19DCDA17}" type="CELLRANGE">
+                    <a:fld id="{E9947363-AA0F-48BF-9526-4230458BE2A4}" type="CELLRANGE">
                       <a:rPr lang="en-US"/>
                       <a:pPr/>
                       <a:t>[CELLRANGE]</a:t>
@@ -3189,7 +3189,7 @@
                   <a:bodyPr/>
                   <a:lstStyle/>
                   <a:p>
-                    <a:fld id="{675D6143-931F-455C-9AFA-7ABEEAF00472}" type="CELLRANGE">
+                    <a:fld id="{642675F9-BF23-4361-B31E-A3389336AF21}" type="CELLRANGE">
                       <a:rPr lang="en-US"/>
                       <a:pPr/>
                       <a:t>[CELLRANGE]</a:t>
@@ -3223,7 +3223,7 @@
                   <a:bodyPr/>
                   <a:lstStyle/>
                   <a:p>
-                    <a:fld id="{71CAECA4-9FAD-4E62-BC0B-CA1CCC2B49D8}" type="CELLRANGE">
+                    <a:fld id="{C5DA7295-58C8-4C63-B438-56F3D90FDB89}" type="CELLRANGE">
                       <a:rPr lang="en-US"/>
                       <a:pPr/>
                       <a:t>[CELLRANGE]</a:t>
@@ -3257,7 +3257,7 @@
                   <a:bodyPr/>
                   <a:lstStyle/>
                   <a:p>
-                    <a:fld id="{19CDCAED-1BBC-463A-9817-08581F0B90D3}" type="CELLRANGE">
+                    <a:fld id="{77C389C7-FB2C-4697-AD92-87EEB66BF144}" type="CELLRANGE">
                       <a:rPr lang="en-US"/>
                       <a:pPr/>
                       <a:t>[CELLRANGE]</a:t>
@@ -3291,7 +3291,7 @@
                   <a:bodyPr/>
                   <a:lstStyle/>
                   <a:p>
-                    <a:fld id="{31383F55-148D-43DB-949D-57F27663211A}" type="CELLRANGE">
+                    <a:fld id="{D82C52FA-16A3-4A61-9A72-EDD94739AB3F}" type="CELLRANGE">
                       <a:rPr lang="en-US"/>
                       <a:pPr/>
                       <a:t>[CELLRANGE]</a:t>
@@ -3325,7 +3325,7 @@
                   <a:bodyPr/>
                   <a:lstStyle/>
                   <a:p>
-                    <a:fld id="{FCFE6028-CF49-49A2-8D7A-79604C453ADD}" type="CELLRANGE">
+                    <a:fld id="{16EA28C7-2F71-4655-BED9-F435AA719775}" type="CELLRANGE">
                       <a:rPr lang="en-US"/>
                       <a:pPr/>
                       <a:t>[CELLRANGE]</a:t>
@@ -3359,7 +3359,7 @@
                   <a:bodyPr/>
                   <a:lstStyle/>
                   <a:p>
-                    <a:fld id="{227B35A9-6341-45E4-919D-9170F4E27345}" type="CELLRANGE">
+                    <a:fld id="{B08947C0-16C3-4B9D-8E1B-3D71C730B373}" type="CELLRANGE">
                       <a:rPr lang="en-US"/>
                       <a:pPr/>
                       <a:t>[CELLRANGE]</a:t>
@@ -3393,7 +3393,7 @@
                   <a:bodyPr/>
                   <a:lstStyle/>
                   <a:p>
-                    <a:fld id="{7DDFFBBC-24A8-46D7-B2E8-02B67DFA9D9D}" type="CELLRANGE">
+                    <a:fld id="{8BBB19D2-75CC-40ED-8EEB-31AEAF771F2D}" type="CELLRANGE">
                       <a:rPr lang="en-US"/>
                       <a:pPr/>
                       <a:t>[CELLRANGE]</a:t>
@@ -3427,7 +3427,7 @@
                   <a:bodyPr/>
                   <a:lstStyle/>
                   <a:p>
-                    <a:fld id="{B6E88D85-CA92-448D-922D-685DC2CDDDD4}" type="CELLRANGE">
+                    <a:fld id="{6839477A-DD28-4A55-8FBC-3038D8D97106}" type="CELLRANGE">
                       <a:rPr lang="en-US"/>
                       <a:pPr/>
                       <a:t>[CELLRANGE]</a:t>
@@ -3461,7 +3461,7 @@
                   <a:bodyPr/>
                   <a:lstStyle/>
                   <a:p>
-                    <a:fld id="{1633E35A-36A9-408A-933B-3A0BC5A42AD4}" type="CELLRANGE">
+                    <a:fld id="{A1B75A48-28D2-4F45-B74A-A4D4862777D9}" type="CELLRANGE">
                       <a:rPr lang="en-US"/>
                       <a:pPr/>
                       <a:t>[CELLRANGE]</a:t>
@@ -3495,7 +3495,7 @@
                   <a:bodyPr/>
                   <a:lstStyle/>
                   <a:p>
-                    <a:fld id="{016CA4BF-68AA-4617-B29F-56D4EBD9C8C5}" type="CELLRANGE">
+                    <a:fld id="{EE5C8752-8FB6-4845-BC07-13D9504164E9}" type="CELLRANGE">
                       <a:rPr lang="en-US"/>
                       <a:pPr/>
                       <a:t>[CELLRANGE]</a:t>
@@ -3529,7 +3529,7 @@
                   <a:bodyPr/>
                   <a:lstStyle/>
                   <a:p>
-                    <a:fld id="{362603FA-4B06-4E2F-8A43-FDB0D75D1CF5}" type="CELLRANGE">
+                    <a:fld id="{861B47AE-363F-4F90-9D66-4D8753D7E425}" type="CELLRANGE">
                       <a:rPr lang="en-US"/>
                       <a:pPr/>
                       <a:t>[CELLRANGE]</a:t>
@@ -3563,7 +3563,7 @@
                   <a:bodyPr/>
                   <a:lstStyle/>
                   <a:p>
-                    <a:fld id="{D1A6AA4F-9204-4C19-862A-B2E016C4471E}" type="CELLRANGE">
+                    <a:fld id="{F1A94F8A-AFFF-4011-9F34-28D1C58E6551}" type="CELLRANGE">
                       <a:rPr lang="en-US"/>
                       <a:pPr/>
                       <a:t>[CELLRANGE]</a:t>
@@ -3597,7 +3597,7 @@
                   <a:bodyPr/>
                   <a:lstStyle/>
                   <a:p>
-                    <a:fld id="{188B0B35-5C98-455E-BD3B-62813B7B8897}" type="CELLRANGE">
+                    <a:fld id="{3B8A6F7A-1B7E-4BFC-B639-B3D2A8092F0A}" type="CELLRANGE">
                       <a:rPr lang="en-US"/>
                       <a:pPr/>
                       <a:t>[CELLRANGE]</a:t>
@@ -3631,7 +3631,7 @@
                   <a:bodyPr/>
                   <a:lstStyle/>
                   <a:p>
-                    <a:fld id="{6DC2F239-9EE0-4F7E-B813-B897897AE0C1}" type="CELLRANGE">
+                    <a:fld id="{DE8A4E19-2913-4953-B0BE-73D13674C3F5}" type="CELLRANGE">
                       <a:rPr lang="en-US"/>
                       <a:pPr/>
                       <a:t>[CELLRANGE]</a:t>
@@ -3665,7 +3665,7 @@
                   <a:bodyPr/>
                   <a:lstStyle/>
                   <a:p>
-                    <a:fld id="{9AA9A42A-B476-46AE-9B1E-E26AFAA115F1}" type="CELLRANGE">
+                    <a:fld id="{69D410DC-6FE9-4E90-AA84-EF1168303937}" type="CELLRANGE">
                       <a:rPr lang="en-US"/>
                       <a:pPr/>
                       <a:t>[CELLRANGE]</a:t>
@@ -3699,7 +3699,7 @@
                   <a:bodyPr/>
                   <a:lstStyle/>
                   <a:p>
-                    <a:fld id="{012D5396-5E6A-4417-B212-56EABB4BC210}" type="CELLRANGE">
+                    <a:fld id="{4FD7EE40-AEF8-4C28-976D-24218D40BC6F}" type="CELLRANGE">
                       <a:rPr lang="en-US"/>
                       <a:pPr/>
                       <a:t>[CELLRANGE]</a:t>
@@ -3733,7 +3733,7 @@
                   <a:bodyPr/>
                   <a:lstStyle/>
                   <a:p>
-                    <a:fld id="{F8AA3FEA-538D-4F0C-AC30-62F6B59AE1C2}" type="CELLRANGE">
+                    <a:fld id="{3E3A5944-A7A1-471B-B4B7-65E77B181509}" type="CELLRANGE">
                       <a:rPr lang="en-US"/>
                       <a:pPr/>
                       <a:t>[CELLRANGE]</a:t>
@@ -3767,7 +3767,7 @@
                   <a:bodyPr/>
                   <a:lstStyle/>
                   <a:p>
-                    <a:fld id="{8F16DEF4-B8F5-4D20-9B2A-0895EE348326}" type="CELLRANGE">
+                    <a:fld id="{F1AFE48A-4C7E-4840-866D-46110DAD31BE}" type="CELLRANGE">
                       <a:rPr lang="en-US"/>
                       <a:pPr/>
                       <a:t>[CELLRANGE]</a:t>
@@ -3801,7 +3801,7 @@
                   <a:bodyPr/>
                   <a:lstStyle/>
                   <a:p>
-                    <a:fld id="{2B0C8ED9-DB3B-4F6A-AA27-CCB72F190395}" type="CELLRANGE">
+                    <a:fld id="{D42FD44D-C7A1-401E-88E3-FFD47B339087}" type="CELLRANGE">
                       <a:rPr lang="en-US"/>
                       <a:pPr/>
                       <a:t>[CELLRANGE]</a:t>
@@ -3835,7 +3835,7 @@
                   <a:bodyPr/>
                   <a:lstStyle/>
                   <a:p>
-                    <a:fld id="{802D3899-4C53-4D6C-B364-BCD1EC23407D}" type="CELLRANGE">
+                    <a:fld id="{1D5B4F5A-9E64-4D4A-854E-F3E08FD324D7}" type="CELLRANGE">
                       <a:rPr lang="en-US"/>
                       <a:pPr/>
                       <a:t>[CELLRANGE]</a:t>
@@ -3869,7 +3869,7 @@
                   <a:bodyPr/>
                   <a:lstStyle/>
                   <a:p>
-                    <a:fld id="{2F5BAA27-CD24-4A52-970D-C52AFB63D359}" type="CELLRANGE">
+                    <a:fld id="{E033A7C6-84E0-466C-8EED-9464CCFB6239}" type="CELLRANGE">
                       <a:rPr lang="en-US"/>
                       <a:pPr/>
                       <a:t>[CELLRANGE]</a:t>
@@ -3903,7 +3903,7 @@
                   <a:bodyPr/>
                   <a:lstStyle/>
                   <a:p>
-                    <a:fld id="{D75EF628-F29D-4156-9D34-9610AF35F60C}" type="CELLRANGE">
+                    <a:fld id="{ABAFD707-A7AE-4564-98B1-751ACD567B6A}" type="CELLRANGE">
                       <a:rPr lang="en-US"/>
                       <a:pPr/>
                       <a:t>[CELLRANGE]</a:t>
@@ -3937,7 +3937,7 @@
                   <a:bodyPr/>
                   <a:lstStyle/>
                   <a:p>
-                    <a:fld id="{7DF48D97-9FEE-4E75-AA9C-6EA97888A7E6}" type="CELLRANGE">
+                    <a:fld id="{0C441992-E134-47F6-A1D7-B054BE28BB76}" type="CELLRANGE">
                       <a:rPr lang="en-US"/>
                       <a:pPr/>
                       <a:t>[CELLRANGE]</a:t>
@@ -3971,7 +3971,7 @@
                   <a:bodyPr/>
                   <a:lstStyle/>
                   <a:p>
-                    <a:fld id="{EBEBC13A-F6D3-45A8-831C-3BB9EC10DA2B}" type="CELLRANGE">
+                    <a:fld id="{6A0BC24A-823D-4E11-9A53-6EC2B5D7DB0F}" type="CELLRANGE">
                       <a:rPr lang="en-US"/>
                       <a:pPr/>
                       <a:t>[CELLRANGE]</a:t>
@@ -4005,7 +4005,7 @@
                   <a:bodyPr/>
                   <a:lstStyle/>
                   <a:p>
-                    <a:fld id="{93DB06DF-2817-4758-A7EB-9F2E9201CF0E}" type="CELLRANGE">
+                    <a:fld id="{6CCB84BE-0A08-4C03-BBD9-31B19D59DF7F}" type="CELLRANGE">
                       <a:rPr lang="en-US"/>
                       <a:pPr/>
                       <a:t>[CELLRANGE]</a:t>
@@ -4039,7 +4039,7 @@
                   <a:bodyPr/>
                   <a:lstStyle/>
                   <a:p>
-                    <a:fld id="{9440ED28-7290-4796-91D4-F97C33CED3C8}" type="CELLRANGE">
+                    <a:fld id="{DD8FE1B1-4FD5-4467-B719-379CF2304974}" type="CELLRANGE">
                       <a:rPr lang="en-US"/>
                       <a:pPr/>
                       <a:t>[CELLRANGE]</a:t>
@@ -4073,7 +4073,7 @@
                   <a:bodyPr/>
                   <a:lstStyle/>
                   <a:p>
-                    <a:fld id="{7110F330-543B-4642-80BE-6EE0FAEBCA62}" type="CELLRANGE">
+                    <a:fld id="{1A739D43-2E47-4422-A8D1-B8A7F6D0217D}" type="CELLRANGE">
                       <a:rPr lang="en-US"/>
                       <a:pPr/>
                       <a:t>[CELLRANGE]</a:t>
@@ -4107,7 +4107,7 @@
                   <a:bodyPr/>
                   <a:lstStyle/>
                   <a:p>
-                    <a:fld id="{745193A1-3ECF-4FEF-B885-92F6FC7EA58E}" type="CELLRANGE">
+                    <a:fld id="{A46267BB-A4BA-40C0-83F6-19C62E45810C}" type="CELLRANGE">
                       <a:rPr lang="en-US"/>
                       <a:pPr/>
                       <a:t>[CELLRANGE]</a:t>
@@ -4141,7 +4141,7 @@
                   <a:bodyPr/>
                   <a:lstStyle/>
                   <a:p>
-                    <a:fld id="{A9B6A453-577D-423B-A7F8-D2523769DEB0}" type="CELLRANGE">
+                    <a:fld id="{04768CFA-C398-4EA9-A260-E6D262A5F10A}" type="CELLRANGE">
                       <a:rPr lang="en-US"/>
                       <a:pPr/>
                       <a:t>[CELLRANGE]</a:t>
@@ -4175,7 +4175,7 @@
                   <a:bodyPr/>
                   <a:lstStyle/>
                   <a:p>
-                    <a:fld id="{D46A3CAF-56FA-4F92-8663-CA767D44D2A4}" type="CELLRANGE">
+                    <a:fld id="{344A9019-2A13-4BFC-AEC4-D89C5CD096A6}" type="CELLRANGE">
                       <a:rPr lang="en-US"/>
                       <a:pPr/>
                       <a:t>[CELLRANGE]</a:t>
@@ -4209,7 +4209,7 @@
                   <a:bodyPr/>
                   <a:lstStyle/>
                   <a:p>
-                    <a:fld id="{99B1EE97-CB7C-4D92-9BF4-809D4A5B33DD}" type="CELLRANGE">
+                    <a:fld id="{0046C2A0-FBAB-4AB5-99C3-89F7511154A0}" type="CELLRANGE">
                       <a:rPr lang="en-US"/>
                       <a:pPr/>
                       <a:t>[CELLRANGE]</a:t>
@@ -4243,7 +4243,7 @@
                   <a:bodyPr/>
                   <a:lstStyle/>
                   <a:p>
-                    <a:fld id="{320D56D9-3366-4F41-B847-D3E81162B846}" type="CELLRANGE">
+                    <a:fld id="{7E74E29B-175E-44D7-B72C-A07C3DEAB7FD}" type="CELLRANGE">
                       <a:rPr lang="en-US"/>
                       <a:pPr/>
                       <a:t>[CELLRANGE]</a:t>
@@ -4277,7 +4277,7 @@
                   <a:bodyPr/>
                   <a:lstStyle/>
                   <a:p>
-                    <a:fld id="{E80B9E35-89F4-4ED2-B166-787A8CD002FF}" type="CELLRANGE">
+                    <a:fld id="{5441A234-3301-469A-89F4-E9634B1CF643}" type="CELLRANGE">
                       <a:rPr lang="en-US"/>
                       <a:pPr/>
                       <a:t>[CELLRANGE]</a:t>
@@ -4311,7 +4311,7 @@
                   <a:bodyPr/>
                   <a:lstStyle/>
                   <a:p>
-                    <a:fld id="{2B5F4A92-6EA7-4540-9250-2220E9AFB7DF}" type="CELLRANGE">
+                    <a:fld id="{C4B5F964-6D78-4B88-BE4D-1BCA15FC6B84}" type="CELLRANGE">
                       <a:rPr lang="en-US"/>
                       <a:pPr/>
                       <a:t>[CELLRANGE]</a:t>
@@ -4345,7 +4345,7 @@
                   <a:bodyPr/>
                   <a:lstStyle/>
                   <a:p>
-                    <a:fld id="{D855BC82-B3C5-4CE9-A46A-C3AC13E4BBDF}" type="CELLRANGE">
+                    <a:fld id="{08E48407-4936-48A3-A9DB-A714E88FC888}" type="CELLRANGE">
                       <a:rPr lang="en-US"/>
                       <a:pPr/>
                       <a:t>[CELLRANGE]</a:t>
@@ -4379,7 +4379,7 @@
                   <a:bodyPr/>
                   <a:lstStyle/>
                   <a:p>
-                    <a:fld id="{DC28610A-4E55-41A0-8B97-FDAFB6618BB6}" type="CELLRANGE">
+                    <a:fld id="{03142B5D-CE1E-4736-A711-DB2511170D19}" type="CELLRANGE">
                       <a:rPr lang="en-US"/>
                       <a:pPr/>
                       <a:t>[CELLRANGE]</a:t>
@@ -4413,7 +4413,7 @@
                   <a:bodyPr/>
                   <a:lstStyle/>
                   <a:p>
-                    <a:fld id="{D61B3E80-E8C0-4451-ACAE-16FB27DD14F1}" type="CELLRANGE">
+                    <a:fld id="{39002214-B855-4835-89DA-8839BE7E62E2}" type="CELLRANGE">
                       <a:rPr lang="en-US"/>
                       <a:pPr/>
                       <a:t>[CELLRANGE]</a:t>
@@ -4447,7 +4447,7 @@
                   <a:bodyPr/>
                   <a:lstStyle/>
                   <a:p>
-                    <a:fld id="{97492CE7-778A-4BB7-82AE-729C8EB4EA88}" type="CELLRANGE">
+                    <a:fld id="{C1CC6A39-A7D7-4E75-B7AD-9379363770BC}" type="CELLRANGE">
                       <a:rPr lang="en-US"/>
                       <a:pPr/>
                       <a:t>[CELLRANGE]</a:t>
@@ -4481,7 +4481,7 @@
                   <a:bodyPr/>
                   <a:lstStyle/>
                   <a:p>
-                    <a:fld id="{3D542140-49E8-46CF-A3A7-52C02F6655D4}" type="CELLRANGE">
+                    <a:fld id="{6B570D41-BB9E-4036-97DF-8AA7044C95F1}" type="CELLRANGE">
                       <a:rPr lang="en-US"/>
                       <a:pPr/>
                       <a:t>[CELLRANGE]</a:t>
@@ -4515,7 +4515,7 @@
                   <a:bodyPr/>
                   <a:lstStyle/>
                   <a:p>
-                    <a:fld id="{1EA38F14-FF2C-4995-92B6-96676F0CDD68}" type="CELLRANGE">
+                    <a:fld id="{96E1696F-4E42-4AE7-ABCC-61752AB3D479}" type="CELLRANGE">
                       <a:rPr lang="en-US"/>
                       <a:pPr/>
                       <a:t>[CELLRANGE]</a:t>
@@ -4549,7 +4549,7 @@
                   <a:bodyPr/>
                   <a:lstStyle/>
                   <a:p>
-                    <a:fld id="{E5F97D3F-12AD-4CE0-A196-207B7C7A8967}" type="CELLRANGE">
+                    <a:fld id="{2AF270A3-5B7E-4B48-B966-DACDF7194C8C}" type="CELLRANGE">
                       <a:rPr lang="en-US"/>
                       <a:pPr/>
                       <a:t>[CELLRANGE]</a:t>
@@ -4583,7 +4583,7 @@
                   <a:bodyPr/>
                   <a:lstStyle/>
                   <a:p>
-                    <a:fld id="{21B4DE7E-23C6-4B03-AD9C-D5F9027E71F9}" type="CELLRANGE">
+                    <a:fld id="{D7DBAC97-A521-4B27-9B53-318C34B9F18F}" type="CELLRANGE">
                       <a:rPr lang="en-US"/>
                       <a:pPr/>
                       <a:t>[CELLRANGE]</a:t>
@@ -4617,7 +4617,7 @@
                   <a:bodyPr/>
                   <a:lstStyle/>
                   <a:p>
-                    <a:fld id="{93C01C68-7B8B-4FB3-9DDB-0229C4DCA94C}" type="CELLRANGE">
+                    <a:fld id="{0BADD6CB-11CD-4950-AD1C-DA2E95052E78}" type="CELLRANGE">
                       <a:rPr lang="en-US"/>
                       <a:pPr/>
                       <a:t>[CELLRANGE]</a:t>
@@ -4651,7 +4651,7 @@
                   <a:bodyPr/>
                   <a:lstStyle/>
                   <a:p>
-                    <a:fld id="{2B737DCE-77A8-4917-B261-8B4CFC788B05}" type="CELLRANGE">
+                    <a:fld id="{FE835511-4B60-4ACC-BD58-37BF104E4FF0}" type="CELLRANGE">
                       <a:rPr lang="en-US"/>
                       <a:pPr/>
                       <a:t>[CELLRANGE]</a:t>
@@ -4685,7 +4685,7 @@
                   <a:bodyPr/>
                   <a:lstStyle/>
                   <a:p>
-                    <a:fld id="{D2707A00-5F68-412D-8B50-F74A57FC9ABD}" type="CELLRANGE">
+                    <a:fld id="{85F10DB4-555C-454D-B7C7-D3BD872201E3}" type="CELLRANGE">
                       <a:rPr lang="en-US"/>
                       <a:pPr/>
                       <a:t>[CELLRANGE]</a:t>
@@ -4719,7 +4719,7 @@
                   <a:bodyPr/>
                   <a:lstStyle/>
                   <a:p>
-                    <a:fld id="{9242D712-116E-403A-B828-BB860B11C1B0}" type="CELLRANGE">
+                    <a:fld id="{04107605-1063-4B8B-A97C-6F7DDFE167FB}" type="CELLRANGE">
                       <a:rPr lang="en-US"/>
                       <a:pPr/>
                       <a:t>[CELLRANGE]</a:t>
@@ -4753,7 +4753,7 @@
                   <a:bodyPr/>
                   <a:lstStyle/>
                   <a:p>
-                    <a:fld id="{5A4753B8-50AE-4E46-924A-8F7F63CEC9C6}" type="CELLRANGE">
+                    <a:fld id="{69D216B9-8313-490C-A730-D4BF0397CE8C}" type="CELLRANGE">
                       <a:rPr lang="en-US"/>
                       <a:pPr/>
                       <a:t>[CELLRANGE]</a:t>
@@ -4787,7 +4787,7 @@
                   <a:bodyPr/>
                   <a:lstStyle/>
                   <a:p>
-                    <a:fld id="{D8068FBE-397A-478A-9F37-5BA075E31583}" type="CELLRANGE">
+                    <a:fld id="{04BCB88A-6DD0-436C-9A6F-3A9DC1DFC24F}" type="CELLRANGE">
                       <a:rPr lang="en-US"/>
                       <a:pPr/>
                       <a:t>[CELLRANGE]</a:t>
@@ -4821,7 +4821,7 @@
                   <a:bodyPr/>
                   <a:lstStyle/>
                   <a:p>
-                    <a:fld id="{5F9DCDB0-FA7C-479A-9515-82AA6563F76C}" type="CELLRANGE">
+                    <a:fld id="{35525C42-8C2C-4129-9C8E-60F2E15B2525}" type="CELLRANGE">
                       <a:rPr lang="en-US"/>
                       <a:pPr/>
                       <a:t>[CELLRANGE]</a:t>
@@ -4855,7 +4855,7 @@
                   <a:bodyPr/>
                   <a:lstStyle/>
                   <a:p>
-                    <a:fld id="{2105059D-BE3F-4BCC-BEF2-A389647BC803}" type="CELLRANGE">
+                    <a:fld id="{865E8D3D-56CD-456E-BAD8-882DC98A770B}" type="CELLRANGE">
                       <a:rPr lang="en-US"/>
                       <a:pPr/>
                       <a:t>[CELLRANGE]</a:t>
@@ -4889,7 +4889,7 @@
                   <a:bodyPr/>
                   <a:lstStyle/>
                   <a:p>
-                    <a:fld id="{0AD719B0-D157-4388-9C97-9F51791A9741}" type="CELLRANGE">
+                    <a:fld id="{4BC0C463-8AA3-4F12-B5B7-9F372EDB0F69}" type="CELLRANGE">
                       <a:rPr lang="en-US"/>
                       <a:pPr/>
                       <a:t>[CELLRANGE]</a:t>
@@ -4923,7 +4923,7 @@
                   <a:bodyPr/>
                   <a:lstStyle/>
                   <a:p>
-                    <a:fld id="{0E1296CC-747A-43E9-86E1-40B258EE344C}" type="CELLRANGE">
+                    <a:fld id="{0683417F-63A8-4D6F-B2B6-BC4658D79C73}" type="CELLRANGE">
                       <a:rPr lang="en-US"/>
                       <a:pPr/>
                       <a:t>[CELLRANGE]</a:t>
@@ -4957,7 +4957,7 @@
                   <a:bodyPr/>
                   <a:lstStyle/>
                   <a:p>
-                    <a:fld id="{D6B23F87-E5A8-4514-BD15-03354830D034}" type="CELLRANGE">
+                    <a:fld id="{A46AD6E2-C9D5-4CAE-AEBC-D806C97F66B7}" type="CELLRANGE">
                       <a:rPr lang="en-US"/>
                       <a:pPr/>
                       <a:t>[CELLRANGE]</a:t>
@@ -4991,7 +4991,7 @@
                   <a:bodyPr/>
                   <a:lstStyle/>
                   <a:p>
-                    <a:fld id="{3EA5B2CB-F153-4C46-8724-EF5A7FA98560}" type="CELLRANGE">
+                    <a:fld id="{B39F6D62-9BB4-40EE-A98B-25F3E8BE104E}" type="CELLRANGE">
                       <a:rPr lang="en-US"/>
                       <a:pPr/>
                       <a:t>[CELLRANGE]</a:t>
@@ -5025,7 +5025,7 @@
                   <a:bodyPr/>
                   <a:lstStyle/>
                   <a:p>
-                    <a:fld id="{9FF8B68B-218D-4259-8FB4-5EFBFDC4276E}" type="CELLRANGE">
+                    <a:fld id="{AB3D872B-7730-4AE8-986C-717B69159C36}" type="CELLRANGE">
                       <a:rPr lang="en-US"/>
                       <a:pPr/>
                       <a:t>[CELLRANGE]</a:t>
@@ -5059,7 +5059,7 @@
                   <a:bodyPr/>
                   <a:lstStyle/>
                   <a:p>
-                    <a:fld id="{C4FC3873-CEAB-4FBA-8A7E-F1E43F18D9B7}" type="CELLRANGE">
+                    <a:fld id="{9EDC01DA-561F-4D2B-81B6-3FDF17F915FC}" type="CELLRANGE">
                       <a:rPr lang="en-US"/>
                       <a:pPr/>
                       <a:t>[CELLRANGE]</a:t>
@@ -5093,7 +5093,7 @@
                   <a:bodyPr/>
                   <a:lstStyle/>
                   <a:p>
-                    <a:fld id="{A74A4346-3380-4E1B-BFEB-2E115D149E99}" type="CELLRANGE">
+                    <a:fld id="{2BEE999B-B716-4750-8429-53D8BC92672D}" type="CELLRANGE">
                       <a:rPr lang="en-US"/>
                       <a:pPr/>
                       <a:t>[CELLRANGE]</a:t>
@@ -5127,7 +5127,7 @@
                   <a:bodyPr/>
                   <a:lstStyle/>
                   <a:p>
-                    <a:fld id="{F064EF48-723E-4DB9-B4F9-80132C39C765}" type="CELLRANGE">
+                    <a:fld id="{62426D31-0469-4C64-854B-F107C8A43340}" type="CELLRANGE">
                       <a:rPr lang="en-US"/>
                       <a:pPr/>
                       <a:t>[CELLRANGE]</a:t>
@@ -5161,7 +5161,7 @@
                   <a:bodyPr/>
                   <a:lstStyle/>
                   <a:p>
-                    <a:fld id="{FAE23CFE-C311-4511-9C06-291750258F22}" type="CELLRANGE">
+                    <a:fld id="{80DE0FF3-4A48-4319-8E41-338856FD19CC}" type="CELLRANGE">
                       <a:rPr lang="en-US"/>
                       <a:pPr/>
                       <a:t>[CELLRANGE]</a:t>
@@ -5195,7 +5195,7 @@
                   <a:bodyPr/>
                   <a:lstStyle/>
                   <a:p>
-                    <a:fld id="{29B67BAD-E29A-42ED-BE1C-B80903072F71}" type="CELLRANGE">
+                    <a:fld id="{437B32EE-85A9-494C-ADDA-EBC8B66C701E}" type="CELLRANGE">
                       <a:rPr lang="en-US"/>
                       <a:pPr/>
                       <a:t>[CELLRANGE]</a:t>
@@ -5229,7 +5229,7 @@
                   <a:bodyPr/>
                   <a:lstStyle/>
                   <a:p>
-                    <a:fld id="{7C676E61-E735-45BB-A56E-D43C074C36F3}" type="CELLRANGE">
+                    <a:fld id="{63A5FE70-375A-43F7-A5CD-6D691D660502}" type="CELLRANGE">
                       <a:rPr lang="en-US"/>
                       <a:pPr/>
                       <a:t>[CELLRANGE]</a:t>
@@ -5263,7 +5263,7 @@
                   <a:bodyPr/>
                   <a:lstStyle/>
                   <a:p>
-                    <a:fld id="{ADD82CA5-A167-4E16-9CF4-162125CA4861}" type="CELLRANGE">
+                    <a:fld id="{0F288EA4-1EB3-4078-9C5B-B847E147A2AC}" type="CELLRANGE">
                       <a:rPr lang="en-US"/>
                       <a:pPr/>
                       <a:t>[CELLRANGE]</a:t>
@@ -5297,7 +5297,7 @@
                   <a:bodyPr/>
                   <a:lstStyle/>
                   <a:p>
-                    <a:fld id="{EF906440-A969-47C5-8324-02C0FCEEFA69}" type="CELLRANGE">
+                    <a:fld id="{91872C2D-8D70-4D7D-B793-3DE7794A3960}" type="CELLRANGE">
                       <a:rPr lang="en-US"/>
                       <a:pPr/>
                       <a:t>[CELLRANGE]</a:t>
@@ -5331,7 +5331,7 @@
                   <a:bodyPr/>
                   <a:lstStyle/>
                   <a:p>
-                    <a:fld id="{B517F908-172D-44E4-ABC6-7FA897EAB35F}" type="CELLRANGE">
+                    <a:fld id="{AE90D9DF-61E5-425F-BB25-4FC41ED86261}" type="CELLRANGE">
                       <a:rPr lang="en-US"/>
                       <a:pPr/>
                       <a:t>[CELLRANGE]</a:t>
@@ -5365,7 +5365,7 @@
                   <a:bodyPr/>
                   <a:lstStyle/>
                   <a:p>
-                    <a:fld id="{0CE54AF1-A505-41A7-8D8E-12D6611D01AF}" type="CELLRANGE">
+                    <a:fld id="{BC3D2008-F3A4-4F78-BE88-1004811862D7}" type="CELLRANGE">
                       <a:rPr lang="en-US"/>
                       <a:pPr/>
                       <a:t>[CELLRANGE]</a:t>
@@ -5399,7 +5399,7 @@
                   <a:bodyPr/>
                   <a:lstStyle/>
                   <a:p>
-                    <a:fld id="{D6533AE2-D258-406E-BFFF-C9A4141D0DCF}" type="CELLRANGE">
+                    <a:fld id="{A91DC4DD-AD3B-460D-A45E-729E3DD8C097}" type="CELLRANGE">
                       <a:rPr lang="en-US"/>
                       <a:pPr/>
                       <a:t>[CELLRANGE]</a:t>
@@ -5433,7 +5433,7 @@
                   <a:bodyPr/>
                   <a:lstStyle/>
                   <a:p>
-                    <a:fld id="{E36F3277-03BE-487F-85D7-C5754692AA76}" type="CELLRANGE">
+                    <a:fld id="{0AE0C040-658C-4A54-8187-A0118EE9661D}" type="CELLRANGE">
                       <a:rPr lang="en-US"/>
                       <a:pPr/>
                       <a:t>[CELLRANGE]</a:t>
@@ -5467,7 +5467,7 @@
                   <a:bodyPr/>
                   <a:lstStyle/>
                   <a:p>
-                    <a:fld id="{4AFBEB57-33AB-4C37-94B4-75AE58B56840}" type="CELLRANGE">
+                    <a:fld id="{45DAC7B4-EB86-4D66-BD0F-A7F7731A4510}" type="CELLRANGE">
                       <a:rPr lang="en-US"/>
                       <a:pPr/>
                       <a:t>[CELLRANGE]</a:t>
@@ -5501,7 +5501,7 @@
                   <a:bodyPr/>
                   <a:lstStyle/>
                   <a:p>
-                    <a:fld id="{0347D7C1-D2CE-4305-AB55-BFED6964553A}" type="CELLRANGE">
+                    <a:fld id="{BC315042-C197-467D-A9C4-34B69BC399F8}" type="CELLRANGE">
                       <a:rPr lang="en-US"/>
                       <a:pPr/>
                       <a:t>[CELLRANGE]</a:t>
@@ -5535,7 +5535,7 @@
                   <a:bodyPr/>
                   <a:lstStyle/>
                   <a:p>
-                    <a:fld id="{172867E2-5DDB-46BB-81DF-76794EDDBB5C}" type="CELLRANGE">
+                    <a:fld id="{D889B090-620B-44FD-8ED1-2F81A5207CB8}" type="CELLRANGE">
                       <a:rPr lang="en-US"/>
                       <a:pPr/>
                       <a:t>[CELLRANGE]</a:t>
@@ -5569,7 +5569,7 @@
                   <a:bodyPr/>
                   <a:lstStyle/>
                   <a:p>
-                    <a:fld id="{D433D7D1-77E6-4CB5-9E5F-9A9BDBE7ACCE}" type="CELLRANGE">
+                    <a:fld id="{20C26C0C-5A2B-4B5B-A640-BCCB28272FED}" type="CELLRANGE">
                       <a:rPr lang="en-US"/>
                       <a:pPr/>
                       <a:t>[CELLRANGE]</a:t>
@@ -5603,7 +5603,7 @@
                   <a:bodyPr/>
                   <a:lstStyle/>
                   <a:p>
-                    <a:fld id="{28CEDD07-7E88-4D38-9AAD-13B8EB61A331}" type="CELLRANGE">
+                    <a:fld id="{DEEF8207-6105-4CFA-A6D9-3090638564B0}" type="CELLRANGE">
                       <a:rPr lang="en-US"/>
                       <a:pPr/>
                       <a:t>[CELLRANGE]</a:t>
@@ -5637,7 +5637,7 @@
                   <a:bodyPr/>
                   <a:lstStyle/>
                   <a:p>
-                    <a:fld id="{1103EBD7-77C5-42BE-886B-291F88F8EB74}" type="CELLRANGE">
+                    <a:fld id="{379DE0EE-5D5F-468E-8AB7-4EB9CA517B5A}" type="CELLRANGE">
                       <a:rPr lang="en-US"/>
                       <a:pPr/>
                       <a:t>[CELLRANGE]</a:t>
@@ -5671,7 +5671,7 @@
                   <a:bodyPr/>
                   <a:lstStyle/>
                   <a:p>
-                    <a:fld id="{95E57F4D-A2E2-4D03-81EF-FB720629AA18}" type="CELLRANGE">
+                    <a:fld id="{BD0BE792-AC14-45C7-B750-78A86230D451}" type="CELLRANGE">
                       <a:rPr lang="en-US"/>
                       <a:pPr/>
                       <a:t>[CELLRANGE]</a:t>
@@ -5705,7 +5705,7 @@
                   <a:bodyPr/>
                   <a:lstStyle/>
                   <a:p>
-                    <a:fld id="{AF6FC236-DDB5-410B-84DE-55B21294214E}" type="CELLRANGE">
+                    <a:fld id="{BB39E288-A7CF-46F9-AA02-B21D3EC71ED7}" type="CELLRANGE">
                       <a:rPr lang="en-US"/>
                       <a:pPr/>
                       <a:t>[CELLRANGE]</a:t>
@@ -5739,7 +5739,7 @@
                   <a:bodyPr/>
                   <a:lstStyle/>
                   <a:p>
-                    <a:fld id="{AA51D160-5D00-401E-B0CF-EF75AED4E858}" type="CELLRANGE">
+                    <a:fld id="{02CBC990-B763-48DD-AB26-E31FC673185E}" type="CELLRANGE">
                       <a:rPr lang="en-US"/>
                       <a:pPr/>
                       <a:t>[CELLRANGE]</a:t>
@@ -5773,7 +5773,7 @@
                   <a:bodyPr/>
                   <a:lstStyle/>
                   <a:p>
-                    <a:fld id="{08AAEAA3-E5D7-44BE-A4C8-E94A9E6E63E5}" type="CELLRANGE">
+                    <a:fld id="{71000378-2077-4218-B088-975C70D168F3}" type="CELLRANGE">
                       <a:rPr lang="en-US"/>
                       <a:pPr/>
                       <a:t>[CELLRANGE]</a:t>
@@ -5807,7 +5807,7 @@
                   <a:bodyPr/>
                   <a:lstStyle/>
                   <a:p>
-                    <a:fld id="{3C73364D-8BE3-4D6A-B2C4-F030510EBB1D}" type="CELLRANGE">
+                    <a:fld id="{E99C92E3-C5BC-4EF0-B28D-B04652C8C4CC}" type="CELLRANGE">
                       <a:rPr lang="en-US"/>
                       <a:pPr/>
                       <a:t>[CELLRANGE]</a:t>
@@ -5841,7 +5841,7 @@
                   <a:bodyPr/>
                   <a:lstStyle/>
                   <a:p>
-                    <a:fld id="{24AE94E4-8564-406D-916B-1FFEE33E1EE7}" type="CELLRANGE">
+                    <a:fld id="{D8AC6FF6-0D7C-442D-98C2-F715569632E2}" type="CELLRANGE">
                       <a:rPr lang="en-US"/>
                       <a:pPr/>
                       <a:t>[CELLRANGE]</a:t>
@@ -5875,7 +5875,7 @@
                   <a:bodyPr/>
                   <a:lstStyle/>
                   <a:p>
-                    <a:fld id="{8F388187-5639-4610-B119-CA25807567B3}" type="CELLRANGE">
+                    <a:fld id="{498704F2-8442-47AF-B2D7-E1C726BF1F8F}" type="CELLRANGE">
                       <a:rPr lang="en-US"/>
                       <a:pPr/>
                       <a:t>[CELLRANGE]</a:t>
@@ -5909,7 +5909,7 @@
                   <a:bodyPr/>
                   <a:lstStyle/>
                   <a:p>
-                    <a:fld id="{A6974159-50D1-4D69-8096-32148009121C}" type="CELLRANGE">
+                    <a:fld id="{528E3DD8-18F5-4C2D-8246-2D85C8430E66}" type="CELLRANGE">
                       <a:rPr lang="en-US"/>
                       <a:pPr/>
                       <a:t>[CELLRANGE]</a:t>
@@ -5943,7 +5943,7 @@
                   <a:bodyPr/>
                   <a:lstStyle/>
                   <a:p>
-                    <a:fld id="{C8846EEF-84AC-4172-A7ED-3B50922D8B02}" type="CELLRANGE">
+                    <a:fld id="{006B029B-6BFA-4874-A151-14953FA2B542}" type="CELLRANGE">
                       <a:rPr lang="en-US"/>
                       <a:pPr/>
                       <a:t>[CELLRANGE]</a:t>
@@ -5977,7 +5977,7 @@
                   <a:bodyPr/>
                   <a:lstStyle/>
                   <a:p>
-                    <a:fld id="{F245A226-438C-47A1-915F-88FE894B6271}" type="CELLRANGE">
+                    <a:fld id="{21D77A36-3DE3-434E-A709-F0BD1C9C4C03}" type="CELLRANGE">
                       <a:rPr lang="en-US"/>
                       <a:pPr/>
                       <a:t>[CELLRANGE]</a:t>
@@ -6011,7 +6011,7 @@
                   <a:bodyPr/>
                   <a:lstStyle/>
                   <a:p>
-                    <a:fld id="{ED44D977-22C8-4624-8991-A74E24153B6A}" type="CELLRANGE">
+                    <a:fld id="{31852206-4FBD-4E8E-8F94-2C484314E54A}" type="CELLRANGE">
                       <a:rPr lang="en-US"/>
                       <a:pPr/>
                       <a:t>[CELLRANGE]</a:t>
@@ -6045,7 +6045,7 @@
                   <a:bodyPr/>
                   <a:lstStyle/>
                   <a:p>
-                    <a:fld id="{8DD4A9F6-F314-483B-9B20-7C2C222A87CA}" type="CELLRANGE">
+                    <a:fld id="{5E5966EE-82D9-43DA-BBD4-BA5A8149D630}" type="CELLRANGE">
                       <a:rPr lang="en-US"/>
                       <a:pPr/>
                       <a:t>[CELLRANGE]</a:t>
@@ -6079,7 +6079,7 @@
                   <a:bodyPr/>
                   <a:lstStyle/>
                   <a:p>
-                    <a:fld id="{7D17CF34-8A48-4BF7-B056-8905782EF486}" type="CELLRANGE">
+                    <a:fld id="{48BD90F8-2394-4B21-B53E-20128DFF7148}" type="CELLRANGE">
                       <a:rPr lang="en-US"/>
                       <a:pPr/>
                       <a:t>[CELLRANGE]</a:t>
@@ -6113,7 +6113,7 @@
                   <a:bodyPr/>
                   <a:lstStyle/>
                   <a:p>
-                    <a:fld id="{27E08013-5F3C-4E78-B78E-5C877D70D9EE}" type="CELLRANGE">
+                    <a:fld id="{67B31C2D-F96A-460B-BBDA-C8CD07D49E48}" type="CELLRANGE">
                       <a:rPr lang="en-US"/>
                       <a:pPr/>
                       <a:t>[CELLRANGE]</a:t>
@@ -6147,7 +6147,7 @@
                   <a:bodyPr/>
                   <a:lstStyle/>
                   <a:p>
-                    <a:fld id="{61F03FE6-DCAA-4C23-BBB9-28035AEA78BC}" type="CELLRANGE">
+                    <a:fld id="{5E7D7150-4138-4EC6-91EE-01B107065163}" type="CELLRANGE">
                       <a:rPr lang="en-US"/>
                       <a:pPr/>
                       <a:t>[CELLRANGE]</a:t>
@@ -6181,7 +6181,7 @@
                   <a:bodyPr/>
                   <a:lstStyle/>
                   <a:p>
-                    <a:fld id="{A4605E4F-8DDD-4954-84AE-C4376F8DF292}" type="CELLRANGE">
+                    <a:fld id="{9BCEC74B-313D-45CB-9B54-B97208CD4CAE}" type="CELLRANGE">
                       <a:rPr lang="en-US"/>
                       <a:pPr/>
                       <a:t>[CELLRANGE]</a:t>
@@ -6215,7 +6215,7 @@
                   <a:bodyPr/>
                   <a:lstStyle/>
                   <a:p>
-                    <a:fld id="{79C9D472-D706-4167-A5F0-33EFB30A184B}" type="CELLRANGE">
+                    <a:fld id="{5D0E82EE-887A-4BEE-BEF7-70FB9BD0F9D6}" type="CELLRANGE">
                       <a:rPr lang="en-US"/>
                       <a:pPr/>
                       <a:t>[CELLRANGE]</a:t>
@@ -6249,7 +6249,7 @@
                   <a:bodyPr/>
                   <a:lstStyle/>
                   <a:p>
-                    <a:fld id="{EA3FD698-DEBF-4E4D-AC7C-B874A97EC4BF}" type="CELLRANGE">
+                    <a:fld id="{3897662E-BDF1-4B31-B690-8A79AF4A31B9}" type="CELLRANGE">
                       <a:rPr lang="en-US"/>
                       <a:pPr/>
                       <a:t>[CELLRANGE]</a:t>
@@ -6283,7 +6283,7 @@
                   <a:bodyPr/>
                   <a:lstStyle/>
                   <a:p>
-                    <a:fld id="{41052419-DC31-4A9D-86EE-2C3FA4F49A4C}" type="CELLRANGE">
+                    <a:fld id="{38AD49A2-24B4-45C8-9B49-AA4546E67674}" type="CELLRANGE">
                       <a:rPr lang="en-US"/>
                       <a:pPr/>
                       <a:t>[CELLRANGE]</a:t>
@@ -6317,7 +6317,7 @@
                   <a:bodyPr/>
                   <a:lstStyle/>
                   <a:p>
-                    <a:fld id="{6CB7509C-6416-40DE-AAF9-69D6445E92E1}" type="CELLRANGE">
+                    <a:fld id="{33D0E058-A89D-49CE-8D04-18349B9DEBAC}" type="CELLRANGE">
                       <a:rPr lang="en-US"/>
                       <a:pPr/>
                       <a:t>[CELLRANGE]</a:t>
@@ -6351,7 +6351,7 @@
                   <a:bodyPr/>
                   <a:lstStyle/>
                   <a:p>
-                    <a:fld id="{2708D43B-45E6-47C4-B025-19CF81343575}" type="CELLRANGE">
+                    <a:fld id="{7868CB4F-4940-49D2-909F-CDCD0B0A4A03}" type="CELLRANGE">
                       <a:rPr lang="en-US"/>
                       <a:pPr/>
                       <a:t>[CELLRANGE]</a:t>
@@ -6385,7 +6385,7 @@
                   <a:bodyPr/>
                   <a:lstStyle/>
                   <a:p>
-                    <a:fld id="{B63DFA5D-0F4E-48F2-B172-533058A4BB44}" type="CELLRANGE">
+                    <a:fld id="{8ABCEED2-24D2-439F-BC0B-5BE0B105474C}" type="CELLRANGE">
                       <a:rPr lang="en-US"/>
                       <a:pPr/>
                       <a:t>[CELLRANGE]</a:t>
@@ -6419,7 +6419,7 @@
                   <a:bodyPr/>
                   <a:lstStyle/>
                   <a:p>
-                    <a:fld id="{3465BB49-FE94-4ACF-A29F-5BC9B2F5D5F8}" type="CELLRANGE">
+                    <a:fld id="{548294C9-3070-4244-BFD6-77741D456E81}" type="CELLRANGE">
                       <a:rPr lang="en-US"/>
                       <a:pPr/>
                       <a:t>[CELLRANGE]</a:t>
@@ -6453,7 +6453,7 @@
                   <a:bodyPr/>
                   <a:lstStyle/>
                   <a:p>
-                    <a:fld id="{CBF7F9A1-19A5-42B7-9D6E-4C8BB3E97DC8}" type="CELLRANGE">
+                    <a:fld id="{51EA9211-FDA3-4BD7-A489-45E0C45A791B}" type="CELLRANGE">
                       <a:rPr lang="en-US"/>
                       <a:pPr/>
                       <a:t>[CELLRANGE]</a:t>
@@ -6487,7 +6487,7 @@
                   <a:bodyPr/>
                   <a:lstStyle/>
                   <a:p>
-                    <a:fld id="{12098DAD-D744-4214-8095-1940C59CE4FD}" type="CELLRANGE">
+                    <a:fld id="{82F8A073-4D19-4B99-8BF6-7FE6C5AB7F5E}" type="CELLRANGE">
                       <a:rPr lang="en-US"/>
                       <a:pPr/>
                       <a:t>[CELLRANGE]</a:t>
@@ -6521,7 +6521,7 @@
                   <a:bodyPr/>
                   <a:lstStyle/>
                   <a:p>
-                    <a:fld id="{F1706409-0090-41D0-A9D3-B0468AAC4B8D}" type="CELLRANGE">
+                    <a:fld id="{51921BD9-7393-476A-A1B4-4EFC6F184FD7}" type="CELLRANGE">
                       <a:rPr lang="en-US"/>
                       <a:pPr/>
                       <a:t>[CELLRANGE]</a:t>
@@ -6555,7 +6555,7 @@
                   <a:bodyPr/>
                   <a:lstStyle/>
                   <a:p>
-                    <a:fld id="{CD0BDF9A-D2F8-4D02-82B6-F25D5D8647DE}" type="CELLRANGE">
+                    <a:fld id="{A3F8AE88-A94D-4A83-9F02-44FD15E304EA}" type="CELLRANGE">
                       <a:rPr lang="en-US"/>
                       <a:pPr/>
                       <a:t>[CELLRANGE]</a:t>
@@ -6589,7 +6589,7 @@
                   <a:bodyPr/>
                   <a:lstStyle/>
                   <a:p>
-                    <a:fld id="{CDD9CF93-6D7E-4893-8708-48C12FDB75C1}" type="CELLRANGE">
+                    <a:fld id="{CE905D76-3889-483E-B63F-EF4612DD343B}" type="CELLRANGE">
                       <a:rPr lang="en-US"/>
                       <a:pPr/>
                       <a:t>[CELLRANGE]</a:t>
@@ -6623,7 +6623,7 @@
                   <a:bodyPr/>
                   <a:lstStyle/>
                   <a:p>
-                    <a:fld id="{C43A6A40-6CDD-47C5-806B-5CFFB8D681F7}" type="CELLRANGE">
+                    <a:fld id="{6D953B49-9728-4E6E-A5F7-98E3635F048D}" type="CELLRANGE">
                       <a:rPr lang="en-US"/>
                       <a:pPr/>
                       <a:t>[CELLRANGE]</a:t>
@@ -6657,7 +6657,7 @@
                   <a:bodyPr/>
                   <a:lstStyle/>
                   <a:p>
-                    <a:fld id="{9C57665B-A9F0-40DA-9C11-48599298CFF3}" type="CELLRANGE">
+                    <a:fld id="{73BCF44F-0BBC-4A70-8BDB-0DE22A9E5726}" type="CELLRANGE">
                       <a:rPr lang="en-US"/>
                       <a:pPr/>
                       <a:t>[CELLRANGE]</a:t>
@@ -6691,7 +6691,7 @@
                   <a:bodyPr/>
                   <a:lstStyle/>
                   <a:p>
-                    <a:fld id="{2F013AE5-19A2-413D-99C5-260D7B1796FE}" type="CELLRANGE">
+                    <a:fld id="{0B4B9455-4DC2-4D46-9376-F0168ED242C2}" type="CELLRANGE">
                       <a:rPr lang="en-US"/>
                       <a:pPr/>
                       <a:t>[CELLRANGE]</a:t>
@@ -6725,7 +6725,7 @@
                   <a:bodyPr/>
                   <a:lstStyle/>
                   <a:p>
-                    <a:fld id="{1E6E456D-3452-4615-9B97-3986CBD6D05B}" type="CELLRANGE">
+                    <a:fld id="{6B2655CF-3E83-4D3E-A1AA-82C6EC61F7CB}" type="CELLRANGE">
                       <a:rPr lang="en-US"/>
                       <a:pPr/>
                       <a:t>[CELLRANGE]</a:t>
@@ -6759,7 +6759,7 @@
                   <a:bodyPr/>
                   <a:lstStyle/>
                   <a:p>
-                    <a:fld id="{22136079-17E2-4C3F-A230-940357F5B3FD}" type="CELLRANGE">
+                    <a:fld id="{42A526A5-5B4B-426C-96CB-7A72E3050CC3}" type="CELLRANGE">
                       <a:rPr lang="en-US"/>
                       <a:pPr/>
                       <a:t>[CELLRANGE]</a:t>
@@ -6793,7 +6793,7 @@
                   <a:bodyPr/>
                   <a:lstStyle/>
                   <a:p>
-                    <a:fld id="{EC1A7E16-201B-4AE5-BA30-7186F3ACD18A}" type="CELLRANGE">
+                    <a:fld id="{FA235651-3BDE-43F4-909C-D7C188A1B62E}" type="CELLRANGE">
                       <a:rPr lang="en-US"/>
                       <a:pPr/>
                       <a:t>[CELLRANGE]</a:t>
@@ -6827,7 +6827,7 @@
                   <a:bodyPr/>
                   <a:lstStyle/>
                   <a:p>
-                    <a:fld id="{44967200-2D53-48F0-B168-B2E1715924C1}" type="CELLRANGE">
+                    <a:fld id="{576C8D21-6E5D-4E1F-B98E-EE1EC5810AAD}" type="CELLRANGE">
                       <a:rPr lang="en-US"/>
                       <a:pPr/>
                       <a:t>[CELLRANGE]</a:t>
@@ -6861,7 +6861,7 @@
                   <a:bodyPr/>
                   <a:lstStyle/>
                   <a:p>
-                    <a:fld id="{FA59443D-4A64-4306-9A17-949190F71D40}" type="CELLRANGE">
+                    <a:fld id="{9BD055E5-3C25-4705-B339-177536C76588}" type="CELLRANGE">
                       <a:rPr lang="en-US"/>
                       <a:pPr/>
                       <a:t>[CELLRANGE]</a:t>
@@ -6895,7 +6895,7 @@
                   <a:bodyPr/>
                   <a:lstStyle/>
                   <a:p>
-                    <a:fld id="{B2EEC07A-FF45-47FB-90C9-6A61C9809018}" type="CELLRANGE">
+                    <a:fld id="{9F8335DF-76EE-48EC-8D44-3CF81D63E34A}" type="CELLRANGE">
                       <a:rPr lang="en-US"/>
                       <a:pPr/>
                       <a:t>[CELLRANGE]</a:t>
@@ -6929,7 +6929,7 @@
                   <a:bodyPr/>
                   <a:lstStyle/>
                   <a:p>
-                    <a:fld id="{8EE4B846-BC10-423A-AC9E-FDE600F80C0D}" type="CELLRANGE">
+                    <a:fld id="{01B16424-3ECC-4161-9656-40C322AC4B5B}" type="CELLRANGE">
                       <a:rPr lang="en-US"/>
                       <a:pPr/>
                       <a:t>[CELLRANGE]</a:t>
@@ -6963,7 +6963,7 @@
                   <a:bodyPr/>
                   <a:lstStyle/>
                   <a:p>
-                    <a:fld id="{D438A6FB-3DD6-4AAA-855A-DBEDA71C3C1E}" type="CELLRANGE">
+                    <a:fld id="{65B40928-49BF-44C4-B6C8-940E8E760808}" type="CELLRANGE">
                       <a:rPr lang="en-US"/>
                       <a:pPr/>
                       <a:t>[CELLRANGE]</a:t>
@@ -6997,7 +6997,7 @@
                   <a:bodyPr/>
                   <a:lstStyle/>
                   <a:p>
-                    <a:fld id="{99C5CC71-7631-468B-B1B5-A7A8A548000C}" type="CELLRANGE">
+                    <a:fld id="{D4F08B9B-6327-4FD0-83BA-5116EB6CE9F4}" type="CELLRANGE">
                       <a:rPr lang="en-US"/>
                       <a:pPr/>
                       <a:t>[CELLRANGE]</a:t>
@@ -7031,7 +7031,7 @@
                   <a:bodyPr/>
                   <a:lstStyle/>
                   <a:p>
-                    <a:fld id="{AC05DE0E-43C3-45F4-9C69-CC3AAD594FC1}" type="CELLRANGE">
+                    <a:fld id="{6AE54A41-2B24-49BA-BF7A-C5B682ADCE27}" type="CELLRANGE">
                       <a:rPr lang="en-US"/>
                       <a:pPr/>
                       <a:t>[CELLRANGE]</a:t>
@@ -7065,7 +7065,7 @@
                   <a:bodyPr/>
                   <a:lstStyle/>
                   <a:p>
-                    <a:fld id="{4ECBD1B1-E80C-4799-AA07-1E59152C1234}" type="CELLRANGE">
+                    <a:fld id="{948429DC-F3AF-4B2D-A518-E67EA22CA7A3}" type="CELLRANGE">
                       <a:rPr lang="en-US"/>
                       <a:pPr/>
                       <a:t>[CELLRANGE]</a:t>
@@ -7099,7 +7099,7 @@
                   <a:bodyPr/>
                   <a:lstStyle/>
                   <a:p>
-                    <a:fld id="{21BD91D9-0F7E-4A4A-812A-39324017DE08}" type="CELLRANGE">
+                    <a:fld id="{8569A479-E539-4B39-A3E9-C6CB8CD0391A}" type="CELLRANGE">
                       <a:rPr lang="en-US"/>
                       <a:pPr/>
                       <a:t>[CELLRANGE]</a:t>
@@ -7133,7 +7133,7 @@
                   <a:bodyPr/>
                   <a:lstStyle/>
                   <a:p>
-                    <a:fld id="{16A04E08-E2FC-4419-A459-DA73DA6888BE}" type="CELLRANGE">
+                    <a:fld id="{4F70678D-D34F-4397-BDE8-E65C79934366}" type="CELLRANGE">
                       <a:rPr lang="en-US"/>
                       <a:pPr/>
                       <a:t>[CELLRANGE]</a:t>
@@ -7167,7 +7167,7 @@
                   <a:bodyPr/>
                   <a:lstStyle/>
                   <a:p>
-                    <a:fld id="{C117B270-D56E-4459-84E8-61B7268D2540}" type="CELLRANGE">
+                    <a:fld id="{FA3DB0B3-FBD7-4945-A4A6-BFB7A2649196}" type="CELLRANGE">
                       <a:rPr lang="en-US"/>
                       <a:pPr/>
                       <a:t>[CELLRANGE]</a:t>
@@ -7201,7 +7201,7 @@
                   <a:bodyPr/>
                   <a:lstStyle/>
                   <a:p>
-                    <a:fld id="{D75810E8-7990-4E1C-B2CD-77BE6CD73B53}" type="CELLRANGE">
+                    <a:fld id="{05FFD32C-269F-4AB5-A96C-3C26D726E92B}" type="CELLRANGE">
                       <a:rPr lang="en-US"/>
                       <a:pPr/>
                       <a:t>[CELLRANGE]</a:t>
@@ -7235,7 +7235,7 @@
                   <a:bodyPr/>
                   <a:lstStyle/>
                   <a:p>
-                    <a:fld id="{2E525478-15A1-48D6-95B8-A80BFE21F7D5}" type="CELLRANGE">
+                    <a:fld id="{63425284-4272-48D8-8C45-0B50B05A6546}" type="CELLRANGE">
                       <a:rPr lang="en-US"/>
                       <a:pPr/>
                       <a:t>[CELLRANGE]</a:t>
@@ -7269,7 +7269,7 @@
                   <a:bodyPr/>
                   <a:lstStyle/>
                   <a:p>
-                    <a:fld id="{339D5D79-EBDD-438E-B253-060591CCBB08}" type="CELLRANGE">
+                    <a:fld id="{9815C6B8-29E7-42DE-AED0-8ED3E61EC755}" type="CELLRANGE">
                       <a:rPr lang="en-US"/>
                       <a:pPr/>
                       <a:t>[CELLRANGE]</a:t>
@@ -7303,7 +7303,7 @@
                   <a:bodyPr/>
                   <a:lstStyle/>
                   <a:p>
-                    <a:fld id="{EAFB7059-8B15-4BBC-B489-A80023546C2A}" type="CELLRANGE">
+                    <a:fld id="{1EFD3652-7238-4CF9-A65A-445BE3E56164}" type="CELLRANGE">
                       <a:rPr lang="en-US"/>
                       <a:pPr/>
                       <a:t>[CELLRANGE]</a:t>
@@ -7337,7 +7337,7 @@
                   <a:bodyPr/>
                   <a:lstStyle/>
                   <a:p>
-                    <a:fld id="{108E7381-89A7-4180-B3BE-0E71B06891D7}" type="CELLRANGE">
+                    <a:fld id="{0CADA4BD-A8A2-472D-B776-E5718331FFFD}" type="CELLRANGE">
                       <a:rPr lang="en-US"/>
                       <a:pPr/>
                       <a:t>[CELLRANGE]</a:t>
@@ -7371,7 +7371,7 @@
                   <a:bodyPr/>
                   <a:lstStyle/>
                   <a:p>
-                    <a:fld id="{D12E4937-DD9A-4676-B2A6-20BB1826829A}" type="CELLRANGE">
+                    <a:fld id="{416D67E3-2760-40F2-A5DE-BF1CFC6CCFA7}" type="CELLRANGE">
                       <a:rPr lang="en-US"/>
                       <a:pPr/>
                       <a:t>[CELLRANGE]</a:t>
@@ -7405,7 +7405,7 @@
                   <a:bodyPr/>
                   <a:lstStyle/>
                   <a:p>
-                    <a:fld id="{83B43D43-023C-4F42-A8C3-DA7C7B7804DC}" type="CELLRANGE">
+                    <a:fld id="{36EEC163-658B-412D-B07A-4A3B66812E2C}" type="CELLRANGE">
                       <a:rPr lang="en-US"/>
                       <a:pPr/>
                       <a:t>[CELLRANGE]</a:t>
@@ -7439,7 +7439,7 @@
                   <a:bodyPr/>
                   <a:lstStyle/>
                   <a:p>
-                    <a:fld id="{7BDFE8E6-7BAC-4EF1-B9F5-C31D003AB4D2}" type="CELLRANGE">
+                    <a:fld id="{1A304E49-8C69-425C-84DC-01C499CF1F1B}" type="CELLRANGE">
                       <a:rPr lang="en-US"/>
                       <a:pPr/>
                       <a:t>[CELLRANGE]</a:t>
@@ -7473,7 +7473,7 @@
                   <a:bodyPr/>
                   <a:lstStyle/>
                   <a:p>
-                    <a:fld id="{386E6BA5-44E1-4229-B9AD-EBA4C3C138C7}" type="CELLRANGE">
+                    <a:fld id="{44B2DB8A-7C6D-4D0B-BC23-55D6DC399030}" type="CELLRANGE">
                       <a:rPr lang="en-US"/>
                       <a:pPr/>
                       <a:t>[CELLRANGE]</a:t>
@@ -7507,7 +7507,7 @@
                   <a:bodyPr/>
                   <a:lstStyle/>
                   <a:p>
-                    <a:fld id="{C4F34453-71E7-48C5-9605-D089CE616394}" type="CELLRANGE">
+                    <a:fld id="{437F2D6F-811D-45D4-B70F-8C9AB0E4D659}" type="CELLRANGE">
                       <a:rPr lang="en-US"/>
                       <a:pPr/>
                       <a:t>[CELLRANGE]</a:t>
@@ -7541,7 +7541,7 @@
                   <a:bodyPr/>
                   <a:lstStyle/>
                   <a:p>
-                    <a:fld id="{96640DA2-3684-432C-9CDB-24AD15A08BA6}" type="CELLRANGE">
+                    <a:fld id="{0F8C739B-71E2-40E5-9CD2-8192BB63F6FA}" type="CELLRANGE">
                       <a:rPr lang="en-US"/>
                       <a:pPr/>
                       <a:t>[CELLRANGE]</a:t>
@@ -7575,7 +7575,7 @@
                   <a:bodyPr/>
                   <a:lstStyle/>
                   <a:p>
-                    <a:fld id="{9441B5D8-4ECE-4E06-949F-7E1857F39C69}" type="CELLRANGE">
+                    <a:fld id="{54BCC88B-CE3D-47E3-B89B-462A71E898AE}" type="CELLRANGE">
                       <a:rPr lang="en-US"/>
                       <a:pPr/>
                       <a:t>[CELLRANGE]</a:t>
@@ -7609,7 +7609,7 @@
                   <a:bodyPr/>
                   <a:lstStyle/>
                   <a:p>
-                    <a:fld id="{7C44604F-B5D1-433E-AB28-974D130A2DCA}" type="CELLRANGE">
+                    <a:fld id="{44B84B36-CAF1-489E-8F66-0C1581BC00CC}" type="CELLRANGE">
                       <a:rPr lang="en-US"/>
                       <a:pPr/>
                       <a:t>[CELLRANGE]</a:t>
@@ -7643,7 +7643,7 @@
                   <a:bodyPr/>
                   <a:lstStyle/>
                   <a:p>
-                    <a:fld id="{458A868B-E601-490E-A7A8-B3D59845B200}" type="CELLRANGE">
+                    <a:fld id="{D556C20F-9B5E-4F08-8356-DB34786C0F52}" type="CELLRANGE">
                       <a:rPr lang="en-US"/>
                       <a:pPr/>
                       <a:t>[CELLRANGE]</a:t>
@@ -7677,7 +7677,7 @@
                   <a:bodyPr/>
                   <a:lstStyle/>
                   <a:p>
-                    <a:fld id="{B1633B83-6E84-48F3-8A15-6BAD6F0EBA5A}" type="CELLRANGE">
+                    <a:fld id="{134F2588-6E6B-476F-AAED-8673705935EE}" type="CELLRANGE">
                       <a:rPr lang="en-US"/>
                       <a:pPr/>
                       <a:t>[CELLRANGE]</a:t>
@@ -7711,7 +7711,7 @@
                   <a:bodyPr/>
                   <a:lstStyle/>
                   <a:p>
-                    <a:fld id="{1C936E1E-997E-42D7-A470-BC4E079A1A9E}" type="CELLRANGE">
+                    <a:fld id="{B1C505E4-503B-4E4A-AEEA-84B20F5E1A89}" type="CELLRANGE">
                       <a:rPr lang="en-US"/>
                       <a:pPr/>
                       <a:t>[CELLRANGE]</a:t>
@@ -7745,7 +7745,7 @@
                   <a:bodyPr/>
                   <a:lstStyle/>
                   <a:p>
-                    <a:fld id="{9D7A26C1-A4BC-4A77-B01A-D04E72009D00}" type="CELLRANGE">
+                    <a:fld id="{9A942722-A415-4C53-B202-CEECB3A8DD2D}" type="CELLRANGE">
                       <a:rPr lang="en-US"/>
                       <a:pPr/>
                       <a:t>[CELLRANGE]</a:t>
@@ -7779,7 +7779,7 @@
                   <a:bodyPr/>
                   <a:lstStyle/>
                   <a:p>
-                    <a:fld id="{27CD1B81-CBF4-4609-81C7-F192990DD1FD}" type="CELLRANGE">
+                    <a:fld id="{9BCD48BD-C747-4037-8061-D9AEDF59F0BC}" type="CELLRANGE">
                       <a:rPr lang="en-US"/>
                       <a:pPr/>
                       <a:t>[CELLRANGE]</a:t>
@@ -7813,7 +7813,7 @@
                   <a:bodyPr/>
                   <a:lstStyle/>
                   <a:p>
-                    <a:fld id="{B8A414C5-70C7-46D8-84DE-BD75EC7BBD8F}" type="CELLRANGE">
+                    <a:fld id="{3DE7CF75-1C54-48E3-9304-6464B24FF476}" type="CELLRANGE">
                       <a:rPr lang="en-US"/>
                       <a:pPr/>
                       <a:t>[CELLRANGE]</a:t>
@@ -7847,7 +7847,7 @@
                   <a:bodyPr/>
                   <a:lstStyle/>
                   <a:p>
-                    <a:fld id="{8C1607C1-1271-4548-9EEA-8CE285D6181B}" type="CELLRANGE">
+                    <a:fld id="{DE4944B4-3B12-4499-8FDF-C5B589462B4C}" type="CELLRANGE">
                       <a:rPr lang="en-US"/>
                       <a:pPr/>
                       <a:t>[CELLRANGE]</a:t>
@@ -7881,7 +7881,7 @@
                   <a:bodyPr/>
                   <a:lstStyle/>
                   <a:p>
-                    <a:fld id="{DCCE4E20-D7C8-4393-A6A4-6C7406A075DD}" type="CELLRANGE">
+                    <a:fld id="{7E68A2AA-644E-4A43-8293-3C547D1D6115}" type="CELLRANGE">
                       <a:rPr lang="en-US"/>
                       <a:pPr/>
                       <a:t>[CELLRANGE]</a:t>
@@ -7915,7 +7915,7 @@
                   <a:bodyPr/>
                   <a:lstStyle/>
                   <a:p>
-                    <a:fld id="{CD40BA48-3046-41C1-A489-B054A3DACBB5}" type="CELLRANGE">
+                    <a:fld id="{0AE3B6A4-3131-49D7-AD62-2CBDA8A44319}" type="CELLRANGE">
                       <a:rPr lang="en-US"/>
                       <a:pPr/>
                       <a:t>[CELLRANGE]</a:t>
@@ -7949,7 +7949,7 @@
                   <a:bodyPr/>
                   <a:lstStyle/>
                   <a:p>
-                    <a:fld id="{6BF14F5D-376B-40E5-ACFA-39D36B445C51}" type="CELLRANGE">
+                    <a:fld id="{0F018C70-87C5-4F6D-A35A-A017D2C23B17}" type="CELLRANGE">
                       <a:rPr lang="en-US"/>
                       <a:pPr/>
                       <a:t>[CELLRANGE]</a:t>
@@ -7983,7 +7983,7 @@
                   <a:bodyPr/>
                   <a:lstStyle/>
                   <a:p>
-                    <a:fld id="{B93ECDEC-07B7-4A44-A6AD-3AA71A2E5CB0}" type="CELLRANGE">
+                    <a:fld id="{0EC9D29A-1940-4676-9261-641710297B1A}" type="CELLRANGE">
                       <a:rPr lang="en-US"/>
                       <a:pPr/>
                       <a:t>[CELLRANGE]</a:t>
@@ -8017,7 +8017,7 @@
                   <a:bodyPr/>
                   <a:lstStyle/>
                   <a:p>
-                    <a:fld id="{0A36C089-C19E-4CDE-9F41-5AE41EF17819}" type="CELLRANGE">
+                    <a:fld id="{94F32E1B-625D-43BD-9382-97B08779472A}" type="CELLRANGE">
                       <a:rPr lang="en-US"/>
                       <a:pPr/>
                       <a:t>[CELLRANGE]</a:t>
@@ -8051,7 +8051,7 @@
                   <a:bodyPr/>
                   <a:lstStyle/>
                   <a:p>
-                    <a:fld id="{786008C0-E746-4C93-A643-12E88BD8090E}" type="CELLRANGE">
+                    <a:fld id="{DAC81C20-2950-47DC-87A4-2DE7295D3A2C}" type="CELLRANGE">
                       <a:rPr lang="en-US"/>
                       <a:pPr/>
                       <a:t>[CELLRANGE]</a:t>
@@ -8085,7 +8085,7 @@
                   <a:bodyPr/>
                   <a:lstStyle/>
                   <a:p>
-                    <a:fld id="{2F14DF07-66ED-4ABD-911B-26E9137906B0}" type="CELLRANGE">
+                    <a:fld id="{F15433A1-70EA-4331-AA0C-7783E5FEE315}" type="CELLRANGE">
                       <a:rPr lang="en-US"/>
                       <a:pPr/>
                       <a:t>[CELLRANGE]</a:t>
@@ -8119,7 +8119,7 @@
                   <a:bodyPr/>
                   <a:lstStyle/>
                   <a:p>
-                    <a:fld id="{4EE6E273-479E-464B-B11F-5C708592BD8E}" type="CELLRANGE">
+                    <a:fld id="{8D24CE7B-3F93-4B56-B625-FA85A71694F7}" type="CELLRANGE">
                       <a:rPr lang="en-US"/>
                       <a:pPr/>
                       <a:t>[CELLRANGE]</a:t>
@@ -8153,7 +8153,7 @@
                   <a:bodyPr/>
                   <a:lstStyle/>
                   <a:p>
-                    <a:fld id="{A85C2AF8-13B2-4F96-A317-67617F107D3F}" type="CELLRANGE">
+                    <a:fld id="{4B07E556-BEA1-44F6-94C9-05B4BC5B5D45}" type="CELLRANGE">
                       <a:rPr lang="en-US"/>
                       <a:pPr/>
                       <a:t>[CELLRANGE]</a:t>
@@ -8187,7 +8187,7 @@
                   <a:bodyPr/>
                   <a:lstStyle/>
                   <a:p>
-                    <a:fld id="{3F17E5C0-EA1A-4282-A13D-898AB2FF5728}" type="CELLRANGE">
+                    <a:fld id="{E97EC102-7889-4B35-9DD2-A427B4F6ACA2}" type="CELLRANGE">
                       <a:rPr lang="en-US"/>
                       <a:pPr/>
                       <a:t>[CELLRANGE]</a:t>
@@ -8221,7 +8221,7 @@
                   <a:bodyPr/>
                   <a:lstStyle/>
                   <a:p>
-                    <a:fld id="{4F93EB1F-22A9-448B-8AF4-F2670FF328E5}" type="CELLRANGE">
+                    <a:fld id="{2DA0A67F-1400-4A6E-91F4-E3DDD9FE0FF3}" type="CELLRANGE">
                       <a:rPr lang="en-US"/>
                       <a:pPr/>
                       <a:t>[CELLRANGE]</a:t>
@@ -8255,7 +8255,7 @@
                   <a:bodyPr/>
                   <a:lstStyle/>
                   <a:p>
-                    <a:fld id="{35AC1B3A-8136-43A9-9048-8C38B8B61D79}" type="CELLRANGE">
+                    <a:fld id="{94E17ABC-D3F2-4993-B92C-B48D09ECC3C7}" type="CELLRANGE">
                       <a:rPr lang="en-US"/>
                       <a:pPr/>
                       <a:t>[CELLRANGE]</a:t>
@@ -8289,7 +8289,7 @@
                   <a:bodyPr/>
                   <a:lstStyle/>
                   <a:p>
-                    <a:fld id="{E93BE71B-4E62-4FF2-9CAC-8AEDE4B0ACFE}" type="CELLRANGE">
+                    <a:fld id="{F01B90EA-85F0-4228-A84C-F2EBEA2DCADE}" type="CELLRANGE">
                       <a:rPr lang="en-US"/>
                       <a:pPr/>
                       <a:t>[CELLRANGE]</a:t>
@@ -8323,7 +8323,7 @@
                   <a:bodyPr/>
                   <a:lstStyle/>
                   <a:p>
-                    <a:fld id="{869D9D6D-59D9-4F10-B1E1-ECC9A72396C4}" type="CELLRANGE">
+                    <a:fld id="{8F5629E1-2E88-413A-B1AB-986ADCDE4751}" type="CELLRANGE">
                       <a:rPr lang="en-US"/>
                       <a:pPr/>
                       <a:t>[CELLRANGE]</a:t>
@@ -8357,7 +8357,7 @@
                   <a:bodyPr/>
                   <a:lstStyle/>
                   <a:p>
-                    <a:fld id="{40F7B4F6-E1C3-49B1-A043-A1212E52381A}" type="CELLRANGE">
+                    <a:fld id="{EC9DD24E-7526-4412-B519-31CB78FE18B5}" type="CELLRANGE">
                       <a:rPr lang="en-US"/>
                       <a:pPr/>
                       <a:t>[CELLRANGE]</a:t>
@@ -8391,7 +8391,7 @@
                   <a:bodyPr/>
                   <a:lstStyle/>
                   <a:p>
-                    <a:fld id="{8378D29E-6A52-4DFF-8A6D-92CB15F33B72}" type="CELLRANGE">
+                    <a:fld id="{1CBACE8F-C574-4175-ADC6-27D78D42CF69}" type="CELLRANGE">
                       <a:rPr lang="en-US"/>
                       <a:pPr/>
                       <a:t>[CELLRANGE]</a:t>
@@ -8425,7 +8425,7 @@
                   <a:bodyPr/>
                   <a:lstStyle/>
                   <a:p>
-                    <a:fld id="{E810D11F-FFDF-4BC9-9E1E-46D24BFA0E93}" type="CELLRANGE">
+                    <a:fld id="{E09EB8C8-0041-410C-B047-ABBA153AB632}" type="CELLRANGE">
                       <a:rPr lang="en-US"/>
                       <a:pPr/>
                       <a:t>[CELLRANGE]</a:t>
@@ -8459,7 +8459,7 @@
                   <a:bodyPr/>
                   <a:lstStyle/>
                   <a:p>
-                    <a:fld id="{17D6E706-3C85-4476-B579-3F502522C38F}" type="CELLRANGE">
+                    <a:fld id="{1EEE5E94-CB5B-490F-BAC9-34A5AC9AC227}" type="CELLRANGE">
                       <a:rPr lang="en-US"/>
                       <a:pPr/>
                       <a:t>[CELLRANGE]</a:t>
@@ -8493,7 +8493,7 @@
                   <a:bodyPr/>
                   <a:lstStyle/>
                   <a:p>
-                    <a:fld id="{2CB2B800-DBB3-4F80-9AD1-31A51578ACC1}" type="CELLRANGE">
+                    <a:fld id="{E6FFD687-36F3-4ECB-97DF-20F00E5A0855}" type="CELLRANGE">
                       <a:rPr lang="en-US"/>
                       <a:pPr/>
                       <a:t>[CELLRANGE]</a:t>
@@ -8527,7 +8527,7 @@
                   <a:bodyPr/>
                   <a:lstStyle/>
                   <a:p>
-                    <a:fld id="{C3450DE7-1759-4AF9-A3BF-CA726085FF66}" type="CELLRANGE">
+                    <a:fld id="{1821A83F-5C8C-4CBC-9839-55D268FAF50E}" type="CELLRANGE">
                       <a:rPr lang="en-US"/>
                       <a:pPr/>
                       <a:t>[CELLRANGE]</a:t>
@@ -8561,7 +8561,7 @@
                   <a:bodyPr/>
                   <a:lstStyle/>
                   <a:p>
-                    <a:fld id="{CDCF3C5E-81F9-4AC9-BB21-E50409CC6880}" type="CELLRANGE">
+                    <a:fld id="{B741DFB7-96C6-459A-BD20-C0643FC7005D}" type="CELLRANGE">
                       <a:rPr lang="en-US"/>
                       <a:pPr/>
                       <a:t>[CELLRANGE]</a:t>
@@ -8595,7 +8595,7 @@
                   <a:bodyPr/>
                   <a:lstStyle/>
                   <a:p>
-                    <a:fld id="{8C65944B-9026-4535-B726-4F546285AE8D}" type="CELLRANGE">
+                    <a:fld id="{B1507B4B-8004-407C-86F1-561C6A25E414}" type="CELLRANGE">
                       <a:rPr lang="en-US"/>
                       <a:pPr/>
                       <a:t>[CELLRANGE]</a:t>
@@ -8629,7 +8629,7 @@
                   <a:bodyPr/>
                   <a:lstStyle/>
                   <a:p>
-                    <a:fld id="{651BD3B1-4A87-4164-BBE8-855D8BE99266}" type="CELLRANGE">
+                    <a:fld id="{F0426930-19D6-4329-86D0-38704231AEC6}" type="CELLRANGE">
                       <a:rPr lang="en-US"/>
                       <a:pPr/>
                       <a:t>[CELLRANGE]</a:t>
@@ -8663,7 +8663,7 @@
                   <a:bodyPr/>
                   <a:lstStyle/>
                   <a:p>
-                    <a:fld id="{ADFFEADE-1486-4531-919A-179E9EFA519B}" type="CELLRANGE">
+                    <a:fld id="{DA9C3E10-513A-4CA3-9B22-A21F8A66725C}" type="CELLRANGE">
                       <a:rPr lang="en-US"/>
                       <a:pPr/>
                       <a:t>[CELLRANGE]</a:t>
@@ -8697,7 +8697,7 @@
                   <a:bodyPr/>
                   <a:lstStyle/>
                   <a:p>
-                    <a:fld id="{50FE7ED1-20F0-4E5E-829E-545D5E429477}" type="CELLRANGE">
+                    <a:fld id="{54B70D48-E977-4455-B969-898683408C98}" type="CELLRANGE">
                       <a:rPr lang="en-US"/>
                       <a:pPr/>
                       <a:t>[CELLRANGE]</a:t>
@@ -8731,7 +8731,7 @@
                   <a:bodyPr/>
                   <a:lstStyle/>
                   <a:p>
-                    <a:fld id="{B280E1E0-CDE6-4EEB-A3FF-F3379C078305}" type="CELLRANGE">
+                    <a:fld id="{C74BF80C-7004-43DA-AA5B-125ED70E177C}" type="CELLRANGE">
                       <a:rPr lang="en-US"/>
                       <a:pPr/>
                       <a:t>[CELLRANGE]</a:t>
@@ -8765,7 +8765,7 @@
                   <a:bodyPr/>
                   <a:lstStyle/>
                   <a:p>
-                    <a:fld id="{04200D90-6911-4527-8308-37CFE199146F}" type="CELLRANGE">
+                    <a:fld id="{10430DF5-0802-4098-BDE7-FBB71F9A0BE3}" type="CELLRANGE">
                       <a:rPr lang="en-US"/>
                       <a:pPr/>
                       <a:t>[CELLRANGE]</a:t>
@@ -8799,7 +8799,7 @@
                   <a:bodyPr/>
                   <a:lstStyle/>
                   <a:p>
-                    <a:fld id="{13925641-155B-4118-8F09-B33E7C861658}" type="CELLRANGE">
+                    <a:fld id="{A759565B-60C8-4A2A-82C5-31243D2F8B03}" type="CELLRANGE">
                       <a:rPr lang="en-US"/>
                       <a:pPr/>
                       <a:t>[CELLRANGE]</a:t>
@@ -8833,7 +8833,7 @@
                   <a:bodyPr/>
                   <a:lstStyle/>
                   <a:p>
-                    <a:fld id="{54186A60-F025-438D-B405-C539490BA344}" type="CELLRANGE">
+                    <a:fld id="{EAE001F4-CF19-4C87-9FEA-399BE690C565}" type="CELLRANGE">
                       <a:rPr lang="en-US"/>
                       <a:pPr/>
                       <a:t>[CELLRANGE]</a:t>
@@ -8867,7 +8867,7 @@
                   <a:bodyPr/>
                   <a:lstStyle/>
                   <a:p>
-                    <a:fld id="{09E0F5AA-2EB3-4E58-ACDF-7CE446A3D44D}" type="CELLRANGE">
+                    <a:fld id="{A5CDB0E0-2486-4BA4-BC8E-AECC6CADEB61}" type="CELLRANGE">
                       <a:rPr lang="en-US"/>
                       <a:pPr/>
                       <a:t>[CELLRANGE]</a:t>
@@ -8901,7 +8901,7 @@
                   <a:bodyPr/>
                   <a:lstStyle/>
                   <a:p>
-                    <a:fld id="{2F830B8B-44C5-4102-9ED9-68F5D3A99E83}" type="CELLRANGE">
+                    <a:fld id="{1EB481D8-E3D6-4901-B4E5-1288E9CA51DB}" type="CELLRANGE">
                       <a:rPr lang="en-US"/>
                       <a:pPr/>
                       <a:t>[CELLRANGE]</a:t>
@@ -8935,7 +8935,7 @@
                   <a:bodyPr/>
                   <a:lstStyle/>
                   <a:p>
-                    <a:fld id="{7107C55B-2007-4F19-B06F-5F7B7D62B858}" type="CELLRANGE">
+                    <a:fld id="{6A719718-632C-4993-8C5C-42E12FFA0F43}" type="CELLRANGE">
                       <a:rPr lang="en-US"/>
                       <a:pPr/>
                       <a:t>[CELLRANGE]</a:t>
@@ -8969,7 +8969,7 @@
                   <a:bodyPr/>
                   <a:lstStyle/>
                   <a:p>
-                    <a:fld id="{0DCC0F71-DA5C-4A3B-9227-5F2EB4DA685D}" type="CELLRANGE">
+                    <a:fld id="{C90C8ED8-9397-417A-8513-C647B3DA2A2F}" type="CELLRANGE">
                       <a:rPr lang="en-US"/>
                       <a:pPr/>
                       <a:t>[CELLRANGE]</a:t>
@@ -9003,7 +9003,7 @@
                   <a:bodyPr/>
                   <a:lstStyle/>
                   <a:p>
-                    <a:fld id="{2524BD0F-83B0-47D7-8413-A1CE5C15E0E9}" type="CELLRANGE">
+                    <a:fld id="{93465634-BAEE-4FB2-9ECB-719032979C11}" type="CELLRANGE">
                       <a:rPr lang="en-US"/>
                       <a:pPr/>
                       <a:t>[CELLRANGE]</a:t>
@@ -9037,7 +9037,7 @@
                   <a:bodyPr/>
                   <a:lstStyle/>
                   <a:p>
-                    <a:fld id="{4B913467-CD35-4EEE-A4BC-5B38AF22394D}" type="CELLRANGE">
+                    <a:fld id="{D82B8971-A52E-4EA0-A7AA-ED637FA12CE6}" type="CELLRANGE">
                       <a:rPr lang="en-US"/>
                       <a:pPr/>
                       <a:t>[CELLRANGE]</a:t>
@@ -9071,7 +9071,7 @@
                   <a:bodyPr/>
                   <a:lstStyle/>
                   <a:p>
-                    <a:fld id="{099A9353-B255-4F01-B429-76C42E1F4810}" type="CELLRANGE">
+                    <a:fld id="{20044D9A-B981-47CD-A90C-7216A9780266}" type="CELLRANGE">
                       <a:rPr lang="en-US"/>
                       <a:pPr/>
                       <a:t>[CELLRANGE]</a:t>
@@ -9105,7 +9105,7 @@
                   <a:bodyPr/>
                   <a:lstStyle/>
                   <a:p>
-                    <a:fld id="{FEDC68C8-4CF2-4D67-AA03-12192A3E625B}" type="CELLRANGE">
+                    <a:fld id="{58322305-817C-425A-AF39-E6FF1C1CFC43}" type="CELLRANGE">
                       <a:rPr lang="en-US"/>
                       <a:pPr/>
                       <a:t>[CELLRANGE]</a:t>
@@ -9139,7 +9139,7 @@
                   <a:bodyPr/>
                   <a:lstStyle/>
                   <a:p>
-                    <a:fld id="{3DD86F36-8744-49B5-901B-63BFC35CAF89}" type="CELLRANGE">
+                    <a:fld id="{D8D4A34B-7B19-41E6-AB11-3564952D0EFE}" type="CELLRANGE">
                       <a:rPr lang="en-US"/>
                       <a:pPr/>
                       <a:t>[CELLRANGE]</a:t>
@@ -9173,7 +9173,7 @@
                   <a:bodyPr/>
                   <a:lstStyle/>
                   <a:p>
-                    <a:fld id="{7FE3EDED-4466-47DF-A32E-FAC63AFB33A9}" type="CELLRANGE">
+                    <a:fld id="{ABCF2E15-92BE-4948-AB6A-895BFE1F84A0}" type="CELLRANGE">
                       <a:rPr lang="en-US"/>
                       <a:pPr/>
                       <a:t>[CELLRANGE]</a:t>
@@ -9207,7 +9207,7 @@
                   <a:bodyPr/>
                   <a:lstStyle/>
                   <a:p>
-                    <a:fld id="{B07ECADB-75A3-468E-98AB-1963E4E300F2}" type="CELLRANGE">
+                    <a:fld id="{34175861-7595-4627-974A-B3E3CF45D589}" type="CELLRANGE">
                       <a:rPr lang="en-US"/>
                       <a:pPr/>
                       <a:t>[CELLRANGE]</a:t>
@@ -9241,7 +9241,7 @@
                   <a:bodyPr/>
                   <a:lstStyle/>
                   <a:p>
-                    <a:fld id="{4F32D0BB-BF3C-43C3-A802-0433280E9A0A}" type="CELLRANGE">
+                    <a:fld id="{A61B298F-D6E7-4AA2-B673-D28E5A41D13A}" type="CELLRANGE">
                       <a:rPr lang="en-US"/>
                       <a:pPr/>
                       <a:t>[CELLRANGE]</a:t>
@@ -9275,7 +9275,7 @@
                   <a:bodyPr/>
                   <a:lstStyle/>
                   <a:p>
-                    <a:fld id="{CC9423C7-7279-4431-8E6F-9DAE712541C6}" type="CELLRANGE">
+                    <a:fld id="{21C6F6F0-C28C-48F2-A9F7-8E57D317EF84}" type="CELLRANGE">
                       <a:rPr lang="en-US"/>
                       <a:pPr/>
                       <a:t>[CELLRANGE]</a:t>
@@ -9309,7 +9309,7 @@
                   <a:bodyPr/>
                   <a:lstStyle/>
                   <a:p>
-                    <a:fld id="{AC95A78F-22AD-450D-9313-BFF1211A588E}" type="CELLRANGE">
+                    <a:fld id="{8B6288D4-7048-4CD9-9717-8D90C1E3EAB2}" type="CELLRANGE">
                       <a:rPr lang="en-US"/>
                       <a:pPr/>
                       <a:t>[CELLRANGE]</a:t>
@@ -9343,7 +9343,7 @@
                   <a:bodyPr/>
                   <a:lstStyle/>
                   <a:p>
-                    <a:fld id="{3ABF449A-4C40-471B-A9F8-D4C0700164A9}" type="CELLRANGE">
+                    <a:fld id="{85F16B7F-2688-4570-9105-A90C1D7CCD14}" type="CELLRANGE">
                       <a:rPr lang="en-US"/>
                       <a:pPr/>
                       <a:t>[CELLRANGE]</a:t>
@@ -9377,7 +9377,7 @@
                   <a:bodyPr/>
                   <a:lstStyle/>
                   <a:p>
-                    <a:fld id="{E6C2FF54-D298-409F-8D19-01F4CBE81A8E}" type="CELLRANGE">
+                    <a:fld id="{1D76BA9A-DA81-45D8-AA78-7819C394D590}" type="CELLRANGE">
                       <a:rPr lang="en-US"/>
                       <a:pPr/>
                       <a:t>[CELLRANGE]</a:t>
@@ -9411,7 +9411,7 @@
                   <a:bodyPr/>
                   <a:lstStyle/>
                   <a:p>
-                    <a:fld id="{D884C7A0-EAD2-4DEF-898C-801B1D827041}" type="CELLRANGE">
+                    <a:fld id="{DFBD6E78-D79B-4132-8469-BAD849E6BC44}" type="CELLRANGE">
                       <a:rPr lang="en-US"/>
                       <a:pPr/>
                       <a:t>[CELLRANGE]</a:t>
@@ -9445,7 +9445,7 @@
                   <a:bodyPr/>
                   <a:lstStyle/>
                   <a:p>
-                    <a:fld id="{6DD74C07-4FF8-4A8C-98B8-B60BEAB83D9E}" type="CELLRANGE">
+                    <a:fld id="{8EE19B50-CF27-4D18-BFC3-9C69B127BBA1}" type="CELLRANGE">
                       <a:rPr lang="en-US"/>
                       <a:pPr/>
                       <a:t>[CELLRANGE]</a:t>
@@ -9479,7 +9479,7 @@
                   <a:bodyPr/>
                   <a:lstStyle/>
                   <a:p>
-                    <a:fld id="{2F37CA60-A536-4033-B60F-D50E08D58722}" type="CELLRANGE">
+                    <a:fld id="{64386E7C-E077-47E0-AE5F-95509E6051B5}" type="CELLRANGE">
                       <a:rPr lang="en-US"/>
                       <a:pPr/>
                       <a:t>[CELLRANGE]</a:t>
@@ -9513,7 +9513,7 @@
                   <a:bodyPr/>
                   <a:lstStyle/>
                   <a:p>
-                    <a:fld id="{D324C0B2-994F-4EF3-9296-2650A8558F11}" type="CELLRANGE">
+                    <a:fld id="{39888D9B-7095-4917-BB84-9DD39A259DE7}" type="CELLRANGE">
                       <a:rPr lang="en-US"/>
                       <a:pPr/>
                       <a:t>[CELLRANGE]</a:t>
@@ -9547,7 +9547,7 @@
                   <a:bodyPr/>
                   <a:lstStyle/>
                   <a:p>
-                    <a:fld id="{08D5AAE5-0F5F-4A7A-9820-90D7D5018530}" type="CELLRANGE">
+                    <a:fld id="{E11B79CD-38AE-4EDA-AD01-E7A3AD3D1C7A}" type="CELLRANGE">
                       <a:rPr lang="en-US"/>
                       <a:pPr/>
                       <a:t>[CELLRANGE]</a:t>
@@ -9581,7 +9581,7 @@
                   <a:bodyPr/>
                   <a:lstStyle/>
                   <a:p>
-                    <a:fld id="{C9814683-BBE3-4901-877C-F4FCBE7F299C}" type="CELLRANGE">
+                    <a:fld id="{FEB979BC-971D-4E3E-B932-28FD92741ECF}" type="CELLRANGE">
                       <a:rPr lang="en-US"/>
                       <a:pPr/>
                       <a:t>[CELLRANGE]</a:t>
@@ -9615,7 +9615,7 @@
                   <a:bodyPr/>
                   <a:lstStyle/>
                   <a:p>
-                    <a:fld id="{A493B16E-CC31-4DBA-9C08-22F7C4FAEF6D}" type="CELLRANGE">
+                    <a:fld id="{5351A77E-99A0-46A8-9913-55E72EEF1A37}" type="CELLRANGE">
                       <a:rPr lang="en-US"/>
                       <a:pPr/>
                       <a:t>[CELLRANGE]</a:t>
@@ -9649,7 +9649,7 @@
                   <a:bodyPr/>
                   <a:lstStyle/>
                   <a:p>
-                    <a:fld id="{B8B04B31-E392-4154-AD57-532ED1381DB5}" type="CELLRANGE">
+                    <a:fld id="{31BC2851-88FB-4882-85B5-46D01919953C}" type="CELLRANGE">
                       <a:rPr lang="en-US"/>
                       <a:pPr/>
                       <a:t>[CELLRANGE]</a:t>
@@ -9683,7 +9683,7 @@
                   <a:bodyPr/>
                   <a:lstStyle/>
                   <a:p>
-                    <a:fld id="{2EE2EDD9-D0B0-45D7-B540-5323B54A1CCE}" type="CELLRANGE">
+                    <a:fld id="{A1861AC6-5A53-452C-9082-20E517563D87}" type="CELLRANGE">
                       <a:rPr lang="en-US"/>
                       <a:pPr/>
                       <a:t>[CELLRANGE]</a:t>
@@ -9717,7 +9717,7 @@
                   <a:bodyPr/>
                   <a:lstStyle/>
                   <a:p>
-                    <a:fld id="{AE1AE920-D8F5-4E18-9F65-2D581C228C44}" type="CELLRANGE">
+                    <a:fld id="{7F66AD88-BB6F-45EB-ABD9-505CC158A243}" type="CELLRANGE">
                       <a:rPr lang="en-US"/>
                       <a:pPr/>
                       <a:t>[CELLRANGE]</a:t>
@@ -9751,7 +9751,7 @@
                   <a:bodyPr/>
                   <a:lstStyle/>
                   <a:p>
-                    <a:fld id="{5F73D279-3562-498F-B08E-0E805DA2EB05}" type="CELLRANGE">
+                    <a:fld id="{9FE13C56-E2C9-442F-9ED2-449AC47FAE88}" type="CELLRANGE">
                       <a:rPr lang="en-US"/>
                       <a:pPr/>
                       <a:t>[CELLRANGE]</a:t>
@@ -9785,7 +9785,7 @@
                   <a:bodyPr/>
                   <a:lstStyle/>
                   <a:p>
-                    <a:fld id="{789E709C-01D7-4CC7-9E24-03C048746DF3}" type="CELLRANGE">
+                    <a:fld id="{C4F4E4FF-993D-4AE0-93BB-D4563AA25B00}" type="CELLRANGE">
                       <a:rPr lang="en-US"/>
                       <a:pPr/>
                       <a:t>[CELLRANGE]</a:t>
@@ -9819,7 +9819,7 @@
                   <a:bodyPr/>
                   <a:lstStyle/>
                   <a:p>
-                    <a:fld id="{30F197FF-06C0-4586-9952-47D9B0118E95}" type="CELLRANGE">
+                    <a:fld id="{DAFC34BF-DE7B-4338-9FE1-632B6CB2CB60}" type="CELLRANGE">
                       <a:rPr lang="en-US"/>
                       <a:pPr/>
                       <a:t>[CELLRANGE]</a:t>
@@ -9853,7 +9853,7 @@
                   <a:bodyPr/>
                   <a:lstStyle/>
                   <a:p>
-                    <a:fld id="{1943AE72-A9F4-4128-9DE1-03DCEF1BCC7F}" type="CELLRANGE">
+                    <a:fld id="{7E56A57C-4636-4634-9C20-5D09D1A81A80}" type="CELLRANGE">
                       <a:rPr lang="en-US"/>
                       <a:pPr/>
                       <a:t>[CELLRANGE]</a:t>
@@ -9887,7 +9887,7 @@
                   <a:bodyPr/>
                   <a:lstStyle/>
                   <a:p>
-                    <a:fld id="{ADFA7D49-1ADB-4C22-A5E9-3113B51B11E3}" type="CELLRANGE">
+                    <a:fld id="{3D82CD97-4EFE-48F7-8203-1A34BC111DCD}" type="CELLRANGE">
                       <a:rPr lang="en-US"/>
                       <a:pPr/>
                       <a:t>[CELLRANGE]</a:t>
@@ -9921,7 +9921,7 @@
                   <a:bodyPr/>
                   <a:lstStyle/>
                   <a:p>
-                    <a:fld id="{D9AE7B36-300F-4199-88B3-CD147A567668}" type="CELLRANGE">
+                    <a:fld id="{0985692A-2C30-40B4-A1A3-C45D7CA2E7C4}" type="CELLRANGE">
                       <a:rPr lang="en-US"/>
                       <a:pPr/>
                       <a:t>[CELLRANGE]</a:t>
@@ -9955,7 +9955,7 @@
                   <a:bodyPr/>
                   <a:lstStyle/>
                   <a:p>
-                    <a:fld id="{4F0384A7-B864-4922-8325-7E9BDFB57328}" type="CELLRANGE">
+                    <a:fld id="{CE8163B9-9754-4622-8600-BE0CCB949103}" type="CELLRANGE">
                       <a:rPr lang="en-US"/>
                       <a:pPr/>
                       <a:t>[CELLRANGE]</a:t>
@@ -9989,7 +9989,7 @@
                   <a:bodyPr/>
                   <a:lstStyle/>
                   <a:p>
-                    <a:fld id="{7BDE08A4-AEF4-40F0-932B-21044E7A8D38}" type="CELLRANGE">
+                    <a:fld id="{8BEA78F2-66CD-40DC-85A0-839CF6EAD85F}" type="CELLRANGE">
                       <a:rPr lang="en-US"/>
                       <a:pPr/>
                       <a:t>[CELLRANGE]</a:t>
@@ -10023,7 +10023,7 @@
                   <a:bodyPr/>
                   <a:lstStyle/>
                   <a:p>
-                    <a:fld id="{ADD2C5EA-4575-412E-A0CF-F3C990A0FC7C}" type="CELLRANGE">
+                    <a:fld id="{C160A1DB-9C13-45F4-BED0-ECC56B8E972D}" type="CELLRANGE">
                       <a:rPr lang="en-US"/>
                       <a:pPr/>
                       <a:t>[CELLRANGE]</a:t>
@@ -10057,7 +10057,7 @@
                   <a:bodyPr/>
                   <a:lstStyle/>
                   <a:p>
-                    <a:fld id="{48A845D9-EDBD-495F-8516-26CD429FB99D}" type="CELLRANGE">
+                    <a:fld id="{5A286517-FD84-47BE-A807-06A53DC953EB}" type="CELLRANGE">
                       <a:rPr lang="en-US"/>
                       <a:pPr/>
                       <a:t>[CELLRANGE]</a:t>
@@ -10091,7 +10091,7 @@
                   <a:bodyPr/>
                   <a:lstStyle/>
                   <a:p>
-                    <a:fld id="{69354DC2-B80B-4078-A011-BA9B710AABD6}" type="CELLRANGE">
+                    <a:fld id="{430C5A9E-E05F-4900-A569-92C1A16D3CC4}" type="CELLRANGE">
                       <a:rPr lang="en-US"/>
                       <a:pPr/>
                       <a:t>[CELLRANGE]</a:t>
@@ -10125,7 +10125,7 @@
                   <a:bodyPr/>
                   <a:lstStyle/>
                   <a:p>
-                    <a:fld id="{9E2665B5-7864-4CE6-AC4F-6DB406FC6A7A}" type="CELLRANGE">
+                    <a:fld id="{A061A407-27CC-4D3F-AC34-D0A836DDA2DF}" type="CELLRANGE">
                       <a:rPr lang="en-US"/>
                       <a:pPr/>
                       <a:t>[CELLRANGE]</a:t>
@@ -10159,7 +10159,7 @@
                   <a:bodyPr/>
                   <a:lstStyle/>
                   <a:p>
-                    <a:fld id="{0C87870D-703D-4773-BE27-FE7120C128DB}" type="CELLRANGE">
+                    <a:fld id="{7314A771-86E9-4C23-AE71-A9BB05219829}" type="CELLRANGE">
                       <a:rPr lang="en-US"/>
                       <a:pPr/>
                       <a:t>[CELLRANGE]</a:t>
@@ -10193,7 +10193,7 @@
                   <a:bodyPr/>
                   <a:lstStyle/>
                   <a:p>
-                    <a:fld id="{B9A6BFE3-0D9C-40B8-A5CB-14BE15620D11}" type="CELLRANGE">
+                    <a:fld id="{2DA271DE-D879-4499-9727-29CADC742B5F}" type="CELLRANGE">
                       <a:rPr lang="en-US"/>
                       <a:pPr/>
                       <a:t>[CELLRANGE]</a:t>
@@ -10227,7 +10227,7 @@
                   <a:bodyPr/>
                   <a:lstStyle/>
                   <a:p>
-                    <a:fld id="{FB85ECFF-57AC-40AB-B9CB-5DAE7678B588}" type="CELLRANGE">
+                    <a:fld id="{E07EA6A9-DDDC-43ED-8CE9-DE27B74175D5}" type="CELLRANGE">
                       <a:rPr lang="en-US"/>
                       <a:pPr/>
                       <a:t>[CELLRANGE]</a:t>
@@ -10261,7 +10261,7 @@
                   <a:bodyPr/>
                   <a:lstStyle/>
                   <a:p>
-                    <a:fld id="{99287717-3FC3-4598-BE49-EE02F130AF64}" type="CELLRANGE">
+                    <a:fld id="{B75497D9-4CEE-4801-AF72-A8E805C64D89}" type="CELLRANGE">
                       <a:rPr lang="en-US"/>
                       <a:pPr/>
                       <a:t>[CELLRANGE]</a:t>
@@ -10295,7 +10295,7 @@
                   <a:bodyPr/>
                   <a:lstStyle/>
                   <a:p>
-                    <a:fld id="{0B560923-FB35-476C-AD36-C8A15A577AAC}" type="CELLRANGE">
+                    <a:fld id="{FAD790AF-DCA2-48F1-AFF6-D8FCFB8EB096}" type="CELLRANGE">
                       <a:rPr lang="en-US"/>
                       <a:pPr/>
                       <a:t>[CELLRANGE]</a:t>
@@ -10329,7 +10329,7 @@
                   <a:bodyPr/>
                   <a:lstStyle/>
                   <a:p>
-                    <a:fld id="{18A702D6-36ED-4052-9D12-DAC196F2F3D0}" type="CELLRANGE">
+                    <a:fld id="{2FD71D1D-C9FE-403F-B6E6-637A21248A89}" type="CELLRANGE">
                       <a:rPr lang="en-US"/>
                       <a:pPr/>
                       <a:t>[CELLRANGE]</a:t>
@@ -10363,7 +10363,7 @@
                   <a:bodyPr/>
                   <a:lstStyle/>
                   <a:p>
-                    <a:fld id="{576CB3FD-D7A1-4E57-ADE0-46FA288681D8}" type="CELLRANGE">
+                    <a:fld id="{158708F4-DC1C-4EE4-BA4B-FE1EB971B3C7}" type="CELLRANGE">
                       <a:rPr lang="en-US"/>
                       <a:pPr/>
                       <a:t>[CELLRANGE]</a:t>
@@ -10397,7 +10397,7 @@
                   <a:bodyPr/>
                   <a:lstStyle/>
                   <a:p>
-                    <a:fld id="{851B1D9B-52CD-45A3-A537-0E8D0608D341}" type="CELLRANGE">
+                    <a:fld id="{7E39BD59-D32D-4734-B642-21CDE8594568}" type="CELLRANGE">
                       <a:rPr lang="en-US"/>
                       <a:pPr/>
                       <a:t>[CELLRANGE]</a:t>
@@ -10431,7 +10431,7 @@
                   <a:bodyPr/>
                   <a:lstStyle/>
                   <a:p>
-                    <a:fld id="{FFDF1C49-B86C-4DA3-9490-0ED9514FC423}" type="CELLRANGE">
+                    <a:fld id="{FD1BBB2F-358B-4C35-A46C-37351ABAA498}" type="CELLRANGE">
                       <a:rPr lang="en-US"/>
                       <a:pPr/>
                       <a:t>[CELLRANGE]</a:t>
@@ -10465,7 +10465,7 @@
                   <a:bodyPr/>
                   <a:lstStyle/>
                   <a:p>
-                    <a:fld id="{67C0860E-DF35-4B5D-A212-FACC1CC4E408}" type="CELLRANGE">
+                    <a:fld id="{068444F0-67C9-4B24-8F78-1B3A8D5F75FD}" type="CELLRANGE">
                       <a:rPr lang="en-US"/>
                       <a:pPr/>
                       <a:t>[CELLRANGE]</a:t>
@@ -10499,7 +10499,7 @@
                   <a:bodyPr/>
                   <a:lstStyle/>
                   <a:p>
-                    <a:fld id="{8C700C2E-ADE7-4C43-A052-69D6EEF9B816}" type="CELLRANGE">
+                    <a:fld id="{5CE22C61-8D5B-4311-B15B-69C11F24EE37}" type="CELLRANGE">
                       <a:rPr lang="en-US"/>
                       <a:pPr/>
                       <a:t>[CELLRANGE]</a:t>
@@ -10533,7 +10533,7 @@
                   <a:bodyPr/>
                   <a:lstStyle/>
                   <a:p>
-                    <a:fld id="{FBAECE51-20D1-4237-A22D-601661377F9D}" type="CELLRANGE">
+                    <a:fld id="{8B85DCAB-6B71-4587-B8D2-DECBAAF24AF3}" type="CELLRANGE">
                       <a:rPr lang="en-US"/>
                       <a:pPr/>
                       <a:t>[CELLRANGE]</a:t>
@@ -10567,7 +10567,7 @@
                   <a:bodyPr/>
                   <a:lstStyle/>
                   <a:p>
-                    <a:fld id="{B60D12C0-88CA-4CD1-A04D-84B343BEA724}" type="CELLRANGE">
+                    <a:fld id="{1FBA5339-4C71-4C8D-A8D9-E60097A515AF}" type="CELLRANGE">
                       <a:rPr lang="en-US"/>
                       <a:pPr/>
                       <a:t>[CELLRANGE]</a:t>
@@ -10601,7 +10601,7 @@
                   <a:bodyPr/>
                   <a:lstStyle/>
                   <a:p>
-                    <a:fld id="{A2F62C73-092A-4231-A8B6-4D4483B104CB}" type="CELLRANGE">
+                    <a:fld id="{D209326F-6130-45FE-84A6-8A24E595A3F9}" type="CELLRANGE">
                       <a:rPr lang="en-US"/>
                       <a:pPr/>
                       <a:t>[CELLRANGE]</a:t>
@@ -10635,7 +10635,7 @@
                   <a:bodyPr/>
                   <a:lstStyle/>
                   <a:p>
-                    <a:fld id="{5ED1BA7C-257F-45E8-A054-A1F723BD8CAA}" type="CELLRANGE">
+                    <a:fld id="{719512CD-22C2-4DA2-B516-1955654734DC}" type="CELLRANGE">
                       <a:rPr lang="en-US"/>
                       <a:pPr/>
                       <a:t>[CELLRANGE]</a:t>
@@ -10669,7 +10669,7 @@
                   <a:bodyPr/>
                   <a:lstStyle/>
                   <a:p>
-                    <a:fld id="{DE5DD32D-4CD9-4790-8CB6-E03C84E4FFA7}" type="CELLRANGE">
+                    <a:fld id="{207353C3-8AC7-4431-835E-6C32AA3567E5}" type="CELLRANGE">
                       <a:rPr lang="en-US"/>
                       <a:pPr/>
                       <a:t>[CELLRANGE]</a:t>
@@ -10703,7 +10703,7 @@
                   <a:bodyPr/>
                   <a:lstStyle/>
                   <a:p>
-                    <a:fld id="{1D25978A-F269-4129-BB8B-1D2C7CA2F224}" type="CELLRANGE">
+                    <a:fld id="{D4FE9F6A-B758-445E-A29E-D21E65161F04}" type="CELLRANGE">
                       <a:rPr lang="en-US"/>
                       <a:pPr/>
                       <a:t>[CELLRANGE]</a:t>
@@ -10737,7 +10737,7 @@
                   <a:bodyPr/>
                   <a:lstStyle/>
                   <a:p>
-                    <a:fld id="{03DAC712-5BB7-4AD5-B2E4-04B93F975D2E}" type="CELLRANGE">
+                    <a:fld id="{54627D77-0F9B-41E8-914A-3065E5DFA755}" type="CELLRANGE">
                       <a:rPr lang="en-US"/>
                       <a:pPr/>
                       <a:t>[CELLRANGE]</a:t>
@@ -10771,7 +10771,7 @@
                   <a:bodyPr/>
                   <a:lstStyle/>
                   <a:p>
-                    <a:fld id="{A8BCE49C-15C2-457E-9FBD-85644E92D4AA}" type="CELLRANGE">
+                    <a:fld id="{D45DC715-D3E6-45EC-9DCD-5D68469BA605}" type="CELLRANGE">
                       <a:rPr lang="en-US"/>
                       <a:pPr/>
                       <a:t>[CELLRANGE]</a:t>
@@ -10805,7 +10805,7 @@
                   <a:bodyPr/>
                   <a:lstStyle/>
                   <a:p>
-                    <a:fld id="{16D4585D-BDDD-4D56-8015-7EBEB6C67BA2}" type="CELLRANGE">
+                    <a:fld id="{DB1EC276-6965-4280-A759-91C8F5F40760}" type="CELLRANGE">
                       <a:rPr lang="en-US"/>
                       <a:pPr/>
                       <a:t>[CELLRANGE]</a:t>
@@ -10839,7 +10839,7 @@
                   <a:bodyPr/>
                   <a:lstStyle/>
                   <a:p>
-                    <a:fld id="{D9908B6E-F429-4802-96EF-8478E41807D4}" type="CELLRANGE">
+                    <a:fld id="{C2062BC6-6828-47C8-B2F8-6B616301A4A2}" type="CELLRANGE">
                       <a:rPr lang="en-US"/>
                       <a:pPr/>
                       <a:t>[CELLRANGE]</a:t>
@@ -10873,7 +10873,7 @@
                   <a:bodyPr/>
                   <a:lstStyle/>
                   <a:p>
-                    <a:fld id="{0B38FC09-BCA9-4F6D-B3CA-F81DD127430C}" type="CELLRANGE">
+                    <a:fld id="{B259DFEF-FE45-490D-8B1D-63E7D63C1575}" type="CELLRANGE">
                       <a:rPr lang="en-US"/>
                       <a:pPr/>
                       <a:t>[CELLRANGE]</a:t>
@@ -10907,7 +10907,7 @@
                   <a:bodyPr/>
                   <a:lstStyle/>
                   <a:p>
-                    <a:fld id="{8D0EF0FE-8DAB-4F33-9163-282E600DCB03}" type="CELLRANGE">
+                    <a:fld id="{6803AE24-3C54-4443-B444-EF7CA47B94BD}" type="CELLRANGE">
                       <a:rPr lang="en-US"/>
                       <a:pPr/>
                       <a:t>[CELLRANGE]</a:t>
@@ -10941,7 +10941,7 @@
                   <a:bodyPr/>
                   <a:lstStyle/>
                   <a:p>
-                    <a:fld id="{64E402A0-1FF9-4E96-8475-5F23E27A236C}" type="CELLRANGE">
+                    <a:fld id="{3AB8E62F-1F57-4C70-92BA-C7675FDE7383}" type="CELLRANGE">
                       <a:rPr lang="en-US"/>
                       <a:pPr/>
                       <a:t>[CELLRANGE]</a:t>
@@ -10975,7 +10975,7 @@
                   <a:bodyPr/>
                   <a:lstStyle/>
                   <a:p>
-                    <a:fld id="{F9856EF3-61BD-4C83-A139-5A5CC20BF69C}" type="CELLRANGE">
+                    <a:fld id="{7C565463-1112-41B9-8AE6-758196AC0173}" type="CELLRANGE">
                       <a:rPr lang="en-US"/>
                       <a:pPr/>
                       <a:t>[CELLRANGE]</a:t>
@@ -11009,7 +11009,7 @@
                   <a:bodyPr/>
                   <a:lstStyle/>
                   <a:p>
-                    <a:fld id="{EE5F4379-6B53-4A42-93BE-E5620BE019C8}" type="CELLRANGE">
+                    <a:fld id="{867A0834-E00A-4FB9-BDCA-1E2BDD5A2ED8}" type="CELLRANGE">
                       <a:rPr lang="en-US"/>
                       <a:pPr/>
                       <a:t>[CELLRANGE]</a:t>
@@ -11043,7 +11043,7 @@
                   <a:bodyPr/>
                   <a:lstStyle/>
                   <a:p>
-                    <a:fld id="{5E30A0B5-BC8E-4426-8C4E-3B93A1C7282E}" type="CELLRANGE">
+                    <a:fld id="{2AA1620C-67CF-4CDD-8733-41B716CE04F8}" type="CELLRANGE">
                       <a:rPr lang="en-US"/>
                       <a:pPr/>
                       <a:t>[CELLRANGE]</a:t>
@@ -11077,7 +11077,7 @@
                   <a:bodyPr/>
                   <a:lstStyle/>
                   <a:p>
-                    <a:fld id="{983CF73A-AE12-4C19-A66B-43E34A8A1766}" type="CELLRANGE">
+                    <a:fld id="{FB8415BF-260C-46A4-9DAB-339330504B3A}" type="CELLRANGE">
                       <a:rPr lang="en-US"/>
                       <a:pPr/>
                       <a:t>[CELLRANGE]</a:t>
@@ -11111,7 +11111,7 @@
                   <a:bodyPr/>
                   <a:lstStyle/>
                   <a:p>
-                    <a:fld id="{0D5949C4-705B-4519-BA7A-D5D23EB7ED72}" type="CELLRANGE">
+                    <a:fld id="{8935B09B-4C68-4B74-BF4C-2216C95EA6B8}" type="CELLRANGE">
                       <a:rPr lang="en-US"/>
                       <a:pPr/>
                       <a:t>[CELLRANGE]</a:t>
@@ -11145,7 +11145,7 @@
                   <a:bodyPr/>
                   <a:lstStyle/>
                   <a:p>
-                    <a:fld id="{1E46493B-4209-47B1-AD8F-990FBE91813A}" type="CELLRANGE">
+                    <a:fld id="{D6362E41-5846-40B4-93DB-C01102D492AF}" type="CELLRANGE">
                       <a:rPr lang="en-US"/>
                       <a:pPr/>
                       <a:t>[CELLRANGE]</a:t>
@@ -11179,7 +11179,7 @@
                   <a:bodyPr/>
                   <a:lstStyle/>
                   <a:p>
-                    <a:fld id="{71D62AAF-D56A-4315-95E0-DA7869D14790}" type="CELLRANGE">
+                    <a:fld id="{079C7865-B90A-4CA2-9BFE-BB41E053CC0C}" type="CELLRANGE">
                       <a:rPr lang="en-US"/>
                       <a:pPr/>
                       <a:t>[CELLRANGE]</a:t>
@@ -11213,7 +11213,7 @@
                   <a:bodyPr/>
                   <a:lstStyle/>
                   <a:p>
-                    <a:fld id="{ED5DE689-EC32-4FFA-8A65-9E76B4B0AF4A}" type="CELLRANGE">
+                    <a:fld id="{68502AC9-88EE-4E7E-8327-E6ADBB4B8E4E}" type="CELLRANGE">
                       <a:rPr lang="en-US"/>
                       <a:pPr/>
                       <a:t>[CELLRANGE]</a:t>
@@ -11247,7 +11247,7 @@
                   <a:bodyPr/>
                   <a:lstStyle/>
                   <a:p>
-                    <a:fld id="{0AEB61E6-561C-4026-9D94-0BDE7A57E287}" type="CELLRANGE">
+                    <a:fld id="{0DCF8E54-B103-49E6-B2D0-A519B9292B28}" type="CELLRANGE">
                       <a:rPr lang="en-US"/>
                       <a:pPr/>
                       <a:t>[CELLRANGE]</a:t>
@@ -11281,7 +11281,7 @@
                   <a:bodyPr/>
                   <a:lstStyle/>
                   <a:p>
-                    <a:fld id="{E4356961-5B38-4039-99F7-51EB0EDC92CC}" type="CELLRANGE">
+                    <a:fld id="{8AE5E5F8-8D2A-45DC-9BF7-507C57C255AF}" type="CELLRANGE">
                       <a:rPr lang="en-US"/>
                       <a:pPr/>
                       <a:t>[CELLRANGE]</a:t>
@@ -11315,7 +11315,7 @@
                   <a:bodyPr/>
                   <a:lstStyle/>
                   <a:p>
-                    <a:fld id="{A2A35D0A-3B1B-4131-9F41-E0E84F8708AC}" type="CELLRANGE">
+                    <a:fld id="{DB821320-3E61-4733-BE57-C9343E0860B9}" type="CELLRANGE">
                       <a:rPr lang="en-US"/>
                       <a:pPr/>
                       <a:t>[CELLRANGE]</a:t>
@@ -11349,7 +11349,7 @@
                   <a:bodyPr/>
                   <a:lstStyle/>
                   <a:p>
-                    <a:fld id="{C448A3F1-37AF-4074-9E09-3EA1D8039779}" type="CELLRANGE">
+                    <a:fld id="{39AA1D23-4CCD-4F7B-9224-07DC4327E6B7}" type="CELLRANGE">
                       <a:rPr lang="en-US"/>
                       <a:pPr/>
                       <a:t>[CELLRANGE]</a:t>
@@ -11383,7 +11383,7 @@
                   <a:bodyPr/>
                   <a:lstStyle/>
                   <a:p>
-                    <a:fld id="{48F0DC18-6E69-4106-A19A-13429B5C3D83}" type="CELLRANGE">
+                    <a:fld id="{2D938483-944D-4AEE-8897-BD22855A109C}" type="CELLRANGE">
                       <a:rPr lang="en-US"/>
                       <a:pPr/>
                       <a:t>[CELLRANGE]</a:t>
@@ -11417,7 +11417,7 @@
                   <a:bodyPr/>
                   <a:lstStyle/>
                   <a:p>
-                    <a:fld id="{E3A2FE1C-6503-414A-AF65-3F598C3530E6}" type="CELLRANGE">
+                    <a:fld id="{3760BB1E-B3CD-47F0-BE3B-F49B40575671}" type="CELLRANGE">
                       <a:rPr lang="en-US"/>
                       <a:pPr/>
                       <a:t>[CELLRANGE]</a:t>
@@ -11451,7 +11451,7 @@
                   <a:bodyPr/>
                   <a:lstStyle/>
                   <a:p>
-                    <a:fld id="{1644E74F-E577-4C03-AC1E-9BB0923E6392}" type="CELLRANGE">
+                    <a:fld id="{9A5B9A9F-9992-46A0-9592-1E9F5BB9BDDB}" type="CELLRANGE">
                       <a:rPr lang="en-US"/>
                       <a:pPr/>
                       <a:t>[CELLRANGE]</a:t>
@@ -11485,7 +11485,7 @@
                   <a:bodyPr/>
                   <a:lstStyle/>
                   <a:p>
-                    <a:fld id="{49DD1840-1504-48DD-AE88-71EEDE0E35A7}" type="CELLRANGE">
+                    <a:fld id="{38FB85D8-F011-420A-A6A2-A1AFB9EDB499}" type="CELLRANGE">
                       <a:rPr lang="en-US"/>
                       <a:pPr/>
                       <a:t>[CELLRANGE]</a:t>
@@ -11519,7 +11519,7 @@
                   <a:bodyPr/>
                   <a:lstStyle/>
                   <a:p>
-                    <a:fld id="{CB53BDB0-570A-4536-B188-D57A7333A77A}" type="CELLRANGE">
+                    <a:fld id="{E34F6236-9588-454E-99D2-56C5A5435A36}" type="CELLRANGE">
                       <a:rPr lang="en-US"/>
                       <a:pPr/>
                       <a:t>[CELLRANGE]</a:t>
@@ -11553,7 +11553,7 @@
                   <a:bodyPr/>
                   <a:lstStyle/>
                   <a:p>
-                    <a:fld id="{FA1F02A6-729B-48F6-9E1A-BE1E1B21FF33}" type="CELLRANGE">
+                    <a:fld id="{A7449F52-4235-4D32-A067-2FE65CA40D87}" type="CELLRANGE">
                       <a:rPr lang="en-US"/>
                       <a:pPr/>
                       <a:t>[CELLRANGE]</a:t>
@@ -11587,7 +11587,7 @@
                   <a:bodyPr/>
                   <a:lstStyle/>
                   <a:p>
-                    <a:fld id="{F77EAE13-5501-49D6-9277-E3B526EDE6AB}" type="CELLRANGE">
+                    <a:fld id="{900A1AD2-59C5-44CD-9C96-7CB228A75319}" type="CELLRANGE">
                       <a:rPr lang="en-US"/>
                       <a:pPr/>
                       <a:t>[CELLRANGE]</a:t>
@@ -11621,7 +11621,7 @@
                   <a:bodyPr/>
                   <a:lstStyle/>
                   <a:p>
-                    <a:fld id="{F9AA7F86-8275-45D9-A851-117434831F49}" type="CELLRANGE">
+                    <a:fld id="{477BA7AC-0B0F-448C-BAFB-32D4385B1420}" type="CELLRANGE">
                       <a:rPr lang="en-US"/>
                       <a:pPr/>
                       <a:t>[CELLRANGE]</a:t>
@@ -11655,7 +11655,7 @@
                   <a:bodyPr/>
                   <a:lstStyle/>
                   <a:p>
-                    <a:fld id="{7BB66B41-6195-45A1-AE01-12C9DFD6AD75}" type="CELLRANGE">
+                    <a:fld id="{4BC4DD58-C4AE-4DBA-B9F7-4173CF4F3872}" type="CELLRANGE">
                       <a:rPr lang="en-US"/>
                       <a:pPr/>
                       <a:t>[CELLRANGE]</a:t>
@@ -11689,7 +11689,7 @@
                   <a:bodyPr/>
                   <a:lstStyle/>
                   <a:p>
-                    <a:fld id="{3926D500-5E0B-47DB-8230-080BD18DB6E6}" type="CELLRANGE">
+                    <a:fld id="{3F3E1998-3AC7-4124-AA47-DAFF5FEAB358}" type="CELLRANGE">
                       <a:rPr lang="en-US"/>
                       <a:pPr/>
                       <a:t>[CELLRANGE]</a:t>
@@ -11723,7 +11723,7 @@
                   <a:bodyPr/>
                   <a:lstStyle/>
                   <a:p>
-                    <a:fld id="{25437382-9092-4341-9095-27FF21C11E3B}" type="CELLRANGE">
+                    <a:fld id="{84270C62-C5DA-4096-8592-E6EFD0F6339D}" type="CELLRANGE">
                       <a:rPr lang="en-US"/>
                       <a:pPr/>
                       <a:t>[CELLRANGE]</a:t>
@@ -11757,7 +11757,7 @@
                   <a:bodyPr/>
                   <a:lstStyle/>
                   <a:p>
-                    <a:fld id="{BBFE0083-5A46-4115-821F-09262998EAD2}" type="CELLRANGE">
+                    <a:fld id="{B4C91D57-9ED4-4DFE-B563-3919B8D800C3}" type="CELLRANGE">
                       <a:rPr lang="en-US"/>
                       <a:pPr/>
                       <a:t>[CELLRANGE]</a:t>
@@ -11791,7 +11791,7 @@
                   <a:bodyPr/>
                   <a:lstStyle/>
                   <a:p>
-                    <a:fld id="{88915E31-2050-4CDF-AE57-AB208BF0D36F}" type="CELLRANGE">
+                    <a:fld id="{CAE33EF6-04E8-439E-9112-38525C78EEF0}" type="CELLRANGE">
                       <a:rPr lang="en-US"/>
                       <a:pPr/>
                       <a:t>[CELLRANGE]</a:t>
@@ -11825,7 +11825,7 @@
                   <a:bodyPr/>
                   <a:lstStyle/>
                   <a:p>
-                    <a:fld id="{7BAF7BEE-DB01-4B78-9696-7A2DD2D5970A}" type="CELLRANGE">
+                    <a:fld id="{9C4D229D-532A-42BC-A657-F8D718AF1F4D}" type="CELLRANGE">
                       <a:rPr lang="en-US"/>
                       <a:pPr/>
                       <a:t>[CELLRANGE]</a:t>
@@ -11859,7 +11859,7 @@
                   <a:bodyPr/>
                   <a:lstStyle/>
                   <a:p>
-                    <a:fld id="{74C8A652-51F4-42E9-8C47-4DE43DFD5214}" type="CELLRANGE">
+                    <a:fld id="{F3AADA2E-116F-4116-AEB4-28C47F4EDEDB}" type="CELLRANGE">
                       <a:rPr lang="en-US"/>
                       <a:pPr/>
                       <a:t>[CELLRANGE]</a:t>
@@ -11893,7 +11893,7 @@
                   <a:bodyPr/>
                   <a:lstStyle/>
                   <a:p>
-                    <a:fld id="{4592066F-3CF7-4F3A-A895-BF146B53587A}" type="CELLRANGE">
+                    <a:fld id="{86B5DD3D-3E8D-496B-8251-2B81BE1FA9B6}" type="CELLRANGE">
                       <a:rPr lang="en-US"/>
                       <a:pPr/>
                       <a:t>[CELLRANGE]</a:t>
@@ -11927,7 +11927,7 @@
                   <a:bodyPr/>
                   <a:lstStyle/>
                   <a:p>
-                    <a:fld id="{6D3D41BC-C2C8-4800-AF23-7B90338098C0}" type="CELLRANGE">
+                    <a:fld id="{5A7F7833-1201-479E-A175-707FD5BDE5C9}" type="CELLRANGE">
                       <a:rPr lang="en-US"/>
                       <a:pPr/>
                       <a:t>[CELLRANGE]</a:t>
@@ -11961,7 +11961,7 @@
                   <a:bodyPr/>
                   <a:lstStyle/>
                   <a:p>
-                    <a:fld id="{0147D3FE-897D-4EBF-8B96-1F936F227B44}" type="CELLRANGE">
+                    <a:fld id="{00F1DBC2-987A-4249-AA28-00C3D6B124E4}" type="CELLRANGE">
                       <a:rPr lang="en-US"/>
                       <a:pPr/>
                       <a:t>[CELLRANGE]</a:t>
@@ -11995,7 +11995,7 @@
                   <a:bodyPr/>
                   <a:lstStyle/>
                   <a:p>
-                    <a:fld id="{8E29152D-3F61-4576-9A6A-AA941C8E443E}" type="CELLRANGE">
+                    <a:fld id="{F5A77AF9-3F78-4472-A4F6-EB24C0ED5904}" type="CELLRANGE">
                       <a:rPr lang="en-US"/>
                       <a:pPr/>
                       <a:t>[CELLRANGE]</a:t>
@@ -12029,7 +12029,7 @@
                   <a:bodyPr/>
                   <a:lstStyle/>
                   <a:p>
-                    <a:fld id="{11A89EE9-6A87-449A-A75E-4FCDA5FDCDCF}" type="CELLRANGE">
+                    <a:fld id="{A3DEEFCA-8BF8-4858-963A-7A27C35121EF}" type="CELLRANGE">
                       <a:rPr lang="en-US"/>
                       <a:pPr/>
                       <a:t>[CELLRANGE]</a:t>
@@ -12063,7 +12063,7 @@
                   <a:bodyPr/>
                   <a:lstStyle/>
                   <a:p>
-                    <a:fld id="{1BBBF51A-2DD2-43A6-9F9F-E647D24A5D52}" type="CELLRANGE">
+                    <a:fld id="{A2C119F4-CB1D-41A8-90F2-CA615D2CCFCE}" type="CELLRANGE">
                       <a:rPr lang="en-US"/>
                       <a:pPr/>
                       <a:t>[CELLRANGE]</a:t>
@@ -12097,7 +12097,7 @@
                   <a:bodyPr/>
                   <a:lstStyle/>
                   <a:p>
-                    <a:fld id="{AEEFCA70-2F4A-4807-82E6-FFB30ADBAB61}" type="CELLRANGE">
+                    <a:fld id="{1F5E82BE-DB1D-46D5-B3D5-2355AE959480}" type="CELLRANGE">
                       <a:rPr lang="en-US"/>
                       <a:pPr/>
                       <a:t>[CELLRANGE]</a:t>
@@ -12131,7 +12131,7 @@
                   <a:bodyPr/>
                   <a:lstStyle/>
                   <a:p>
-                    <a:fld id="{145FBA57-73A6-4625-A717-95CBA1530972}" type="CELLRANGE">
+                    <a:fld id="{0695744B-0ED0-4D6B-A0FC-B4353C672A5C}" type="CELLRANGE">
                       <a:rPr lang="en-US"/>
                       <a:pPr/>
                       <a:t>[CELLRANGE]</a:t>
@@ -12165,7 +12165,7 @@
                   <a:bodyPr/>
                   <a:lstStyle/>
                   <a:p>
-                    <a:fld id="{FA9516E5-0CAF-4FB0-9ADB-D49F8DFFB8FA}" type="CELLRANGE">
+                    <a:fld id="{417DEE10-6950-4A4F-A6D4-AB178D077651}" type="CELLRANGE">
                       <a:rPr lang="en-US"/>
                       <a:pPr/>
                       <a:t>[CELLRANGE]</a:t>
@@ -12199,7 +12199,7 @@
                   <a:bodyPr/>
                   <a:lstStyle/>
                   <a:p>
-                    <a:fld id="{12D9401D-FA93-4A18-BC73-4A5E3E4EC204}" type="CELLRANGE">
+                    <a:fld id="{3517FDFA-BD5A-4B17-9600-58922FCD2060}" type="CELLRANGE">
                       <a:rPr lang="en-US"/>
                       <a:pPr/>
                       <a:t>[CELLRANGE]</a:t>
@@ -12233,7 +12233,7 @@
                   <a:bodyPr/>
                   <a:lstStyle/>
                   <a:p>
-                    <a:fld id="{0E4BAC44-13E3-4993-8063-6A9546FCB51E}" type="CELLRANGE">
+                    <a:fld id="{3C585DD2-7049-44B5-A853-B7C9F678E40B}" type="CELLRANGE">
                       <a:rPr lang="en-US"/>
                       <a:pPr/>
                       <a:t>[CELLRANGE]</a:t>
@@ -12267,7 +12267,7 @@
                   <a:bodyPr/>
                   <a:lstStyle/>
                   <a:p>
-                    <a:fld id="{C1E29C4C-C910-409C-94C1-58F58AF375EE}" type="CELLRANGE">
+                    <a:fld id="{C72B42C6-38E4-47F4-8EE8-5F9215756576}" type="CELLRANGE">
                       <a:rPr lang="en-US"/>
                       <a:pPr/>
                       <a:t>[CELLRANGE]</a:t>
@@ -12301,7 +12301,7 @@
                   <a:bodyPr/>
                   <a:lstStyle/>
                   <a:p>
-                    <a:fld id="{23F24A52-83D7-41DB-BEB0-0B19413B7BD8}" type="CELLRANGE">
+                    <a:fld id="{C556E6F9-5B9F-4BFF-B6CE-2EE33C16C447}" type="CELLRANGE">
                       <a:rPr lang="en-US"/>
                       <a:pPr/>
                       <a:t>[CELLRANGE]</a:t>
@@ -12335,7 +12335,7 @@
                   <a:bodyPr/>
                   <a:lstStyle/>
                   <a:p>
-                    <a:fld id="{4F103B4A-5BA6-471B-8132-4C1D439DEE31}" type="CELLRANGE">
+                    <a:fld id="{A81F7A50-A2E4-4E22-942E-6D1944FBCAD9}" type="CELLRANGE">
                       <a:rPr lang="en-US"/>
                       <a:pPr/>
                       <a:t>[CELLRANGE]</a:t>
@@ -12369,7 +12369,7 @@
                   <a:bodyPr/>
                   <a:lstStyle/>
                   <a:p>
-                    <a:fld id="{63816B4A-E45F-4443-98F0-1F21E6E7C51F}" type="CELLRANGE">
+                    <a:fld id="{3CFF5D61-4B38-4EFC-ACBD-D01060575BF4}" type="CELLRANGE">
                       <a:rPr lang="en-US"/>
                       <a:pPr/>
                       <a:t>[CELLRANGE]</a:t>
@@ -12403,7 +12403,7 @@
                   <a:bodyPr/>
                   <a:lstStyle/>
                   <a:p>
-                    <a:fld id="{DEFA437B-2918-4CCA-B7A6-EE5E9D4EE083}" type="CELLRANGE">
+                    <a:fld id="{9306600B-1E8C-4BE4-B2A0-1A095EE4B7C8}" type="CELLRANGE">
                       <a:rPr lang="en-US"/>
                       <a:pPr/>
                       <a:t>[CELLRANGE]</a:t>
@@ -12437,7 +12437,7 @@
                   <a:bodyPr/>
                   <a:lstStyle/>
                   <a:p>
-                    <a:fld id="{787DD3CE-B6BE-4B15-9070-33B98BB6DEBE}" type="CELLRANGE">
+                    <a:fld id="{DD41AFF1-0B77-4782-98A3-98F1677E3EAB}" type="CELLRANGE">
                       <a:rPr lang="en-US"/>
                       <a:pPr/>
                       <a:t>[CELLRANGE]</a:t>
@@ -12471,7 +12471,7 @@
                   <a:bodyPr/>
                   <a:lstStyle/>
                   <a:p>
-                    <a:fld id="{3CC9DE5D-3A82-4934-A0BF-A20300B2852C}" type="CELLRANGE">
+                    <a:fld id="{0451106B-8340-4D25-8363-79D4761E26A2}" type="CELLRANGE">
                       <a:rPr lang="en-US"/>
                       <a:pPr/>
                       <a:t>[CELLRANGE]</a:t>
@@ -12505,7 +12505,7 @@
                   <a:bodyPr/>
                   <a:lstStyle/>
                   <a:p>
-                    <a:fld id="{69F44CD2-E5A6-4B0C-B360-B77DDD10DC97}" type="CELLRANGE">
+                    <a:fld id="{521D7A1F-1F47-4DED-9A30-EAC78DAA3AD7}" type="CELLRANGE">
                       <a:rPr lang="en-US"/>
                       <a:pPr/>
                       <a:t>[CELLRANGE]</a:t>
@@ -12539,7 +12539,7 @@
                   <a:bodyPr/>
                   <a:lstStyle/>
                   <a:p>
-                    <a:fld id="{393DDB4C-D55C-4EC7-8515-D933651E01B3}" type="CELLRANGE">
+                    <a:fld id="{6BCBBDA2-5489-4DB9-BAB8-4D7680A0E632}" type="CELLRANGE">
                       <a:rPr lang="en-US"/>
                       <a:pPr/>
                       <a:t>[CELLRANGE]</a:t>
@@ -12573,7 +12573,7 @@
                   <a:bodyPr/>
                   <a:lstStyle/>
                   <a:p>
-                    <a:fld id="{64B5A7DC-1FDB-4A39-8A0D-086B9FE3112B}" type="CELLRANGE">
+                    <a:fld id="{7E63C467-3D27-4735-BF66-5608FC2FCC6A}" type="CELLRANGE">
                       <a:rPr lang="en-US"/>
                       <a:pPr/>
                       <a:t>[CELLRANGE]</a:t>
@@ -12607,7 +12607,7 @@
                   <a:bodyPr/>
                   <a:lstStyle/>
                   <a:p>
-                    <a:fld id="{2C6CB387-9645-49E1-9EDE-FE8E4776973A}" type="CELLRANGE">
+                    <a:fld id="{B8B430C4-0B7F-46DC-AA1E-CF7CE4D88990}" type="CELLRANGE">
                       <a:rPr lang="en-US"/>
                       <a:pPr/>
                       <a:t>[CELLRANGE]</a:t>
@@ -12641,7 +12641,7 @@
                   <a:bodyPr/>
                   <a:lstStyle/>
                   <a:p>
-                    <a:fld id="{182F85E7-44BE-4B5B-93B3-8FB94436C01D}" type="CELLRANGE">
+                    <a:fld id="{969EB0F4-E021-4290-BAC8-93D2207EAF26}" type="CELLRANGE">
                       <a:rPr lang="en-US"/>
                       <a:pPr/>
                       <a:t>[CELLRANGE]</a:t>
@@ -12675,7 +12675,7 @@
                   <a:bodyPr/>
                   <a:lstStyle/>
                   <a:p>
-                    <a:fld id="{B3B4F994-D31B-49B7-B226-BD4231CA2D2E}" type="CELLRANGE">
+                    <a:fld id="{B1D713A5-2008-4080-97AF-FDA1E4A814BF}" type="CELLRANGE">
                       <a:rPr lang="en-US"/>
                       <a:pPr/>
                       <a:t>[CELLRANGE]</a:t>
@@ -12709,7 +12709,7 @@
                   <a:bodyPr/>
                   <a:lstStyle/>
                   <a:p>
-                    <a:fld id="{F77E10BE-0C58-4DFA-9B73-A367FBBABA20}" type="CELLRANGE">
+                    <a:fld id="{C9D66D00-1CCB-4B72-BBC3-B2AF1DE70911}" type="CELLRANGE">
                       <a:rPr lang="en-US"/>
                       <a:pPr/>
                       <a:t>[CELLRANGE]</a:t>
@@ -12743,7 +12743,7 @@
                   <a:bodyPr/>
                   <a:lstStyle/>
                   <a:p>
-                    <a:fld id="{467C8C8A-A7D4-4714-8FBD-074C2AFC6AB4}" type="CELLRANGE">
+                    <a:fld id="{C828E295-1D4E-414A-9E39-4CD9940E1FCD}" type="CELLRANGE">
                       <a:rPr lang="en-US"/>
                       <a:pPr/>
                       <a:t>[CELLRANGE]</a:t>
@@ -12777,7 +12777,7 @@
                   <a:bodyPr/>
                   <a:lstStyle/>
                   <a:p>
-                    <a:fld id="{0A07B2C1-AC11-4A41-9CA3-1E46B792143F}" type="CELLRANGE">
+                    <a:fld id="{0B21B871-8242-4751-9398-8E9695AC8B49}" type="CELLRANGE">
                       <a:rPr lang="en-US"/>
                       <a:pPr/>
                       <a:t>[CELLRANGE]</a:t>
@@ -12811,7 +12811,7 @@
                   <a:bodyPr/>
                   <a:lstStyle/>
                   <a:p>
-                    <a:fld id="{673AD43B-B610-4E3D-97B2-6444EFE723FC}" type="CELLRANGE">
+                    <a:fld id="{9148276E-D29A-48FF-A7A7-C78F0CDE91B3}" type="CELLRANGE">
                       <a:rPr lang="en-US"/>
                       <a:pPr/>
                       <a:t>[CELLRANGE]</a:t>
@@ -12845,7 +12845,7 @@
                   <a:bodyPr/>
                   <a:lstStyle/>
                   <a:p>
-                    <a:fld id="{37E8CBC0-2099-45D0-8B83-99BDC7CC896A}" type="CELLRANGE">
+                    <a:fld id="{79953A49-5667-404C-95A9-7757F9EBDE20}" type="CELLRANGE">
                       <a:rPr lang="en-US"/>
                       <a:pPr/>
                       <a:t>[CELLRANGE]</a:t>
@@ -12879,7 +12879,7 @@
                   <a:bodyPr/>
                   <a:lstStyle/>
                   <a:p>
-                    <a:fld id="{B13F0CF4-885B-4A02-8364-F65D28A53386}" type="CELLRANGE">
+                    <a:fld id="{84D491C9-8331-4A5A-85A6-EB470C9E6515}" type="CELLRANGE">
                       <a:rPr lang="en-US"/>
                       <a:pPr/>
                       <a:t>[CELLRANGE]</a:t>
@@ -12913,7 +12913,7 @@
                   <a:bodyPr/>
                   <a:lstStyle/>
                   <a:p>
-                    <a:fld id="{0C943B08-231C-4757-AC85-69DC55EA07E6}" type="CELLRANGE">
+                    <a:fld id="{07C201BD-4766-472F-B863-F098D7F8545B}" type="CELLRANGE">
                       <a:rPr lang="en-US"/>
                       <a:pPr/>
                       <a:t>[CELLRANGE]</a:t>
@@ -12947,7 +12947,7 @@
                   <a:bodyPr/>
                   <a:lstStyle/>
                   <a:p>
-                    <a:fld id="{B1DF9A8F-AD12-45AC-B341-49BECDAC60BB}" type="CELLRANGE">
+                    <a:fld id="{C6BE29E4-7892-4EEF-9C8A-6952E4255810}" type="CELLRANGE">
                       <a:rPr lang="en-US"/>
                       <a:pPr/>
                       <a:t>[CELLRANGE]</a:t>
@@ -12981,7 +12981,7 @@
                   <a:bodyPr/>
                   <a:lstStyle/>
                   <a:p>
-                    <a:fld id="{EC6C352B-F3FE-410B-94B7-D0C1A082DCEA}" type="CELLRANGE">
+                    <a:fld id="{DAEE0FBA-FDF1-4ACE-91FD-286272128731}" type="CELLRANGE">
                       <a:rPr lang="en-US"/>
                       <a:pPr/>
                       <a:t>[CELLRANGE]</a:t>
@@ -13015,7 +13015,7 @@
                   <a:bodyPr/>
                   <a:lstStyle/>
                   <a:p>
-                    <a:fld id="{0B57CAC6-D367-444E-B0CD-B8DDA76039E6}" type="CELLRANGE">
+                    <a:fld id="{6E05BC74-04D2-428E-A7B5-C28525496B48}" type="CELLRANGE">
                       <a:rPr lang="en-US"/>
                       <a:pPr/>
                       <a:t>[CELLRANGE]</a:t>
@@ -13049,7 +13049,7 @@
                   <a:bodyPr/>
                   <a:lstStyle/>
                   <a:p>
-                    <a:fld id="{20A4C013-BD7F-4A49-B262-9EE5797B8B62}" type="CELLRANGE">
+                    <a:fld id="{3555F607-EC8B-4396-BA97-1AD2F7DA5BDD}" type="CELLRANGE">
                       <a:rPr lang="en-US"/>
                       <a:pPr/>
                       <a:t>[CELLRANGE]</a:t>
@@ -13083,7 +13083,7 @@
                   <a:bodyPr/>
                   <a:lstStyle/>
                   <a:p>
-                    <a:fld id="{45F3CDAF-D4C5-4696-97FA-CD5467230E99}" type="CELLRANGE">
+                    <a:fld id="{9FDE36F6-307E-4E24-A590-399DB3FED6ED}" type="CELLRANGE">
                       <a:rPr lang="en-US"/>
                       <a:pPr/>
                       <a:t>[CELLRANGE]</a:t>
@@ -13117,7 +13117,7 @@
                   <a:bodyPr/>
                   <a:lstStyle/>
                   <a:p>
-                    <a:fld id="{AA3ABBA5-C5BB-4B75-86A9-7F8618BEF549}" type="CELLRANGE">
+                    <a:fld id="{B3E93DB7-873A-42C1-A288-C7C3753A993D}" type="CELLRANGE">
                       <a:rPr lang="en-US"/>
                       <a:pPr/>
                       <a:t>[CELLRANGE]</a:t>
@@ -13151,7 +13151,7 @@
                   <a:bodyPr/>
                   <a:lstStyle/>
                   <a:p>
-                    <a:fld id="{3AD81C13-C5F1-464C-8A03-B20D80714623}" type="CELLRANGE">
+                    <a:fld id="{D4402C88-D1A9-400E-A546-BECAB5155E64}" type="CELLRANGE">
                       <a:rPr lang="en-US"/>
                       <a:pPr/>
                       <a:t>[CELLRANGE]</a:t>
@@ -13185,7 +13185,7 @@
                   <a:bodyPr/>
                   <a:lstStyle/>
                   <a:p>
-                    <a:fld id="{2303000D-A094-4B16-ACFB-A725D12F68D9}" type="CELLRANGE">
+                    <a:fld id="{4B82034E-C6BD-4D99-87DE-77EB706C7180}" type="CELLRANGE">
                       <a:rPr lang="en-US"/>
                       <a:pPr/>
                       <a:t>[CELLRANGE]</a:t>
@@ -13219,7 +13219,7 @@
                   <a:bodyPr/>
                   <a:lstStyle/>
                   <a:p>
-                    <a:fld id="{EAA2EC07-1D27-4A4D-9382-610BE82D0E1B}" type="CELLRANGE">
+                    <a:fld id="{6F37EC35-9234-47C2-BD95-2B79E0ABF046}" type="CELLRANGE">
                       <a:rPr lang="en-US"/>
                       <a:pPr/>
                       <a:t>[CELLRANGE]</a:t>
@@ -13253,7 +13253,7 @@
                   <a:bodyPr/>
                   <a:lstStyle/>
                   <a:p>
-                    <a:fld id="{B5142BEB-B22A-4E2E-9D3D-2688A05FA389}" type="CELLRANGE">
+                    <a:fld id="{AA361424-E9E1-4015-A480-9E67B0DDA91F}" type="CELLRANGE">
                       <a:rPr lang="en-US"/>
                       <a:pPr/>
                       <a:t>[CELLRANGE]</a:t>
@@ -13287,7 +13287,7 @@
                   <a:bodyPr/>
                   <a:lstStyle/>
                   <a:p>
-                    <a:fld id="{DF3BF458-AFAD-4141-9B95-F8F840142A25}" type="CELLRANGE">
+                    <a:fld id="{A0CF88D4-BB27-4390-B8EB-5160D6E734A7}" type="CELLRANGE">
                       <a:rPr lang="en-US"/>
                       <a:pPr/>
                       <a:t>[CELLRANGE]</a:t>
@@ -13321,7 +13321,7 @@
                   <a:bodyPr/>
                   <a:lstStyle/>
                   <a:p>
-                    <a:fld id="{C79483BF-A29E-4A74-9578-0628883D0EB9}" type="CELLRANGE">
+                    <a:fld id="{BD7A5E33-984E-4F75-B025-1BA4E8E0F009}" type="CELLRANGE">
                       <a:rPr lang="en-US"/>
                       <a:pPr/>
                       <a:t>[CELLRANGE]</a:t>
@@ -13355,7 +13355,7 @@
                   <a:bodyPr/>
                   <a:lstStyle/>
                   <a:p>
-                    <a:fld id="{D3248CC5-A19D-4A1C-A6B4-588A5C0F6610}" type="CELLRANGE">
+                    <a:fld id="{175F5E39-4E81-4F8C-9158-9FBD2FC69CF4}" type="CELLRANGE">
                       <a:rPr lang="en-US"/>
                       <a:pPr/>
                       <a:t>[CELLRANGE]</a:t>
@@ -13389,7 +13389,7 @@
                   <a:bodyPr/>
                   <a:lstStyle/>
                   <a:p>
-                    <a:fld id="{F3AE480D-AE9E-4B0F-915B-C7A7B8C21DD0}" type="CELLRANGE">
+                    <a:fld id="{36E121FA-831C-4255-89EC-73FD3D530D74}" type="CELLRANGE">
                       <a:rPr lang="en-US"/>
                       <a:pPr/>
                       <a:t>[CELLRANGE]</a:t>
@@ -13423,7 +13423,7 @@
                   <a:bodyPr/>
                   <a:lstStyle/>
                   <a:p>
-                    <a:fld id="{731B8DD6-9F0A-4D46-B319-72180E2622BE}" type="CELLRANGE">
+                    <a:fld id="{F21FB882-1C75-4A71-BB02-476A26BF8A3F}" type="CELLRANGE">
                       <a:rPr lang="en-US"/>
                       <a:pPr/>
                       <a:t>[CELLRANGE]</a:t>
@@ -13457,7 +13457,7 @@
                   <a:bodyPr/>
                   <a:lstStyle/>
                   <a:p>
-                    <a:fld id="{09598EA4-B911-4D32-A76F-0B0AFA121254}" type="CELLRANGE">
+                    <a:fld id="{8830EE87-4664-448C-BC67-4436558D7CC5}" type="CELLRANGE">
                       <a:rPr lang="en-US"/>
                       <a:pPr/>
                       <a:t>[CELLRANGE]</a:t>
@@ -13491,7 +13491,7 @@
                   <a:bodyPr/>
                   <a:lstStyle/>
                   <a:p>
-                    <a:fld id="{5A433580-6821-4D28-9276-08DCB06AF0A0}" type="CELLRANGE">
+                    <a:fld id="{E36BBE37-6772-4472-8602-98C2D609731A}" type="CELLRANGE">
                       <a:rPr lang="en-US"/>
                       <a:pPr/>
                       <a:t>[CELLRANGE]</a:t>
@@ -13525,7 +13525,7 @@
                   <a:bodyPr/>
                   <a:lstStyle/>
                   <a:p>
-                    <a:fld id="{963D454D-BAE0-4F37-B0A1-956E0B202733}" type="CELLRANGE">
+                    <a:fld id="{EE8CB467-6568-4D2D-BA59-D2CC1BFDEFE3}" type="CELLRANGE">
                       <a:rPr lang="en-US"/>
                       <a:pPr/>
                       <a:t>[CELLRANGE]</a:t>
@@ -13559,7 +13559,7 @@
                   <a:bodyPr/>
                   <a:lstStyle/>
                   <a:p>
-                    <a:fld id="{B32246E9-EEBE-4146-82EB-70AA289681CC}" type="CELLRANGE">
+                    <a:fld id="{2CC08C6A-FB05-498D-8384-BD151E5A9975}" type="CELLRANGE">
                       <a:rPr lang="en-US"/>
                       <a:pPr/>
                       <a:t>[CELLRANGE]</a:t>
@@ -13593,7 +13593,7 @@
                   <a:bodyPr/>
                   <a:lstStyle/>
                   <a:p>
-                    <a:fld id="{2A496678-952A-4BDB-B7E2-D44C68F1DA93}" type="CELLRANGE">
+                    <a:fld id="{924D3B5D-72F2-4A35-8E17-0D58D9B56C06}" type="CELLRANGE">
                       <a:rPr lang="en-US"/>
                       <a:pPr/>
                       <a:t>[CELLRANGE]</a:t>
@@ -13627,7 +13627,7 @@
                   <a:bodyPr/>
                   <a:lstStyle/>
                   <a:p>
-                    <a:fld id="{FFBB043B-A5FA-4AE2-811B-33741F009D03}" type="CELLRANGE">
+                    <a:fld id="{70528B5E-96E4-4CC4-9684-F57F3C98B4C5}" type="CELLRANGE">
                       <a:rPr lang="en-US"/>
                       <a:pPr/>
                       <a:t>[CELLRANGE]</a:t>
@@ -13661,7 +13661,7 @@
                   <a:bodyPr/>
                   <a:lstStyle/>
                   <a:p>
-                    <a:fld id="{00E09D06-16F7-486A-9FD7-E5F93DE7EE19}" type="CELLRANGE">
+                    <a:fld id="{26D188E8-6681-4904-940E-907EAAD2BA3A}" type="CELLRANGE">
                       <a:rPr lang="en-US"/>
                       <a:pPr/>
                       <a:t>[CELLRANGE]</a:t>
@@ -13695,7 +13695,7 @@
                   <a:bodyPr/>
                   <a:lstStyle/>
                   <a:p>
-                    <a:fld id="{EB24F1B5-5ADE-4E95-80DE-96E605074304}" type="CELLRANGE">
+                    <a:fld id="{F640F56B-E105-4FEB-8C4A-55C60553DD61}" type="CELLRANGE">
                       <a:rPr lang="en-US"/>
                       <a:pPr/>
                       <a:t>[CELLRANGE]</a:t>
@@ -13729,7 +13729,7 @@
                   <a:bodyPr/>
                   <a:lstStyle/>
                   <a:p>
-                    <a:fld id="{DBB3E9C8-974B-488C-A14E-3AA25BF62E5D}" type="CELLRANGE">
+                    <a:fld id="{832F03C7-C10C-469C-B41C-6D71BD26C5F5}" type="CELLRANGE">
                       <a:rPr lang="en-US"/>
                       <a:pPr/>
                       <a:t>[CELLRANGE]</a:t>
@@ -13763,7 +13763,7 @@
                   <a:bodyPr/>
                   <a:lstStyle/>
                   <a:p>
-                    <a:fld id="{C5F6C213-A47E-4421-9A63-A7283E830B08}" type="CELLRANGE">
+                    <a:fld id="{3CFA7E42-1B56-4BC6-B58E-CF17FDE01198}" type="CELLRANGE">
                       <a:rPr lang="en-US"/>
                       <a:pPr/>
                       <a:t>[CELLRANGE]</a:t>
@@ -13797,7 +13797,7 @@
                   <a:bodyPr/>
                   <a:lstStyle/>
                   <a:p>
-                    <a:fld id="{5781E701-5311-457F-84DB-2DA084EFE45A}" type="CELLRANGE">
+                    <a:fld id="{509A7DC9-3817-48AC-837D-EBA20A6B35A9}" type="CELLRANGE">
                       <a:rPr lang="en-US"/>
                       <a:pPr/>
                       <a:t>[CELLRANGE]</a:t>
@@ -13831,7 +13831,7 @@
                   <a:bodyPr/>
                   <a:lstStyle/>
                   <a:p>
-                    <a:fld id="{327E36D6-F969-4CA7-95F3-EF90D1F48DA6}" type="CELLRANGE">
+                    <a:fld id="{F8146D39-A7E2-4836-A84D-8D13FE8A1FA3}" type="CELLRANGE">
                       <a:rPr lang="en-US"/>
                       <a:pPr/>
                       <a:t>[CELLRANGE]</a:t>
@@ -13865,7 +13865,7 @@
                   <a:bodyPr/>
                   <a:lstStyle/>
                   <a:p>
-                    <a:fld id="{3B886162-C3F0-4BCB-85A8-304551EB50A8}" type="CELLRANGE">
+                    <a:fld id="{16C4A63E-3FA9-44F5-B596-967611F606FC}" type="CELLRANGE">
                       <a:rPr lang="en-US"/>
                       <a:pPr/>
                       <a:t>[CELLRANGE]</a:t>
@@ -13899,7 +13899,7 @@
                   <a:bodyPr/>
                   <a:lstStyle/>
                   <a:p>
-                    <a:fld id="{CF43914D-9D4F-4A19-A8E1-B333E549B8D6}" type="CELLRANGE">
+                    <a:fld id="{BC2C2852-1444-4113-9344-3F7A25BDB9E7}" type="CELLRANGE">
                       <a:rPr lang="en-US"/>
                       <a:pPr/>
                       <a:t>[CELLRANGE]</a:t>
@@ -13933,7 +13933,7 @@
                   <a:bodyPr/>
                   <a:lstStyle/>
                   <a:p>
-                    <a:fld id="{348B7205-F274-4E32-B697-A261B83309DB}" type="CELLRANGE">
+                    <a:fld id="{90699CD2-0DE0-4D9F-B92F-81A4130EAFD8}" type="CELLRANGE">
                       <a:rPr lang="en-US"/>
                       <a:pPr/>
                       <a:t>[CELLRANGE]</a:t>
@@ -13967,7 +13967,7 @@
                   <a:bodyPr/>
                   <a:lstStyle/>
                   <a:p>
-                    <a:fld id="{7D79847F-D1CC-43A0-AF77-6CD4DF0F39EB}" type="CELLRANGE">
+                    <a:fld id="{05B2FCE8-9077-4313-B5DB-8349E5F04D33}" type="CELLRANGE">
                       <a:rPr lang="en-US"/>
                       <a:pPr/>
                       <a:t>[CELLRANGE]</a:t>
@@ -14001,7 +14001,7 @@
                   <a:bodyPr/>
                   <a:lstStyle/>
                   <a:p>
-                    <a:fld id="{9B9FBCCF-09A8-4A0B-BDC9-3320157E9844}" type="CELLRANGE">
+                    <a:fld id="{519FB93C-55D8-4815-A06E-5D1F35B7B65B}" type="CELLRANGE">
                       <a:rPr lang="en-US"/>
                       <a:pPr/>
                       <a:t>[CELLRANGE]</a:t>
@@ -14035,7 +14035,7 @@
                   <a:bodyPr/>
                   <a:lstStyle/>
                   <a:p>
-                    <a:fld id="{8B54C763-38E8-422B-BA06-BD95B9D8D29A}" type="CELLRANGE">
+                    <a:fld id="{A186763F-5EA5-4A04-B888-745943DEA256}" type="CELLRANGE">
                       <a:rPr lang="en-US"/>
                       <a:pPr/>
                       <a:t>[CELLRANGE]</a:t>
@@ -14069,7 +14069,7 @@
                   <a:bodyPr/>
                   <a:lstStyle/>
                   <a:p>
-                    <a:fld id="{B8C92A91-A3F4-408C-B2D3-4A730D597E0A}" type="CELLRANGE">
+                    <a:fld id="{292ABCC9-B103-4179-8D34-4E5A917C1FC5}" type="CELLRANGE">
                       <a:rPr lang="en-US"/>
                       <a:pPr/>
                       <a:t>[CELLRANGE]</a:t>
@@ -14103,7 +14103,7 @@
                   <a:bodyPr/>
                   <a:lstStyle/>
                   <a:p>
-                    <a:fld id="{76CB91E9-0D8A-438F-9EEA-55F18DF3E3B0}" type="CELLRANGE">
+                    <a:fld id="{8B742F8C-5C39-4BF5-9E23-11726DE13BB1}" type="CELLRANGE">
                       <a:rPr lang="en-US"/>
                       <a:pPr/>
                       <a:t>[CELLRANGE]</a:t>
@@ -14137,7 +14137,7 @@
                   <a:bodyPr/>
                   <a:lstStyle/>
                   <a:p>
-                    <a:fld id="{1B6C6A99-9730-402F-8B1A-A358D1A0DA72}" type="CELLRANGE">
+                    <a:fld id="{12BC9654-BEA6-40DF-B745-5C25763948B7}" type="CELLRANGE">
                       <a:rPr lang="en-US"/>
                       <a:pPr/>
                       <a:t>[CELLRANGE]</a:t>
@@ -14171,7 +14171,7 @@
                   <a:bodyPr/>
                   <a:lstStyle/>
                   <a:p>
-                    <a:fld id="{27C6236F-15CB-433E-9ED3-801387A1B87E}" type="CELLRANGE">
+                    <a:fld id="{110379A6-27FB-47EE-B956-FF0D90023428}" type="CELLRANGE">
                       <a:rPr lang="en-US"/>
                       <a:pPr/>
                       <a:t>[CELLRANGE]</a:t>
@@ -14205,7 +14205,7 @@
                   <a:bodyPr/>
                   <a:lstStyle/>
                   <a:p>
-                    <a:fld id="{19F4691F-4A4B-452A-9130-18F558F0682A}" type="CELLRANGE">
+                    <a:fld id="{A3EB1CE8-87D8-4D57-9A0F-5F81F13562DF}" type="CELLRANGE">
                       <a:rPr lang="en-US"/>
                       <a:pPr/>
                       <a:t>[CELLRANGE]</a:t>
@@ -14239,7 +14239,7 @@
                   <a:bodyPr/>
                   <a:lstStyle/>
                   <a:p>
-                    <a:fld id="{3E274946-2112-4AF5-A6DE-5ABF22B5E833}" type="CELLRANGE">
+                    <a:fld id="{B94B3CC3-D6F6-49C3-9A00-E73E47E2DC89}" type="CELLRANGE">
                       <a:rPr lang="en-US"/>
                       <a:pPr/>
                       <a:t>[CELLRANGE]</a:t>
@@ -14273,7 +14273,7 @@
                   <a:bodyPr/>
                   <a:lstStyle/>
                   <a:p>
-                    <a:fld id="{338631C4-B9B5-42F7-AD2F-77C2585758BC}" type="CELLRANGE">
+                    <a:fld id="{081D1294-61C8-426E-B03F-EB64C9A9C18A}" type="CELLRANGE">
                       <a:rPr lang="en-US"/>
                       <a:pPr/>
                       <a:t>[CELLRANGE]</a:t>
@@ -14307,7 +14307,7 @@
                   <a:bodyPr/>
                   <a:lstStyle/>
                   <a:p>
-                    <a:fld id="{AC8FDCE9-7DB6-497B-9B45-A3F122615E5F}" type="CELLRANGE">
+                    <a:fld id="{D1FDCF5B-D320-43AC-8FC8-B81A674E6278}" type="CELLRANGE">
                       <a:rPr lang="en-US"/>
                       <a:pPr/>
                       <a:t>[CELLRANGE]</a:t>
@@ -14341,7 +14341,7 @@
                   <a:bodyPr/>
                   <a:lstStyle/>
                   <a:p>
-                    <a:fld id="{F9D704B5-CF75-4091-8C3B-8A73FD6ADEB4}" type="CELLRANGE">
+                    <a:fld id="{5FBF08BB-3C0B-4D6A-B8A1-9379D0EF2B3E}" type="CELLRANGE">
                       <a:rPr lang="en-US"/>
                       <a:pPr/>
                       <a:t>[CELLRANGE]</a:t>
@@ -14375,7 +14375,7 @@
                   <a:bodyPr/>
                   <a:lstStyle/>
                   <a:p>
-                    <a:fld id="{90F4A42D-2DAF-440D-A4C9-9D74A3D0464A}" type="CELLRANGE">
+                    <a:fld id="{77ADA93E-7266-4417-BAE5-1E6555F80C98}" type="CELLRANGE">
                       <a:rPr lang="en-US"/>
                       <a:pPr/>
                       <a:t>[CELLRANGE]</a:t>
@@ -14409,7 +14409,7 @@
                   <a:bodyPr/>
                   <a:lstStyle/>
                   <a:p>
-                    <a:fld id="{D57C9355-5771-44A4-A7BA-192718900D04}" type="CELLRANGE">
+                    <a:fld id="{1831E124-8FF4-410A-9BF3-CF97DF418133}" type="CELLRANGE">
                       <a:rPr lang="en-US"/>
                       <a:pPr/>
                       <a:t>[CELLRANGE]</a:t>
@@ -14443,7 +14443,7 @@
                   <a:bodyPr/>
                   <a:lstStyle/>
                   <a:p>
-                    <a:fld id="{148CBC3A-E0C2-462E-B2F4-7A4F79E4CDDB}" type="CELLRANGE">
+                    <a:fld id="{E4ED1E0C-1D1A-4F7E-8FED-84DC1B0E06C7}" type="CELLRANGE">
                       <a:rPr lang="en-US"/>
                       <a:pPr/>
                       <a:t>[CELLRANGE]</a:t>
@@ -14477,7 +14477,7 @@
                   <a:bodyPr/>
                   <a:lstStyle/>
                   <a:p>
-                    <a:fld id="{5E1ED852-932A-4CA3-9535-DD57B4BF3BA1}" type="CELLRANGE">
+                    <a:fld id="{C7A0E74A-9125-4610-8A2D-7CD6D7748603}" type="CELLRANGE">
                       <a:rPr lang="en-US"/>
                       <a:pPr/>
                       <a:t>[CELLRANGE]</a:t>
@@ -14511,7 +14511,7 @@
                   <a:bodyPr/>
                   <a:lstStyle/>
                   <a:p>
-                    <a:fld id="{385EDC26-076A-4CCE-82CE-59CE9A3ECF7A}" type="CELLRANGE">
+                    <a:fld id="{04AB97F1-8B7A-49E9-B446-6E6B2C778F21}" type="CELLRANGE">
                       <a:rPr lang="en-US"/>
                       <a:pPr/>
                       <a:t>[CELLRANGE]</a:t>
@@ -14545,7 +14545,7 @@
                   <a:bodyPr/>
                   <a:lstStyle/>
                   <a:p>
-                    <a:fld id="{BB5E3D28-743E-4A1B-A5EB-0477B0ACB54C}" type="CELLRANGE">
+                    <a:fld id="{C12EC194-337A-4E21-90F1-96AF483C04B2}" type="CELLRANGE">
                       <a:rPr lang="en-US"/>
                       <a:pPr/>
                       <a:t>[CELLRANGE]</a:t>
@@ -14579,7 +14579,7 @@
                   <a:bodyPr/>
                   <a:lstStyle/>
                   <a:p>
-                    <a:fld id="{CAEC5C26-41EE-473F-9556-FBD0E7D9D3E1}" type="CELLRANGE">
+                    <a:fld id="{FAF129B0-D4A9-470D-9F7C-1F7891E14B91}" type="CELLRANGE">
                       <a:rPr lang="en-US"/>
                       <a:pPr/>
                       <a:t>[CELLRANGE]</a:t>
@@ -14613,7 +14613,7 @@
                   <a:bodyPr/>
                   <a:lstStyle/>
                   <a:p>
-                    <a:fld id="{ACACD6C7-4A69-4C45-8633-7A39A0BA2373}" type="CELLRANGE">
+                    <a:fld id="{BBEEC4B3-66B5-497D-BA08-E55E1F99BA6E}" type="CELLRANGE">
                       <a:rPr lang="en-US"/>
                       <a:pPr/>
                       <a:t>[CELLRANGE]</a:t>
@@ -14647,7 +14647,7 @@
                   <a:bodyPr/>
                   <a:lstStyle/>
                   <a:p>
-                    <a:fld id="{6A7DEE5E-81E7-4A20-AF0D-D1A15C9C9BD9}" type="CELLRANGE">
+                    <a:fld id="{0FF38970-D39A-4F94-856C-5D459CB33583}" type="CELLRANGE">
                       <a:rPr lang="en-US"/>
                       <a:pPr/>
                       <a:t>[CELLRANGE]</a:t>
@@ -14681,7 +14681,7 @@
                   <a:bodyPr/>
                   <a:lstStyle/>
                   <a:p>
-                    <a:fld id="{51C7D8F8-1E60-41F6-ADE3-68F3598E67A1}" type="CELLRANGE">
+                    <a:fld id="{C8B9E51F-15C6-4C76-BCD3-49F94D140C9B}" type="CELLRANGE">
                       <a:rPr lang="en-US"/>
                       <a:pPr/>
                       <a:t>[CELLRANGE]</a:t>
@@ -14715,7 +14715,7 @@
                   <a:bodyPr/>
                   <a:lstStyle/>
                   <a:p>
-                    <a:fld id="{26869B86-4E56-48EB-BD99-2F5328A73884}" type="CELLRANGE">
+                    <a:fld id="{E1FD571C-3E18-4C04-9890-C1F7447ECE79}" type="CELLRANGE">
                       <a:rPr lang="en-US"/>
                       <a:pPr/>
                       <a:t>[CELLRANGE]</a:t>
@@ -14749,7 +14749,7 @@
                   <a:bodyPr/>
                   <a:lstStyle/>
                   <a:p>
-                    <a:fld id="{06A37E45-773D-4797-95CE-138F828DD01E}" type="CELLRANGE">
+                    <a:fld id="{E9507B50-7173-4522-B5C8-F9FB5AFAF616}" type="CELLRANGE">
                       <a:rPr lang="en-US"/>
                       <a:pPr/>
                       <a:t>[CELLRANGE]</a:t>
@@ -14783,7 +14783,7 @@
                   <a:bodyPr/>
                   <a:lstStyle/>
                   <a:p>
-                    <a:fld id="{E1C49975-1E24-4CBD-A953-D58841BE66C7}" type="CELLRANGE">
+                    <a:fld id="{1C1AB6C5-01C5-4830-8011-A464198A6DBC}" type="CELLRANGE">
                       <a:rPr lang="en-US"/>
                       <a:pPr/>
                       <a:t>[CELLRANGE]</a:t>
@@ -14817,7 +14817,7 @@
                   <a:bodyPr/>
                   <a:lstStyle/>
                   <a:p>
-                    <a:fld id="{71503ED3-0C9E-4F3A-BD9A-84779624FEBE}" type="CELLRANGE">
+                    <a:fld id="{FBDF0970-9690-4527-9706-7E6E3ACD93C8}" type="CELLRANGE">
                       <a:rPr lang="en-US"/>
                       <a:pPr/>
                       <a:t>[CELLRANGE]</a:t>
@@ -14851,7 +14851,7 @@
                   <a:bodyPr/>
                   <a:lstStyle/>
                   <a:p>
-                    <a:fld id="{ECA7E64A-61B9-4791-93F4-156130783B55}" type="CELLRANGE">
+                    <a:fld id="{481A2578-A9E2-4D93-89C3-B9BB36055693}" type="CELLRANGE">
                       <a:rPr lang="en-US"/>
                       <a:pPr/>
                       <a:t>[CELLRANGE]</a:t>
@@ -14885,7 +14885,7 @@
                   <a:bodyPr/>
                   <a:lstStyle/>
                   <a:p>
-                    <a:fld id="{5FA60D73-0109-4811-8980-17D1345DC9DB}" type="CELLRANGE">
+                    <a:fld id="{75CF1563-D9DB-4534-96A1-B8C2DA23A465}" type="CELLRANGE">
                       <a:rPr lang="en-US"/>
                       <a:pPr/>
                       <a:t>[CELLRANGE]</a:t>
@@ -14919,7 +14919,7 @@
                   <a:bodyPr/>
                   <a:lstStyle/>
                   <a:p>
-                    <a:fld id="{98DCF3E4-F587-4C9C-AEA2-41D52BE76884}" type="CELLRANGE">
+                    <a:fld id="{4E19EE40-7CD2-495F-87FA-F9D6829F9635}" type="CELLRANGE">
                       <a:rPr lang="en-US"/>
                       <a:pPr/>
                       <a:t>[CELLRANGE]</a:t>
@@ -14953,7 +14953,7 @@
                   <a:bodyPr/>
                   <a:lstStyle/>
                   <a:p>
-                    <a:fld id="{704368AD-F400-4692-89C5-E7831BC092FE}" type="CELLRANGE">
+                    <a:fld id="{F696BF0A-4E75-4CB5-BECB-79C7831DC4CF}" type="CELLRANGE">
                       <a:rPr lang="en-US"/>
                       <a:pPr/>
                       <a:t>[CELLRANGE]</a:t>
@@ -14987,7 +14987,7 @@
                   <a:bodyPr/>
                   <a:lstStyle/>
                   <a:p>
-                    <a:fld id="{29CA0CCB-74B2-4611-BDBE-13005F23FF06}" type="CELLRANGE">
+                    <a:fld id="{551C028B-FEBD-4C1B-AF49-2D747E87DD43}" type="CELLRANGE">
                       <a:rPr lang="en-US"/>
                       <a:pPr/>
                       <a:t>[CELLRANGE]</a:t>
@@ -15021,7 +15021,7 @@
                   <a:bodyPr/>
                   <a:lstStyle/>
                   <a:p>
-                    <a:fld id="{1823BFF2-60F8-40A4-B1AE-ECA017A685B5}" type="CELLRANGE">
+                    <a:fld id="{E5504D47-B782-41B9-8E9D-12667DF7088E}" type="CELLRANGE">
                       <a:rPr lang="en-US"/>
                       <a:pPr/>
                       <a:t>[CELLRANGE]</a:t>
@@ -15055,7 +15055,7 @@
                   <a:bodyPr/>
                   <a:lstStyle/>
                   <a:p>
-                    <a:fld id="{64AC515D-3507-4F40-B955-37ABA948C4B3}" type="CELLRANGE">
+                    <a:fld id="{CE253C61-3C81-461F-AC56-E07FBB7E7478}" type="CELLRANGE">
                       <a:rPr lang="en-US"/>
                       <a:pPr/>
                       <a:t>[CELLRANGE]</a:t>
@@ -15089,7 +15089,7 @@
                   <a:bodyPr/>
                   <a:lstStyle/>
                   <a:p>
-                    <a:fld id="{209E01F6-36E2-459E-8091-3E4F37D8831E}" type="CELLRANGE">
+                    <a:fld id="{6C8822BB-054C-4697-AB0D-922DB8C8123B}" type="CELLRANGE">
                       <a:rPr lang="en-US"/>
                       <a:pPr/>
                       <a:t>[CELLRANGE]</a:t>
@@ -15123,7 +15123,7 @@
                   <a:bodyPr/>
                   <a:lstStyle/>
                   <a:p>
-                    <a:fld id="{1B12AFAE-C2F6-4CFD-8AC4-D8D8E47F8996}" type="CELLRANGE">
+                    <a:fld id="{54218443-C865-4D4B-A595-BB3619661A24}" type="CELLRANGE">
                       <a:rPr lang="en-US"/>
                       <a:pPr/>
                       <a:t>[CELLRANGE]</a:t>
@@ -15157,7 +15157,7 @@
                   <a:bodyPr/>
                   <a:lstStyle/>
                   <a:p>
-                    <a:fld id="{46202482-921A-40F7-B300-08717038C004}" type="CELLRANGE">
+                    <a:fld id="{8798D4AA-9A95-4331-A39B-C3E14A561739}" type="CELLRANGE">
                       <a:rPr lang="en-US"/>
                       <a:pPr/>
                       <a:t>[CELLRANGE]</a:t>
@@ -15191,7 +15191,7 @@
                   <a:bodyPr/>
                   <a:lstStyle/>
                   <a:p>
-                    <a:fld id="{D04DE8BC-D1AC-4ECA-AD60-6FA72EA3BE57}" type="CELLRANGE">
+                    <a:fld id="{66A64AED-CC8D-4B6F-9154-BC42E2642E20}" type="CELLRANGE">
                       <a:rPr lang="en-US"/>
                       <a:pPr/>
                       <a:t>[CELLRANGE]</a:t>
@@ -15225,7 +15225,7 @@
                   <a:bodyPr/>
                   <a:lstStyle/>
                   <a:p>
-                    <a:fld id="{2EA07B0F-C6EA-45CA-BA74-EADDC94402C2}" type="CELLRANGE">
+                    <a:fld id="{257D1C73-7B5F-4761-B485-2EBFE0CC9BF4}" type="CELLRANGE">
                       <a:rPr lang="en-US"/>
                       <a:pPr/>
                       <a:t>[CELLRANGE]</a:t>
@@ -15259,7 +15259,7 @@
                   <a:bodyPr/>
                   <a:lstStyle/>
                   <a:p>
-                    <a:fld id="{A5ECB857-3091-4A3F-9BF7-A0114EB0FDC1}" type="CELLRANGE">
+                    <a:fld id="{DD4FD175-0D3E-4476-94B7-AE2A80B41EF8}" type="CELLRANGE">
                       <a:rPr lang="en-US"/>
                       <a:pPr/>
                       <a:t>[CELLRANGE]</a:t>
@@ -15293,7 +15293,7 @@
                   <a:bodyPr/>
                   <a:lstStyle/>
                   <a:p>
-                    <a:fld id="{13B5231C-4FB0-415F-8DCA-CC61FC8C7020}" type="CELLRANGE">
+                    <a:fld id="{A2F715ED-246C-4F0B-A0A4-2AEFA0B28894}" type="CELLRANGE">
                       <a:rPr lang="en-US"/>
                       <a:pPr/>
                       <a:t>[CELLRANGE]</a:t>
@@ -15327,7 +15327,7 @@
                   <a:bodyPr/>
                   <a:lstStyle/>
                   <a:p>
-                    <a:fld id="{A540F85A-FA24-4726-9A08-359FDC146601}" type="CELLRANGE">
+                    <a:fld id="{68FD9BF8-C2BB-4933-A3DC-ECDC67743436}" type="CELLRANGE">
                       <a:rPr lang="en-US"/>
                       <a:pPr/>
                       <a:t>[CELLRANGE]</a:t>
@@ -15361,7 +15361,7 @@
                   <a:bodyPr/>
                   <a:lstStyle/>
                   <a:p>
-                    <a:fld id="{0A99501F-A2CA-41CE-8973-C5CE0748D37D}" type="CELLRANGE">
+                    <a:fld id="{E247427E-7EF7-4F5E-9B16-09FE2EBD1FB6}" type="CELLRANGE">
                       <a:rPr lang="en-US"/>
                       <a:pPr/>
                       <a:t>[CELLRANGE]</a:t>
@@ -15395,7 +15395,7 @@
                   <a:bodyPr/>
                   <a:lstStyle/>
                   <a:p>
-                    <a:fld id="{651B2C89-4801-49D5-8365-629F6B6DA4A9}" type="CELLRANGE">
+                    <a:fld id="{AAD0D668-1D2D-45A3-8E8C-2004DDB2595C}" type="CELLRANGE">
                       <a:rPr lang="en-US"/>
                       <a:pPr/>
                       <a:t>[CELLRANGE]</a:t>
@@ -15429,7 +15429,7 @@
                   <a:bodyPr/>
                   <a:lstStyle/>
                   <a:p>
-                    <a:fld id="{A4B14264-4AA7-46D9-B71B-32658057CF37}" type="CELLRANGE">
+                    <a:fld id="{3B515D07-EEA5-4C36-9D82-34E9D8DB34F5}" type="CELLRANGE">
                       <a:rPr lang="en-US"/>
                       <a:pPr/>
                       <a:t>[CELLRANGE]</a:t>
@@ -15463,7 +15463,7 @@
                   <a:bodyPr/>
                   <a:lstStyle/>
                   <a:p>
-                    <a:fld id="{F319DE6B-0E33-48E4-AF4C-AB3FADEAA194}" type="CELLRANGE">
+                    <a:fld id="{97C2EE27-6F7F-486F-B376-BFAA7A96BF2B}" type="CELLRANGE">
                       <a:rPr lang="en-US"/>
                       <a:pPr/>
                       <a:t>[CELLRANGE]</a:t>
@@ -15497,7 +15497,7 @@
                   <a:bodyPr/>
                   <a:lstStyle/>
                   <a:p>
-                    <a:fld id="{5ABB72F7-F008-4F48-B9E1-AAA8CA56BAA2}" type="CELLRANGE">
+                    <a:fld id="{DB09B7A8-5EC5-4DC0-9632-D50663A2523B}" type="CELLRANGE">
                       <a:rPr lang="en-US"/>
                       <a:pPr/>
                       <a:t>[CELLRANGE]</a:t>
@@ -15531,7 +15531,7 @@
                   <a:bodyPr/>
                   <a:lstStyle/>
                   <a:p>
-                    <a:fld id="{4D33BC66-38B5-4523-A033-06E66CBEFD12}" type="CELLRANGE">
+                    <a:fld id="{B9F268DD-153C-47BA-9C1B-1606A8AE870E}" type="CELLRANGE">
                       <a:rPr lang="en-US"/>
                       <a:pPr/>
                       <a:t>[CELLRANGE]</a:t>
@@ -15565,7 +15565,7 @@
                   <a:bodyPr/>
                   <a:lstStyle/>
                   <a:p>
-                    <a:fld id="{94EA0205-7EB9-4025-AA44-F9E77A8B34E2}" type="CELLRANGE">
+                    <a:fld id="{31E0818E-534E-4C73-8730-C398738E20BB}" type="CELLRANGE">
                       <a:rPr lang="en-US"/>
                       <a:pPr/>
                       <a:t>[CELLRANGE]</a:t>
@@ -15599,7 +15599,7 @@
                   <a:bodyPr/>
                   <a:lstStyle/>
                   <a:p>
-                    <a:fld id="{54ECC2E2-83F0-4839-85DA-07A18026BB8D}" type="CELLRANGE">
+                    <a:fld id="{0E366594-6C94-4458-8964-7481521EC177}" type="CELLRANGE">
                       <a:rPr lang="en-US"/>
                       <a:pPr/>
                       <a:t>[CELLRANGE]</a:t>
@@ -15633,7 +15633,7 @@
                   <a:bodyPr/>
                   <a:lstStyle/>
                   <a:p>
-                    <a:fld id="{CE1E6EB1-4127-4606-AA32-139CBC75DB42}" type="CELLRANGE">
+                    <a:fld id="{4BA3F97E-3793-4849-B0BF-F29CA48C259F}" type="CELLRANGE">
                       <a:rPr lang="en-US"/>
                       <a:pPr/>
                       <a:t>[CELLRANGE]</a:t>
@@ -15667,7 +15667,7 @@
                   <a:bodyPr/>
                   <a:lstStyle/>
                   <a:p>
-                    <a:fld id="{0A8A88AC-A2B0-40F9-9053-1023E5F975F0}" type="CELLRANGE">
+                    <a:fld id="{43C0D127-77D5-4F80-9A03-2900E1CA9A15}" type="CELLRANGE">
                       <a:rPr lang="en-US"/>
                       <a:pPr/>
                       <a:t>[CELLRANGE]</a:t>
@@ -15701,7 +15701,7 @@
                   <a:bodyPr/>
                   <a:lstStyle/>
                   <a:p>
-                    <a:fld id="{838288BA-5EC3-4CD1-82CB-AE30F084C24F}" type="CELLRANGE">
+                    <a:fld id="{8BD21CB0-EC9B-45A9-B945-55F35F37C303}" type="CELLRANGE">
                       <a:rPr lang="en-US"/>
                       <a:pPr/>
                       <a:t>[CELLRANGE]</a:t>
@@ -15735,7 +15735,7 @@
                   <a:bodyPr/>
                   <a:lstStyle/>
                   <a:p>
-                    <a:fld id="{6DE10651-C4E4-4C28-86E8-F3B23760B16E}" type="CELLRANGE">
+                    <a:fld id="{E1E0C45F-0762-42BD-BA2E-63D076BF370C}" type="CELLRANGE">
                       <a:rPr lang="en-US"/>
                       <a:pPr/>
                       <a:t>[CELLRANGE]</a:t>
@@ -15769,7 +15769,7 @@
                   <a:bodyPr/>
                   <a:lstStyle/>
                   <a:p>
-                    <a:fld id="{334BD807-CFBE-442D-9FFC-0BC3077BE8F2}" type="CELLRANGE">
+                    <a:fld id="{1C4A07A1-2A3C-45BE-A712-82764FADE916}" type="CELLRANGE">
                       <a:rPr lang="en-US"/>
                       <a:pPr/>
                       <a:t>[CELLRANGE]</a:t>
@@ -15803,7 +15803,7 @@
                   <a:bodyPr/>
                   <a:lstStyle/>
                   <a:p>
-                    <a:fld id="{295722A0-CFB1-4C78-B7DB-17298A9C147F}" type="CELLRANGE">
+                    <a:fld id="{86E9CD2B-C3C9-49E1-9B1E-47385EE9B3D6}" type="CELLRANGE">
                       <a:rPr lang="en-US"/>
                       <a:pPr/>
                       <a:t>[CELLRANGE]</a:t>
@@ -15837,7 +15837,7 @@
                   <a:bodyPr/>
                   <a:lstStyle/>
                   <a:p>
-                    <a:fld id="{B5A8988D-3284-456B-B0E1-1D2DA2A440B1}" type="CELLRANGE">
+                    <a:fld id="{0EAC3950-6570-4F28-AEF5-BE1CD079A309}" type="CELLRANGE">
                       <a:rPr lang="en-US"/>
                       <a:pPr/>
                       <a:t>[CELLRANGE]</a:t>
@@ -15871,7 +15871,7 @@
                   <a:bodyPr/>
                   <a:lstStyle/>
                   <a:p>
-                    <a:fld id="{D6916EF2-9587-41A9-AFE6-1A0683595B30}" type="CELLRANGE">
+                    <a:fld id="{8E37AEEA-811E-4E25-B2FB-F55E856B8748}" type="CELLRANGE">
                       <a:rPr lang="en-US"/>
                       <a:pPr/>
                       <a:t>[CELLRANGE]</a:t>
@@ -15905,7 +15905,7 @@
                   <a:bodyPr/>
                   <a:lstStyle/>
                   <a:p>
-                    <a:fld id="{26B6A695-8857-4F08-82BA-3068F40960DF}" type="CELLRANGE">
+                    <a:fld id="{31D43A83-430C-4F55-8B84-20863B2DDB5D}" type="CELLRANGE">
                       <a:rPr lang="en-US"/>
                       <a:pPr/>
                       <a:t>[CELLRANGE]</a:t>
@@ -15939,7 +15939,7 @@
                   <a:bodyPr/>
                   <a:lstStyle/>
                   <a:p>
-                    <a:fld id="{D6B176F4-11A9-4C6C-B125-5CC32E5BD20B}" type="CELLRANGE">
+                    <a:fld id="{BF15418B-81A0-4699-9257-306704804CA4}" type="CELLRANGE">
                       <a:rPr lang="en-US"/>
                       <a:pPr/>
                       <a:t>[CELLRANGE]</a:t>
@@ -15973,7 +15973,7 @@
                   <a:bodyPr/>
                   <a:lstStyle/>
                   <a:p>
-                    <a:fld id="{9D63F033-53B4-4F3F-AAA2-26D03E077C9C}" type="CELLRANGE">
+                    <a:fld id="{5567DDDF-324D-4DDD-8EDC-A4B6A15E4163}" type="CELLRANGE">
                       <a:rPr lang="en-US"/>
                       <a:pPr/>
                       <a:t>[CELLRANGE]</a:t>
@@ -16007,7 +16007,7 @@
                   <a:bodyPr/>
                   <a:lstStyle/>
                   <a:p>
-                    <a:fld id="{93EAABA7-048F-46A7-885D-5462B6760C80}" type="CELLRANGE">
+                    <a:fld id="{86DF27E0-7E32-48E7-80B6-FF5D405ADAA0}" type="CELLRANGE">
                       <a:rPr lang="en-US"/>
                       <a:pPr/>
                       <a:t>[CELLRANGE]</a:t>
@@ -16041,7 +16041,7 @@
                   <a:bodyPr/>
                   <a:lstStyle/>
                   <a:p>
-                    <a:fld id="{BD42CD2E-0BE0-4F1B-8BB4-9DF01516A92E}" type="CELLRANGE">
+                    <a:fld id="{3ED1C842-F88E-4759-AB16-9B1179CDF8F4}" type="CELLRANGE">
                       <a:rPr lang="en-US"/>
                       <a:pPr/>
                       <a:t>[CELLRANGE]</a:t>
@@ -16075,7 +16075,7 @@
                   <a:bodyPr/>
                   <a:lstStyle/>
                   <a:p>
-                    <a:fld id="{BF020DAE-31DE-4FFC-9775-C79929A14231}" type="CELLRANGE">
+                    <a:fld id="{4986727E-075E-4049-8024-80205C5C4F7F}" type="CELLRANGE">
                       <a:rPr lang="en-US"/>
                       <a:pPr/>
                       <a:t>[CELLRANGE]</a:t>
@@ -16109,7 +16109,7 @@
                   <a:bodyPr/>
                   <a:lstStyle/>
                   <a:p>
-                    <a:fld id="{E42CCB57-4C8F-4DD7-B3A8-7175B01AEBC6}" type="CELLRANGE">
+                    <a:fld id="{392A26F5-1393-49C3-A2FE-696780A243C2}" type="CELLRANGE">
                       <a:rPr lang="en-US"/>
                       <a:pPr/>
                       <a:t>[CELLRANGE]</a:t>
@@ -16143,7 +16143,7 @@
                   <a:bodyPr/>
                   <a:lstStyle/>
                   <a:p>
-                    <a:fld id="{0F3ACDCD-3C1C-4C50-9916-690049A6D6AC}" type="CELLRANGE">
+                    <a:fld id="{50E54FCC-E654-47C0-B6D5-1C9FFFE24591}" type="CELLRANGE">
                       <a:rPr lang="en-US"/>
                       <a:pPr/>
                       <a:t>[CELLRANGE]</a:t>
@@ -16177,7 +16177,7 @@
                   <a:bodyPr/>
                   <a:lstStyle/>
                   <a:p>
-                    <a:fld id="{E34704B2-9EE1-4266-8FB6-45D19DAEA4CD}" type="CELLRANGE">
+                    <a:fld id="{2ACD48E1-9F80-4D03-BAC3-4279A8C434F9}" type="CELLRANGE">
                       <a:rPr lang="en-US"/>
                       <a:pPr/>
                       <a:t>[CELLRANGE]</a:t>
@@ -16211,7 +16211,7 @@
                   <a:bodyPr/>
                   <a:lstStyle/>
                   <a:p>
-                    <a:fld id="{73FC2169-D047-4DA7-81D9-9B0ABF8BED40}" type="CELLRANGE">
+                    <a:fld id="{D43D3A9B-71E9-4973-BC55-F55DD3AE6A3A}" type="CELLRANGE">
                       <a:rPr lang="en-US"/>
                       <a:pPr/>
                       <a:t>[CELLRANGE]</a:t>
@@ -19410,7 +19410,7 @@
                   <a:bodyPr/>
                   <a:lstStyle/>
                   <a:p>
-                    <a:fld id="{169039AD-1DE2-4737-B706-EA8037041F98}" type="CELLRANGE">
+                    <a:fld id="{5568607E-5BD9-4638-932B-DCA4921F50CA}" type="CELLRANGE">
                       <a:rPr lang="en-US"/>
                       <a:pPr/>
                       <a:t>[CELLRANGE]</a:t>
@@ -19444,7 +19444,7 @@
                   <a:bodyPr/>
                   <a:lstStyle/>
                   <a:p>
-                    <a:fld id="{2A15A61E-1E44-484F-BE4F-62379C62C59E}" type="CELLRANGE">
+                    <a:fld id="{8E968608-2A27-4841-94FD-C72A260059BA}" type="CELLRANGE">
                       <a:rPr lang="en-US"/>
                       <a:pPr/>
                       <a:t>[CELLRANGE]</a:t>
@@ -19478,7 +19478,7 @@
                   <a:bodyPr/>
                   <a:lstStyle/>
                   <a:p>
-                    <a:fld id="{374B63C9-D9A7-4961-8806-4CF7CBE6EBDF}" type="CELLRANGE">
+                    <a:fld id="{9AF6A0D2-A380-4834-874D-14790566A819}" type="CELLRANGE">
                       <a:rPr lang="en-US"/>
                       <a:pPr/>
                       <a:t>[CELLRANGE]</a:t>
@@ -19512,7 +19512,7 @@
                   <a:bodyPr/>
                   <a:lstStyle/>
                   <a:p>
-                    <a:fld id="{D4E3DEAB-D675-46AC-BFEB-877C7EF61271}" type="CELLRANGE">
+                    <a:fld id="{047A6488-C1C6-480D-8AAD-05CD8809B926}" type="CELLRANGE">
                       <a:rPr lang="en-US"/>
                       <a:pPr/>
                       <a:t>[CELLRANGE]</a:t>
@@ -19546,7 +19546,7 @@
                   <a:bodyPr/>
                   <a:lstStyle/>
                   <a:p>
-                    <a:fld id="{AC5986BA-6686-4158-BC6F-7A7FC06DFFF5}" type="CELLRANGE">
+                    <a:fld id="{0B1A497C-792E-4515-9D84-AF0A1DF24C87}" type="CELLRANGE">
                       <a:rPr lang="en-US"/>
                       <a:pPr/>
                       <a:t>[CELLRANGE]</a:t>
@@ -19580,7 +19580,7 @@
                   <a:bodyPr/>
                   <a:lstStyle/>
                   <a:p>
-                    <a:fld id="{9656795B-6A1D-45DB-9811-5087355567B6}" type="CELLRANGE">
+                    <a:fld id="{1FC7D373-04B8-4885-B72E-39350A5CD3E8}" type="CELLRANGE">
                       <a:rPr lang="en-US"/>
                       <a:pPr/>
                       <a:t>[CELLRANGE]</a:t>
@@ -19614,7 +19614,7 @@
                   <a:bodyPr/>
                   <a:lstStyle/>
                   <a:p>
-                    <a:fld id="{7CAC2581-C12C-442E-BFFF-0FCABC4EBE36}" type="CELLRANGE">
+                    <a:fld id="{84F7FC2D-C72C-4FEB-BDE4-A031EEDBD405}" type="CELLRANGE">
                       <a:rPr lang="en-US"/>
                       <a:pPr/>
                       <a:t>[CELLRANGE]</a:t>
@@ -19648,7 +19648,7 @@
                   <a:bodyPr/>
                   <a:lstStyle/>
                   <a:p>
-                    <a:fld id="{CE9B4896-D178-412E-92A2-944E3564919B}" type="CELLRANGE">
+                    <a:fld id="{2A355A4B-DC1B-4210-8511-7005638ED2CA}" type="CELLRANGE">
                       <a:rPr lang="en-US"/>
                       <a:pPr/>
                       <a:t>[CELLRANGE]</a:t>
@@ -19682,7 +19682,7 @@
                   <a:bodyPr/>
                   <a:lstStyle/>
                   <a:p>
-                    <a:fld id="{671CC85F-224A-44CD-90AE-181C1FA56209}" type="CELLRANGE">
+                    <a:fld id="{B0397E6A-2BA2-4F88-9129-FB30CD900AE0}" type="CELLRANGE">
                       <a:rPr lang="en-US"/>
                       <a:pPr/>
                       <a:t>[CELLRANGE]</a:t>
@@ -19716,7 +19716,7 @@
                   <a:bodyPr/>
                   <a:lstStyle/>
                   <a:p>
-                    <a:fld id="{F84723D3-D09D-4A08-81B1-F7B068F47343}" type="CELLRANGE">
+                    <a:fld id="{11001526-1E87-456E-94F5-5FD72AA58840}" type="CELLRANGE">
                       <a:rPr lang="en-US"/>
                       <a:pPr/>
                       <a:t>[CELLRANGE]</a:t>
@@ -19750,7 +19750,7 @@
                   <a:bodyPr/>
                   <a:lstStyle/>
                   <a:p>
-                    <a:fld id="{59977A99-8122-48C7-A846-D95864C4F35A}" type="CELLRANGE">
+                    <a:fld id="{24992FEC-5768-452F-AC75-7523D760E23F}" type="CELLRANGE">
                       <a:rPr lang="en-US"/>
                       <a:pPr/>
                       <a:t>[CELLRANGE]</a:t>
@@ -19784,7 +19784,7 @@
                   <a:bodyPr/>
                   <a:lstStyle/>
                   <a:p>
-                    <a:fld id="{FACCE8E5-9D24-45BA-B23D-8B532EB5273C}" type="CELLRANGE">
+                    <a:fld id="{2EA14B05-053C-4EE3-9529-A05AE4D1109C}" type="CELLRANGE">
                       <a:rPr lang="en-US"/>
                       <a:pPr/>
                       <a:t>[CELLRANGE]</a:t>
@@ -19818,7 +19818,7 @@
                   <a:bodyPr/>
                   <a:lstStyle/>
                   <a:p>
-                    <a:fld id="{C822A28B-BD60-4FCC-90A2-04B7617ABC51}" type="CELLRANGE">
+                    <a:fld id="{9CAE60C8-8800-4FA0-A41B-7EA2E4DF0EC1}" type="CELLRANGE">
                       <a:rPr lang="en-US"/>
                       <a:pPr/>
                       <a:t>[CELLRANGE]</a:t>
@@ -19852,7 +19852,7 @@
                   <a:bodyPr/>
                   <a:lstStyle/>
                   <a:p>
-                    <a:fld id="{C7CE8A71-97A6-4533-9FA4-E4D6EE1D0A61}" type="CELLRANGE">
+                    <a:fld id="{C11AD2A9-2A10-4AF9-B22D-3F85C41BEE76}" type="CELLRANGE">
                       <a:rPr lang="en-US"/>
                       <a:pPr/>
                       <a:t>[CELLRANGE]</a:t>
@@ -19886,7 +19886,7 @@
                   <a:bodyPr/>
                   <a:lstStyle/>
                   <a:p>
-                    <a:fld id="{191CC4D2-673E-4E9B-8D82-2669BBF59B46}" type="CELLRANGE">
+                    <a:fld id="{660DD443-F2B0-43BC-ABB0-47C69F90FA57}" type="CELLRANGE">
                       <a:rPr lang="en-US"/>
                       <a:pPr/>
                       <a:t>[CELLRANGE]</a:t>
@@ -19920,7 +19920,7 @@
                   <a:bodyPr/>
                   <a:lstStyle/>
                   <a:p>
-                    <a:fld id="{7CF445C4-D823-4365-B245-F96AB19100EA}" type="CELLRANGE">
+                    <a:fld id="{F2A031B0-381C-4A2C-A080-DF0EF5D2B95C}" type="CELLRANGE">
                       <a:rPr lang="en-US"/>
                       <a:pPr/>
                       <a:t>[CELLRANGE]</a:t>
@@ -19954,7 +19954,7 @@
                   <a:bodyPr/>
                   <a:lstStyle/>
                   <a:p>
-                    <a:fld id="{7E091398-9714-481A-8002-D069870ED35E}" type="CELLRANGE">
+                    <a:fld id="{B30CA1B8-CAA5-47C1-9F4E-9B42C2B39DCC}" type="CELLRANGE">
                       <a:rPr lang="en-US"/>
                       <a:pPr/>
                       <a:t>[CELLRANGE]</a:t>
@@ -19988,7 +19988,7 @@
                   <a:bodyPr/>
                   <a:lstStyle/>
                   <a:p>
-                    <a:fld id="{92D9B4CA-8AAF-4E9E-9047-71A215FADE7F}" type="CELLRANGE">
+                    <a:fld id="{E84EC741-82D9-4639-A27A-5C0C11CD8C08}" type="CELLRANGE">
                       <a:rPr lang="en-US"/>
                       <a:pPr/>
                       <a:t>[CELLRANGE]</a:t>
@@ -20022,7 +20022,7 @@
                   <a:bodyPr/>
                   <a:lstStyle/>
                   <a:p>
-                    <a:fld id="{F551A3A1-E75F-4B51-90D0-85295DD69683}" type="CELLRANGE">
+                    <a:fld id="{3CA7745A-E334-4BC3-A087-CC35C66B2C9E}" type="CELLRANGE">
                       <a:rPr lang="en-US"/>
                       <a:pPr/>
                       <a:t>[CELLRANGE]</a:t>
@@ -20056,7 +20056,7 @@
                   <a:bodyPr/>
                   <a:lstStyle/>
                   <a:p>
-                    <a:fld id="{3AB90033-22A3-4C4F-8504-1250AD97F26B}" type="CELLRANGE">
+                    <a:fld id="{3A2DEC7A-CAD4-4B7C-BFCD-D4EF9532FE36}" type="CELLRANGE">
                       <a:rPr lang="en-US"/>
                       <a:pPr/>
                       <a:t>[CELLRANGE]</a:t>
@@ -20090,7 +20090,7 @@
                   <a:bodyPr/>
                   <a:lstStyle/>
                   <a:p>
-                    <a:fld id="{E7B8EA85-B1AA-47AC-80CB-BAE6434392AA}" type="CELLRANGE">
+                    <a:fld id="{D05BBF4D-0A89-4CC9-8EC3-1602AE79DF0F}" type="CELLRANGE">
                       <a:rPr lang="en-US"/>
                       <a:pPr/>
                       <a:t>[CELLRANGE]</a:t>
@@ -20124,7 +20124,7 @@
                   <a:bodyPr/>
                   <a:lstStyle/>
                   <a:p>
-                    <a:fld id="{5F5C6815-F7F3-4DC4-9FD0-3A2BF5A00DDF}" type="CELLRANGE">
+                    <a:fld id="{AA946132-F1C4-4485-8F29-CF9D9AC40C6E}" type="CELLRANGE">
                       <a:rPr lang="en-US"/>
                       <a:pPr/>
                       <a:t>[CELLRANGE]</a:t>
@@ -20158,7 +20158,7 @@
                   <a:bodyPr/>
                   <a:lstStyle/>
                   <a:p>
-                    <a:fld id="{BD25D7C0-36CE-4360-9B91-344A1D844825}" type="CELLRANGE">
+                    <a:fld id="{63F10F4C-0B4F-47C2-92E3-6BF10C297BDB}" type="CELLRANGE">
                       <a:rPr lang="en-US"/>
                       <a:pPr/>
                       <a:t>[CELLRANGE]</a:t>
@@ -20192,7 +20192,7 @@
                   <a:bodyPr/>
                   <a:lstStyle/>
                   <a:p>
-                    <a:fld id="{6D501E6D-F8EB-4B65-9BAB-7003C73A86EA}" type="CELLRANGE">
+                    <a:fld id="{3B3CD1D7-EA8C-4E4C-857F-C761669629EF}" type="CELLRANGE">
                       <a:rPr lang="en-US"/>
                       <a:pPr/>
                       <a:t>[CELLRANGE]</a:t>
@@ -20226,7 +20226,7 @@
                   <a:bodyPr/>
                   <a:lstStyle/>
                   <a:p>
-                    <a:fld id="{4D3652E3-5554-4F70-BE1B-FE2F09463E53}" type="CELLRANGE">
+                    <a:fld id="{D93B71D3-1F58-4C62-83C0-F7EA9391A89C}" type="CELLRANGE">
                       <a:rPr lang="en-US"/>
                       <a:pPr/>
                       <a:t>[CELLRANGE]</a:t>
@@ -20260,7 +20260,7 @@
                   <a:bodyPr/>
                   <a:lstStyle/>
                   <a:p>
-                    <a:fld id="{11368626-71D9-465A-8637-058AB93D472A}" type="CELLRANGE">
+                    <a:fld id="{96F81002-26C2-45AC-B1A2-344920A98E82}" type="CELLRANGE">
                       <a:rPr lang="en-US"/>
                       <a:pPr/>
                       <a:t>[CELLRANGE]</a:t>
@@ -20294,7 +20294,7 @@
                   <a:bodyPr/>
                   <a:lstStyle/>
                   <a:p>
-                    <a:fld id="{47D99C4D-5325-4884-BBC8-56096AE336EF}" type="CELLRANGE">
+                    <a:fld id="{379C2D12-C4C6-4754-9285-F4D08BE31418}" type="CELLRANGE">
                       <a:rPr lang="en-US"/>
                       <a:pPr/>
                       <a:t>[CELLRANGE]</a:t>
@@ -20328,7 +20328,7 @@
                   <a:bodyPr/>
                   <a:lstStyle/>
                   <a:p>
-                    <a:fld id="{8DB3DD9F-4B22-4BC6-8CF8-FD04E7ADDF17}" type="CELLRANGE">
+                    <a:fld id="{11C27A30-3A0B-4CDD-B372-CD393DC980A6}" type="CELLRANGE">
                       <a:rPr lang="en-US"/>
                       <a:pPr/>
                       <a:t>[CELLRANGE]</a:t>
@@ -20362,7 +20362,7 @@
                   <a:bodyPr/>
                   <a:lstStyle/>
                   <a:p>
-                    <a:fld id="{1B9AA63E-06A7-43D8-A73E-FB19B9480487}" type="CELLRANGE">
+                    <a:fld id="{67F5B0E5-E18C-4454-B99C-98EBE1E1DBD8}" type="CELLRANGE">
                       <a:rPr lang="en-US"/>
                       <a:pPr/>
                       <a:t>[CELLRANGE]</a:t>
@@ -20396,7 +20396,7 @@
                   <a:bodyPr/>
                   <a:lstStyle/>
                   <a:p>
-                    <a:fld id="{0E5E7C16-5A1B-4C99-918B-A9FCC4893BA3}" type="CELLRANGE">
+                    <a:fld id="{4B131046-4D6A-4568-AC9A-F090C49AE181}" type="CELLRANGE">
                       <a:rPr lang="en-US"/>
                       <a:pPr/>
                       <a:t>[CELLRANGE]</a:t>
@@ -20430,7 +20430,7 @@
                   <a:bodyPr/>
                   <a:lstStyle/>
                   <a:p>
-                    <a:fld id="{178D7456-E52D-45C2-8545-72B953EA0E2A}" type="CELLRANGE">
+                    <a:fld id="{7672ECA3-C6B7-4714-9987-D9A28EAC2917}" type="CELLRANGE">
                       <a:rPr lang="en-US"/>
                       <a:pPr/>
                       <a:t>[CELLRANGE]</a:t>
@@ -20464,7 +20464,7 @@
                   <a:bodyPr/>
                   <a:lstStyle/>
                   <a:p>
-                    <a:fld id="{6C64555B-62AE-4929-8E3A-0231CA34DC55}" type="CELLRANGE">
+                    <a:fld id="{6654FBBC-2F63-4B17-899B-3C103217EEC3}" type="CELLRANGE">
                       <a:rPr lang="en-US"/>
                       <a:pPr/>
                       <a:t>[CELLRANGE]</a:t>
@@ -20498,7 +20498,7 @@
                   <a:bodyPr/>
                   <a:lstStyle/>
                   <a:p>
-                    <a:fld id="{391F79FF-66B2-4758-A691-938C426FB0EE}" type="CELLRANGE">
+                    <a:fld id="{2D9B04DD-5C44-4147-B722-06BD57E372CC}" type="CELLRANGE">
                       <a:rPr lang="en-US"/>
                       <a:pPr/>
                       <a:t>[CELLRANGE]</a:t>
@@ -20532,7 +20532,7 @@
                   <a:bodyPr/>
                   <a:lstStyle/>
                   <a:p>
-                    <a:fld id="{0C25B6E3-0B05-44A3-80C9-5CD3C08A70DB}" type="CELLRANGE">
+                    <a:fld id="{03D9695C-E081-40BF-937C-69290820D0DA}" type="CELLRANGE">
                       <a:rPr lang="en-US"/>
                       <a:pPr/>
                       <a:t>[CELLRANGE]</a:t>
@@ -20566,7 +20566,7 @@
                   <a:bodyPr/>
                   <a:lstStyle/>
                   <a:p>
-                    <a:fld id="{28DCB13F-F6B1-4885-AB60-C2A0D38BF1A8}" type="CELLRANGE">
+                    <a:fld id="{2C47CCE3-9F8D-4662-9CBE-4A1C17D2E41C}" type="CELLRANGE">
                       <a:rPr lang="en-US"/>
                       <a:pPr/>
                       <a:t>[CELLRANGE]</a:t>
@@ -20600,7 +20600,7 @@
                   <a:bodyPr/>
                   <a:lstStyle/>
                   <a:p>
-                    <a:fld id="{7D9EFC07-22BE-4D60-B8A2-ADAFBD5B5867}" type="CELLRANGE">
+                    <a:fld id="{9E119A8A-FADF-4146-B1BC-E4976F5CC2B3}" type="CELLRANGE">
                       <a:rPr lang="en-US"/>
                       <a:pPr/>
                       <a:t>[CELLRANGE]</a:t>
@@ -20634,7 +20634,7 @@
                   <a:bodyPr/>
                   <a:lstStyle/>
                   <a:p>
-                    <a:fld id="{A164C88F-9C2B-4D20-BC1F-8E1DD0C9D75A}" type="CELLRANGE">
+                    <a:fld id="{FEECC099-FC1E-49F5-B9DC-F0DFC3A10C9B}" type="CELLRANGE">
                       <a:rPr lang="en-US"/>
                       <a:pPr/>
                       <a:t>[CELLRANGE]</a:t>
@@ -20668,7 +20668,7 @@
                   <a:bodyPr/>
                   <a:lstStyle/>
                   <a:p>
-                    <a:fld id="{02C51453-B791-4BD2-B6EA-1FB81E8EF0C4}" type="CELLRANGE">
+                    <a:fld id="{18D91927-4290-4536-85E7-DD51328EAA65}" type="CELLRANGE">
                       <a:rPr lang="en-US"/>
                       <a:pPr/>
                       <a:t>[CELLRANGE]</a:t>
@@ -20702,7 +20702,7 @@
                   <a:bodyPr/>
                   <a:lstStyle/>
                   <a:p>
-                    <a:fld id="{FC3E6D0E-D8D6-4AF3-B606-1CC355EA6EE9}" type="CELLRANGE">
+                    <a:fld id="{237B38A7-9172-491C-938A-23F4FA336D12}" type="CELLRANGE">
                       <a:rPr lang="en-US"/>
                       <a:pPr/>
                       <a:t>[CELLRANGE]</a:t>
@@ -20736,7 +20736,7 @@
                   <a:bodyPr/>
                   <a:lstStyle/>
                   <a:p>
-                    <a:fld id="{9A6BF7D2-8861-4D5C-85D5-770FC8CDACB4}" type="CELLRANGE">
+                    <a:fld id="{5791B159-E4E8-4F6A-94F5-A12D80FF02D0}" type="CELLRANGE">
                       <a:rPr lang="en-US"/>
                       <a:pPr/>
                       <a:t>[CELLRANGE]</a:t>
@@ -20770,7 +20770,7 @@
                   <a:bodyPr/>
                   <a:lstStyle/>
                   <a:p>
-                    <a:fld id="{1961430D-1838-443B-82C8-8E47C7658812}" type="CELLRANGE">
+                    <a:fld id="{37A22EBE-22E9-4517-9F94-9889D06C9C74}" type="CELLRANGE">
                       <a:rPr lang="en-US"/>
                       <a:pPr/>
                       <a:t>[CELLRANGE]</a:t>
@@ -20804,7 +20804,7 @@
                   <a:bodyPr/>
                   <a:lstStyle/>
                   <a:p>
-                    <a:fld id="{379AED39-D846-433B-AB4A-19A0A15E1684}" type="CELLRANGE">
+                    <a:fld id="{B6B11617-A630-4024-B2FA-2C9C86124478}" type="CELLRANGE">
                       <a:rPr lang="en-US"/>
                       <a:pPr/>
                       <a:t>[CELLRANGE]</a:t>
@@ -20838,7 +20838,7 @@
                   <a:bodyPr/>
                   <a:lstStyle/>
                   <a:p>
-                    <a:fld id="{63629E3E-D225-4046-AB51-C8CFC52FD0BD}" type="CELLRANGE">
+                    <a:fld id="{117F49A0-C147-478D-9E40-8CF20471F387}" type="CELLRANGE">
                       <a:rPr lang="en-US"/>
                       <a:pPr/>
                       <a:t>[CELLRANGE]</a:t>
@@ -20872,7 +20872,7 @@
                   <a:bodyPr/>
                   <a:lstStyle/>
                   <a:p>
-                    <a:fld id="{429AFD47-C03D-4A52-B823-CE253EBA034A}" type="CELLRANGE">
+                    <a:fld id="{9F4022D2-1148-437E-990F-F652C7DD6AB8}" type="CELLRANGE">
                       <a:rPr lang="en-US"/>
                       <a:pPr/>
                       <a:t>[CELLRANGE]</a:t>
@@ -20906,7 +20906,7 @@
                   <a:bodyPr/>
                   <a:lstStyle/>
                   <a:p>
-                    <a:fld id="{AC4F18B4-A562-4A70-A279-1EBBB2A46F57}" type="CELLRANGE">
+                    <a:fld id="{55463C30-04D9-49A3-A5E0-3804C2FD7F7D}" type="CELLRANGE">
                       <a:rPr lang="en-US"/>
                       <a:pPr/>
                       <a:t>[CELLRANGE]</a:t>
@@ -20940,7 +20940,7 @@
                   <a:bodyPr/>
                   <a:lstStyle/>
                   <a:p>
-                    <a:fld id="{F15D70ED-6031-42AE-846B-F8C00087CD94}" type="CELLRANGE">
+                    <a:fld id="{3B746D80-AEEE-46D1-A7FD-A4E9CE95CA33}" type="CELLRANGE">
                       <a:rPr lang="en-US"/>
                       <a:pPr/>
                       <a:t>[CELLRANGE]</a:t>
@@ -20974,7 +20974,7 @@
                   <a:bodyPr/>
                   <a:lstStyle/>
                   <a:p>
-                    <a:fld id="{964D7281-1F31-4ECA-88A7-F6ED2D1DBA06}" type="CELLRANGE">
+                    <a:fld id="{1382C692-BE79-4210-88E0-13DAC63DB640}" type="CELLRANGE">
                       <a:rPr lang="en-US"/>
                       <a:pPr/>
                       <a:t>[CELLRANGE]</a:t>
@@ -21008,7 +21008,7 @@
                   <a:bodyPr/>
                   <a:lstStyle/>
                   <a:p>
-                    <a:fld id="{6FF37F9E-3B1B-404E-8617-675506D12FF3}" type="CELLRANGE">
+                    <a:fld id="{6AE58592-0E06-4008-A8C5-89D4F3E051E1}" type="CELLRANGE">
                       <a:rPr lang="en-US"/>
                       <a:pPr/>
                       <a:t>[CELLRANGE]</a:t>
@@ -21042,7 +21042,7 @@
                   <a:bodyPr/>
                   <a:lstStyle/>
                   <a:p>
-                    <a:fld id="{FF3D02F4-AA6A-4998-8D7A-F080688E36EC}" type="CELLRANGE">
+                    <a:fld id="{ACAC7ED2-F703-498B-81D0-0D7EF87A74AC}" type="CELLRANGE">
                       <a:rPr lang="en-US"/>
                       <a:pPr/>
                       <a:t>[CELLRANGE]</a:t>
@@ -21076,7 +21076,7 @@
                   <a:bodyPr/>
                   <a:lstStyle/>
                   <a:p>
-                    <a:fld id="{843916AC-DB4A-4E7E-AB5B-3366CC9C0EB7}" type="CELLRANGE">
+                    <a:fld id="{78B17DDE-620C-444A-AB94-8B50A3A5DB4F}" type="CELLRANGE">
                       <a:rPr lang="en-US"/>
                       <a:pPr/>
                       <a:t>[CELLRANGE]</a:t>
@@ -21110,7 +21110,7 @@
                   <a:bodyPr/>
                   <a:lstStyle/>
                   <a:p>
-                    <a:fld id="{DB821788-8F7A-4ED0-A5DA-738F15E28642}" type="CELLRANGE">
+                    <a:fld id="{FC489B15-B99B-4269-9926-FB2818F48D9F}" type="CELLRANGE">
                       <a:rPr lang="en-US"/>
                       <a:pPr/>
                       <a:t>[CELLRANGE]</a:t>
@@ -21144,7 +21144,7 @@
                   <a:bodyPr/>
                   <a:lstStyle/>
                   <a:p>
-                    <a:fld id="{FBC16584-050D-45A3-B559-F7DF950C34C2}" type="CELLRANGE">
+                    <a:fld id="{B9445A75-2DE7-4064-9D5E-9DD2B67A8E75}" type="CELLRANGE">
                       <a:rPr lang="en-US"/>
                       <a:pPr/>
                       <a:t>[CELLRANGE]</a:t>
@@ -21178,7 +21178,7 @@
                   <a:bodyPr/>
                   <a:lstStyle/>
                   <a:p>
-                    <a:fld id="{74543265-B401-466B-BDE0-4AF5EFC0B9B9}" type="CELLRANGE">
+                    <a:fld id="{39016166-1E4D-49E4-9E5B-166CA0CCAAEA}" type="CELLRANGE">
                       <a:rPr lang="en-US"/>
                       <a:pPr/>
                       <a:t>[CELLRANGE]</a:t>
@@ -21212,7 +21212,7 @@
                   <a:bodyPr/>
                   <a:lstStyle/>
                   <a:p>
-                    <a:fld id="{0F003387-FAC6-4D27-B0D6-C06593DA8D8C}" type="CELLRANGE">
+                    <a:fld id="{C7256BC4-50E5-4735-AAD8-6E82951253B4}" type="CELLRANGE">
                       <a:rPr lang="en-US"/>
                       <a:pPr/>
                       <a:t>[CELLRANGE]</a:t>
@@ -21246,7 +21246,7 @@
                   <a:bodyPr/>
                   <a:lstStyle/>
                   <a:p>
-                    <a:fld id="{3B77C881-B6CB-41FA-A344-57F5AEB0A2A8}" type="CELLRANGE">
+                    <a:fld id="{69A2DA0C-A92F-43D3-8633-456A95EDDB8F}" type="CELLRANGE">
                       <a:rPr lang="en-US"/>
                       <a:pPr/>
                       <a:t>[CELLRANGE]</a:t>
@@ -21280,7 +21280,7 @@
                   <a:bodyPr/>
                   <a:lstStyle/>
                   <a:p>
-                    <a:fld id="{D19810EC-B472-4255-8494-A4707508957A}" type="CELLRANGE">
+                    <a:fld id="{E9D37B5A-3AF4-4F8D-9AB4-A31664A7882E}" type="CELLRANGE">
                       <a:rPr lang="en-US"/>
                       <a:pPr/>
                       <a:t>[CELLRANGE]</a:t>
@@ -21314,7 +21314,7 @@
                   <a:bodyPr/>
                   <a:lstStyle/>
                   <a:p>
-                    <a:fld id="{CCC4E114-5069-4B2B-875F-CFF924287BD6}" type="CELLRANGE">
+                    <a:fld id="{1E44EB3A-54C9-4B82-BC39-840B0DB5844A}" type="CELLRANGE">
                       <a:rPr lang="en-US"/>
                       <a:pPr/>
                       <a:t>[CELLRANGE]</a:t>
@@ -21348,7 +21348,7 @@
                   <a:bodyPr/>
                   <a:lstStyle/>
                   <a:p>
-                    <a:fld id="{6C4D9F86-EA29-43DD-87B5-7970C8E06D32}" type="CELLRANGE">
+                    <a:fld id="{8B46A796-6277-4ED0-975E-CA3DD78FA001}" type="CELLRANGE">
                       <a:rPr lang="en-US"/>
                       <a:pPr/>
                       <a:t>[CELLRANGE]</a:t>
@@ -21382,7 +21382,7 @@
                   <a:bodyPr/>
                   <a:lstStyle/>
                   <a:p>
-                    <a:fld id="{23CC6BB8-9A80-4617-96F1-35D7D72B50A4}" type="CELLRANGE">
+                    <a:fld id="{ED518589-6CEA-439B-AE03-C6DD6D56EA15}" type="CELLRANGE">
                       <a:rPr lang="en-US"/>
                       <a:pPr/>
                       <a:t>[CELLRANGE]</a:t>
@@ -21416,7 +21416,7 @@
                   <a:bodyPr/>
                   <a:lstStyle/>
                   <a:p>
-                    <a:fld id="{E06E98E9-830D-4159-99C8-9F82B2D09F26}" type="CELLRANGE">
+                    <a:fld id="{CD724760-58B9-41EE-910B-580DCE347303}" type="CELLRANGE">
                       <a:rPr lang="en-US"/>
                       <a:pPr/>
                       <a:t>[CELLRANGE]</a:t>
@@ -21450,7 +21450,7 @@
                   <a:bodyPr/>
                   <a:lstStyle/>
                   <a:p>
-                    <a:fld id="{6017B500-2B52-49B3-89B9-19671ACD8911}" type="CELLRANGE">
+                    <a:fld id="{B7073084-428A-4D4F-A54D-83749A246ACC}" type="CELLRANGE">
                       <a:rPr lang="en-US"/>
                       <a:pPr/>
                       <a:t>[CELLRANGE]</a:t>
@@ -21484,7 +21484,7 @@
                   <a:bodyPr/>
                   <a:lstStyle/>
                   <a:p>
-                    <a:fld id="{509439AA-836B-4A35-9B55-E8F1B19949C8}" type="CELLRANGE">
+                    <a:fld id="{17EFDCB0-6081-4FAF-A3B5-F9D7B2393615}" type="CELLRANGE">
                       <a:rPr lang="en-US"/>
                       <a:pPr/>
                       <a:t>[CELLRANGE]</a:t>
@@ -21518,7 +21518,7 @@
                   <a:bodyPr/>
                   <a:lstStyle/>
                   <a:p>
-                    <a:fld id="{32B7232B-5A33-4A24-B4CB-197108C5AFA2}" type="CELLRANGE">
+                    <a:fld id="{2978457D-3959-4DC1-8E55-64BED163605B}" type="CELLRANGE">
                       <a:rPr lang="en-US"/>
                       <a:pPr/>
                       <a:t>[CELLRANGE]</a:t>
@@ -21552,7 +21552,7 @@
                   <a:bodyPr/>
                   <a:lstStyle/>
                   <a:p>
-                    <a:fld id="{31352899-6337-4692-9A23-89400DFF478C}" type="CELLRANGE">
+                    <a:fld id="{1751C949-E98E-4293-B650-A1268ADE8140}" type="CELLRANGE">
                       <a:rPr lang="en-US"/>
                       <a:pPr/>
                       <a:t>[CELLRANGE]</a:t>
@@ -21586,7 +21586,7 @@
                   <a:bodyPr/>
                   <a:lstStyle/>
                   <a:p>
-                    <a:fld id="{D056ACBF-3DAC-425D-A6EC-14151C32802C}" type="CELLRANGE">
+                    <a:fld id="{E63AC20A-B2F5-4DA8-8A49-4A0FC706E467}" type="CELLRANGE">
                       <a:rPr lang="en-US"/>
                       <a:pPr/>
                       <a:t>[CELLRANGE]</a:t>
@@ -21620,7 +21620,7 @@
                   <a:bodyPr/>
                   <a:lstStyle/>
                   <a:p>
-                    <a:fld id="{29E73478-67DB-4B4E-86DB-C9CC866BA230}" type="CELLRANGE">
+                    <a:fld id="{F4653E0A-06C0-4386-A81C-CC56CEE41EDC}" type="CELLRANGE">
                       <a:rPr lang="en-US"/>
                       <a:pPr/>
                       <a:t>[CELLRANGE]</a:t>
@@ -21654,7 +21654,7 @@
                   <a:bodyPr/>
                   <a:lstStyle/>
                   <a:p>
-                    <a:fld id="{31E37D95-76B3-4F02-836C-91CCCAA18949}" type="CELLRANGE">
+                    <a:fld id="{4E76D046-C108-46BF-B14E-67C9837D5B74}" type="CELLRANGE">
                       <a:rPr lang="en-US"/>
                       <a:pPr/>
                       <a:t>[CELLRANGE]</a:t>
@@ -21688,7 +21688,7 @@
                   <a:bodyPr/>
                   <a:lstStyle/>
                   <a:p>
-                    <a:fld id="{D79F5C21-3848-418A-BCEA-C4CA72B9C53F}" type="CELLRANGE">
+                    <a:fld id="{FA0017D0-9D63-41A4-8B40-26D004936CD2}" type="CELLRANGE">
                       <a:rPr lang="en-US"/>
                       <a:pPr/>
                       <a:t>[CELLRANGE]</a:t>
@@ -21722,7 +21722,7 @@
                   <a:bodyPr/>
                   <a:lstStyle/>
                   <a:p>
-                    <a:fld id="{39BE8A40-4E6B-43D6-905E-DC2CDBB468C3}" type="CELLRANGE">
+                    <a:fld id="{2481ED08-B27D-4888-85F2-4708498D6DCD}" type="CELLRANGE">
                       <a:rPr lang="en-US"/>
                       <a:pPr/>
                       <a:t>[CELLRANGE]</a:t>
@@ -21756,7 +21756,7 @@
                   <a:bodyPr/>
                   <a:lstStyle/>
                   <a:p>
-                    <a:fld id="{4789A896-FCA3-43E3-B27C-71A4326ADCAA}" type="CELLRANGE">
+                    <a:fld id="{D91A13B1-C4E3-4CE6-820F-C1299598564F}" type="CELLRANGE">
                       <a:rPr lang="en-US"/>
                       <a:pPr/>
                       <a:t>[CELLRANGE]</a:t>
@@ -21790,7 +21790,7 @@
                   <a:bodyPr/>
                   <a:lstStyle/>
                   <a:p>
-                    <a:fld id="{F8E9D6DA-297F-4F7B-963C-2988033ACC07}" type="CELLRANGE">
+                    <a:fld id="{FE54FB7D-2BDB-483A-B267-62211756DD46}" type="CELLRANGE">
                       <a:rPr lang="en-US"/>
                       <a:pPr/>
                       <a:t>[CELLRANGE]</a:t>
@@ -21824,7 +21824,7 @@
                   <a:bodyPr/>
                   <a:lstStyle/>
                   <a:p>
-                    <a:fld id="{5209727C-CF68-47F4-B68B-C7E9CA3A7DFF}" type="CELLRANGE">
+                    <a:fld id="{EF3CB09E-94BB-4505-8036-BC05BCD12069}" type="CELLRANGE">
                       <a:rPr lang="en-US"/>
                       <a:pPr/>
                       <a:t>[CELLRANGE]</a:t>
@@ -21858,7 +21858,7 @@
                   <a:bodyPr/>
                   <a:lstStyle/>
                   <a:p>
-                    <a:fld id="{DDF15257-B1BC-46C5-B9AD-52909EF0C614}" type="CELLRANGE">
+                    <a:fld id="{45FD48DD-EBFB-484A-94A5-20D99B5C4CB3}" type="CELLRANGE">
                       <a:rPr lang="en-US"/>
                       <a:pPr/>
                       <a:t>[CELLRANGE]</a:t>
@@ -21892,7 +21892,7 @@
                   <a:bodyPr/>
                   <a:lstStyle/>
                   <a:p>
-                    <a:fld id="{85E2FE0C-5CB5-44A3-ADEC-9988B51A6AA9}" type="CELLRANGE">
+                    <a:fld id="{F5EC4581-E4E1-4353-990B-323661EF4487}" type="CELLRANGE">
                       <a:rPr lang="en-US"/>
                       <a:pPr/>
                       <a:t>[CELLRANGE]</a:t>
@@ -21926,7 +21926,7 @@
                   <a:bodyPr/>
                   <a:lstStyle/>
                   <a:p>
-                    <a:fld id="{DB59B658-09D6-4615-8991-86A2FC608A97}" type="CELLRANGE">
+                    <a:fld id="{401751C8-7BD6-4806-B7EB-27E64A7EE1B6}" type="CELLRANGE">
                       <a:rPr lang="en-US"/>
                       <a:pPr/>
                       <a:t>[CELLRANGE]</a:t>
@@ -21960,7 +21960,7 @@
                   <a:bodyPr/>
                   <a:lstStyle/>
                   <a:p>
-                    <a:fld id="{18BF81DF-983A-46BC-95E8-1A332302F5AE}" type="CELLRANGE">
+                    <a:fld id="{4930E9D8-ED29-4EC3-A634-3991216F4244}" type="CELLRANGE">
                       <a:rPr lang="en-US"/>
                       <a:pPr/>
                       <a:t>[CELLRANGE]</a:t>
@@ -21994,7 +21994,7 @@
                   <a:bodyPr/>
                   <a:lstStyle/>
                   <a:p>
-                    <a:fld id="{EE9B08BF-57B6-4F39-8FFF-CF191C5B8147}" type="CELLRANGE">
+                    <a:fld id="{E15A7798-739D-4FF6-9BF8-0980E9AB47AB}" type="CELLRANGE">
                       <a:rPr lang="en-US"/>
                       <a:pPr/>
                       <a:t>[CELLRANGE]</a:t>
@@ -22028,7 +22028,7 @@
                   <a:bodyPr/>
                   <a:lstStyle/>
                   <a:p>
-                    <a:fld id="{F61D810A-A5F5-46BE-A1AA-4A93D7B96F15}" type="CELLRANGE">
+                    <a:fld id="{387AB155-9416-4DA6-B422-2A5B324AB542}" type="CELLRANGE">
                       <a:rPr lang="en-US"/>
                       <a:pPr/>
                       <a:t>[CELLRANGE]</a:t>
@@ -22062,7 +22062,7 @@
                   <a:bodyPr/>
                   <a:lstStyle/>
                   <a:p>
-                    <a:fld id="{EBEF8819-DA15-4049-B7CA-79329E2F8E43}" type="CELLRANGE">
+                    <a:fld id="{6D5F5A2F-79BF-46AA-806F-2DA638EA6C73}" type="CELLRANGE">
                       <a:rPr lang="en-US"/>
                       <a:pPr/>
                       <a:t>[CELLRANGE]</a:t>
@@ -22096,7 +22096,7 @@
                   <a:bodyPr/>
                   <a:lstStyle/>
                   <a:p>
-                    <a:fld id="{3E93931D-981C-4E88-93A8-DA4F870219A6}" type="CELLRANGE">
+                    <a:fld id="{D773A363-A444-41B0-906A-6170E253A755}" type="CELLRANGE">
                       <a:rPr lang="en-US"/>
                       <a:pPr/>
                       <a:t>[CELLRANGE]</a:t>
@@ -22130,7 +22130,7 @@
                   <a:bodyPr/>
                   <a:lstStyle/>
                   <a:p>
-                    <a:fld id="{7B803185-69B9-4E2D-849D-E4EC93B34124}" type="CELLRANGE">
+                    <a:fld id="{8A1FE249-044E-4C5A-9269-60791A8E8B20}" type="CELLRANGE">
                       <a:rPr lang="en-US"/>
                       <a:pPr/>
                       <a:t>[CELLRANGE]</a:t>
@@ -22164,7 +22164,7 @@
                   <a:bodyPr/>
                   <a:lstStyle/>
                   <a:p>
-                    <a:fld id="{D90E0D20-FDA2-4075-851D-C17F9703E31E}" type="CELLRANGE">
+                    <a:fld id="{31174FC9-EAD6-4938-BF6C-5CBF4031824F}" type="CELLRANGE">
                       <a:rPr lang="en-US"/>
                       <a:pPr/>
                       <a:t>[CELLRANGE]</a:t>
@@ -22198,7 +22198,7 @@
                   <a:bodyPr/>
                   <a:lstStyle/>
                   <a:p>
-                    <a:fld id="{0FADB826-44DC-401D-9854-9D4CDB33C975}" type="CELLRANGE">
+                    <a:fld id="{A6CAD94E-5DB1-4B4B-BD25-67182C3E84FC}" type="CELLRANGE">
                       <a:rPr lang="en-US"/>
                       <a:pPr/>
                       <a:t>[CELLRANGE]</a:t>
@@ -22232,7 +22232,7 @@
                   <a:bodyPr/>
                   <a:lstStyle/>
                   <a:p>
-                    <a:fld id="{9433B91D-8B78-4681-9675-F558FC2B1ED6}" type="CELLRANGE">
+                    <a:fld id="{FE468583-5DE0-4868-AF22-B488CEBF392D}" type="CELLRANGE">
                       <a:rPr lang="en-US"/>
                       <a:pPr/>
                       <a:t>[CELLRANGE]</a:t>
@@ -22266,7 +22266,7 @@
                   <a:bodyPr/>
                   <a:lstStyle/>
                   <a:p>
-                    <a:fld id="{B8E0E963-0AF3-4CAD-BA31-6E368B62DB95}" type="CELLRANGE">
+                    <a:fld id="{F2345556-BE62-45FC-9939-595C6E612706}" type="CELLRANGE">
                       <a:rPr lang="en-US"/>
                       <a:pPr/>
                       <a:t>[CELLRANGE]</a:t>
@@ -22300,7 +22300,7 @@
                   <a:bodyPr/>
                   <a:lstStyle/>
                   <a:p>
-                    <a:fld id="{A295B27D-1249-4A53-BBB9-80873E9BB2B0}" type="CELLRANGE">
+                    <a:fld id="{5BE0B0DC-E91E-463F-933B-58535EA7704E}" type="CELLRANGE">
                       <a:rPr lang="en-US"/>
                       <a:pPr/>
                       <a:t>[CELLRANGE]</a:t>
@@ -22334,7 +22334,7 @@
                   <a:bodyPr/>
                   <a:lstStyle/>
                   <a:p>
-                    <a:fld id="{601E3EF0-36BE-4326-852B-FF7586EE3B9B}" type="CELLRANGE">
+                    <a:fld id="{62098013-E2DC-4942-B7D5-B4FD61E995A4}" type="CELLRANGE">
                       <a:rPr lang="en-US"/>
                       <a:pPr/>
                       <a:t>[CELLRANGE]</a:t>
@@ -22368,7 +22368,7 @@
                   <a:bodyPr/>
                   <a:lstStyle/>
                   <a:p>
-                    <a:fld id="{6AFAD6E5-0BE3-47F4-B1FB-D44FDB3492D1}" type="CELLRANGE">
+                    <a:fld id="{31704861-B3CD-4800-99BE-FF865E4BFBC9}" type="CELLRANGE">
                       <a:rPr lang="en-US"/>
                       <a:pPr/>
                       <a:t>[CELLRANGE]</a:t>
@@ -22402,7 +22402,7 @@
                   <a:bodyPr/>
                   <a:lstStyle/>
                   <a:p>
-                    <a:fld id="{55F6DC33-E27D-4DC3-88A2-03AC46B6C897}" type="CELLRANGE">
+                    <a:fld id="{40919CCA-9494-4831-8D3F-D8960A5A481E}" type="CELLRANGE">
                       <a:rPr lang="en-US"/>
                       <a:pPr/>
                       <a:t>[CELLRANGE]</a:t>
@@ -22436,7 +22436,7 @@
                   <a:bodyPr/>
                   <a:lstStyle/>
                   <a:p>
-                    <a:fld id="{87A0992B-C4D5-4E62-8826-186DCF0EDFF3}" type="CELLRANGE">
+                    <a:fld id="{60054075-9391-4F91-9137-39A18A62FF2F}" type="CELLRANGE">
                       <a:rPr lang="en-US"/>
                       <a:pPr/>
                       <a:t>[CELLRANGE]</a:t>
@@ -22470,7 +22470,7 @@
                   <a:bodyPr/>
                   <a:lstStyle/>
                   <a:p>
-                    <a:fld id="{147AAA93-451D-45F2-A7AA-9EA10B70E866}" type="CELLRANGE">
+                    <a:fld id="{893243B6-AD19-46F4-A798-A9B9C478FE66}" type="CELLRANGE">
                       <a:rPr lang="en-US"/>
                       <a:pPr/>
                       <a:t>[CELLRANGE]</a:t>
@@ -22504,7 +22504,7 @@
                   <a:bodyPr/>
                   <a:lstStyle/>
                   <a:p>
-                    <a:fld id="{81E71F3E-A3E5-4A7C-B3E0-4F58141891E4}" type="CELLRANGE">
+                    <a:fld id="{970E6A92-658A-4405-9DCC-D6D89BC87E34}" type="CELLRANGE">
                       <a:rPr lang="en-US"/>
                       <a:pPr/>
                       <a:t>[CELLRANGE]</a:t>
@@ -22538,7 +22538,7 @@
                   <a:bodyPr/>
                   <a:lstStyle/>
                   <a:p>
-                    <a:fld id="{FFF8722B-61B6-4C9A-8D3A-EE7B1D27AC50}" type="CELLRANGE">
+                    <a:fld id="{22FBE599-B7F1-40D8-9B10-6DE11CF9527B}" type="CELLRANGE">
                       <a:rPr lang="en-US"/>
                       <a:pPr/>
                       <a:t>[CELLRANGE]</a:t>
@@ -22572,7 +22572,7 @@
                   <a:bodyPr/>
                   <a:lstStyle/>
                   <a:p>
-                    <a:fld id="{48397D6A-009D-4578-925D-817DF9309284}" type="CELLRANGE">
+                    <a:fld id="{E8A4326A-1794-48AF-B083-3D141E94EB1B}" type="CELLRANGE">
                       <a:rPr lang="en-US"/>
                       <a:pPr/>
                       <a:t>[CELLRANGE]</a:t>
@@ -22606,7 +22606,7 @@
                   <a:bodyPr/>
                   <a:lstStyle/>
                   <a:p>
-                    <a:fld id="{ACD79B83-56F1-4D71-99D4-C1BE126475A2}" type="CELLRANGE">
+                    <a:fld id="{9C4DFB67-97DB-4FCD-8ECD-A26702F88118}" type="CELLRANGE">
                       <a:rPr lang="en-US"/>
                       <a:pPr/>
                       <a:t>[CELLRANGE]</a:t>
@@ -22640,7 +22640,7 @@
                   <a:bodyPr/>
                   <a:lstStyle/>
                   <a:p>
-                    <a:fld id="{7652E69F-14F5-4A86-B330-EDAFC63793D7}" type="CELLRANGE">
+                    <a:fld id="{0971596B-0693-4562-9BBE-4818FAC16601}" type="CELLRANGE">
                       <a:rPr lang="en-US"/>
                       <a:pPr/>
                       <a:t>[CELLRANGE]</a:t>
@@ -22674,7 +22674,7 @@
                   <a:bodyPr/>
                   <a:lstStyle/>
                   <a:p>
-                    <a:fld id="{A3905A70-58E1-4603-A4CC-FCDBDE165948}" type="CELLRANGE">
+                    <a:fld id="{C7CF2B83-0CDE-4B58-8609-F88315D12131}" type="CELLRANGE">
                       <a:rPr lang="en-US"/>
                       <a:pPr/>
                       <a:t>[CELLRANGE]</a:t>
@@ -22708,7 +22708,7 @@
                   <a:bodyPr/>
                   <a:lstStyle/>
                   <a:p>
-                    <a:fld id="{FD6C3CC5-554B-4E7D-8DB9-74AD4836FF74}" type="CELLRANGE">
+                    <a:fld id="{BA61A508-E4F1-4CAF-9ACC-18BA00174875}" type="CELLRANGE">
                       <a:rPr lang="en-US"/>
                       <a:pPr/>
                       <a:t>[CELLRANGE]</a:t>
@@ -22742,7 +22742,7 @@
                   <a:bodyPr/>
                   <a:lstStyle/>
                   <a:p>
-                    <a:fld id="{E9B41DCC-0C99-4643-8D2A-58392459B6F5}" type="CELLRANGE">
+                    <a:fld id="{47C48AEF-DA3C-459B-A275-0742439E5345}" type="CELLRANGE">
                       <a:rPr lang="en-US"/>
                       <a:pPr/>
                       <a:t>[CELLRANGE]</a:t>
@@ -22776,7 +22776,7 @@
                   <a:bodyPr/>
                   <a:lstStyle/>
                   <a:p>
-                    <a:fld id="{137886A1-DE52-42E4-AB5E-FCEF30EE45C5}" type="CELLRANGE">
+                    <a:fld id="{63865E78-5280-4CD7-A04B-E08AE6EF382E}" type="CELLRANGE">
                       <a:rPr lang="en-US"/>
                       <a:pPr/>
                       <a:t>[CELLRANGE]</a:t>
@@ -22810,7 +22810,7 @@
                   <a:bodyPr/>
                   <a:lstStyle/>
                   <a:p>
-                    <a:fld id="{D623C390-FCF5-4B64-835D-B8A26CD2C0F1}" type="CELLRANGE">
+                    <a:fld id="{F2097C5B-8147-43F1-90AE-E2C3B38492F5}" type="CELLRANGE">
                       <a:rPr lang="en-US"/>
                       <a:pPr/>
                       <a:t>[CELLRANGE]</a:t>
@@ -22844,7 +22844,7 @@
                   <a:bodyPr/>
                   <a:lstStyle/>
                   <a:p>
-                    <a:fld id="{72CB961E-862A-45EF-8642-962867873AD2}" type="CELLRANGE">
+                    <a:fld id="{950686ED-7E48-4EF2-81DB-23F411D8256E}" type="CELLRANGE">
                       <a:rPr lang="en-US"/>
                       <a:pPr/>
                       <a:t>[CELLRANGE]</a:t>
@@ -22878,7 +22878,7 @@
                   <a:bodyPr/>
                   <a:lstStyle/>
                   <a:p>
-                    <a:fld id="{5B9E4BF7-D41C-47FA-A60E-B636D4499DF8}" type="CELLRANGE">
+                    <a:fld id="{50472DC5-BD2F-4320-8647-4A6F9AB14048}" type="CELLRANGE">
                       <a:rPr lang="en-US"/>
                       <a:pPr/>
                       <a:t>[CELLRANGE]</a:t>
@@ -22912,7 +22912,7 @@
                   <a:bodyPr/>
                   <a:lstStyle/>
                   <a:p>
-                    <a:fld id="{0983E637-2846-4A86-BABD-6516391156A5}" type="CELLRANGE">
+                    <a:fld id="{1D41212D-FF1D-4DD6-9BA8-21DBB047C5D0}" type="CELLRANGE">
                       <a:rPr lang="en-US"/>
                       <a:pPr/>
                       <a:t>[CELLRANGE]</a:t>
@@ -22946,7 +22946,7 @@
                   <a:bodyPr/>
                   <a:lstStyle/>
                   <a:p>
-                    <a:fld id="{29A8D107-B05B-43C2-858C-E3509BF02B74}" type="CELLRANGE">
+                    <a:fld id="{84FDDC11-FF38-4E00-93C2-6EC2B82F9EF7}" type="CELLRANGE">
                       <a:rPr lang="en-US"/>
                       <a:pPr/>
                       <a:t>[CELLRANGE]</a:t>
@@ -22980,7 +22980,7 @@
                   <a:bodyPr/>
                   <a:lstStyle/>
                   <a:p>
-                    <a:fld id="{B420AF1A-2BE0-4E7C-BF78-8C45F58F2480}" type="CELLRANGE">
+                    <a:fld id="{3D15FA28-4D96-41BC-AB66-45A8C7A257BD}" type="CELLRANGE">
                       <a:rPr lang="en-US"/>
                       <a:pPr/>
                       <a:t>[CELLRANGE]</a:t>
@@ -23014,7 +23014,7 @@
                   <a:bodyPr/>
                   <a:lstStyle/>
                   <a:p>
-                    <a:fld id="{C1036E2F-42C6-43DB-B675-F7313445A412}" type="CELLRANGE">
+                    <a:fld id="{E3DF61B6-4B6C-4659-8CDE-B164A61E40FA}" type="CELLRANGE">
                       <a:rPr lang="en-US"/>
                       <a:pPr/>
                       <a:t>[CELLRANGE]</a:t>
@@ -23048,7 +23048,7 @@
                   <a:bodyPr/>
                   <a:lstStyle/>
                   <a:p>
-                    <a:fld id="{7347E63D-40EC-4F22-ADCF-BD1FD25D6613}" type="CELLRANGE">
+                    <a:fld id="{88487324-B8CD-4350-940D-5012A5988A8E}" type="CELLRANGE">
                       <a:rPr lang="en-US"/>
                       <a:pPr/>
                       <a:t>[CELLRANGE]</a:t>
@@ -23082,7 +23082,7 @@
                   <a:bodyPr/>
                   <a:lstStyle/>
                   <a:p>
-                    <a:fld id="{B9C3761D-A783-4673-8A8D-DC0CBBDF04B9}" type="CELLRANGE">
+                    <a:fld id="{DA4626E0-9EF9-4262-930F-66152A695F45}" type="CELLRANGE">
                       <a:rPr lang="en-US"/>
                       <a:pPr/>
                       <a:t>[CELLRANGE]</a:t>
@@ -23116,7 +23116,7 @@
                   <a:bodyPr/>
                   <a:lstStyle/>
                   <a:p>
-                    <a:fld id="{3203D895-DCD8-4F33-9F78-B8804F26B5E6}" type="CELLRANGE">
+                    <a:fld id="{3AA9C6DB-1163-4970-A558-F61398343CB1}" type="CELLRANGE">
                       <a:rPr lang="en-US"/>
                       <a:pPr/>
                       <a:t>[CELLRANGE]</a:t>
@@ -23150,7 +23150,7 @@
                   <a:bodyPr/>
                   <a:lstStyle/>
                   <a:p>
-                    <a:fld id="{45B2C807-05AC-492B-B45A-1EFEE6B6B9CC}" type="CELLRANGE">
+                    <a:fld id="{C196C5CA-9DDA-44B5-B6C4-B8840D6C5DE3}" type="CELLRANGE">
                       <a:rPr lang="en-US"/>
                       <a:pPr/>
                       <a:t>[CELLRANGE]</a:t>
@@ -23184,7 +23184,7 @@
                   <a:bodyPr/>
                   <a:lstStyle/>
                   <a:p>
-                    <a:fld id="{30A67102-02B5-46DC-A2E3-7C99A93A7A33}" type="CELLRANGE">
+                    <a:fld id="{8421CFED-ABCC-4FE9-A805-1A6F1A21C6F4}" type="CELLRANGE">
                       <a:rPr lang="en-US"/>
                       <a:pPr/>
                       <a:t>[CELLRANGE]</a:t>
@@ -23218,7 +23218,7 @@
                   <a:bodyPr/>
                   <a:lstStyle/>
                   <a:p>
-                    <a:fld id="{D44DEEDE-E48D-475B-8DAF-43316BF0BE75}" type="CELLRANGE">
+                    <a:fld id="{3D69DB2B-961F-4D72-888E-4EFC3DE5AB0A}" type="CELLRANGE">
                       <a:rPr lang="en-US"/>
                       <a:pPr/>
                       <a:t>[CELLRANGE]</a:t>
@@ -23252,7 +23252,7 @@
                   <a:bodyPr/>
                   <a:lstStyle/>
                   <a:p>
-                    <a:fld id="{6D108A6E-0A51-4954-90A0-2DB427790170}" type="CELLRANGE">
+                    <a:fld id="{6363B417-75E6-4DA5-A006-449AE3BA541F}" type="CELLRANGE">
                       <a:rPr lang="en-US"/>
                       <a:pPr/>
                       <a:t>[CELLRANGE]</a:t>
@@ -23286,7 +23286,7 @@
                   <a:bodyPr/>
                   <a:lstStyle/>
                   <a:p>
-                    <a:fld id="{A8D472FB-253D-41BB-8809-EAEB78F21FCC}" type="CELLRANGE">
+                    <a:fld id="{6383CF11-7873-4DB4-A6B2-9EC73E7F74E8}" type="CELLRANGE">
                       <a:rPr lang="en-US"/>
                       <a:pPr/>
                       <a:t>[CELLRANGE]</a:t>
@@ -23320,7 +23320,7 @@
                   <a:bodyPr/>
                   <a:lstStyle/>
                   <a:p>
-                    <a:fld id="{587D2218-F4DA-4095-A8F8-5D146F5D4C5A}" type="CELLRANGE">
+                    <a:fld id="{56E7AC3D-58BE-451F-BDD1-5BE0FEB15E28}" type="CELLRANGE">
                       <a:rPr lang="en-US"/>
                       <a:pPr/>
                       <a:t>[CELLRANGE]</a:t>
@@ -23354,7 +23354,7 @@
                   <a:bodyPr/>
                   <a:lstStyle/>
                   <a:p>
-                    <a:fld id="{822F8C89-8993-46FD-A923-66A4A26EB7E6}" type="CELLRANGE">
+                    <a:fld id="{B3B0A8B2-D7F5-4E12-977D-A3D0C2BA0FCD}" type="CELLRANGE">
                       <a:rPr lang="en-US"/>
                       <a:pPr/>
                       <a:t>[CELLRANGE]</a:t>
@@ -23388,7 +23388,7 @@
                   <a:bodyPr/>
                   <a:lstStyle/>
                   <a:p>
-                    <a:fld id="{62D0EF61-E3B3-45EB-BBD9-4D1CF88103D3}" type="CELLRANGE">
+                    <a:fld id="{988F596D-46E9-4DE9-A6D6-477FE921D779}" type="CELLRANGE">
                       <a:rPr lang="en-US"/>
                       <a:pPr/>
                       <a:t>[CELLRANGE]</a:t>
@@ -23422,7 +23422,7 @@
                   <a:bodyPr/>
                   <a:lstStyle/>
                   <a:p>
-                    <a:fld id="{738C07EE-7D8F-4CCD-9ED9-86A31E99DB54}" type="CELLRANGE">
+                    <a:fld id="{BA1C0984-5569-475F-8BC2-F296B707E71A}" type="CELLRANGE">
                       <a:rPr lang="en-US"/>
                       <a:pPr/>
                       <a:t>[CELLRANGE]</a:t>
@@ -23456,7 +23456,7 @@
                   <a:bodyPr/>
                   <a:lstStyle/>
                   <a:p>
-                    <a:fld id="{F4505FE5-81AF-4A30-84B1-4E09291FA3E0}" type="CELLRANGE">
+                    <a:fld id="{EAFA4C55-13B8-4420-92F7-5637E964BEA2}" type="CELLRANGE">
                       <a:rPr lang="en-US"/>
                       <a:pPr/>
                       <a:t>[CELLRANGE]</a:t>
@@ -23490,7 +23490,7 @@
                   <a:bodyPr/>
                   <a:lstStyle/>
                   <a:p>
-                    <a:fld id="{81A26D0B-27A9-4590-9428-341A5C48C5CC}" type="CELLRANGE">
+                    <a:fld id="{3C63D7BD-F2A7-4043-81AA-F100AB09D611}" type="CELLRANGE">
                       <a:rPr lang="en-US"/>
                       <a:pPr/>
                       <a:t>[CELLRANGE]</a:t>
@@ -23524,7 +23524,7 @@
                   <a:bodyPr/>
                   <a:lstStyle/>
                   <a:p>
-                    <a:fld id="{76F0A37A-E247-4C10-A7D4-3224A929B0C0}" type="CELLRANGE">
+                    <a:fld id="{B21523A2-615C-459C-A98E-7A3CE3D38AC4}" type="CELLRANGE">
                       <a:rPr lang="en-US"/>
                       <a:pPr/>
                       <a:t>[CELLRANGE]</a:t>
@@ -23558,7 +23558,7 @@
                   <a:bodyPr/>
                   <a:lstStyle/>
                   <a:p>
-                    <a:fld id="{598AE6E7-1127-4908-A60B-7A5305517BF2}" type="CELLRANGE">
+                    <a:fld id="{67E73B83-BE11-4927-9E1A-E02D530ED669}" type="CELLRANGE">
                       <a:rPr lang="en-US"/>
                       <a:pPr/>
                       <a:t>[CELLRANGE]</a:t>
@@ -23592,7 +23592,7 @@
                   <a:bodyPr/>
                   <a:lstStyle/>
                   <a:p>
-                    <a:fld id="{A9FF7AA5-461F-4A1B-9353-C3D040A2E831}" type="CELLRANGE">
+                    <a:fld id="{9CAEC5FB-13F9-407F-A345-628E3FF73302}" type="CELLRANGE">
                       <a:rPr lang="en-US"/>
                       <a:pPr/>
                       <a:t>[CELLRANGE]</a:t>
@@ -23626,7 +23626,7 @@
                   <a:bodyPr/>
                   <a:lstStyle/>
                   <a:p>
-                    <a:fld id="{D5BCA07B-F731-4796-B58B-90E9D49EAE27}" type="CELLRANGE">
+                    <a:fld id="{79C08C63-0C7F-4057-B292-2B6ACA36F3BC}" type="CELLRANGE">
                       <a:rPr lang="en-US"/>
                       <a:pPr/>
                       <a:t>[CELLRANGE]</a:t>
@@ -23660,7 +23660,7 @@
                   <a:bodyPr/>
                   <a:lstStyle/>
                   <a:p>
-                    <a:fld id="{704CDB6F-4666-4206-B1D5-F9CDC92F66E3}" type="CELLRANGE">
+                    <a:fld id="{A042092D-F023-4DE1-9BD8-824B86A58A5E}" type="CELLRANGE">
                       <a:rPr lang="en-US"/>
                       <a:pPr/>
                       <a:t>[CELLRANGE]</a:t>
@@ -23694,7 +23694,7 @@
                   <a:bodyPr/>
                   <a:lstStyle/>
                   <a:p>
-                    <a:fld id="{8797F124-901A-4061-8CC2-D61487A83AC4}" type="CELLRANGE">
+                    <a:fld id="{E7ED03E5-2A82-45B5-B596-50B093CBECC8}" type="CELLRANGE">
                       <a:rPr lang="en-US"/>
                       <a:pPr/>
                       <a:t>[CELLRANGE]</a:t>
@@ -23728,7 +23728,7 @@
                   <a:bodyPr/>
                   <a:lstStyle/>
                   <a:p>
-                    <a:fld id="{3CA0EA01-9FD1-4F7A-83F0-F3B508E6BEB5}" type="CELLRANGE">
+                    <a:fld id="{53FD28D6-979A-4B78-9DE5-0CF22CB930B9}" type="CELLRANGE">
                       <a:rPr lang="en-US"/>
                       <a:pPr/>
                       <a:t>[CELLRANGE]</a:t>
@@ -23762,7 +23762,7 @@
                   <a:bodyPr/>
                   <a:lstStyle/>
                   <a:p>
-                    <a:fld id="{F749EFCA-23B3-40C2-8252-D81B908D2D2C}" type="CELLRANGE">
+                    <a:fld id="{DFEE8470-8006-4CE1-BCFD-0DFE4E7258A3}" type="CELLRANGE">
                       <a:rPr lang="en-US"/>
                       <a:pPr/>
                       <a:t>[CELLRANGE]</a:t>
@@ -23796,7 +23796,7 @@
                   <a:bodyPr/>
                   <a:lstStyle/>
                   <a:p>
-                    <a:fld id="{D4EA0BB1-0540-4272-BBB8-8BBD326A1719}" type="CELLRANGE">
+                    <a:fld id="{8D14539B-E58D-4227-B38A-AFC0F7F5ED12}" type="CELLRANGE">
                       <a:rPr lang="en-US"/>
                       <a:pPr/>
                       <a:t>[CELLRANGE]</a:t>
@@ -23830,7 +23830,7 @@
                   <a:bodyPr/>
                   <a:lstStyle/>
                   <a:p>
-                    <a:fld id="{E88EF946-8102-487C-AAE2-EBEF21F3B6A8}" type="CELLRANGE">
+                    <a:fld id="{30AC5ECE-328C-40D5-948E-74917D17FA27}" type="CELLRANGE">
                       <a:rPr lang="en-US"/>
                       <a:pPr/>
                       <a:t>[CELLRANGE]</a:t>
@@ -23864,7 +23864,7 @@
                   <a:bodyPr/>
                   <a:lstStyle/>
                   <a:p>
-                    <a:fld id="{6CB4E983-1943-4C0A-866A-7EB2FEC9483C}" type="CELLRANGE">
+                    <a:fld id="{F76718FA-BBDF-46F7-B754-D1C2053987F9}" type="CELLRANGE">
                       <a:rPr lang="en-US"/>
                       <a:pPr/>
                       <a:t>[CELLRANGE]</a:t>
@@ -23898,7 +23898,7 @@
                   <a:bodyPr/>
                   <a:lstStyle/>
                   <a:p>
-                    <a:fld id="{4B660447-4541-4CAC-8503-58234A846757}" type="CELLRANGE">
+                    <a:fld id="{1072369C-0E75-4C35-8FF5-FD4FA7574944}" type="CELLRANGE">
                       <a:rPr lang="en-US"/>
                       <a:pPr/>
                       <a:t>[CELLRANGE]</a:t>
@@ -23932,7 +23932,7 @@
                   <a:bodyPr/>
                   <a:lstStyle/>
                   <a:p>
-                    <a:fld id="{DD3709DE-9527-4B94-B686-2B046DBCF737}" type="CELLRANGE">
+                    <a:fld id="{309CC331-6A94-4AF6-9E1D-D4D2462461AC}" type="CELLRANGE">
                       <a:rPr lang="en-US"/>
                       <a:pPr/>
                       <a:t>[CELLRANGE]</a:t>
@@ -23966,7 +23966,7 @@
                   <a:bodyPr/>
                   <a:lstStyle/>
                   <a:p>
-                    <a:fld id="{9D89F98A-A292-4F0C-9050-84544F3C621E}" type="CELLRANGE">
+                    <a:fld id="{F486EF4B-BCF8-4D0A-9B6F-92016ED6DAE1}" type="CELLRANGE">
                       <a:rPr lang="en-US"/>
                       <a:pPr/>
                       <a:t>[CELLRANGE]</a:t>
@@ -24000,7 +24000,7 @@
                   <a:bodyPr/>
                   <a:lstStyle/>
                   <a:p>
-                    <a:fld id="{0798DD7D-1BF4-4EDA-A47D-61ADEBAF81EE}" type="CELLRANGE">
+                    <a:fld id="{8D9D6090-CA26-49AA-AF84-B0D7CBDC560D}" type="CELLRANGE">
                       <a:rPr lang="en-US"/>
                       <a:pPr/>
                       <a:t>[CELLRANGE]</a:t>
@@ -24034,7 +24034,7 @@
                   <a:bodyPr/>
                   <a:lstStyle/>
                   <a:p>
-                    <a:fld id="{CD25256D-C947-44C5-BCFC-534DEBE0E53A}" type="CELLRANGE">
+                    <a:fld id="{FA8F3AA8-08F0-4C45-8E19-4E37E6A26E11}" type="CELLRANGE">
                       <a:rPr lang="en-US"/>
                       <a:pPr/>
                       <a:t>[CELLRANGE]</a:t>
@@ -24068,7 +24068,7 @@
                   <a:bodyPr/>
                   <a:lstStyle/>
                   <a:p>
-                    <a:fld id="{71A31B91-8CDB-4D5E-AED8-679E53A7B5FB}" type="CELLRANGE">
+                    <a:fld id="{8AFEE2D5-04D5-43F6-B041-21F29C83F36E}" type="CELLRANGE">
                       <a:rPr lang="en-US"/>
                       <a:pPr/>
                       <a:t>[CELLRANGE]</a:t>
@@ -24102,7 +24102,7 @@
                   <a:bodyPr/>
                   <a:lstStyle/>
                   <a:p>
-                    <a:fld id="{15664BBD-8FCB-4AD2-B2B1-EEED0815B2CC}" type="CELLRANGE">
+                    <a:fld id="{E6633F30-E86C-47CF-BF4D-EBA86E4E53A3}" type="CELLRANGE">
                       <a:rPr lang="en-US"/>
                       <a:pPr/>
                       <a:t>[CELLRANGE]</a:t>
@@ -24136,7 +24136,7 @@
                   <a:bodyPr/>
                   <a:lstStyle/>
                   <a:p>
-                    <a:fld id="{10E492D7-5463-4A63-B145-72D786CB81FA}" type="CELLRANGE">
+                    <a:fld id="{AFA6F0CF-DBBB-45F1-A069-2602A8268884}" type="CELLRANGE">
                       <a:rPr lang="en-US"/>
                       <a:pPr/>
                       <a:t>[CELLRANGE]</a:t>
@@ -24170,7 +24170,7 @@
                   <a:bodyPr/>
                   <a:lstStyle/>
                   <a:p>
-                    <a:fld id="{BD2DC17C-5E2E-49B2-908B-2A9C1E768FE7}" type="CELLRANGE">
+                    <a:fld id="{C91CF4AD-7339-4FC5-8F11-C3403E18796D}" type="CELLRANGE">
                       <a:rPr lang="en-US"/>
                       <a:pPr/>
                       <a:t>[CELLRANGE]</a:t>
@@ -24204,7 +24204,7 @@
                   <a:bodyPr/>
                   <a:lstStyle/>
                   <a:p>
-                    <a:fld id="{8AC5306B-6C04-4450-B5E2-111EA88E2DB6}" type="CELLRANGE">
+                    <a:fld id="{7643F8A2-C157-4700-A3C3-AE5286C06726}" type="CELLRANGE">
                       <a:rPr lang="en-US"/>
                       <a:pPr/>
                       <a:t>[CELLRANGE]</a:t>
@@ -24238,7 +24238,7 @@
                   <a:bodyPr/>
                   <a:lstStyle/>
                   <a:p>
-                    <a:fld id="{46D0F7C7-DAB1-408E-8A54-53274C792603}" type="CELLRANGE">
+                    <a:fld id="{F1A5A133-8D29-4464-8182-A950A50E2EF6}" type="CELLRANGE">
                       <a:rPr lang="en-US"/>
                       <a:pPr/>
                       <a:t>[CELLRANGE]</a:t>
@@ -24272,7 +24272,7 @@
                   <a:bodyPr/>
                   <a:lstStyle/>
                   <a:p>
-                    <a:fld id="{7C7EE6DB-C01F-41F5-BA05-FA17C0C9D197}" type="CELLRANGE">
+                    <a:fld id="{F9EE5872-B751-401D-BD38-74C7B02A9D82}" type="CELLRANGE">
                       <a:rPr lang="en-US"/>
                       <a:pPr/>
                       <a:t>[CELLRANGE]</a:t>
@@ -24306,7 +24306,7 @@
                   <a:bodyPr/>
                   <a:lstStyle/>
                   <a:p>
-                    <a:fld id="{4A59C2C3-DAC5-45D7-A1F6-FC1551C90562}" type="CELLRANGE">
+                    <a:fld id="{950C79CC-EE70-4430-B16A-B5AE6D918A2D}" type="CELLRANGE">
                       <a:rPr lang="en-US"/>
                       <a:pPr/>
                       <a:t>[CELLRANGE]</a:t>
@@ -24340,7 +24340,7 @@
                   <a:bodyPr/>
                   <a:lstStyle/>
                   <a:p>
-                    <a:fld id="{05A048AA-61AE-4BE0-8031-B99AE8C532FD}" type="CELLRANGE">
+                    <a:fld id="{37F38FBC-FD2B-41DE-A2B6-F44ACEC42EF1}" type="CELLRANGE">
                       <a:rPr lang="en-US"/>
                       <a:pPr/>
                       <a:t>[CELLRANGE]</a:t>
@@ -24374,7 +24374,7 @@
                   <a:bodyPr/>
                   <a:lstStyle/>
                   <a:p>
-                    <a:fld id="{E727063C-3E6D-4C31-86C4-DBAAF4C53838}" type="CELLRANGE">
+                    <a:fld id="{9E0AD794-6273-4CB2-AAF7-2AF022073994}" type="CELLRANGE">
                       <a:rPr lang="en-US"/>
                       <a:pPr/>
                       <a:t>[CELLRANGE]</a:t>
@@ -24408,7 +24408,7 @@
                   <a:bodyPr/>
                   <a:lstStyle/>
                   <a:p>
-                    <a:fld id="{64ED4448-3AF0-41CA-8AFB-8B281768ACCB}" type="CELLRANGE">
+                    <a:fld id="{285BF319-D49D-406F-8216-CC2B5FCED164}" type="CELLRANGE">
                       <a:rPr lang="en-US"/>
                       <a:pPr/>
                       <a:t>[CELLRANGE]</a:t>
@@ -24442,7 +24442,7 @@
                   <a:bodyPr/>
                   <a:lstStyle/>
                   <a:p>
-                    <a:fld id="{FAD1B4B6-ED3C-49B2-AC1C-0A4013C6B849}" type="CELLRANGE">
+                    <a:fld id="{DFA691BD-88BF-491E-8B1E-E6BF7B3A0C61}" type="CELLRANGE">
                       <a:rPr lang="en-US"/>
                       <a:pPr/>
                       <a:t>[CELLRANGE]</a:t>
@@ -24476,7 +24476,7 @@
                   <a:bodyPr/>
                   <a:lstStyle/>
                   <a:p>
-                    <a:fld id="{A93FF59A-2019-4A5A-8DE1-FAB9DC791D26}" type="CELLRANGE">
+                    <a:fld id="{B51296D7-C2F1-4DC4-9EDB-BFDFD24F6D54}" type="CELLRANGE">
                       <a:rPr lang="en-US"/>
                       <a:pPr/>
                       <a:t>[CELLRANGE]</a:t>
@@ -24510,7 +24510,7 @@
                   <a:bodyPr/>
                   <a:lstStyle/>
                   <a:p>
-                    <a:fld id="{9ED7BA18-6527-404E-A1BA-CF1A06FB0F3A}" type="CELLRANGE">
+                    <a:fld id="{71959763-23EA-497D-A7CC-369EA2757AD5}" type="CELLRANGE">
                       <a:rPr lang="en-US"/>
                       <a:pPr/>
                       <a:t>[CELLRANGE]</a:t>
@@ -24544,7 +24544,7 @@
                   <a:bodyPr/>
                   <a:lstStyle/>
                   <a:p>
-                    <a:fld id="{BA7E550F-BAB8-4D77-AD0A-B1C587203E87}" type="CELLRANGE">
+                    <a:fld id="{15D789C2-113B-4AE3-A117-F10F2119676A}" type="CELLRANGE">
                       <a:rPr lang="en-US"/>
                       <a:pPr/>
                       <a:t>[CELLRANGE]</a:t>
@@ -24578,7 +24578,7 @@
                   <a:bodyPr/>
                   <a:lstStyle/>
                   <a:p>
-                    <a:fld id="{125C9CB1-FEF7-42D9-BEDA-B80FDD8D3AB6}" type="CELLRANGE">
+                    <a:fld id="{6273939E-CE50-4BB4-B1AA-5931421E0AA6}" type="CELLRANGE">
                       <a:rPr lang="en-US"/>
                       <a:pPr/>
                       <a:t>[CELLRANGE]</a:t>
@@ -24612,7 +24612,7 @@
                   <a:bodyPr/>
                   <a:lstStyle/>
                   <a:p>
-                    <a:fld id="{132C61A4-CE26-47A0-8064-2301C130BEBC}" type="CELLRANGE">
+                    <a:fld id="{CFFA9B7A-FFCF-4E66-82CE-3678CD9D11F3}" type="CELLRANGE">
                       <a:rPr lang="en-US"/>
                       <a:pPr/>
                       <a:t>[CELLRANGE]</a:t>
@@ -24646,7 +24646,7 @@
                   <a:bodyPr/>
                   <a:lstStyle/>
                   <a:p>
-                    <a:fld id="{CC50C72F-278C-4030-B1DE-62114864202A}" type="CELLRANGE">
+                    <a:fld id="{025A1CF5-A4BB-464F-BD17-43B75BE0C0B9}" type="CELLRANGE">
                       <a:rPr lang="en-US"/>
                       <a:pPr/>
                       <a:t>[CELLRANGE]</a:t>
@@ -24680,7 +24680,7 @@
                   <a:bodyPr/>
                   <a:lstStyle/>
                   <a:p>
-                    <a:fld id="{3715E9B8-2EA9-4B6C-BD44-E105CD56B875}" type="CELLRANGE">
+                    <a:fld id="{8A208888-C304-412C-9EB7-D5E17E11FEA1}" type="CELLRANGE">
                       <a:rPr lang="en-US"/>
                       <a:pPr/>
                       <a:t>[CELLRANGE]</a:t>
@@ -24714,7 +24714,7 @@
                   <a:bodyPr/>
                   <a:lstStyle/>
                   <a:p>
-                    <a:fld id="{EE734886-EBAB-4BA9-8160-F692A868BB26}" type="CELLRANGE">
+                    <a:fld id="{15E24B20-058E-4281-A9F2-AE5CA2480F6E}" type="CELLRANGE">
                       <a:rPr lang="en-US"/>
                       <a:pPr/>
                       <a:t>[CELLRANGE]</a:t>
@@ -24748,7 +24748,7 @@
                   <a:bodyPr/>
                   <a:lstStyle/>
                   <a:p>
-                    <a:fld id="{6F83A0BF-14E2-4A82-A882-7C86AF7AF2CB}" type="CELLRANGE">
+                    <a:fld id="{0FC4A8B9-9DA5-41CA-AFCD-CAD45D65A8E7}" type="CELLRANGE">
                       <a:rPr lang="en-US"/>
                       <a:pPr/>
                       <a:t>[CELLRANGE]</a:t>
@@ -24782,7 +24782,7 @@
                   <a:bodyPr/>
                   <a:lstStyle/>
                   <a:p>
-                    <a:fld id="{4AE5A1F9-6686-4FF6-B3BE-C2D83FBA7627}" type="CELLRANGE">
+                    <a:fld id="{D6E297C8-AA19-46C9-B193-A5C3F4F315B5}" type="CELLRANGE">
                       <a:rPr lang="en-US"/>
                       <a:pPr/>
                       <a:t>[CELLRANGE]</a:t>
@@ -24816,7 +24816,7 @@
                   <a:bodyPr/>
                   <a:lstStyle/>
                   <a:p>
-                    <a:fld id="{16FA666A-C92B-41B7-84DB-EA7746D8251F}" type="CELLRANGE">
+                    <a:fld id="{F6174D7F-EED7-4CA8-9222-DE79E64FF2C0}" type="CELLRANGE">
                       <a:rPr lang="en-US"/>
                       <a:pPr/>
                       <a:t>[CELLRANGE]</a:t>
@@ -24850,7 +24850,7 @@
                   <a:bodyPr/>
                   <a:lstStyle/>
                   <a:p>
-                    <a:fld id="{B2099C0D-7181-4259-B912-6FB71D2BC5CD}" type="CELLRANGE">
+                    <a:fld id="{405B9185-578F-4255-A698-C67942DFA498}" type="CELLRANGE">
                       <a:rPr lang="en-US"/>
                       <a:pPr/>
                       <a:t>[CELLRANGE]</a:t>
@@ -24884,7 +24884,7 @@
                   <a:bodyPr/>
                   <a:lstStyle/>
                   <a:p>
-                    <a:fld id="{6A69B339-6C76-4A14-9FF5-01ABFF96F067}" type="CELLRANGE">
+                    <a:fld id="{8B70E222-3A81-42E4-B1F9-6FAAD2567B23}" type="CELLRANGE">
                       <a:rPr lang="en-US"/>
                       <a:pPr/>
                       <a:t>[CELLRANGE]</a:t>
@@ -24918,7 +24918,7 @@
                   <a:bodyPr/>
                   <a:lstStyle/>
                   <a:p>
-                    <a:fld id="{40E32483-38AC-4CAE-AAF2-6FCF7DA64924}" type="CELLRANGE">
+                    <a:fld id="{AB105296-203D-439A-8AA3-F3E1AB98B173}" type="CELLRANGE">
                       <a:rPr lang="en-US"/>
                       <a:pPr/>
                       <a:t>[CELLRANGE]</a:t>
@@ -24952,7 +24952,7 @@
                   <a:bodyPr/>
                   <a:lstStyle/>
                   <a:p>
-                    <a:fld id="{A42AC6D1-EE0F-4C55-A6EA-5932978932FB}" type="CELLRANGE">
+                    <a:fld id="{FDF47A52-F916-42B6-ACBB-14A2DC25E5D2}" type="CELLRANGE">
                       <a:rPr lang="en-US"/>
                       <a:pPr/>
                       <a:t>[CELLRANGE]</a:t>
@@ -24986,7 +24986,7 @@
                   <a:bodyPr/>
                   <a:lstStyle/>
                   <a:p>
-                    <a:fld id="{6C6C48C6-5DE2-4E3C-880D-F1A613E99F0C}" type="CELLRANGE">
+                    <a:fld id="{EA698939-5DAC-444A-9742-866601F2CE67}" type="CELLRANGE">
                       <a:rPr lang="en-US"/>
                       <a:pPr/>
                       <a:t>[CELLRANGE]</a:t>
@@ -25020,7 +25020,7 @@
                   <a:bodyPr/>
                   <a:lstStyle/>
                   <a:p>
-                    <a:fld id="{0D0B1EA4-C48E-4CBA-A2D2-5BA7F248EF09}" type="CELLRANGE">
+                    <a:fld id="{7B802FC3-7947-4C23-BF92-9A85CF615053}" type="CELLRANGE">
                       <a:rPr lang="en-US"/>
                       <a:pPr/>
                       <a:t>[CELLRANGE]</a:t>
@@ -25054,7 +25054,7 @@
                   <a:bodyPr/>
                   <a:lstStyle/>
                   <a:p>
-                    <a:fld id="{660DB1B7-E0E2-4B3D-8D30-50C286D89579}" type="CELLRANGE">
+                    <a:fld id="{FF00AB6B-850C-4E67-A42C-5897911D6E53}" type="CELLRANGE">
                       <a:rPr lang="en-US"/>
                       <a:pPr/>
                       <a:t>[CELLRANGE]</a:t>
@@ -25088,7 +25088,7 @@
                   <a:bodyPr/>
                   <a:lstStyle/>
                   <a:p>
-                    <a:fld id="{95196901-CC91-4992-98C0-087736F3E313}" type="CELLRANGE">
+                    <a:fld id="{7CE06B4B-98DC-40E8-BB57-5938F596B707}" type="CELLRANGE">
                       <a:rPr lang="en-US"/>
                       <a:pPr/>
                       <a:t>[CELLRANGE]</a:t>
@@ -25122,7 +25122,7 @@
                   <a:bodyPr/>
                   <a:lstStyle/>
                   <a:p>
-                    <a:fld id="{EF5FEEA8-67E8-4353-AF63-EB7A15BEE266}" type="CELLRANGE">
+                    <a:fld id="{8E22C2CD-5A4B-4FD9-AA8E-B2B4538C7C41}" type="CELLRANGE">
                       <a:rPr lang="en-US"/>
                       <a:pPr/>
                       <a:t>[CELLRANGE]</a:t>
@@ -25156,7 +25156,7 @@
                   <a:bodyPr/>
                   <a:lstStyle/>
                   <a:p>
-                    <a:fld id="{D77F2498-048F-4268-8AA3-085FDE93A1AC}" type="CELLRANGE">
+                    <a:fld id="{F8C89B2F-62C9-4AC2-8EA0-FA902D88236A}" type="CELLRANGE">
                       <a:rPr lang="en-US"/>
                       <a:pPr/>
                       <a:t>[CELLRANGE]</a:t>
@@ -25190,7 +25190,7 @@
                   <a:bodyPr/>
                   <a:lstStyle/>
                   <a:p>
-                    <a:fld id="{E6900060-72D8-4ACB-B349-D5F664DE11AD}" type="CELLRANGE">
+                    <a:fld id="{C9030C84-C38C-46F6-911D-8CC70388C07E}" type="CELLRANGE">
                       <a:rPr lang="en-US"/>
                       <a:pPr/>
                       <a:t>[CELLRANGE]</a:t>
@@ -25224,7 +25224,7 @@
                   <a:bodyPr/>
                   <a:lstStyle/>
                   <a:p>
-                    <a:fld id="{502AE915-2424-400A-95BD-EC72ED96E772}" type="CELLRANGE">
+                    <a:fld id="{09815366-1D6A-45F7-8E65-5D5A6E2C682D}" type="CELLRANGE">
                       <a:rPr lang="en-US"/>
                       <a:pPr/>
                       <a:t>[CELLRANGE]</a:t>
@@ -25258,7 +25258,7 @@
                   <a:bodyPr/>
                   <a:lstStyle/>
                   <a:p>
-                    <a:fld id="{F75F4BBD-577A-4CF3-9989-DB8623A713E3}" type="CELLRANGE">
+                    <a:fld id="{E4F33A5C-FD74-4F90-AEA5-690345370EA1}" type="CELLRANGE">
                       <a:rPr lang="en-US"/>
                       <a:pPr/>
                       <a:t>[CELLRANGE]</a:t>
@@ -25292,7 +25292,7 @@
                   <a:bodyPr/>
                   <a:lstStyle/>
                   <a:p>
-                    <a:fld id="{6B5AC3A5-D234-4464-9A9B-F18908B81358}" type="CELLRANGE">
+                    <a:fld id="{3E9C6709-D9CF-4E2A-9C46-5CDAF6AAD867}" type="CELLRANGE">
                       <a:rPr lang="en-US"/>
                       <a:pPr/>
                       <a:t>[CELLRANGE]</a:t>
@@ -25326,7 +25326,7 @@
                   <a:bodyPr/>
                   <a:lstStyle/>
                   <a:p>
-                    <a:fld id="{6CA0B592-B3A9-4E23-8854-4216CB32E4ED}" type="CELLRANGE">
+                    <a:fld id="{C34F8292-AE60-4321-93AD-9CCD7B03B58B}" type="CELLRANGE">
                       <a:rPr lang="en-US"/>
                       <a:pPr/>
                       <a:t>[CELLRANGE]</a:t>
@@ -25360,7 +25360,7 @@
                   <a:bodyPr/>
                   <a:lstStyle/>
                   <a:p>
-                    <a:fld id="{79817A55-84CD-4585-ACCE-23B1A64C9BAF}" type="CELLRANGE">
+                    <a:fld id="{078F59F8-F785-4F03-8506-8B5B1848F695}" type="CELLRANGE">
                       <a:rPr lang="en-US"/>
                       <a:pPr/>
                       <a:t>[CELLRANGE]</a:t>
@@ -25394,7 +25394,7 @@
                   <a:bodyPr/>
                   <a:lstStyle/>
                   <a:p>
-                    <a:fld id="{E070DC8C-6EB8-406B-928F-44EFB372B8A8}" type="CELLRANGE">
+                    <a:fld id="{E1090131-8AA4-440E-AF97-C763D76E1830}" type="CELLRANGE">
                       <a:rPr lang="en-US"/>
                       <a:pPr/>
                       <a:t>[CELLRANGE]</a:t>
@@ -25428,7 +25428,7 @@
                   <a:bodyPr/>
                   <a:lstStyle/>
                   <a:p>
-                    <a:fld id="{3D16CC6F-A546-45DA-BC88-5B457CF7B4D1}" type="CELLRANGE">
+                    <a:fld id="{5D44B963-147A-4958-B0AA-095721A8FA6C}" type="CELLRANGE">
                       <a:rPr lang="en-US"/>
                       <a:pPr/>
                       <a:t>[CELLRANGE]</a:t>
@@ -25462,7 +25462,7 @@
                   <a:bodyPr/>
                   <a:lstStyle/>
                   <a:p>
-                    <a:fld id="{ACAB1569-4337-4DF0-83D9-B8BB01517E23}" type="CELLRANGE">
+                    <a:fld id="{1C271C55-5B1B-4165-990B-61A1E5AFEC6F}" type="CELLRANGE">
                       <a:rPr lang="en-US"/>
                       <a:pPr/>
                       <a:t>[CELLRANGE]</a:t>
@@ -25496,7 +25496,7 @@
                   <a:bodyPr/>
                   <a:lstStyle/>
                   <a:p>
-                    <a:fld id="{A7DA63F6-6154-45A9-AE63-45C706F721FF}" type="CELLRANGE">
+                    <a:fld id="{002BB24B-BA83-4A33-92B6-F32C8BE7F638}" type="CELLRANGE">
                       <a:rPr lang="en-US"/>
                       <a:pPr/>
                       <a:t>[CELLRANGE]</a:t>
@@ -25530,7 +25530,7 @@
                   <a:bodyPr/>
                   <a:lstStyle/>
                   <a:p>
-                    <a:fld id="{74C2A49C-2E3B-493F-879B-181542126812}" type="CELLRANGE">
+                    <a:fld id="{89EB72E4-2372-450B-9AED-A283967C7F63}" type="CELLRANGE">
                       <a:rPr lang="en-US"/>
                       <a:pPr/>
                       <a:t>[CELLRANGE]</a:t>
@@ -25564,7 +25564,7 @@
                   <a:bodyPr/>
                   <a:lstStyle/>
                   <a:p>
-                    <a:fld id="{75ABBBDA-45B5-4D0C-9C78-3A52413A53CD}" type="CELLRANGE">
+                    <a:fld id="{4F0A8174-7FE2-454D-A656-BC03091C6E1F}" type="CELLRANGE">
                       <a:rPr lang="en-US"/>
                       <a:pPr/>
                       <a:t>[CELLRANGE]</a:t>
@@ -25598,7 +25598,7 @@
                   <a:bodyPr/>
                   <a:lstStyle/>
                   <a:p>
-                    <a:fld id="{1FD65880-CAF2-4824-BAB0-B19E399C94F6}" type="CELLRANGE">
+                    <a:fld id="{77DE375D-B4B9-4C7F-B4DD-32B6A779A177}" type="CELLRANGE">
                       <a:rPr lang="en-US"/>
                       <a:pPr/>
                       <a:t>[CELLRANGE]</a:t>
@@ -25632,7 +25632,7 @@
                   <a:bodyPr/>
                   <a:lstStyle/>
                   <a:p>
-                    <a:fld id="{1EDA93AE-3277-4966-BA94-CDD676481F2E}" type="CELLRANGE">
+                    <a:fld id="{1443931E-7682-4CA3-BF34-EB6C511513EF}" type="CELLRANGE">
                       <a:rPr lang="en-US"/>
                       <a:pPr/>
                       <a:t>[CELLRANGE]</a:t>
@@ -25666,7 +25666,7 @@
                   <a:bodyPr/>
                   <a:lstStyle/>
                   <a:p>
-                    <a:fld id="{19B7B875-B129-40AC-907E-EB837F2E94B8}" type="CELLRANGE">
+                    <a:fld id="{686ECB79-9AD1-42CA-A644-38D586F30B8A}" type="CELLRANGE">
                       <a:rPr lang="en-US"/>
                       <a:pPr/>
                       <a:t>[CELLRANGE]</a:t>
@@ -25700,7 +25700,7 @@
                   <a:bodyPr/>
                   <a:lstStyle/>
                   <a:p>
-                    <a:fld id="{B1FDF044-6C04-4870-9047-54CEF4E035D2}" type="CELLRANGE">
+                    <a:fld id="{983C3EB5-9BEF-4850-B52C-1754D40E050A}" type="CELLRANGE">
                       <a:rPr lang="en-US"/>
                       <a:pPr/>
                       <a:t>[CELLRANGE]</a:t>
@@ -25734,7 +25734,7 @@
                   <a:bodyPr/>
                   <a:lstStyle/>
                   <a:p>
-                    <a:fld id="{D468D0D2-9900-4813-95B2-3CF722F94BD5}" type="CELLRANGE">
+                    <a:fld id="{F32DCFB7-AF31-4F4B-A34F-81733C56C67B}" type="CELLRANGE">
                       <a:rPr lang="en-US"/>
                       <a:pPr/>
                       <a:t>[CELLRANGE]</a:t>
@@ -25768,7 +25768,7 @@
                   <a:bodyPr/>
                   <a:lstStyle/>
                   <a:p>
-                    <a:fld id="{0E07F75B-4C6E-44C6-83D1-6CB642D7104A}" type="CELLRANGE">
+                    <a:fld id="{E1536283-81EA-457D-A3E6-7CAD74224C9E}" type="CELLRANGE">
                       <a:rPr lang="en-US"/>
                       <a:pPr/>
                       <a:t>[CELLRANGE]</a:t>
@@ -25802,7 +25802,7 @@
                   <a:bodyPr/>
                   <a:lstStyle/>
                   <a:p>
-                    <a:fld id="{CE21DB92-5EE4-46B2-B719-FD11D0CD704E}" type="CELLRANGE">
+                    <a:fld id="{2778C4A5-8AF1-46C4-9681-B95A2B70AD36}" type="CELLRANGE">
                       <a:rPr lang="en-US"/>
                       <a:pPr/>
                       <a:t>[CELLRANGE]</a:t>
@@ -25836,7 +25836,7 @@
                   <a:bodyPr/>
                   <a:lstStyle/>
                   <a:p>
-                    <a:fld id="{A46FB89F-7679-416C-ADA1-1C82E42BA2AD}" type="CELLRANGE">
+                    <a:fld id="{F17E1219-E4C3-4F90-B623-DE7F4CBE19A3}" type="CELLRANGE">
                       <a:rPr lang="en-US"/>
                       <a:pPr/>
                       <a:t>[CELLRANGE]</a:t>
@@ -25870,7 +25870,7 @@
                   <a:bodyPr/>
                   <a:lstStyle/>
                   <a:p>
-                    <a:fld id="{A69BC55E-E9D0-4386-AE6A-47C113802EC6}" type="CELLRANGE">
+                    <a:fld id="{1640C871-8577-4FB3-B81E-63D8917DFCCA}" type="CELLRANGE">
                       <a:rPr lang="en-US"/>
                       <a:pPr/>
                       <a:t>[CELLRANGE]</a:t>
@@ -25904,7 +25904,7 @@
                   <a:bodyPr/>
                   <a:lstStyle/>
                   <a:p>
-                    <a:fld id="{BBB78BB5-12F1-4012-B389-2BA610CC586B}" type="CELLRANGE">
+                    <a:fld id="{C1105BCE-6EDD-4F52-B024-2C3CAF24E4C0}" type="CELLRANGE">
                       <a:rPr lang="en-US"/>
                       <a:pPr/>
                       <a:t>[CELLRANGE]</a:t>
@@ -25938,7 +25938,7 @@
                   <a:bodyPr/>
                   <a:lstStyle/>
                   <a:p>
-                    <a:fld id="{78C3004E-C583-41D3-924B-42CB1D7E8335}" type="CELLRANGE">
+                    <a:fld id="{64E6F17A-2926-4F02-A820-21987428D472}" type="CELLRANGE">
                       <a:rPr lang="en-US"/>
                       <a:pPr/>
                       <a:t>[CELLRANGE]</a:t>
@@ -25972,7 +25972,7 @@
                   <a:bodyPr/>
                   <a:lstStyle/>
                   <a:p>
-                    <a:fld id="{E8AC3AF5-139A-40E1-B6CA-7F9FA2235227}" type="CELLRANGE">
+                    <a:fld id="{52E56448-4605-4175-8F10-E108C7FE3C3B}" type="CELLRANGE">
                       <a:rPr lang="en-US"/>
                       <a:pPr/>
                       <a:t>[CELLRANGE]</a:t>
@@ -26006,7 +26006,7 @@
                   <a:bodyPr/>
                   <a:lstStyle/>
                   <a:p>
-                    <a:fld id="{5D19A590-B991-4C31-A578-27B63CA8EE3B}" type="CELLRANGE">
+                    <a:fld id="{4A1F556F-2CA0-4712-A6A3-45C2199337F1}" type="CELLRANGE">
                       <a:rPr lang="en-US"/>
                       <a:pPr/>
                       <a:t>[CELLRANGE]</a:t>
@@ -26040,7 +26040,7 @@
                   <a:bodyPr/>
                   <a:lstStyle/>
                   <a:p>
-                    <a:fld id="{CCB79A96-A09E-43C0-86F8-4ECC15B6F24F}" type="CELLRANGE">
+                    <a:fld id="{EB15406E-310B-4AC5-9FC7-1C76BC807729}" type="CELLRANGE">
                       <a:rPr lang="en-US"/>
                       <a:pPr/>
                       <a:t>[CELLRANGE]</a:t>
@@ -26074,7 +26074,7 @@
                   <a:bodyPr/>
                   <a:lstStyle/>
                   <a:p>
-                    <a:fld id="{19883A5A-9802-485D-B384-E9A008E16AF2}" type="CELLRANGE">
+                    <a:fld id="{8A93D879-6A7A-4FCA-B96F-19B1EF875285}" type="CELLRANGE">
                       <a:rPr lang="en-US"/>
                       <a:pPr/>
                       <a:t>[CELLRANGE]</a:t>
@@ -26108,7 +26108,7 @@
                   <a:bodyPr/>
                   <a:lstStyle/>
                   <a:p>
-                    <a:fld id="{FF432E92-F99C-48F0-AF29-BBC348D55E94}" type="CELLRANGE">
+                    <a:fld id="{4DA39BD1-296A-4B93-B30E-33B4E81C9EFF}" type="CELLRANGE">
                       <a:rPr lang="en-US"/>
                       <a:pPr/>
                       <a:t>[CELLRANGE]</a:t>
@@ -26142,7 +26142,7 @@
                   <a:bodyPr/>
                   <a:lstStyle/>
                   <a:p>
-                    <a:fld id="{BF2A3F0D-CCA3-4512-AF76-0DEDF0479626}" type="CELLRANGE">
+                    <a:fld id="{A410DC4F-6DB6-4033-9882-E79E385FA058}" type="CELLRANGE">
                       <a:rPr lang="en-US"/>
                       <a:pPr/>
                       <a:t>[CELLRANGE]</a:t>
@@ -26176,7 +26176,7 @@
                   <a:bodyPr/>
                   <a:lstStyle/>
                   <a:p>
-                    <a:fld id="{B859F347-652A-40EF-B802-DA2FD7AF8787}" type="CELLRANGE">
+                    <a:fld id="{588F1AD4-79DA-4ACC-9435-15D7AC099B41}" type="CELLRANGE">
                       <a:rPr lang="en-US"/>
                       <a:pPr/>
                       <a:t>[CELLRANGE]</a:t>
@@ -26210,7 +26210,7 @@
                   <a:bodyPr/>
                   <a:lstStyle/>
                   <a:p>
-                    <a:fld id="{775ADD34-2F0D-44F8-8A9A-3F412F24BD82}" type="CELLRANGE">
+                    <a:fld id="{EC0AFC53-E44A-4EC0-803F-9B8624D14A89}" type="CELLRANGE">
                       <a:rPr lang="en-US"/>
                       <a:pPr/>
                       <a:t>[CELLRANGE]</a:t>
@@ -26244,7 +26244,7 @@
                   <a:bodyPr/>
                   <a:lstStyle/>
                   <a:p>
-                    <a:fld id="{529C7DB8-4A75-4F92-8E4B-EC7CD1B7A905}" type="CELLRANGE">
+                    <a:fld id="{42F5C6D2-EA70-4379-AD72-5C755887C352}" type="CELLRANGE">
                       <a:rPr lang="en-US"/>
                       <a:pPr/>
                       <a:t>[CELLRANGE]</a:t>
@@ -26278,7 +26278,7 @@
                   <a:bodyPr/>
                   <a:lstStyle/>
                   <a:p>
-                    <a:fld id="{15F52059-BDC5-4192-8976-6123E90DC5B8}" type="CELLRANGE">
+                    <a:fld id="{80BBD678-62D6-4582-A9CA-507436B7B2EB}" type="CELLRANGE">
                       <a:rPr lang="en-US"/>
                       <a:pPr/>
                       <a:t>[CELLRANGE]</a:t>
@@ -26312,7 +26312,7 @@
                   <a:bodyPr/>
                   <a:lstStyle/>
                   <a:p>
-                    <a:fld id="{F7B6B11A-02D6-4B91-B6C1-6A0A5E50E20F}" type="CELLRANGE">
+                    <a:fld id="{2DD7960E-83C8-4B05-A8A0-6DE58FC4DFCC}" type="CELLRANGE">
                       <a:rPr lang="en-US"/>
                       <a:pPr/>
                       <a:t>[CELLRANGE]</a:t>
@@ -26346,7 +26346,7 @@
                   <a:bodyPr/>
                   <a:lstStyle/>
                   <a:p>
-                    <a:fld id="{700F52D4-CBDD-4B0F-9049-871792264FED}" type="CELLRANGE">
+                    <a:fld id="{E1903A2F-3ECF-4A36-B39D-6FDEDC6F0531}" type="CELLRANGE">
                       <a:rPr lang="en-US"/>
                       <a:pPr/>
                       <a:t>[CELLRANGE]</a:t>
@@ -26380,7 +26380,7 @@
                   <a:bodyPr/>
                   <a:lstStyle/>
                   <a:p>
-                    <a:fld id="{51B19EA0-AE9E-4C1B-9A3B-66F7EC3727E0}" type="CELLRANGE">
+                    <a:fld id="{05E354A3-2569-447F-B7BD-7EE4432FA9CF}" type="CELLRANGE">
                       <a:rPr lang="en-US"/>
                       <a:pPr/>
                       <a:t>[CELLRANGE]</a:t>
@@ -26414,7 +26414,7 @@
                   <a:bodyPr/>
                   <a:lstStyle/>
                   <a:p>
-                    <a:fld id="{471C51FC-BC63-40FB-B2FC-49A60798FBF5}" type="CELLRANGE">
+                    <a:fld id="{AB4EE270-4345-4447-AADB-E82740655106}" type="CELLRANGE">
                       <a:rPr lang="en-US"/>
                       <a:pPr/>
                       <a:t>[CELLRANGE]</a:t>
@@ -26448,7 +26448,7 @@
                   <a:bodyPr/>
                   <a:lstStyle/>
                   <a:p>
-                    <a:fld id="{6EC8F353-8405-4E9E-8F5B-F26F875AB356}" type="CELLRANGE">
+                    <a:fld id="{B173DCA4-FEED-44AC-8FC0-BC200669B63D}" type="CELLRANGE">
                       <a:rPr lang="en-US"/>
                       <a:pPr/>
                       <a:t>[CELLRANGE]</a:t>
@@ -26482,7 +26482,7 @@
                   <a:bodyPr/>
                   <a:lstStyle/>
                   <a:p>
-                    <a:fld id="{11C1B797-B236-4EFA-B779-35BC40C3C36D}" type="CELLRANGE">
+                    <a:fld id="{17A61295-26D5-47F9-A796-E9957DF0D555}" type="CELLRANGE">
                       <a:rPr lang="en-US"/>
                       <a:pPr/>
                       <a:t>[CELLRANGE]</a:t>
@@ -26516,7 +26516,7 @@
                   <a:bodyPr/>
                   <a:lstStyle/>
                   <a:p>
-                    <a:fld id="{8788A290-8EB5-451B-BDB3-6F41926FA7E0}" type="CELLRANGE">
+                    <a:fld id="{E8538DDB-1164-42C6-9415-1A76BA1776B2}" type="CELLRANGE">
                       <a:rPr lang="en-US"/>
                       <a:pPr/>
                       <a:t>[CELLRANGE]</a:t>
@@ -26550,7 +26550,7 @@
                   <a:bodyPr/>
                   <a:lstStyle/>
                   <a:p>
-                    <a:fld id="{E78C6E8E-2C7E-47CE-BF73-DE06AFCD1627}" type="CELLRANGE">
+                    <a:fld id="{27D9C7EC-2AC8-4AE3-A01D-6FF02101480A}" type="CELLRANGE">
                       <a:rPr lang="en-US"/>
                       <a:pPr/>
                       <a:t>[CELLRANGE]</a:t>
@@ -26584,7 +26584,7 @@
                   <a:bodyPr/>
                   <a:lstStyle/>
                   <a:p>
-                    <a:fld id="{D8A31791-9F06-41A0-921F-A89E632E1D43}" type="CELLRANGE">
+                    <a:fld id="{0C5310F7-9D3F-4E8A-BE14-5AB24824C441}" type="CELLRANGE">
                       <a:rPr lang="en-US"/>
                       <a:pPr/>
                       <a:t>[CELLRANGE]</a:t>
@@ -26618,7 +26618,7 @@
                   <a:bodyPr/>
                   <a:lstStyle/>
                   <a:p>
-                    <a:fld id="{4BEEE482-3476-4997-8A08-B7E9A38B40A4}" type="CELLRANGE">
+                    <a:fld id="{469CD6AF-906E-48BD-AECE-2597CD4FBDFA}" type="CELLRANGE">
                       <a:rPr lang="en-US"/>
                       <a:pPr/>
                       <a:t>[CELLRANGE]</a:t>
@@ -26652,7 +26652,7 @@
                   <a:bodyPr/>
                   <a:lstStyle/>
                   <a:p>
-                    <a:fld id="{C13F239F-1E2F-4312-AB58-2167BCEBDDF9}" type="CELLRANGE">
+                    <a:fld id="{E59CC586-3993-4118-A6D7-56D4A0F8E124}" type="CELLRANGE">
                       <a:rPr lang="en-US"/>
                       <a:pPr/>
                       <a:t>[CELLRANGE]</a:t>
@@ -26686,7 +26686,7 @@
                   <a:bodyPr/>
                   <a:lstStyle/>
                   <a:p>
-                    <a:fld id="{E51D5902-DDE3-4F2D-8C8E-519C3272F6BF}" type="CELLRANGE">
+                    <a:fld id="{50EC1CD1-4DD4-4492-948B-16E9E7A03F2D}" type="CELLRANGE">
                       <a:rPr lang="en-US"/>
                       <a:pPr/>
                       <a:t>[CELLRANGE]</a:t>
@@ -26720,7 +26720,7 @@
                   <a:bodyPr/>
                   <a:lstStyle/>
                   <a:p>
-                    <a:fld id="{2669BE30-71E7-4439-B6FE-EBA73AE69C0A}" type="CELLRANGE">
+                    <a:fld id="{B1E9C247-1AA9-46E4-B795-AA7716B44790}" type="CELLRANGE">
                       <a:rPr lang="en-US"/>
                       <a:pPr/>
                       <a:t>[CELLRANGE]</a:t>
@@ -26754,7 +26754,7 @@
                   <a:bodyPr/>
                   <a:lstStyle/>
                   <a:p>
-                    <a:fld id="{4E6A8A05-02F7-480E-AC7D-9298B9E22E52}" type="CELLRANGE">
+                    <a:fld id="{3245F1D2-0C70-4654-BA7B-4B6D9A23AD80}" type="CELLRANGE">
                       <a:rPr lang="en-US"/>
                       <a:pPr/>
                       <a:t>[CELLRANGE]</a:t>
@@ -26788,7 +26788,7 @@
                   <a:bodyPr/>
                   <a:lstStyle/>
                   <a:p>
-                    <a:fld id="{1D90417E-CAC4-4A20-9879-F27AC8CDBEF1}" type="CELLRANGE">
+                    <a:fld id="{6EEECB19-59CA-402D-85E6-0F4C98EF315E}" type="CELLRANGE">
                       <a:rPr lang="en-US"/>
                       <a:pPr/>
                       <a:t>[CELLRANGE]</a:t>
@@ -26822,7 +26822,7 @@
                   <a:bodyPr/>
                   <a:lstStyle/>
                   <a:p>
-                    <a:fld id="{DEA9C1C7-2645-40C2-AAE8-FB73A7C62223}" type="CELLRANGE">
+                    <a:fld id="{929EE9DE-7769-4B6A-B663-586813CBFFDC}" type="CELLRANGE">
                       <a:rPr lang="en-US"/>
                       <a:pPr/>
                       <a:t>[CELLRANGE]</a:t>
@@ -26856,7 +26856,7 @@
                   <a:bodyPr/>
                   <a:lstStyle/>
                   <a:p>
-                    <a:fld id="{734A5C0A-44FA-4D93-9CB4-F89F2E1CC126}" type="CELLRANGE">
+                    <a:fld id="{CD030790-7278-458F-9494-44EEA3952E55}" type="CELLRANGE">
                       <a:rPr lang="en-US"/>
                       <a:pPr/>
                       <a:t>[CELLRANGE]</a:t>
@@ -26890,7 +26890,7 @@
                   <a:bodyPr/>
                   <a:lstStyle/>
                   <a:p>
-                    <a:fld id="{32F81FD4-40F3-4099-B726-1E4421B36F02}" type="CELLRANGE">
+                    <a:fld id="{250FF12C-602F-4BC3-8404-631118CA364A}" type="CELLRANGE">
                       <a:rPr lang="en-US"/>
                       <a:pPr/>
                       <a:t>[CELLRANGE]</a:t>
@@ -26924,7 +26924,7 @@
                   <a:bodyPr/>
                   <a:lstStyle/>
                   <a:p>
-                    <a:fld id="{D5C63D0E-375C-4BC9-8B50-3C35C55062CA}" type="CELLRANGE">
+                    <a:fld id="{24431494-9C2C-428E-9AE9-F657D4397769}" type="CELLRANGE">
                       <a:rPr lang="en-US"/>
                       <a:pPr/>
                       <a:t>[CELLRANGE]</a:t>
@@ -26958,7 +26958,7 @@
                   <a:bodyPr/>
                   <a:lstStyle/>
                   <a:p>
-                    <a:fld id="{2C9FF359-D845-4674-B506-5BE8126DBC83}" type="CELLRANGE">
+                    <a:fld id="{AEF4B0AF-E149-41ED-B546-933BC764B429}" type="CELLRANGE">
                       <a:rPr lang="en-US"/>
                       <a:pPr/>
                       <a:t>[CELLRANGE]</a:t>
@@ -26992,7 +26992,7 @@
                   <a:bodyPr/>
                   <a:lstStyle/>
                   <a:p>
-                    <a:fld id="{A5295906-24A5-4FBD-A179-4C46A737FEAC}" type="CELLRANGE">
+                    <a:fld id="{9238B46F-B3B0-4A9B-A14E-ABF6ED4CB1FE}" type="CELLRANGE">
                       <a:rPr lang="en-US"/>
                       <a:pPr/>
                       <a:t>[CELLRANGE]</a:t>
@@ -27026,7 +27026,7 @@
                   <a:bodyPr/>
                   <a:lstStyle/>
                   <a:p>
-                    <a:fld id="{2B81BBA9-4233-4716-8E5B-4B830C6E3513}" type="CELLRANGE">
+                    <a:fld id="{48B8EDE1-26BE-467C-9227-354016E69C16}" type="CELLRANGE">
                       <a:rPr lang="en-US"/>
                       <a:pPr/>
                       <a:t>[CELLRANGE]</a:t>
@@ -27060,7 +27060,7 @@
                   <a:bodyPr/>
                   <a:lstStyle/>
                   <a:p>
-                    <a:fld id="{D61F8D4D-848C-4805-B8E9-826BF2E94DB3}" type="CELLRANGE">
+                    <a:fld id="{B21E5C5D-7657-4C5C-BE9B-8FCD944573E0}" type="CELLRANGE">
                       <a:rPr lang="en-US"/>
                       <a:pPr/>
                       <a:t>[CELLRANGE]</a:t>
@@ -27094,7 +27094,7 @@
                   <a:bodyPr/>
                   <a:lstStyle/>
                   <a:p>
-                    <a:fld id="{40440741-2DC8-4EFB-A617-4291D31348BC}" type="CELLRANGE">
+                    <a:fld id="{4A8962F8-6850-435B-BEBE-0C3FB41F6561}" type="CELLRANGE">
                       <a:rPr lang="en-US"/>
                       <a:pPr/>
                       <a:t>[CELLRANGE]</a:t>
@@ -27128,7 +27128,7 @@
                   <a:bodyPr/>
                   <a:lstStyle/>
                   <a:p>
-                    <a:fld id="{1DBB4BFB-977B-4834-A18F-F7EF5F5D495D}" type="CELLRANGE">
+                    <a:fld id="{75AC5572-39B9-413E-8DCE-BBA47B41AE2E}" type="CELLRANGE">
                       <a:rPr lang="en-US"/>
                       <a:pPr/>
                       <a:t>[CELLRANGE]</a:t>
@@ -27162,7 +27162,7 @@
                   <a:bodyPr/>
                   <a:lstStyle/>
                   <a:p>
-                    <a:fld id="{45B2B13D-D9D4-4A80-AD44-A27B12B16F70}" type="CELLRANGE">
+                    <a:fld id="{54F4EF0F-91A9-4368-ADFC-0B10D7C9FD8A}" type="CELLRANGE">
                       <a:rPr lang="en-US"/>
                       <a:pPr/>
                       <a:t>[CELLRANGE]</a:t>
@@ -27196,7 +27196,7 @@
                   <a:bodyPr/>
                   <a:lstStyle/>
                   <a:p>
-                    <a:fld id="{3ABCBE80-031F-4255-90E4-059BDD400A21}" type="CELLRANGE">
+                    <a:fld id="{91868E83-1F2E-4672-BBE2-24D76AE36FAB}" type="CELLRANGE">
                       <a:rPr lang="en-US"/>
                       <a:pPr/>
                       <a:t>[CELLRANGE]</a:t>
@@ -27230,7 +27230,7 @@
                   <a:bodyPr/>
                   <a:lstStyle/>
                   <a:p>
-                    <a:fld id="{E7332645-2F23-4180-8557-E413857750B6}" type="CELLRANGE">
+                    <a:fld id="{AE1D1DA5-3851-4DFD-B2B3-4F718A7B7868}" type="CELLRANGE">
                       <a:rPr lang="en-US"/>
                       <a:pPr/>
                       <a:t>[CELLRANGE]</a:t>
@@ -27264,7 +27264,7 @@
                   <a:bodyPr/>
                   <a:lstStyle/>
                   <a:p>
-                    <a:fld id="{908A06B4-859A-4808-A772-44EB1D753CF8}" type="CELLRANGE">
+                    <a:fld id="{011ECA9F-DA58-4B50-B5F0-EC112C572769}" type="CELLRANGE">
                       <a:rPr lang="en-US"/>
                       <a:pPr/>
                       <a:t>[CELLRANGE]</a:t>
@@ -27298,7 +27298,7 @@
                   <a:bodyPr/>
                   <a:lstStyle/>
                   <a:p>
-                    <a:fld id="{C5058463-D688-4C90-A4E9-5C78FBF138A0}" type="CELLRANGE">
+                    <a:fld id="{63C84DD4-3AE9-4D8E-BD07-A64B2C58E80E}" type="CELLRANGE">
                       <a:rPr lang="en-US"/>
                       <a:pPr/>
                       <a:t>[CELLRANGE]</a:t>
@@ -27332,7 +27332,7 @@
                   <a:bodyPr/>
                   <a:lstStyle/>
                   <a:p>
-                    <a:fld id="{272F0EFA-5A4B-4B4A-A8C3-28A9272DF967}" type="CELLRANGE">
+                    <a:fld id="{F1348FB6-72FC-45F1-8E73-33E4FC3EDEE4}" type="CELLRANGE">
                       <a:rPr lang="en-US"/>
                       <a:pPr/>
                       <a:t>[CELLRANGE]</a:t>
@@ -27366,7 +27366,7 @@
                   <a:bodyPr/>
                   <a:lstStyle/>
                   <a:p>
-                    <a:fld id="{1D3FC51D-3239-4E29-B442-9C9968606236}" type="CELLRANGE">
+                    <a:fld id="{A9A9A016-C849-4C6E-BA6A-2814EABBDDC1}" type="CELLRANGE">
                       <a:rPr lang="en-US"/>
                       <a:pPr/>
                       <a:t>[CELLRANGE]</a:t>
@@ -27400,7 +27400,7 @@
                   <a:bodyPr/>
                   <a:lstStyle/>
                   <a:p>
-                    <a:fld id="{AE92595E-9949-403E-A4A6-20BDE807AF4C}" type="CELLRANGE">
+                    <a:fld id="{3520A5A6-2AE6-4B58-9701-6419E34C7E0C}" type="CELLRANGE">
                       <a:rPr lang="en-US"/>
                       <a:pPr/>
                       <a:t>[CELLRANGE]</a:t>
@@ -27434,7 +27434,7 @@
                   <a:bodyPr/>
                   <a:lstStyle/>
                   <a:p>
-                    <a:fld id="{E412429D-E5A1-4324-930F-E10588A49CB5}" type="CELLRANGE">
+                    <a:fld id="{C71DEAD7-DADE-49CA-AD61-55B7038BE893}" type="CELLRANGE">
                       <a:rPr lang="en-US"/>
                       <a:pPr/>
                       <a:t>[CELLRANGE]</a:t>
@@ -27468,7 +27468,7 @@
                   <a:bodyPr/>
                   <a:lstStyle/>
                   <a:p>
-                    <a:fld id="{03F688AD-6D01-41AD-B885-F6A5A703651A}" type="CELLRANGE">
+                    <a:fld id="{CCE01ACA-1B1F-41F6-9357-A5F6829C12F4}" type="CELLRANGE">
                       <a:rPr lang="en-US"/>
                       <a:pPr/>
                       <a:t>[CELLRANGE]</a:t>
@@ -27502,7 +27502,7 @@
                   <a:bodyPr/>
                   <a:lstStyle/>
                   <a:p>
-                    <a:fld id="{A82DA69D-0391-4E8A-AF2D-D46CA8208172}" type="CELLRANGE">
+                    <a:fld id="{5975C409-1B76-412F-BF78-BD2C854AD275}" type="CELLRANGE">
                       <a:rPr lang="en-US"/>
                       <a:pPr/>
                       <a:t>[CELLRANGE]</a:t>
@@ -27536,7 +27536,7 @@
                   <a:bodyPr/>
                   <a:lstStyle/>
                   <a:p>
-                    <a:fld id="{69A0DEB0-3069-4058-BBEF-F897EB820769}" type="CELLRANGE">
+                    <a:fld id="{E8D2D557-2EE4-4AF9-BDC9-B6B940ED3E13}" type="CELLRANGE">
                       <a:rPr lang="en-US"/>
                       <a:pPr/>
                       <a:t>[CELLRANGE]</a:t>
@@ -27570,7 +27570,7 @@
                   <a:bodyPr/>
                   <a:lstStyle/>
                   <a:p>
-                    <a:fld id="{13521705-7783-40AE-AC75-387B7807FC84}" type="CELLRANGE">
+                    <a:fld id="{53C3DBF3-62DB-4BBD-8BDD-05BC4E12F058}" type="CELLRANGE">
                       <a:rPr lang="en-US"/>
                       <a:pPr/>
                       <a:t>[CELLRANGE]</a:t>
@@ -27604,7 +27604,7 @@
                   <a:bodyPr/>
                   <a:lstStyle/>
                   <a:p>
-                    <a:fld id="{25D025F1-8F4C-47DA-BAD6-4C88646A0C39}" type="CELLRANGE">
+                    <a:fld id="{782BAEC4-3EF9-48D2-A6A3-0D2A74699304}" type="CELLRANGE">
                       <a:rPr lang="en-US"/>
                       <a:pPr/>
                       <a:t>[CELLRANGE]</a:t>
@@ -27638,7 +27638,7 @@
                   <a:bodyPr/>
                   <a:lstStyle/>
                   <a:p>
-                    <a:fld id="{E86DF515-AC77-4E46-92F8-A87BCE66EF41}" type="CELLRANGE">
+                    <a:fld id="{A8325184-547A-43D7-BA97-F05665B21F1C}" type="CELLRANGE">
                       <a:rPr lang="en-US"/>
                       <a:pPr/>
                       <a:t>[CELLRANGE]</a:t>
@@ -27672,7 +27672,7 @@
                   <a:bodyPr/>
                   <a:lstStyle/>
                   <a:p>
-                    <a:fld id="{8DAD12D7-7674-471C-A6E5-BDBB5A494AAC}" type="CELLRANGE">
+                    <a:fld id="{24F67288-066F-432F-8914-7C9AB33AD9A1}" type="CELLRANGE">
                       <a:rPr lang="en-US"/>
                       <a:pPr/>
                       <a:t>[CELLRANGE]</a:t>
@@ -27706,7 +27706,7 @@
                   <a:bodyPr/>
                   <a:lstStyle/>
                   <a:p>
-                    <a:fld id="{C43EBF30-E2D3-4B11-9DE9-8E66BCAA4118}" type="CELLRANGE">
+                    <a:fld id="{5D1CFD3F-22D7-41C2-8EE5-1D3611DA8CDB}" type="CELLRANGE">
                       <a:rPr lang="en-US"/>
                       <a:pPr/>
                       <a:t>[CELLRANGE]</a:t>
@@ -27740,7 +27740,7 @@
                   <a:bodyPr/>
                   <a:lstStyle/>
                   <a:p>
-                    <a:fld id="{F1151D8C-04B9-4834-A010-B01E59933C93}" type="CELLRANGE">
+                    <a:fld id="{C90AFF4B-60E6-4D6E-A432-838CD5344514}" type="CELLRANGE">
                       <a:rPr lang="en-US"/>
                       <a:pPr/>
                       <a:t>[CELLRANGE]</a:t>
@@ -27774,7 +27774,7 @@
                   <a:bodyPr/>
                   <a:lstStyle/>
                   <a:p>
-                    <a:fld id="{6FB921BE-D121-4AEB-8C85-59CDA36D72A8}" type="CELLRANGE">
+                    <a:fld id="{C0A3F9FC-8E3D-4D36-808C-910E3D0F239D}" type="CELLRANGE">
                       <a:rPr lang="en-US"/>
                       <a:pPr/>
                       <a:t>[CELLRANGE]</a:t>
@@ -27808,7 +27808,7 @@
                   <a:bodyPr/>
                   <a:lstStyle/>
                   <a:p>
-                    <a:fld id="{AF359022-A0D1-4A22-8C77-83A79C4B7D7A}" type="CELLRANGE">
+                    <a:fld id="{A8A7DE8A-D3EE-4F2B-82A4-A6115AC9F026}" type="CELLRANGE">
                       <a:rPr lang="en-US"/>
                       <a:pPr/>
                       <a:t>[CELLRANGE]</a:t>
@@ -27842,7 +27842,7 @@
                   <a:bodyPr/>
                   <a:lstStyle/>
                   <a:p>
-                    <a:fld id="{3DE05E85-8BDC-4374-A60C-5DE9F8F207C8}" type="CELLRANGE">
+                    <a:fld id="{4B17F135-C88A-4D9F-B135-C8390649B73F}" type="CELLRANGE">
                       <a:rPr lang="en-US"/>
                       <a:pPr/>
                       <a:t>[CELLRANGE]</a:t>
@@ -27876,7 +27876,7 @@
                   <a:bodyPr/>
                   <a:lstStyle/>
                   <a:p>
-                    <a:fld id="{336F3DCA-2488-4C25-A5F9-6E22CD5749AF}" type="CELLRANGE">
+                    <a:fld id="{50E38C4A-F329-4F52-9577-66B0AADDBAFA}" type="CELLRANGE">
                       <a:rPr lang="en-US"/>
                       <a:pPr/>
                       <a:t>[CELLRANGE]</a:t>
@@ -27910,7 +27910,7 @@
                   <a:bodyPr/>
                   <a:lstStyle/>
                   <a:p>
-                    <a:fld id="{EF90FC22-95E4-44B2-8189-2C3B76368861}" type="CELLRANGE">
+                    <a:fld id="{26583691-6E59-4DFB-9DF7-04AAD9F7B552}" type="CELLRANGE">
                       <a:rPr lang="en-US"/>
                       <a:pPr/>
                       <a:t>[CELLRANGE]</a:t>
@@ -27944,7 +27944,7 @@
                   <a:bodyPr/>
                   <a:lstStyle/>
                   <a:p>
-                    <a:fld id="{DF4EFE45-A611-4E46-B53B-4025748BA573}" type="CELLRANGE">
+                    <a:fld id="{D1090B58-353C-4354-A555-0F4C6E75EECD}" type="CELLRANGE">
                       <a:rPr lang="en-US"/>
                       <a:pPr/>
                       <a:t>[CELLRANGE]</a:t>
@@ -27978,7 +27978,7 @@
                   <a:bodyPr/>
                   <a:lstStyle/>
                   <a:p>
-                    <a:fld id="{F0E9C453-EC8E-46AA-935F-6C42931AFDDF}" type="CELLRANGE">
+                    <a:fld id="{C92D7555-1D01-46CF-BEB1-F8CB05ED36AA}" type="CELLRANGE">
                       <a:rPr lang="en-US"/>
                       <a:pPr/>
                       <a:t>[CELLRANGE]</a:t>
@@ -28012,7 +28012,7 @@
                   <a:bodyPr/>
                   <a:lstStyle/>
                   <a:p>
-                    <a:fld id="{0936A4BC-A619-4C80-BD5F-B0258773C8BD}" type="CELLRANGE">
+                    <a:fld id="{AA54EA19-C19B-497B-A68A-20A46FCD5B2B}" type="CELLRANGE">
                       <a:rPr lang="en-US"/>
                       <a:pPr/>
                       <a:t>[CELLRANGE]</a:t>
@@ -28046,7 +28046,7 @@
                   <a:bodyPr/>
                   <a:lstStyle/>
                   <a:p>
-                    <a:fld id="{90963DA4-9653-4F17-91AB-09629CDB8133}" type="CELLRANGE">
+                    <a:fld id="{5A8F3E83-F86C-4A42-A9AA-D6EAA77E8193}" type="CELLRANGE">
                       <a:rPr lang="en-US"/>
                       <a:pPr/>
                       <a:t>[CELLRANGE]</a:t>
@@ -28080,7 +28080,7 @@
                   <a:bodyPr/>
                   <a:lstStyle/>
                   <a:p>
-                    <a:fld id="{093C15AD-9763-42B3-8CEA-D1A134351E6D}" type="CELLRANGE">
+                    <a:fld id="{B92EAAEF-CEA5-48E1-AA5A-BAD0CE5AED0C}" type="CELLRANGE">
                       <a:rPr lang="en-US"/>
                       <a:pPr/>
                       <a:t>[CELLRANGE]</a:t>
@@ -28114,7 +28114,7 @@
                   <a:bodyPr/>
                   <a:lstStyle/>
                   <a:p>
-                    <a:fld id="{1027BA11-A40E-4E35-A126-C0CD2B87C4BD}" type="CELLRANGE">
+                    <a:fld id="{D6678FEF-B9D8-4830-A13F-DAD3CF62D027}" type="CELLRANGE">
                       <a:rPr lang="en-US"/>
                       <a:pPr/>
                       <a:t>[CELLRANGE]</a:t>
@@ -28148,7 +28148,7 @@
                   <a:bodyPr/>
                   <a:lstStyle/>
                   <a:p>
-                    <a:fld id="{7144007E-3767-416D-97DA-3D9E3F11BCC0}" type="CELLRANGE">
+                    <a:fld id="{029B665A-9C6D-4967-9BEF-D31A080D6365}" type="CELLRANGE">
                       <a:rPr lang="en-US"/>
                       <a:pPr/>
                       <a:t>[CELLRANGE]</a:t>
@@ -28182,7 +28182,7 @@
                   <a:bodyPr/>
                   <a:lstStyle/>
                   <a:p>
-                    <a:fld id="{C101D53D-3B96-49A9-8D93-79F902B699FB}" type="CELLRANGE">
+                    <a:fld id="{75CFA9DD-8A00-4C87-A65A-72012278ECBA}" type="CELLRANGE">
                       <a:rPr lang="en-US"/>
                       <a:pPr/>
                       <a:t>[CELLRANGE]</a:t>
@@ -28216,7 +28216,7 @@
                   <a:bodyPr/>
                   <a:lstStyle/>
                   <a:p>
-                    <a:fld id="{CEF138ED-903B-4BAB-B483-531C294EDCFD}" type="CELLRANGE">
+                    <a:fld id="{CFC6EDB7-3619-47BB-8312-73C7098A9352}" type="CELLRANGE">
                       <a:rPr lang="en-US"/>
                       <a:pPr/>
                       <a:t>[CELLRANGE]</a:t>
@@ -28250,7 +28250,7 @@
                   <a:bodyPr/>
                   <a:lstStyle/>
                   <a:p>
-                    <a:fld id="{E2906539-31E9-4110-84A8-9025A54DDB03}" type="CELLRANGE">
+                    <a:fld id="{8726C5CF-F574-4E9F-994D-4245CB457456}" type="CELLRANGE">
                       <a:rPr lang="en-US"/>
                       <a:pPr/>
                       <a:t>[CELLRANGE]</a:t>
@@ -28284,7 +28284,7 @@
                   <a:bodyPr/>
                   <a:lstStyle/>
                   <a:p>
-                    <a:fld id="{F6A93A11-A859-4B4A-8D9D-8FF84AC11C71}" type="CELLRANGE">
+                    <a:fld id="{8615BA6A-75D0-45BC-BEF1-C570C7EEBA8E}" type="CELLRANGE">
                       <a:rPr lang="en-US"/>
                       <a:pPr/>
                       <a:t>[CELLRANGE]</a:t>
@@ -28318,7 +28318,7 @@
                   <a:bodyPr/>
                   <a:lstStyle/>
                   <a:p>
-                    <a:fld id="{B2A4931C-0467-467E-888F-9188D943F891}" type="CELLRANGE">
+                    <a:fld id="{F95FFE5C-9E6F-46DC-9C29-315DAB6503C3}" type="CELLRANGE">
                       <a:rPr lang="en-US"/>
                       <a:pPr/>
                       <a:t>[CELLRANGE]</a:t>
@@ -28352,7 +28352,7 @@
                   <a:bodyPr/>
                   <a:lstStyle/>
                   <a:p>
-                    <a:fld id="{5855DBB9-ADC1-4A21-B119-0630D59E64A6}" type="CELLRANGE">
+                    <a:fld id="{D09F7197-8DF1-444F-AAEE-BB2C261801EB}" type="CELLRANGE">
                       <a:rPr lang="en-US"/>
                       <a:pPr/>
                       <a:t>[CELLRANGE]</a:t>
@@ -28386,7 +28386,7 @@
                   <a:bodyPr/>
                   <a:lstStyle/>
                   <a:p>
-                    <a:fld id="{717F329D-2F5D-484E-B43F-269899CE9851}" type="CELLRANGE">
+                    <a:fld id="{4A682F01-7D50-4BC7-980E-7DA234623F46}" type="CELLRANGE">
                       <a:rPr lang="en-US"/>
                       <a:pPr/>
                       <a:t>[CELLRANGE]</a:t>
@@ -28420,7 +28420,7 @@
                   <a:bodyPr/>
                   <a:lstStyle/>
                   <a:p>
-                    <a:fld id="{826B45FE-0301-4B4E-9541-55BF76EB3C16}" type="CELLRANGE">
+                    <a:fld id="{11844FFB-804C-40CE-9B6F-DC26973F02D6}" type="CELLRANGE">
                       <a:rPr lang="en-US"/>
                       <a:pPr/>
                       <a:t>[CELLRANGE]</a:t>
@@ -28454,7 +28454,7 @@
                   <a:bodyPr/>
                   <a:lstStyle/>
                   <a:p>
-                    <a:fld id="{B0AC1B79-5F31-414E-9CC1-92DCB3364C8D}" type="CELLRANGE">
+                    <a:fld id="{5DA0CB2B-7C0C-46EC-8A80-54BB869E1FE2}" type="CELLRANGE">
                       <a:rPr lang="en-US"/>
                       <a:pPr/>
                       <a:t>[CELLRANGE]</a:t>
@@ -28488,7 +28488,7 @@
                   <a:bodyPr/>
                   <a:lstStyle/>
                   <a:p>
-                    <a:fld id="{2AFEC6EE-861B-437E-B620-2EE34AFA8F7B}" type="CELLRANGE">
+                    <a:fld id="{21F5176C-D0B6-48E3-8B35-26FFCCE88A8F}" type="CELLRANGE">
                       <a:rPr lang="en-US"/>
                       <a:pPr/>
                       <a:t>[CELLRANGE]</a:t>
@@ -28522,7 +28522,7 @@
                   <a:bodyPr/>
                   <a:lstStyle/>
                   <a:p>
-                    <a:fld id="{73CBA1A1-73FF-40FA-952E-0DF51C482BE3}" type="CELLRANGE">
+                    <a:fld id="{B1A5B6E8-DA2E-46C3-871F-86AA6215642D}" type="CELLRANGE">
                       <a:rPr lang="en-US"/>
                       <a:pPr/>
                       <a:t>[CELLRANGE]</a:t>
@@ -28556,7 +28556,7 @@
                   <a:bodyPr/>
                   <a:lstStyle/>
                   <a:p>
-                    <a:fld id="{D5DE4D81-AE66-45E1-8621-0E9D3FED6F34}" type="CELLRANGE">
+                    <a:fld id="{30BE8F30-81DA-44E4-8EFA-4877B696B1F4}" type="CELLRANGE">
                       <a:rPr lang="en-US"/>
                       <a:pPr/>
                       <a:t>[CELLRANGE]</a:t>
@@ -28590,7 +28590,7 @@
                   <a:bodyPr/>
                   <a:lstStyle/>
                   <a:p>
-                    <a:fld id="{75D3A404-BE75-4CE8-8DB3-2F2147F6A3DC}" type="CELLRANGE">
+                    <a:fld id="{4BC05A4B-439B-4D91-89ED-5D621976E9EF}" type="CELLRANGE">
                       <a:rPr lang="en-US"/>
                       <a:pPr/>
                       <a:t>[CELLRANGE]</a:t>
@@ -28624,7 +28624,7 @@
                   <a:bodyPr/>
                   <a:lstStyle/>
                   <a:p>
-                    <a:fld id="{DAB704B6-DAC1-4C3B-BF5F-94F5769C3A48}" type="CELLRANGE">
+                    <a:fld id="{629E321D-6224-481E-A9F3-1469A9BC1F46}" type="CELLRANGE">
                       <a:rPr lang="en-US"/>
                       <a:pPr/>
                       <a:t>[CELLRANGE]</a:t>
@@ -28658,7 +28658,7 @@
                   <a:bodyPr/>
                   <a:lstStyle/>
                   <a:p>
-                    <a:fld id="{2B7F5621-8864-4323-84CA-983EAD29706C}" type="CELLRANGE">
+                    <a:fld id="{A3E79DDA-AE53-4794-B6E4-24CEB31A5102}" type="CELLRANGE">
                       <a:rPr lang="en-US"/>
                       <a:pPr/>
                       <a:t>[CELLRANGE]</a:t>
@@ -28692,7 +28692,7 @@
                   <a:bodyPr/>
                   <a:lstStyle/>
                   <a:p>
-                    <a:fld id="{8EFD2D03-7240-4DD2-966B-F5D76C582D18}" type="CELLRANGE">
+                    <a:fld id="{D3CB86E4-8A1D-4E31-A0C3-6C6812F688F3}" type="CELLRANGE">
                       <a:rPr lang="en-US"/>
                       <a:pPr/>
                       <a:t>[CELLRANGE]</a:t>
@@ -28726,7 +28726,7 @@
                   <a:bodyPr/>
                   <a:lstStyle/>
                   <a:p>
-                    <a:fld id="{875CA2A8-8DAB-4587-8115-8FD6B8496076}" type="CELLRANGE">
+                    <a:fld id="{6984BBC9-D1A7-4575-81D6-7C55EA36714D}" type="CELLRANGE">
                       <a:rPr lang="en-US"/>
                       <a:pPr/>
                       <a:t>[CELLRANGE]</a:t>
@@ -28760,7 +28760,7 @@
                   <a:bodyPr/>
                   <a:lstStyle/>
                   <a:p>
-                    <a:fld id="{3EFD38F8-88BC-43E7-BDDF-1FFC4623DA8A}" type="CELLRANGE">
+                    <a:fld id="{D77E2881-A472-41E1-827F-57483EDDB2D8}" type="CELLRANGE">
                       <a:rPr lang="en-US"/>
                       <a:pPr/>
                       <a:t>[CELLRANGE]</a:t>
@@ -28794,7 +28794,7 @@
                   <a:bodyPr/>
                   <a:lstStyle/>
                   <a:p>
-                    <a:fld id="{363F7A37-24CA-4503-9C76-84E6E5CD625A}" type="CELLRANGE">
+                    <a:fld id="{4E64AFC6-8C5F-403B-8A7B-63195807C688}" type="CELLRANGE">
                       <a:rPr lang="en-US"/>
                       <a:pPr/>
                       <a:t>[CELLRANGE]</a:t>
@@ -28828,7 +28828,7 @@
                   <a:bodyPr/>
                   <a:lstStyle/>
                   <a:p>
-                    <a:fld id="{3B98C941-2DC3-4B3D-BC3F-9814131760C2}" type="CELLRANGE">
+                    <a:fld id="{DE5B9D8E-5EF9-48F7-A48D-EE27C0BF391C}" type="CELLRANGE">
                       <a:rPr lang="en-US"/>
                       <a:pPr/>
                       <a:t>[CELLRANGE]</a:t>
@@ -28862,7 +28862,7 @@
                   <a:bodyPr/>
                   <a:lstStyle/>
                   <a:p>
-                    <a:fld id="{1A059196-E9F0-474B-8663-50DA2B7B4F5B}" type="CELLRANGE">
+                    <a:fld id="{E98DDB10-3A75-4819-A365-1D8D483FC088}" type="CELLRANGE">
                       <a:rPr lang="en-US"/>
                       <a:pPr/>
                       <a:t>[CELLRANGE]</a:t>
@@ -28896,7 +28896,7 @@
                   <a:bodyPr/>
                   <a:lstStyle/>
                   <a:p>
-                    <a:fld id="{997CC68D-7D99-4E2A-8C47-2147E014336A}" type="CELLRANGE">
+                    <a:fld id="{30B011A6-9F58-4983-BD0A-782B14455A42}" type="CELLRANGE">
                       <a:rPr lang="en-US"/>
                       <a:pPr/>
                       <a:t>[CELLRANGE]</a:t>
@@ -28930,7 +28930,7 @@
                   <a:bodyPr/>
                   <a:lstStyle/>
                   <a:p>
-                    <a:fld id="{EC6EC217-4EB3-4CBF-BFC8-9F71B01A7B73}" type="CELLRANGE">
+                    <a:fld id="{B8F4DAD2-82D7-4053-BACC-36661654AFC0}" type="CELLRANGE">
                       <a:rPr lang="en-US"/>
                       <a:pPr/>
                       <a:t>[CELLRANGE]</a:t>
@@ -28964,7 +28964,7 @@
                   <a:bodyPr/>
                   <a:lstStyle/>
                   <a:p>
-                    <a:fld id="{DE119CBD-40F3-4C4E-BAB1-64E7761D5562}" type="CELLRANGE">
+                    <a:fld id="{F410866B-C7A6-47E3-80CB-27F98DAA8960}" type="CELLRANGE">
                       <a:rPr lang="en-US"/>
                       <a:pPr/>
                       <a:t>[CELLRANGE]</a:t>
@@ -28998,7 +28998,7 @@
                   <a:bodyPr/>
                   <a:lstStyle/>
                   <a:p>
-                    <a:fld id="{6A659EBB-B8E9-4B3F-AD9C-E22E48A82AEF}" type="CELLRANGE">
+                    <a:fld id="{EB000451-A2E0-4B67-8705-0983BF5F10B3}" type="CELLRANGE">
                       <a:rPr lang="en-US"/>
                       <a:pPr/>
                       <a:t>[CELLRANGE]</a:t>
@@ -29032,7 +29032,7 @@
                   <a:bodyPr/>
                   <a:lstStyle/>
                   <a:p>
-                    <a:fld id="{6FE90A33-B6B1-4F2C-B3D1-29EDA68E52F9}" type="CELLRANGE">
+                    <a:fld id="{0D983E32-BF06-4BE2-B4CA-C2B4459BC020}" type="CELLRANGE">
                       <a:rPr lang="en-US"/>
                       <a:pPr/>
                       <a:t>[CELLRANGE]</a:t>
@@ -29066,7 +29066,7 @@
                   <a:bodyPr/>
                   <a:lstStyle/>
                   <a:p>
-                    <a:fld id="{62EB5892-4D02-4038-B029-1718885705FE}" type="CELLRANGE">
+                    <a:fld id="{D07E907F-D699-4358-84EC-29D48F313FBF}" type="CELLRANGE">
                       <a:rPr lang="en-US"/>
                       <a:pPr/>
                       <a:t>[CELLRANGE]</a:t>
@@ -29100,7 +29100,7 @@
                   <a:bodyPr/>
                   <a:lstStyle/>
                   <a:p>
-                    <a:fld id="{8DF09617-17B2-4771-9D00-9547FB577C2C}" type="CELLRANGE">
+                    <a:fld id="{593E53A7-FCA2-4447-AA8F-0093FDF13300}" type="CELLRANGE">
                       <a:rPr lang="en-US"/>
                       <a:pPr/>
                       <a:t>[CELLRANGE]</a:t>
@@ -29134,7 +29134,7 @@
                   <a:bodyPr/>
                   <a:lstStyle/>
                   <a:p>
-                    <a:fld id="{DB3AB911-84A6-41DD-AB20-3F93B6E9135C}" type="CELLRANGE">
+                    <a:fld id="{89B6EC29-B819-4EF9-94BB-AF112CB6CD0A}" type="CELLRANGE">
                       <a:rPr lang="en-US"/>
                       <a:pPr/>
                       <a:t>[CELLRANGE]</a:t>
@@ -29168,7 +29168,7 @@
                   <a:bodyPr/>
                   <a:lstStyle/>
                   <a:p>
-                    <a:fld id="{43DB060D-E118-48E5-A76F-3AFD69D5777B}" type="CELLRANGE">
+                    <a:fld id="{DF50BD6F-565B-409F-820C-36DBA3C11970}" type="CELLRANGE">
                       <a:rPr lang="en-US"/>
                       <a:pPr/>
                       <a:t>[CELLRANGE]</a:t>
@@ -29202,7 +29202,7 @@
                   <a:bodyPr/>
                   <a:lstStyle/>
                   <a:p>
-                    <a:fld id="{B3216BFF-C6FE-40AA-81FD-EB3AAB072CFE}" type="CELLRANGE">
+                    <a:fld id="{24450433-36A3-4E24-99B8-486BC61E00FE}" type="CELLRANGE">
                       <a:rPr lang="en-US"/>
                       <a:pPr/>
                       <a:t>[CELLRANGE]</a:t>
@@ -29236,7 +29236,7 @@
                   <a:bodyPr/>
                   <a:lstStyle/>
                   <a:p>
-                    <a:fld id="{FC32B7C6-F543-4BF7-B89D-BDE2C6975509}" type="CELLRANGE">
+                    <a:fld id="{65B13468-CBB9-470D-ACF0-5E71E722116B}" type="CELLRANGE">
                       <a:rPr lang="en-US"/>
                       <a:pPr/>
                       <a:t>[CELLRANGE]</a:t>
@@ -29270,7 +29270,7 @@
                   <a:bodyPr/>
                   <a:lstStyle/>
                   <a:p>
-                    <a:fld id="{84BCBFC9-EA80-40E1-8486-5C2E49916403}" type="CELLRANGE">
+                    <a:fld id="{7122626F-5BCC-4A9B-BAD9-97069FFF776D}" type="CELLRANGE">
                       <a:rPr lang="en-US"/>
                       <a:pPr/>
                       <a:t>[CELLRANGE]</a:t>
@@ -29304,7 +29304,7 @@
                   <a:bodyPr/>
                   <a:lstStyle/>
                   <a:p>
-                    <a:fld id="{D1D47DC8-AFD3-4BDE-A9F2-DE68A854CE69}" type="CELLRANGE">
+                    <a:fld id="{FEAC5C3C-4499-4BD9-A42D-237D28BDA5C0}" type="CELLRANGE">
                       <a:rPr lang="en-US"/>
                       <a:pPr/>
                       <a:t>[CELLRANGE]</a:t>
@@ -29338,7 +29338,7 @@
                   <a:bodyPr/>
                   <a:lstStyle/>
                   <a:p>
-                    <a:fld id="{EF4859FE-C60C-4551-904D-9805AF95D394}" type="CELLRANGE">
+                    <a:fld id="{191A2343-E7CD-4769-95C9-D0B8D96ADD10}" type="CELLRANGE">
                       <a:rPr lang="en-US"/>
                       <a:pPr/>
                       <a:t>[CELLRANGE]</a:t>
@@ -29372,7 +29372,7 @@
                   <a:bodyPr/>
                   <a:lstStyle/>
                   <a:p>
-                    <a:fld id="{05C90C26-5629-4F80-A66D-01012B3CCFF5}" type="CELLRANGE">
+                    <a:fld id="{F6D9D242-22D8-4591-BA4C-B2F3389C2E9E}" type="CELLRANGE">
                       <a:rPr lang="en-US"/>
                       <a:pPr/>
                       <a:t>[CELLRANGE]</a:t>
@@ -29406,7 +29406,7 @@
                   <a:bodyPr/>
                   <a:lstStyle/>
                   <a:p>
-                    <a:fld id="{2C2DC2AF-9A04-4BF8-9696-7BF29CB8D003}" type="CELLRANGE">
+                    <a:fld id="{033B36A6-EF88-4CAE-ADFB-F3595DC04627}" type="CELLRANGE">
                       <a:rPr lang="en-US"/>
                       <a:pPr/>
                       <a:t>[CELLRANGE]</a:t>
@@ -29440,7 +29440,7 @@
                   <a:bodyPr/>
                   <a:lstStyle/>
                   <a:p>
-                    <a:fld id="{CC5469AA-CDF3-4913-8FD8-D6B88E743542}" type="CELLRANGE">
+                    <a:fld id="{185DC5FC-C7AE-4E07-8BAB-4FC4EF1BA7C7}" type="CELLRANGE">
                       <a:rPr lang="en-US"/>
                       <a:pPr/>
                       <a:t>[CELLRANGE]</a:t>
@@ -29474,7 +29474,7 @@
                   <a:bodyPr/>
                   <a:lstStyle/>
                   <a:p>
-                    <a:fld id="{63049BA6-767B-46DB-BD74-49ED258E42E4}" type="CELLRANGE">
+                    <a:fld id="{E31C4B3D-9F4D-41C3-AE26-11D4269DA05B}" type="CELLRANGE">
                       <a:rPr lang="en-US"/>
                       <a:pPr/>
                       <a:t>[CELLRANGE]</a:t>
@@ -29508,7 +29508,7 @@
                   <a:bodyPr/>
                   <a:lstStyle/>
                   <a:p>
-                    <a:fld id="{12145FE7-6187-4ED3-8DD0-7FAE22ADDCEB}" type="CELLRANGE">
+                    <a:fld id="{FB501FB9-FD2A-4588-9157-4A52419F87D0}" type="CELLRANGE">
                       <a:rPr lang="en-US"/>
                       <a:pPr/>
                       <a:t>[CELLRANGE]</a:t>
@@ -29542,7 +29542,7 @@
                   <a:bodyPr/>
                   <a:lstStyle/>
                   <a:p>
-                    <a:fld id="{634427DD-159B-49F2-B21A-BA884B89F2B4}" type="CELLRANGE">
+                    <a:fld id="{507DE1E8-F933-4D92-A67D-F1020DFC0A23}" type="CELLRANGE">
                       <a:rPr lang="en-US"/>
                       <a:pPr/>
                       <a:t>[CELLRANGE]</a:t>
@@ -29576,7 +29576,7 @@
                   <a:bodyPr/>
                   <a:lstStyle/>
                   <a:p>
-                    <a:fld id="{8715B514-C9D4-447C-AAD0-2050F1E6D012}" type="CELLRANGE">
+                    <a:fld id="{57A0DAC4-CC04-43C7-ACCB-26C65F08F90B}" type="CELLRANGE">
                       <a:rPr lang="en-US"/>
                       <a:pPr/>
                       <a:t>[CELLRANGE]</a:t>
@@ -29610,7 +29610,7 @@
                   <a:bodyPr/>
                   <a:lstStyle/>
                   <a:p>
-                    <a:fld id="{5513A2D7-46A2-443B-8F4E-6C38B20E1F65}" type="CELLRANGE">
+                    <a:fld id="{0B1344CA-44BE-4696-9347-81C676AA59F2}" type="CELLRANGE">
                       <a:rPr lang="en-US"/>
                       <a:pPr/>
                       <a:t>[CELLRANGE]</a:t>
@@ -29644,7 +29644,7 @@
                   <a:bodyPr/>
                   <a:lstStyle/>
                   <a:p>
-                    <a:fld id="{3A243B80-2FDB-4F40-BDDA-88D9BF6D6967}" type="CELLRANGE">
+                    <a:fld id="{7AB19085-A9E5-4A01-BBF2-7CEA1E98C586}" type="CELLRANGE">
                       <a:rPr lang="en-US"/>
                       <a:pPr/>
                       <a:t>[CELLRANGE]</a:t>
@@ -29678,7 +29678,7 @@
                   <a:bodyPr/>
                   <a:lstStyle/>
                   <a:p>
-                    <a:fld id="{55C75312-7229-407B-B3E3-F63D24CE6282}" type="CELLRANGE">
+                    <a:fld id="{069D708E-84FE-461D-A0A1-92FFA3CDA07D}" type="CELLRANGE">
                       <a:rPr lang="en-US"/>
                       <a:pPr/>
                       <a:t>[CELLRANGE]</a:t>
@@ -29712,7 +29712,7 @@
                   <a:bodyPr/>
                   <a:lstStyle/>
                   <a:p>
-                    <a:fld id="{23C84045-636B-4350-BC98-733964B20113}" type="CELLRANGE">
+                    <a:fld id="{47D7E249-DECD-493B-B0CE-F0492863A7BA}" type="CELLRANGE">
                       <a:rPr lang="en-US"/>
                       <a:pPr/>
                       <a:t>[CELLRANGE]</a:t>
@@ -29746,7 +29746,7 @@
                   <a:bodyPr/>
                   <a:lstStyle/>
                   <a:p>
-                    <a:fld id="{AAB03D92-BCE7-4107-A817-DAE4435A0BB4}" type="CELLRANGE">
+                    <a:fld id="{BE434D40-F591-4981-A49D-D14936DE0FFC}" type="CELLRANGE">
                       <a:rPr lang="en-US"/>
                       <a:pPr/>
                       <a:t>[CELLRANGE]</a:t>
@@ -29780,7 +29780,7 @@
                   <a:bodyPr/>
                   <a:lstStyle/>
                   <a:p>
-                    <a:fld id="{03CEC1EC-5BEE-43A0-A4FC-633312662AED}" type="CELLRANGE">
+                    <a:fld id="{7EE3586A-992F-4163-AC9B-2ACEC683E414}" type="CELLRANGE">
                       <a:rPr lang="en-US"/>
                       <a:pPr/>
                       <a:t>[CELLRANGE]</a:t>
@@ -29814,7 +29814,7 @@
                   <a:bodyPr/>
                   <a:lstStyle/>
                   <a:p>
-                    <a:fld id="{C6FCE19E-CB34-4DBB-BCAE-191979220A3A}" type="CELLRANGE">
+                    <a:fld id="{981DE7BC-7BB8-4519-BBA8-05B720EBE115}" type="CELLRANGE">
                       <a:rPr lang="en-US"/>
                       <a:pPr/>
                       <a:t>[CELLRANGE]</a:t>
@@ -29848,7 +29848,7 @@
                   <a:bodyPr/>
                   <a:lstStyle/>
                   <a:p>
-                    <a:fld id="{3FF22E75-0C82-4A0E-9A53-64A09A5C8700}" type="CELLRANGE">
+                    <a:fld id="{01D74D80-5928-4FB7-A6BE-E7DC16B400E7}" type="CELLRANGE">
                       <a:rPr lang="en-US"/>
                       <a:pPr/>
                       <a:t>[CELLRANGE]</a:t>
@@ -29882,7 +29882,7 @@
                   <a:bodyPr/>
                   <a:lstStyle/>
                   <a:p>
-                    <a:fld id="{CE4348A8-4FBB-4837-BD7E-BFB5E31A3535}" type="CELLRANGE">
+                    <a:fld id="{9E44D529-E3C0-4863-8891-B60571C4DA31}" type="CELLRANGE">
                       <a:rPr lang="en-US"/>
                       <a:pPr/>
                       <a:t>[CELLRANGE]</a:t>
@@ -29916,7 +29916,7 @@
                   <a:bodyPr/>
                   <a:lstStyle/>
                   <a:p>
-                    <a:fld id="{35506D30-3A91-4E97-9CC4-2B811091F679}" type="CELLRANGE">
+                    <a:fld id="{C61468AB-192B-43BD-9155-5A97BB016BB1}" type="CELLRANGE">
                       <a:rPr lang="en-US"/>
                       <a:pPr/>
                       <a:t>[CELLRANGE]</a:t>
@@ -29950,7 +29950,7 @@
                   <a:bodyPr/>
                   <a:lstStyle/>
                   <a:p>
-                    <a:fld id="{BA475F03-12DC-4ED1-844D-E626C6C62409}" type="CELLRANGE">
+                    <a:fld id="{488BF093-42E8-42EB-926A-BEFD3FCD303A}" type="CELLRANGE">
                       <a:rPr lang="en-US"/>
                       <a:pPr/>
                       <a:t>[CELLRANGE]</a:t>
@@ -29984,7 +29984,7 @@
                   <a:bodyPr/>
                   <a:lstStyle/>
                   <a:p>
-                    <a:fld id="{78362FD9-674B-4CF1-8CE2-329A0ADCD255}" type="CELLRANGE">
+                    <a:fld id="{BF52DE0E-FB46-4F41-BA06-1B8000EAE6B8}" type="CELLRANGE">
                       <a:rPr lang="en-US"/>
                       <a:pPr/>
                       <a:t>[CELLRANGE]</a:t>
@@ -30018,7 +30018,7 @@
                   <a:bodyPr/>
                   <a:lstStyle/>
                   <a:p>
-                    <a:fld id="{32412C60-59A0-4A35-87BC-20E95977E4B8}" type="CELLRANGE">
+                    <a:fld id="{FE50F32D-DC47-4278-85F9-771A455F4187}" type="CELLRANGE">
                       <a:rPr lang="en-US"/>
                       <a:pPr/>
                       <a:t>[CELLRANGE]</a:t>
@@ -30052,7 +30052,7 @@
                   <a:bodyPr/>
                   <a:lstStyle/>
                   <a:p>
-                    <a:fld id="{573AF9EC-B465-453C-9824-FA11F08C336A}" type="CELLRANGE">
+                    <a:fld id="{FA5749B3-6AA8-4249-A080-35CA7E97E731}" type="CELLRANGE">
                       <a:rPr lang="en-US"/>
                       <a:pPr/>
                       <a:t>[CELLRANGE]</a:t>
@@ -30086,7 +30086,7 @@
                   <a:bodyPr/>
                   <a:lstStyle/>
                   <a:p>
-                    <a:fld id="{17373B7B-3F1B-458A-9D26-69A7F292350E}" type="CELLRANGE">
+                    <a:fld id="{8BACA536-5964-490F-8846-E5BC633452DD}" type="CELLRANGE">
                       <a:rPr lang="en-US"/>
                       <a:pPr/>
                       <a:t>[CELLRANGE]</a:t>
@@ -30120,7 +30120,7 @@
                   <a:bodyPr/>
                   <a:lstStyle/>
                   <a:p>
-                    <a:fld id="{563095C6-FE4E-450C-88A8-0522F386BAC5}" type="CELLRANGE">
+                    <a:fld id="{A122EB10-6CF9-4A89-AE66-2EE722090D2F}" type="CELLRANGE">
                       <a:rPr lang="en-US"/>
                       <a:pPr/>
                       <a:t>[CELLRANGE]</a:t>
@@ -30154,7 +30154,7 @@
                   <a:bodyPr/>
                   <a:lstStyle/>
                   <a:p>
-                    <a:fld id="{CC2414B8-7FBA-4589-8F6B-3A4B14EC08DF}" type="CELLRANGE">
+                    <a:fld id="{57C625E3-6035-479B-BD3F-1A6BAF47664D}" type="CELLRANGE">
                       <a:rPr lang="en-US"/>
                       <a:pPr/>
                       <a:t>[CELLRANGE]</a:t>
@@ -30188,7 +30188,7 @@
                   <a:bodyPr/>
                   <a:lstStyle/>
                   <a:p>
-                    <a:fld id="{4C42B5A2-B9E4-4272-A220-C2ABEAC36FB4}" type="CELLRANGE">
+                    <a:fld id="{369A40AE-C304-42E6-8CB0-CDD546A1914A}" type="CELLRANGE">
                       <a:rPr lang="en-US"/>
                       <a:pPr/>
                       <a:t>[CELLRANGE]</a:t>
@@ -30222,7 +30222,7 @@
                   <a:bodyPr/>
                   <a:lstStyle/>
                   <a:p>
-                    <a:fld id="{C19A2AFD-54A7-4173-A131-0E8824D0E326}" type="CELLRANGE">
+                    <a:fld id="{77002179-4363-4C11-A16D-D3DDC4D6DF1B}" type="CELLRANGE">
                       <a:rPr lang="en-US"/>
                       <a:pPr/>
                       <a:t>[CELLRANGE]</a:t>
@@ -30256,7 +30256,7 @@
                   <a:bodyPr/>
                   <a:lstStyle/>
                   <a:p>
-                    <a:fld id="{948974A1-1E2F-453C-9B84-EDA59A1BD633}" type="CELLRANGE">
+                    <a:fld id="{39D5078F-A3DF-4A1C-8C1D-677463510F5B}" type="CELLRANGE">
                       <a:rPr lang="en-US"/>
                       <a:pPr/>
                       <a:t>[CELLRANGE]</a:t>
@@ -30290,7 +30290,7 @@
                   <a:bodyPr/>
                   <a:lstStyle/>
                   <a:p>
-                    <a:fld id="{9C48344D-CD54-4E47-9ABF-2B06FDDC4E78}" type="CELLRANGE">
+                    <a:fld id="{AAFB7825-9005-42F7-A639-A52A0407CFC0}" type="CELLRANGE">
                       <a:rPr lang="en-US"/>
                       <a:pPr/>
                       <a:t>[CELLRANGE]</a:t>
@@ -30324,7 +30324,7 @@
                   <a:bodyPr/>
                   <a:lstStyle/>
                   <a:p>
-                    <a:fld id="{98745AE7-1901-4A4A-BA86-F963C127D7A4}" type="CELLRANGE">
+                    <a:fld id="{756C969A-8AF2-4278-A064-EE68E9660B1C}" type="CELLRANGE">
                       <a:rPr lang="en-US"/>
                       <a:pPr/>
                       <a:t>[CELLRANGE]</a:t>
@@ -30358,7 +30358,7 @@
                   <a:bodyPr/>
                   <a:lstStyle/>
                   <a:p>
-                    <a:fld id="{C1B372FE-864E-464F-B041-EDB7B184D27D}" type="CELLRANGE">
+                    <a:fld id="{6FAEF587-B850-4078-B86B-3587BF38A030}" type="CELLRANGE">
                       <a:rPr lang="en-US"/>
                       <a:pPr/>
                       <a:t>[CELLRANGE]</a:t>
@@ -30392,7 +30392,7 @@
                   <a:bodyPr/>
                   <a:lstStyle/>
                   <a:p>
-                    <a:fld id="{20E5E0D6-EA5E-46DA-8E88-173E4AEDD56F}" type="CELLRANGE">
+                    <a:fld id="{57B89A14-C8E9-4DCD-A0E5-34CD29B7986F}" type="CELLRANGE">
                       <a:rPr lang="en-US"/>
                       <a:pPr/>
                       <a:t>[CELLRANGE]</a:t>
@@ -30426,7 +30426,7 @@
                   <a:bodyPr/>
                   <a:lstStyle/>
                   <a:p>
-                    <a:fld id="{269105A0-8170-4B5A-BA78-32044E6BBEAF}" type="CELLRANGE">
+                    <a:fld id="{3782A7C1-F211-40B4-9AB8-F0B0EC5888F5}" type="CELLRANGE">
                       <a:rPr lang="en-US"/>
                       <a:pPr/>
                       <a:t>[CELLRANGE]</a:t>
@@ -30460,7 +30460,7 @@
                   <a:bodyPr/>
                   <a:lstStyle/>
                   <a:p>
-                    <a:fld id="{ACFC87C3-9204-41AE-9A3D-314222872EF6}" type="CELLRANGE">
+                    <a:fld id="{2B24B1D0-4674-4427-9B88-E431180CFF1F}" type="CELLRANGE">
                       <a:rPr lang="en-US"/>
                       <a:pPr/>
                       <a:t>[CELLRANGE]</a:t>
@@ -30494,7 +30494,7 @@
                   <a:bodyPr/>
                   <a:lstStyle/>
                   <a:p>
-                    <a:fld id="{6FC49183-D108-426E-9AE6-F625B6F4397F}" type="CELLRANGE">
+                    <a:fld id="{94BB4AFC-847E-4FFC-BAFF-312CC60C023B}" type="CELLRANGE">
                       <a:rPr lang="en-US"/>
                       <a:pPr/>
                       <a:t>[CELLRANGE]</a:t>
@@ -30528,7 +30528,7 @@
                   <a:bodyPr/>
                   <a:lstStyle/>
                   <a:p>
-                    <a:fld id="{3A1974BD-9C45-4D3A-A1E9-84F3336A1827}" type="CELLRANGE">
+                    <a:fld id="{48770801-046A-4C39-B438-01DBC3143528}" type="CELLRANGE">
                       <a:rPr lang="en-US"/>
                       <a:pPr/>
                       <a:t>[CELLRANGE]</a:t>
@@ -30562,7 +30562,7 @@
                   <a:bodyPr/>
                   <a:lstStyle/>
                   <a:p>
-                    <a:fld id="{DAC70504-6902-4F33-B86B-0F4F5766E970}" type="CELLRANGE">
+                    <a:fld id="{47310898-F7A3-40AA-AD99-69C25D8DF500}" type="CELLRANGE">
                       <a:rPr lang="en-US"/>
                       <a:pPr/>
                       <a:t>[CELLRANGE]</a:t>
@@ -30596,7 +30596,7 @@
                   <a:bodyPr/>
                   <a:lstStyle/>
                   <a:p>
-                    <a:fld id="{F6610FBE-982C-490A-A8B9-17D2F85C50B2}" type="CELLRANGE">
+                    <a:fld id="{5EFCE2D8-231E-4786-AC4D-214F68F84AF2}" type="CELLRANGE">
                       <a:rPr lang="en-US"/>
                       <a:pPr/>
                       <a:t>[CELLRANGE]</a:t>
@@ -30630,7 +30630,7 @@
                   <a:bodyPr/>
                   <a:lstStyle/>
                   <a:p>
-                    <a:fld id="{6877EE15-73F3-44A8-A2DA-DD162C7777EC}" type="CELLRANGE">
+                    <a:fld id="{8A474BB8-4C9D-4532-A569-47BCB83DC6AD}" type="CELLRANGE">
                       <a:rPr lang="en-US"/>
                       <a:pPr/>
                       <a:t>[CELLRANGE]</a:t>
@@ -30664,7 +30664,7 @@
                   <a:bodyPr/>
                   <a:lstStyle/>
                   <a:p>
-                    <a:fld id="{194F3201-4491-4D2F-9CF5-E653B99B8BF2}" type="CELLRANGE">
+                    <a:fld id="{14F07C3B-91AA-44F4-ABD6-3FAA58D3571D}" type="CELLRANGE">
                       <a:rPr lang="en-US"/>
                       <a:pPr/>
                       <a:t>[CELLRANGE]</a:t>
@@ -30698,7 +30698,7 @@
                   <a:bodyPr/>
                   <a:lstStyle/>
                   <a:p>
-                    <a:fld id="{AD1B7037-8693-45CE-AEFF-B4559150C00C}" type="CELLRANGE">
+                    <a:fld id="{599299DC-854B-4A3D-8942-726DD12EB758}" type="CELLRANGE">
                       <a:rPr lang="en-US"/>
                       <a:pPr/>
                       <a:t>[CELLRANGE]</a:t>
@@ -30732,7 +30732,7 @@
                   <a:bodyPr/>
                   <a:lstStyle/>
                   <a:p>
-                    <a:fld id="{86586F9C-0059-45D5-8E82-622A423AC223}" type="CELLRANGE">
+                    <a:fld id="{8796CC20-CCA8-4C8D-A47E-62E885701585}" type="CELLRANGE">
                       <a:rPr lang="en-US"/>
                       <a:pPr/>
                       <a:t>[CELLRANGE]</a:t>
@@ -30766,7 +30766,7 @@
                   <a:bodyPr/>
                   <a:lstStyle/>
                   <a:p>
-                    <a:fld id="{89E04537-C647-4683-AFE8-FE113534C28F}" type="CELLRANGE">
+                    <a:fld id="{C58B7FFD-E305-4461-82E7-D0E5AD574076}" type="CELLRANGE">
                       <a:rPr lang="en-US"/>
                       <a:pPr/>
                       <a:t>[CELLRANGE]</a:t>
@@ -30800,7 +30800,7 @@
                   <a:bodyPr/>
                   <a:lstStyle/>
                   <a:p>
-                    <a:fld id="{97B8924F-E461-49D0-9558-6A90BAA441FA}" type="CELLRANGE">
+                    <a:fld id="{A7C26E13-2EFA-4EB7-8579-0C82A08E0635}" type="CELLRANGE">
                       <a:rPr lang="en-US"/>
                       <a:pPr/>
                       <a:t>[CELLRANGE]</a:t>
@@ -30834,7 +30834,7 @@
                   <a:bodyPr/>
                   <a:lstStyle/>
                   <a:p>
-                    <a:fld id="{1DD65383-4110-4D84-9DAC-3511693762D3}" type="CELLRANGE">
+                    <a:fld id="{18E69CEC-89D3-46DA-B98E-BFA77DAF6E86}" type="CELLRANGE">
                       <a:rPr lang="en-US"/>
                       <a:pPr/>
                       <a:t>[CELLRANGE]</a:t>
@@ -30868,7 +30868,7 @@
                   <a:bodyPr/>
                   <a:lstStyle/>
                   <a:p>
-                    <a:fld id="{4B8156B4-1742-4FEA-8E0B-66670F227C76}" type="CELLRANGE">
+                    <a:fld id="{D95BAF53-4309-41AA-B606-11989A158983}" type="CELLRANGE">
                       <a:rPr lang="en-US"/>
                       <a:pPr/>
                       <a:t>[CELLRANGE]</a:t>
@@ -30902,7 +30902,7 @@
                   <a:bodyPr/>
                   <a:lstStyle/>
                   <a:p>
-                    <a:fld id="{4A660D78-B334-45B5-9239-3E5B777BC128}" type="CELLRANGE">
+                    <a:fld id="{4CDAF762-4F7E-4F8F-BAC3-4F8BA8A2ED3D}" type="CELLRANGE">
                       <a:rPr lang="en-US"/>
                       <a:pPr/>
                       <a:t>[CELLRANGE]</a:t>
@@ -30936,7 +30936,7 @@
                   <a:bodyPr/>
                   <a:lstStyle/>
                   <a:p>
-                    <a:fld id="{9E1B3D98-4DCF-4111-BACC-8CB5E0C18848}" type="CELLRANGE">
+                    <a:fld id="{FAD23887-3C6F-4246-8DB8-473CE2585BFE}" type="CELLRANGE">
                       <a:rPr lang="en-US"/>
                       <a:pPr/>
                       <a:t>[CELLRANGE]</a:t>
@@ -30970,7 +30970,7 @@
                   <a:bodyPr/>
                   <a:lstStyle/>
                   <a:p>
-                    <a:fld id="{1D86578A-E5BC-4453-9C90-5D57E3D00191}" type="CELLRANGE">
+                    <a:fld id="{709351DB-C299-43D2-A844-14DB3F3168EB}" type="CELLRANGE">
                       <a:rPr lang="en-US"/>
                       <a:pPr/>
                       <a:t>[CELLRANGE]</a:t>
@@ -31004,7 +31004,7 @@
                   <a:bodyPr/>
                   <a:lstStyle/>
                   <a:p>
-                    <a:fld id="{AB610680-0D19-40F5-B581-437F23E502E5}" type="CELLRANGE">
+                    <a:fld id="{AF1154E7-E263-4069-8C26-5AFE3961C9AD}" type="CELLRANGE">
                       <a:rPr lang="en-US"/>
                       <a:pPr/>
                       <a:t>[CELLRANGE]</a:t>
@@ -31038,7 +31038,7 @@
                   <a:bodyPr/>
                   <a:lstStyle/>
                   <a:p>
-                    <a:fld id="{42E48C9F-C598-4348-A174-3086627C87D0}" type="CELLRANGE">
+                    <a:fld id="{F7026ED5-D101-4EEC-A066-BCA026BC3F0F}" type="CELLRANGE">
                       <a:rPr lang="en-US"/>
                       <a:pPr/>
                       <a:t>[CELLRANGE]</a:t>
@@ -31072,7 +31072,7 @@
                   <a:bodyPr/>
                   <a:lstStyle/>
                   <a:p>
-                    <a:fld id="{432905A7-3A8B-4530-B3A0-F2C42E9117C2}" type="CELLRANGE">
+                    <a:fld id="{CA3B69AC-95FB-4704-A5ED-CA15791D9B99}" type="CELLRANGE">
                       <a:rPr lang="en-US"/>
                       <a:pPr/>
                       <a:t>[CELLRANGE]</a:t>
@@ -31106,7 +31106,7 @@
                   <a:bodyPr/>
                   <a:lstStyle/>
                   <a:p>
-                    <a:fld id="{2CE5B650-689E-444A-886C-4327A7E05764}" type="CELLRANGE">
+                    <a:fld id="{7CAC48BC-F88D-4534-AE08-67E82F9EC65E}" type="CELLRANGE">
                       <a:rPr lang="en-US"/>
                       <a:pPr/>
                       <a:t>[CELLRANGE]</a:t>
@@ -31140,7 +31140,7 @@
                   <a:bodyPr/>
                   <a:lstStyle/>
                   <a:p>
-                    <a:fld id="{C5D88E4D-754D-4BBD-BC6E-675CABCB9A2A}" type="CELLRANGE">
+                    <a:fld id="{80A0125F-F5CD-44C9-9B78-2B585729327E}" type="CELLRANGE">
                       <a:rPr lang="en-US"/>
                       <a:pPr/>
                       <a:t>[CELLRANGE]</a:t>
@@ -31174,7 +31174,7 @@
                   <a:bodyPr/>
                   <a:lstStyle/>
                   <a:p>
-                    <a:fld id="{D68614F1-9235-4411-B200-490E1384F1E9}" type="CELLRANGE">
+                    <a:fld id="{695CFC3B-A103-4224-BA69-56DE9CA00730}" type="CELLRANGE">
                       <a:rPr lang="en-US"/>
                       <a:pPr/>
                       <a:t>[CELLRANGE]</a:t>
@@ -31208,7 +31208,7 @@
                   <a:bodyPr/>
                   <a:lstStyle/>
                   <a:p>
-                    <a:fld id="{5ED2A519-B345-4214-8790-4BDC858402F9}" type="CELLRANGE">
+                    <a:fld id="{F3156A84-60CB-45BE-9FF0-2438B9C3C2C5}" type="CELLRANGE">
                       <a:rPr lang="en-US"/>
                       <a:pPr/>
                       <a:t>[CELLRANGE]</a:t>
@@ -31242,7 +31242,7 @@
                   <a:bodyPr/>
                   <a:lstStyle/>
                   <a:p>
-                    <a:fld id="{559C87DC-6807-409F-A578-34C9775DC538}" type="CELLRANGE">
+                    <a:fld id="{B18A3727-431C-4EC1-827D-088E31B5BFD3}" type="CELLRANGE">
                       <a:rPr lang="en-US"/>
                       <a:pPr/>
                       <a:t>[CELLRANGE]</a:t>
@@ -31276,7 +31276,7 @@
                   <a:bodyPr/>
                   <a:lstStyle/>
                   <a:p>
-                    <a:fld id="{08C93ACC-C5CB-4E6B-817A-D6EAE7BB97CC}" type="CELLRANGE">
+                    <a:fld id="{D1E2834E-D7CB-4D59-B508-76E629B7DB0B}" type="CELLRANGE">
                       <a:rPr lang="en-US"/>
                       <a:pPr/>
                       <a:t>[CELLRANGE]</a:t>
@@ -31310,7 +31310,7 @@
                   <a:bodyPr/>
                   <a:lstStyle/>
                   <a:p>
-                    <a:fld id="{ED0E2068-5C4A-4AB2-8A77-2AD929484E6A}" type="CELLRANGE">
+                    <a:fld id="{D2D1FF0B-B35B-41F2-8343-7E1EDBB72A03}" type="CELLRANGE">
                       <a:rPr lang="en-US"/>
                       <a:pPr/>
                       <a:t>[CELLRANGE]</a:t>
@@ -31344,7 +31344,7 @@
                   <a:bodyPr/>
                   <a:lstStyle/>
                   <a:p>
-                    <a:fld id="{94BB741D-F640-455D-A7C5-2F7CE51EB04C}" type="CELLRANGE">
+                    <a:fld id="{F79C907B-94E6-47DC-BEE9-F8529D38EF40}" type="CELLRANGE">
                       <a:rPr lang="en-US"/>
                       <a:pPr/>
                       <a:t>[CELLRANGE]</a:t>
@@ -31378,7 +31378,7 @@
                   <a:bodyPr/>
                   <a:lstStyle/>
                   <a:p>
-                    <a:fld id="{5CE79AAF-480D-43C1-BC0F-655E0F2429F4}" type="CELLRANGE">
+                    <a:fld id="{62933D18-7787-4244-B0FC-A463D25A2B53}" type="CELLRANGE">
                       <a:rPr lang="en-US"/>
                       <a:pPr/>
                       <a:t>[CELLRANGE]</a:t>
@@ -31412,7 +31412,7 @@
                   <a:bodyPr/>
                   <a:lstStyle/>
                   <a:p>
-                    <a:fld id="{F5BF24C3-11E6-4D0F-BF3A-6427C7C7A51E}" type="CELLRANGE">
+                    <a:fld id="{A190CA81-D9D1-4703-8EE1-EDCBBADB8F63}" type="CELLRANGE">
                       <a:rPr lang="en-US"/>
                       <a:pPr/>
                       <a:t>[CELLRANGE]</a:t>
@@ -31446,7 +31446,7 @@
                   <a:bodyPr/>
                   <a:lstStyle/>
                   <a:p>
-                    <a:fld id="{63916450-E3BC-4054-9467-91D6B850B1E6}" type="CELLRANGE">
+                    <a:fld id="{98D923D1-9B01-4277-B74B-95D7FBFB5F2A}" type="CELLRANGE">
                       <a:rPr lang="en-US"/>
                       <a:pPr/>
                       <a:t>[CELLRANGE]</a:t>
@@ -31480,7 +31480,7 @@
                   <a:bodyPr/>
                   <a:lstStyle/>
                   <a:p>
-                    <a:fld id="{2F53B039-F2D4-4A81-983F-455B5F79281D}" type="CELLRANGE">
+                    <a:fld id="{C9B1E3F0-C5C0-4661-A6F8-1CE8003D3777}" type="CELLRANGE">
                       <a:rPr lang="en-US"/>
                       <a:pPr/>
                       <a:t>[CELLRANGE]</a:t>
@@ -31514,7 +31514,7 @@
                   <a:bodyPr/>
                   <a:lstStyle/>
                   <a:p>
-                    <a:fld id="{0733B7E9-7758-48D2-90A7-993961BB0FB5}" type="CELLRANGE">
+                    <a:fld id="{1C117A12-3847-47A5-9052-1EB3095B07F0}" type="CELLRANGE">
                       <a:rPr lang="en-US"/>
                       <a:pPr/>
                       <a:t>[CELLRANGE]</a:t>
@@ -31548,7 +31548,7 @@
                   <a:bodyPr/>
                   <a:lstStyle/>
                   <a:p>
-                    <a:fld id="{1C14E171-36C9-40A1-ADA9-1DB0795CD5BE}" type="CELLRANGE">
+                    <a:fld id="{E1BA09EF-CC83-402F-B519-8FD2B8A9B3F7}" type="CELLRANGE">
                       <a:rPr lang="en-US"/>
                       <a:pPr/>
                       <a:t>[CELLRANGE]</a:t>
@@ -31582,7 +31582,7 @@
                   <a:bodyPr/>
                   <a:lstStyle/>
                   <a:p>
-                    <a:fld id="{4E7A5206-EA47-4814-8C53-DF59D8611957}" type="CELLRANGE">
+                    <a:fld id="{BDCC3D6E-2C5B-459B-BF96-F4581185A36A}" type="CELLRANGE">
                       <a:rPr lang="en-US"/>
                       <a:pPr/>
                       <a:t>[CELLRANGE]</a:t>
@@ -31616,7 +31616,7 @@
                   <a:bodyPr/>
                   <a:lstStyle/>
                   <a:p>
-                    <a:fld id="{22B77583-74AE-4A7B-9BE2-850B16C94117}" type="CELLRANGE">
+                    <a:fld id="{5F2E6DF0-841B-4ECC-839B-28BA95133B3E}" type="CELLRANGE">
                       <a:rPr lang="en-US"/>
                       <a:pPr/>
                       <a:t>[CELLRANGE]</a:t>
@@ -31650,7 +31650,7 @@
                   <a:bodyPr/>
                   <a:lstStyle/>
                   <a:p>
-                    <a:fld id="{A9C1DE1B-E17F-4C93-A719-D8FCA88032DF}" type="CELLRANGE">
+                    <a:fld id="{B31F13D8-6AC9-4CD3-9DE9-9369A1BB4DBD}" type="CELLRANGE">
                       <a:rPr lang="en-US"/>
                       <a:pPr/>
                       <a:t>[CELLRANGE]</a:t>
@@ -31684,7 +31684,7 @@
                   <a:bodyPr/>
                   <a:lstStyle/>
                   <a:p>
-                    <a:fld id="{20BC069F-A250-451E-AF28-0C00B00D2D61}" type="CELLRANGE">
+                    <a:fld id="{1A8447E7-DBA4-40A9-9745-CB71C30FA199}" type="CELLRANGE">
                       <a:rPr lang="en-US"/>
                       <a:pPr/>
                       <a:t>[CELLRANGE]</a:t>
@@ -31718,7 +31718,7 @@
                   <a:bodyPr/>
                   <a:lstStyle/>
                   <a:p>
-                    <a:fld id="{C1A08067-48B2-46B7-B612-FAD11995DC4B}" type="CELLRANGE">
+                    <a:fld id="{94736841-C487-4BE6-8EE9-A1B55DF5C5BF}" type="CELLRANGE">
                       <a:rPr lang="en-US"/>
                       <a:pPr/>
                       <a:t>[CELLRANGE]</a:t>
@@ -31752,7 +31752,7 @@
                   <a:bodyPr/>
                   <a:lstStyle/>
                   <a:p>
-                    <a:fld id="{E7682D23-3429-4C80-B1ED-3AB4D9C9922C}" type="CELLRANGE">
+                    <a:fld id="{DCE5A229-16C6-459E-822C-E04C38039B5E}" type="CELLRANGE">
                       <a:rPr lang="en-US"/>
                       <a:pPr/>
                       <a:t>[CELLRANGE]</a:t>
@@ -31786,7 +31786,7 @@
                   <a:bodyPr/>
                   <a:lstStyle/>
                   <a:p>
-                    <a:fld id="{D5AE78B1-625B-4B0C-B6DB-3DD8D32CECF8}" type="CELLRANGE">
+                    <a:fld id="{BB378D91-8235-4E60-BBB2-C1845A1EAC2E}" type="CELLRANGE">
                       <a:rPr lang="en-US"/>
                       <a:pPr/>
                       <a:t>[CELLRANGE]</a:t>
@@ -31820,7 +31820,7 @@
                   <a:bodyPr/>
                   <a:lstStyle/>
                   <a:p>
-                    <a:fld id="{58F4C8A7-41FB-446B-8CB2-D4417C3F0131}" type="CELLRANGE">
+                    <a:fld id="{AA120EA1-77D0-45FD-B9FB-CB2BB87BB6FD}" type="CELLRANGE">
                       <a:rPr lang="en-US"/>
                       <a:pPr/>
                       <a:t>[CELLRANGE]</a:t>
@@ -31854,7 +31854,7 @@
                   <a:bodyPr/>
                   <a:lstStyle/>
                   <a:p>
-                    <a:fld id="{04B46436-0829-4199-A6B0-3DA8A7CE768C}" type="CELLRANGE">
+                    <a:fld id="{C0027EE6-C372-4CFC-8C61-07E6F076D834}" type="CELLRANGE">
                       <a:rPr lang="en-US"/>
                       <a:pPr/>
                       <a:t>[CELLRANGE]</a:t>
@@ -31888,7 +31888,7 @@
                   <a:bodyPr/>
                   <a:lstStyle/>
                   <a:p>
-                    <a:fld id="{F4C68D05-6219-4DCE-9228-EB394AF7384F}" type="CELLRANGE">
+                    <a:fld id="{15F0309F-9D0F-43CB-8003-14CD0B0C67D5}" type="CELLRANGE">
                       <a:rPr lang="en-US"/>
                       <a:pPr/>
                       <a:t>[CELLRANGE]</a:t>
@@ -31922,7 +31922,7 @@
                   <a:bodyPr/>
                   <a:lstStyle/>
                   <a:p>
-                    <a:fld id="{BCECD512-1E3A-47FD-945D-03ECAD3B1C2F}" type="CELLRANGE">
+                    <a:fld id="{96F2A4D3-1797-41E5-90D5-DFF281F353B1}" type="CELLRANGE">
                       <a:rPr lang="en-US"/>
                       <a:pPr/>
                       <a:t>[CELLRANGE]</a:t>
@@ -31956,7 +31956,7 @@
                   <a:bodyPr/>
                   <a:lstStyle/>
                   <a:p>
-                    <a:fld id="{54C67765-FE72-4772-8FD8-ED986F81C192}" type="CELLRANGE">
+                    <a:fld id="{46D7F68F-BD8C-4D57-8F14-FB8C8DC5F95A}" type="CELLRANGE">
                       <a:rPr lang="en-US"/>
                       <a:pPr/>
                       <a:t>[CELLRANGE]</a:t>
@@ -31990,7 +31990,7 @@
                   <a:bodyPr/>
                   <a:lstStyle/>
                   <a:p>
-                    <a:fld id="{8A8073DE-9595-4676-9CBC-A50205DA34D4}" type="CELLRANGE">
+                    <a:fld id="{93579A80-CFA4-41B9-9D19-5226B232D091}" type="CELLRANGE">
                       <a:rPr lang="en-US"/>
                       <a:pPr/>
                       <a:t>[CELLRANGE]</a:t>
@@ -32024,7 +32024,7 @@
                   <a:bodyPr/>
                   <a:lstStyle/>
                   <a:p>
-                    <a:fld id="{9FD4F55D-8994-4585-8232-A14321760EB8}" type="CELLRANGE">
+                    <a:fld id="{93929BC4-322D-489A-95A2-CEA847898FCA}" type="CELLRANGE">
                       <a:rPr lang="en-US"/>
                       <a:pPr/>
                       <a:t>[CELLRANGE]</a:t>
@@ -32058,7 +32058,7 @@
                   <a:bodyPr/>
                   <a:lstStyle/>
                   <a:p>
-                    <a:fld id="{746E469A-C084-4121-A6C4-5B8E309EEDE7}" type="CELLRANGE">
+                    <a:fld id="{9EA06C32-A172-4DEA-94C1-1B66D57B4354}" type="CELLRANGE">
                       <a:rPr lang="en-US"/>
                       <a:pPr/>
                       <a:t>[CELLRANGE]</a:t>
@@ -32092,7 +32092,7 @@
                   <a:bodyPr/>
                   <a:lstStyle/>
                   <a:p>
-                    <a:fld id="{07053C0A-8C53-414B-835A-413ACCFCFBBD}" type="CELLRANGE">
+                    <a:fld id="{F8CF5675-2DED-45CC-911E-4C5D48DB2883}" type="CELLRANGE">
                       <a:rPr lang="en-US"/>
                       <a:pPr/>
                       <a:t>[CELLRANGE]</a:t>
@@ -32126,7 +32126,7 @@
                   <a:bodyPr/>
                   <a:lstStyle/>
                   <a:p>
-                    <a:fld id="{D95A8939-017C-4CE8-8256-29176724F4D8}" type="CELLRANGE">
+                    <a:fld id="{B49AE3BE-558F-4BA3-A828-7EC077355B9C}" type="CELLRANGE">
                       <a:rPr lang="en-US"/>
                       <a:pPr/>
                       <a:t>[CELLRANGE]</a:t>
@@ -32160,7 +32160,7 @@
                   <a:bodyPr/>
                   <a:lstStyle/>
                   <a:p>
-                    <a:fld id="{5B4276B5-CB55-40A4-87F4-491D03270A93}" type="CELLRANGE">
+                    <a:fld id="{14E3314F-324B-4FD1-B283-71802424C4A5}" type="CELLRANGE">
                       <a:rPr lang="en-US"/>
                       <a:pPr/>
                       <a:t>[CELLRANGE]</a:t>
@@ -32194,7 +32194,7 @@
                   <a:bodyPr/>
                   <a:lstStyle/>
                   <a:p>
-                    <a:fld id="{1185F375-9A73-4F72-B8DF-6BCA9C7425F6}" type="CELLRANGE">
+                    <a:fld id="{56332D6B-251F-4AB2-88BC-E6C802EEB0BF}" type="CELLRANGE">
                       <a:rPr lang="en-US"/>
                       <a:pPr/>
                       <a:t>[CELLRANGE]</a:t>
@@ -32228,7 +32228,7 @@
                   <a:bodyPr/>
                   <a:lstStyle/>
                   <a:p>
-                    <a:fld id="{AB74D4C6-5AC4-4C56-837A-C33B08ECF05C}" type="CELLRANGE">
+                    <a:fld id="{67B87249-98F8-42D6-8450-315468336B67}" type="CELLRANGE">
                       <a:rPr lang="en-US"/>
                       <a:pPr/>
                       <a:t>[CELLRANGE]</a:t>
@@ -32262,7 +32262,7 @@
                   <a:bodyPr/>
                   <a:lstStyle/>
                   <a:p>
-                    <a:fld id="{C9CC11D0-9C5B-492C-991F-AC560147D48A}" type="CELLRANGE">
+                    <a:fld id="{A87DA0CC-0EFC-4BBC-A7A0-2BEA3B3BAE3F}" type="CELLRANGE">
                       <a:rPr lang="en-US"/>
                       <a:pPr/>
                       <a:t>[CELLRANGE]</a:t>
@@ -32296,7 +32296,7 @@
                   <a:bodyPr/>
                   <a:lstStyle/>
                   <a:p>
-                    <a:fld id="{601E9E74-9553-453F-AACF-2FF4286806E6}" type="CELLRANGE">
+                    <a:fld id="{41C90D67-07F8-4379-89F9-578A656E5198}" type="CELLRANGE">
                       <a:rPr lang="en-US"/>
                       <a:pPr/>
                       <a:t>[CELLRANGE]</a:t>
@@ -32330,7 +32330,7 @@
                   <a:bodyPr/>
                   <a:lstStyle/>
                   <a:p>
-                    <a:fld id="{D93ADA96-05CF-4397-BE91-DDF6F25D8B2F}" type="CELLRANGE">
+                    <a:fld id="{DF88CD35-9441-4C62-B9A1-E1671A65FBEB}" type="CELLRANGE">
                       <a:rPr lang="en-US"/>
                       <a:pPr/>
                       <a:t>[CELLRANGE]</a:t>
@@ -32364,7 +32364,7 @@
                   <a:bodyPr/>
                   <a:lstStyle/>
                   <a:p>
-                    <a:fld id="{23AB6A52-A17A-495C-A042-705E3B4A43D8}" type="CELLRANGE">
+                    <a:fld id="{7EC1B985-3BD1-4073-9933-BEFB6DDC0158}" type="CELLRANGE">
                       <a:rPr lang="en-US"/>
                       <a:pPr/>
                       <a:t>[CELLRANGE]</a:t>
@@ -32398,7 +32398,7 @@
                   <a:bodyPr/>
                   <a:lstStyle/>
                   <a:p>
-                    <a:fld id="{4C2EBB5C-2A2A-4560-8C5F-420CE850E906}" type="CELLRANGE">
+                    <a:fld id="{733E506D-28BB-4DD5-B169-6E9F1CB4BF9D}" type="CELLRANGE">
                       <a:rPr lang="en-US"/>
                       <a:pPr/>
                       <a:t>[CELLRANGE]</a:t>
@@ -32432,7 +32432,7 @@
                   <a:bodyPr/>
                   <a:lstStyle/>
                   <a:p>
-                    <a:fld id="{93C6AC15-683E-4ED6-AD26-3898275C7864}" type="CELLRANGE">
+                    <a:fld id="{783A7A9B-5D7E-4506-8866-CF0906014E72}" type="CELLRANGE">
                       <a:rPr lang="en-US"/>
                       <a:pPr/>
                       <a:t>[CELLRANGE]</a:t>
@@ -32466,7 +32466,7 @@
                   <a:bodyPr/>
                   <a:lstStyle/>
                   <a:p>
-                    <a:fld id="{79BF3B95-404F-4608-8585-478D27EFDEE7}" type="CELLRANGE">
+                    <a:fld id="{CB8C3B5D-B2F0-462B-9B7E-1ACF13F6BEE2}" type="CELLRANGE">
                       <a:rPr lang="en-US"/>
                       <a:pPr/>
                       <a:t>[CELLRANGE]</a:t>
@@ -32500,7 +32500,7 @@
                   <a:bodyPr/>
                   <a:lstStyle/>
                   <a:p>
-                    <a:fld id="{1D749355-A31D-45AA-833C-7D0E71268D0E}" type="CELLRANGE">
+                    <a:fld id="{E7B70474-ABA4-4E42-9A7C-E9EAB3C96E7B}" type="CELLRANGE">
                       <a:rPr lang="en-US"/>
                       <a:pPr/>
                       <a:t>[CELLRANGE]</a:t>
@@ -32534,7 +32534,7 @@
                   <a:bodyPr/>
                   <a:lstStyle/>
                   <a:p>
-                    <a:fld id="{9A6B936A-5C8D-45AA-A582-0AB55190C51E}" type="CELLRANGE">
+                    <a:fld id="{4BCF4745-B0C0-4C4B-BCF6-FABFD8714359}" type="CELLRANGE">
                       <a:rPr lang="en-US"/>
                       <a:pPr/>
                       <a:t>[CELLRANGE]</a:t>
@@ -32568,7 +32568,7 @@
                   <a:bodyPr/>
                   <a:lstStyle/>
                   <a:p>
-                    <a:fld id="{A3F126F6-FB9C-488F-B675-3A82871C4DCC}" type="CELLRANGE">
+                    <a:fld id="{1F4E8CE9-719E-4689-80D5-CC73D6357D6D}" type="CELLRANGE">
                       <a:rPr lang="en-US"/>
                       <a:pPr/>
                       <a:t>[CELLRANGE]</a:t>
@@ -32602,7 +32602,7 @@
                   <a:bodyPr/>
                   <a:lstStyle/>
                   <a:p>
-                    <a:fld id="{CE537097-161A-40EC-8D33-0E54D4EF725A}" type="CELLRANGE">
+                    <a:fld id="{3480BF08-407A-4533-831F-0121844BD1E5}" type="CELLRANGE">
                       <a:rPr lang="en-US"/>
                       <a:pPr/>
                       <a:t>[CELLRANGE]</a:t>
@@ -32636,7 +32636,7 @@
                   <a:bodyPr/>
                   <a:lstStyle/>
                   <a:p>
-                    <a:fld id="{D38CCA9A-CEBE-451A-83FA-2C7628145318}" type="CELLRANGE">
+                    <a:fld id="{1A7ED160-01D5-4F91-ACB1-90B71059D575}" type="CELLRANGE">
                       <a:rPr lang="en-US"/>
                       <a:pPr/>
                       <a:t>[CELLRANGE]</a:t>
@@ -32670,7 +32670,7 @@
                   <a:bodyPr/>
                   <a:lstStyle/>
                   <a:p>
-                    <a:fld id="{9E122359-BB00-476B-9B4A-D195A2DE5642}" type="CELLRANGE">
+                    <a:fld id="{74B34C54-C972-4EF8-AC1F-D23167B40757}" type="CELLRANGE">
                       <a:rPr lang="en-US"/>
                       <a:pPr/>
                       <a:t>[CELLRANGE]</a:t>
@@ -32704,7 +32704,7 @@
                   <a:bodyPr/>
                   <a:lstStyle/>
                   <a:p>
-                    <a:fld id="{FA6EABAA-6420-41D0-9AC6-FA33696C480F}" type="CELLRANGE">
+                    <a:fld id="{1B313856-26D3-4275-A525-F50E88764059}" type="CELLRANGE">
                       <a:rPr lang="en-US"/>
                       <a:pPr/>
                       <a:t>[CELLRANGE]</a:t>
@@ -32738,7 +32738,7 @@
                   <a:bodyPr/>
                   <a:lstStyle/>
                   <a:p>
-                    <a:fld id="{4B5A6911-B07D-4936-832F-4D741EDA459D}" type="CELLRANGE">
+                    <a:fld id="{3E672957-E59D-4209-9B1C-E1EFBB49E95C}" type="CELLRANGE">
                       <a:rPr lang="en-US"/>
                       <a:pPr/>
                       <a:t>[CELLRANGE]</a:t>
@@ -32772,7 +32772,7 @@
                   <a:bodyPr/>
                   <a:lstStyle/>
                   <a:p>
-                    <a:fld id="{CE3A8096-EA4B-497E-B129-101E4A17031E}" type="CELLRANGE">
+                    <a:fld id="{49C86D06-A6C5-4122-BF97-058A970819A0}" type="CELLRANGE">
                       <a:rPr lang="en-US"/>
                       <a:pPr/>
                       <a:t>[CELLRANGE]</a:t>
@@ -32806,7 +32806,7 @@
                   <a:bodyPr/>
                   <a:lstStyle/>
                   <a:p>
-                    <a:fld id="{A344C940-1D79-4FF2-BF08-9F6681BC15EF}" type="CELLRANGE">
+                    <a:fld id="{0BD198E4-8AB4-4FCF-B692-1817F8B2163D}" type="CELLRANGE">
                       <a:rPr lang="en-US"/>
                       <a:pPr/>
                       <a:t>[CELLRANGE]</a:t>
@@ -32840,7 +32840,7 @@
                   <a:bodyPr/>
                   <a:lstStyle/>
                   <a:p>
-                    <a:fld id="{64DE81CA-7257-43BB-8F72-9B419A913009}" type="CELLRANGE">
+                    <a:fld id="{77DE306D-7967-49B6-B0F2-49FD208DA752}" type="CELLRANGE">
                       <a:rPr lang="en-US"/>
                       <a:pPr/>
                       <a:t>[CELLRANGE]</a:t>
@@ -32874,7 +32874,7 @@
                   <a:bodyPr/>
                   <a:lstStyle/>
                   <a:p>
-                    <a:fld id="{8494D1F2-0778-41D5-A3EA-A8B8339B6470}" type="CELLRANGE">
+                    <a:fld id="{0D5F88D0-F5D4-4F52-9E46-A3DD9A73C62C}" type="CELLRANGE">
                       <a:rPr lang="en-US"/>
                       <a:pPr/>
                       <a:t>[CELLRANGE]</a:t>
@@ -32908,7 +32908,7 @@
                   <a:bodyPr/>
                   <a:lstStyle/>
                   <a:p>
-                    <a:fld id="{D388C257-A840-401D-A796-45744507C3CC}" type="CELLRANGE">
+                    <a:fld id="{7D296657-AFFE-45E4-8C50-4E23BCFBB7AA}" type="CELLRANGE">
                       <a:rPr lang="en-US"/>
                       <a:pPr/>
                       <a:t>[CELLRANGE]</a:t>
@@ -32942,7 +32942,7 @@
                   <a:bodyPr/>
                   <a:lstStyle/>
                   <a:p>
-                    <a:fld id="{64BBBD12-2F03-4B5C-972D-464E063DA5CC}" type="CELLRANGE">
+                    <a:fld id="{A2D3E029-F8F3-46CA-B2B2-6A8BB899D70B}" type="CELLRANGE">
                       <a:rPr lang="en-US"/>
                       <a:pPr/>
                       <a:t>[CELLRANGE]</a:t>
@@ -32976,7 +32976,7 @@
                   <a:bodyPr/>
                   <a:lstStyle/>
                   <a:p>
-                    <a:fld id="{0585CCEA-64D0-4629-927B-79D14C1C8902}" type="CELLRANGE">
+                    <a:fld id="{385FF03C-B3E1-4210-8865-DA55392209EA}" type="CELLRANGE">
                       <a:rPr lang="en-US"/>
                       <a:pPr/>
                       <a:t>[CELLRANGE]</a:t>
@@ -33010,7 +33010,7 @@
                   <a:bodyPr/>
                   <a:lstStyle/>
                   <a:p>
-                    <a:fld id="{E41655E9-CD2A-403A-BC13-74857560268D}" type="CELLRANGE">
+                    <a:fld id="{3FDA04ED-D39C-4C80-923B-0FDF4E22E751}" type="CELLRANGE">
                       <a:rPr lang="en-US"/>
                       <a:pPr/>
                       <a:t>[CELLRANGE]</a:t>
@@ -33044,7 +33044,7 @@
                   <a:bodyPr/>
                   <a:lstStyle/>
                   <a:p>
-                    <a:fld id="{92B4FD63-6F08-4183-8DA1-9A04CCA4DF52}" type="CELLRANGE">
+                    <a:fld id="{509E8539-645B-4F17-AC5B-DDE7945900C6}" type="CELLRANGE">
                       <a:rPr lang="en-US"/>
                       <a:pPr/>
                       <a:t>[CELLRANGE]</a:t>
@@ -33078,7 +33078,7 @@
                   <a:bodyPr/>
                   <a:lstStyle/>
                   <a:p>
-                    <a:fld id="{C8BC7A0F-C618-4398-8601-C98A0854850B}" type="CELLRANGE">
+                    <a:fld id="{053A0D7A-CC86-4143-B067-29B81E6E70D3}" type="CELLRANGE">
                       <a:rPr lang="en-US"/>
                       <a:pPr/>
                       <a:t>[CELLRANGE]</a:t>
@@ -33112,7 +33112,7 @@
                   <a:bodyPr/>
                   <a:lstStyle/>
                   <a:p>
-                    <a:fld id="{AE58CA14-FD3D-4F7C-9335-B12F890B2128}" type="CELLRANGE">
+                    <a:fld id="{783C9031-218E-40B4-87E3-54196C0AEC74}" type="CELLRANGE">
                       <a:rPr lang="en-US"/>
                       <a:pPr/>
                       <a:t>[CELLRANGE]</a:t>
@@ -33146,7 +33146,7 @@
                   <a:bodyPr/>
                   <a:lstStyle/>
                   <a:p>
-                    <a:fld id="{C4D20950-FD80-4013-B74D-CD39E4B40328}" type="CELLRANGE">
+                    <a:fld id="{A4D60A38-6666-453C-A3FA-FB8CD666DDBB}" type="CELLRANGE">
                       <a:rPr lang="en-US"/>
                       <a:pPr/>
                       <a:t>[CELLRANGE]</a:t>
@@ -33180,7 +33180,7 @@
                   <a:bodyPr/>
                   <a:lstStyle/>
                   <a:p>
-                    <a:fld id="{19D4A410-99B2-4D01-BA18-F3F4FF47D337}" type="CELLRANGE">
+                    <a:fld id="{8D26B8A7-C639-4BAD-87A2-7036D1E53332}" type="CELLRANGE">
                       <a:rPr lang="en-US"/>
                       <a:pPr/>
                       <a:t>[CELLRANGE]</a:t>
@@ -33214,7 +33214,7 @@
                   <a:bodyPr/>
                   <a:lstStyle/>
                   <a:p>
-                    <a:fld id="{4B165E98-DED2-4FC6-9281-330F6E4BFF7E}" type="CELLRANGE">
+                    <a:fld id="{021742CC-B044-4FF6-91CC-F211AF9BACBE}" type="CELLRANGE">
                       <a:rPr lang="en-US"/>
                       <a:pPr/>
                       <a:t>[CELLRANGE]</a:t>
@@ -33248,7 +33248,7 @@
                   <a:bodyPr/>
                   <a:lstStyle/>
                   <a:p>
-                    <a:fld id="{7F8CE7AA-7367-4A86-A5A9-2BD8BB0AC666}" type="CELLRANGE">
+                    <a:fld id="{D1EF522C-351D-4424-ACC3-E37609B68FDB}" type="CELLRANGE">
                       <a:rPr lang="en-US"/>
                       <a:pPr/>
                       <a:t>[CELLRANGE]</a:t>
@@ -33282,7 +33282,7 @@
                   <a:bodyPr/>
                   <a:lstStyle/>
                   <a:p>
-                    <a:fld id="{17215762-5007-4EE1-82FF-873C32BBA0DA}" type="CELLRANGE">
+                    <a:fld id="{D54D806F-FE7C-4E01-8034-6F54E8878E95}" type="CELLRANGE">
                       <a:rPr lang="en-US"/>
                       <a:pPr/>
                       <a:t>[CELLRANGE]</a:t>
@@ -33316,7 +33316,7 @@
                   <a:bodyPr/>
                   <a:lstStyle/>
                   <a:p>
-                    <a:fld id="{DE854951-04A7-4935-95EB-7856411814DA}" type="CELLRANGE">
+                    <a:fld id="{B38843B7-75E5-4CA5-B0E7-32EE62527ACC}" type="CELLRANGE">
                       <a:rPr lang="en-US"/>
                       <a:pPr/>
                       <a:t>[CELLRANGE]</a:t>
@@ -33350,7 +33350,7 @@
                   <a:bodyPr/>
                   <a:lstStyle/>
                   <a:p>
-                    <a:fld id="{D3F0B1BC-DE13-4DAE-AB2A-0960CD9A9E77}" type="CELLRANGE">
+                    <a:fld id="{83D82639-4944-4D62-9D66-9524EC2A8778}" type="CELLRANGE">
                       <a:rPr lang="en-US"/>
                       <a:pPr/>
                       <a:t>[CELLRANGE]</a:t>
@@ -33384,7 +33384,7 @@
                   <a:bodyPr/>
                   <a:lstStyle/>
                   <a:p>
-                    <a:fld id="{58436EC9-EA6A-45BE-9DF6-2CBC83FEDAD6}" type="CELLRANGE">
+                    <a:fld id="{EB7A8FCF-441F-47E7-BC72-62346E55AC1C}" type="CELLRANGE">
                       <a:rPr lang="en-US"/>
                       <a:pPr/>
                       <a:t>[CELLRANGE]</a:t>
@@ -33418,7 +33418,7 @@
                   <a:bodyPr/>
                   <a:lstStyle/>
                   <a:p>
-                    <a:fld id="{AAA385C4-E6E9-4D1D-82E5-8BB770644EA8}" type="CELLRANGE">
+                    <a:fld id="{24740BDD-D77A-46C0-9CC5-EBE33F0BA236}" type="CELLRANGE">
                       <a:rPr lang="en-US"/>
                       <a:pPr/>
                       <a:t>[CELLRANGE]</a:t>
@@ -33452,7 +33452,7 @@
                   <a:bodyPr/>
                   <a:lstStyle/>
                   <a:p>
-                    <a:fld id="{86668BDF-0801-4CD0-9061-F0B29AF87CF6}" type="CELLRANGE">
+                    <a:fld id="{0B0B7B42-9949-4366-A215-A04D32DEF66E}" type="CELLRANGE">
                       <a:rPr lang="en-US"/>
                       <a:pPr/>
                       <a:t>[CELLRANGE]</a:t>
@@ -33486,7 +33486,7 @@
                   <a:bodyPr/>
                   <a:lstStyle/>
                   <a:p>
-                    <a:fld id="{5E04977F-6876-4EFE-A145-025D65A6E6E5}" type="CELLRANGE">
+                    <a:fld id="{D769A73D-A793-4D04-9552-8269A204B8DB}" type="CELLRANGE">
                       <a:rPr lang="en-US"/>
                       <a:pPr/>
                       <a:t>[CELLRANGE]</a:t>
@@ -33520,7 +33520,7 @@
                   <a:bodyPr/>
                   <a:lstStyle/>
                   <a:p>
-                    <a:fld id="{BB405FAA-4418-4D3A-BCB5-EFD430ABADD0}" type="CELLRANGE">
+                    <a:fld id="{BFE46191-784C-44A9-B164-282E2ED8942C}" type="CELLRANGE">
                       <a:rPr lang="en-US"/>
                       <a:pPr/>
                       <a:t>[CELLRANGE]</a:t>
@@ -33554,7 +33554,7 @@
                   <a:bodyPr/>
                   <a:lstStyle/>
                   <a:p>
-                    <a:fld id="{10CE0E79-210E-4510-821F-3C7D50443623}" type="CELLRANGE">
+                    <a:fld id="{39CABF5E-C748-4B82-AD7D-29E643A598D6}" type="CELLRANGE">
                       <a:rPr lang="en-US"/>
                       <a:pPr/>
                       <a:t>[CELLRANGE]</a:t>
@@ -33588,7 +33588,7 @@
                   <a:bodyPr/>
                   <a:lstStyle/>
                   <a:p>
-                    <a:fld id="{D9AF9864-9B7E-414D-A753-88478BD014F4}" type="CELLRANGE">
+                    <a:fld id="{A156EBE5-F08B-409A-9731-66D347C35D49}" type="CELLRANGE">
                       <a:rPr lang="en-US"/>
                       <a:pPr/>
                       <a:t>[CELLRANGE]</a:t>
@@ -33622,7 +33622,7 @@
                   <a:bodyPr/>
                   <a:lstStyle/>
                   <a:p>
-                    <a:fld id="{A8BCEE2D-F822-4523-A615-8D227AB89840}" type="CELLRANGE">
+                    <a:fld id="{270D47AC-9649-4E48-82A7-685EA170EB9A}" type="CELLRANGE">
                       <a:rPr lang="en-US"/>
                       <a:pPr/>
                       <a:t>[CELLRANGE]</a:t>
@@ -33656,7 +33656,7 @@
                   <a:bodyPr/>
                   <a:lstStyle/>
                   <a:p>
-                    <a:fld id="{132CF53B-D58E-4251-98AC-0F89575FABD6}" type="CELLRANGE">
+                    <a:fld id="{B18E30FA-4896-4C8F-BAB2-0C652AD06CDB}" type="CELLRANGE">
                       <a:rPr lang="en-US"/>
                       <a:pPr/>
                       <a:t>[CELLRANGE]</a:t>
@@ -33690,7 +33690,7 @@
                   <a:bodyPr/>
                   <a:lstStyle/>
                   <a:p>
-                    <a:fld id="{336C8F29-6CCF-4102-B27B-785B31C3DB79}" type="CELLRANGE">
+                    <a:fld id="{ACB6BB6B-3DF2-41C2-A1C1-6755B074EF82}" type="CELLRANGE">
                       <a:rPr lang="en-US"/>
                       <a:pPr/>
                       <a:t>[CELLRANGE]</a:t>
@@ -33724,7 +33724,7 @@
                   <a:bodyPr/>
                   <a:lstStyle/>
                   <a:p>
-                    <a:fld id="{78E83819-92E8-42C0-A921-5C8B63347BD3}" type="CELLRANGE">
+                    <a:fld id="{72BBE8F0-8ADA-47EF-B729-D134B2E8FB4B}" type="CELLRANGE">
                       <a:rPr lang="en-US"/>
                       <a:pPr/>
                       <a:t>[CELLRANGE]</a:t>
@@ -33758,7 +33758,7 @@
                   <a:bodyPr/>
                   <a:lstStyle/>
                   <a:p>
-                    <a:fld id="{8C6FE314-05FD-45C2-836E-A261D92AA711}" type="CELLRANGE">
+                    <a:fld id="{F04163F6-F038-4E24-B947-AE9242E3C962}" type="CELLRANGE">
                       <a:rPr lang="en-US"/>
                       <a:pPr/>
                       <a:t>[CELLRANGE]</a:t>
@@ -33792,7 +33792,7 @@
                   <a:bodyPr/>
                   <a:lstStyle/>
                   <a:p>
-                    <a:fld id="{7C570A2A-31D5-49CF-81DE-5E50B20E521C}" type="CELLRANGE">
+                    <a:fld id="{6F4B905F-B0E6-4268-9ACC-AD0F6FB4FDC6}" type="CELLRANGE">
                       <a:rPr lang="en-US"/>
                       <a:pPr/>
                       <a:t>[CELLRANGE]</a:t>
@@ -33826,7 +33826,7 @@
                   <a:bodyPr/>
                   <a:lstStyle/>
                   <a:p>
-                    <a:fld id="{A913CDAA-8349-4DF2-9990-C74CC24C36D0}" type="CELLRANGE">
+                    <a:fld id="{24898D4F-616E-44E2-94A9-A7DB7002769C}" type="CELLRANGE">
                       <a:rPr lang="en-US"/>
                       <a:pPr/>
                       <a:t>[CELLRANGE]</a:t>
@@ -33860,7 +33860,7 @@
                   <a:bodyPr/>
                   <a:lstStyle/>
                   <a:p>
-                    <a:fld id="{8B1CCCF2-5751-487E-9F38-4BEAEF4678FD}" type="CELLRANGE">
+                    <a:fld id="{681743FC-8645-42EA-879B-DE8155E00B51}" type="CELLRANGE">
                       <a:rPr lang="en-US"/>
                       <a:pPr/>
                       <a:t>[CELLRANGE]</a:t>
@@ -33894,7 +33894,7 @@
                   <a:bodyPr/>
                   <a:lstStyle/>
                   <a:p>
-                    <a:fld id="{4C87EC0F-597C-4E49-B370-11727ABDE107}" type="CELLRANGE">
+                    <a:fld id="{7D911DA6-D49E-40A5-BFAF-164B25BDA553}" type="CELLRANGE">
                       <a:rPr lang="en-US"/>
                       <a:pPr/>
                       <a:t>[CELLRANGE]</a:t>
@@ -33928,7 +33928,7 @@
                   <a:bodyPr/>
                   <a:lstStyle/>
                   <a:p>
-                    <a:fld id="{3E03FF0A-3396-42CC-9E72-C8A5D553062A}" type="CELLRANGE">
+                    <a:fld id="{CC34A6FB-0FA8-4D5B-A472-6098B79648AD}" type="CELLRANGE">
                       <a:rPr lang="en-US"/>
                       <a:pPr/>
                       <a:t>[CELLRANGE]</a:t>
@@ -33962,7 +33962,7 @@
                   <a:bodyPr/>
                   <a:lstStyle/>
                   <a:p>
-                    <a:fld id="{38A94B3F-30C6-41D2-B6A7-8D34D9F4DDB2}" type="CELLRANGE">
+                    <a:fld id="{DC007D2D-CF80-46C8-8CE1-2D8CA158BB0D}" type="CELLRANGE">
                       <a:rPr lang="en-US"/>
                       <a:pPr/>
                       <a:t>[CELLRANGE]</a:t>
@@ -33996,7 +33996,7 @@
                   <a:bodyPr/>
                   <a:lstStyle/>
                   <a:p>
-                    <a:fld id="{2F69BBDF-FBF3-40BB-9C3C-218678E48BA8}" type="CELLRANGE">
+                    <a:fld id="{8F19D7E1-D01A-4586-B63C-17C4E16B0E8F}" type="CELLRANGE">
                       <a:rPr lang="en-US"/>
                       <a:pPr/>
                       <a:t>[CELLRANGE]</a:t>
@@ -34030,7 +34030,7 @@
                   <a:bodyPr/>
                   <a:lstStyle/>
                   <a:p>
-                    <a:fld id="{E8ADBB90-81FC-497F-89F6-C037952389D1}" type="CELLRANGE">
+                    <a:fld id="{7C92EC3E-2799-4E78-BB0A-360EB3F26162}" type="CELLRANGE">
                       <a:rPr lang="en-US"/>
                       <a:pPr/>
                       <a:t>[CELLRANGE]</a:t>
@@ -34064,7 +34064,7 @@
                   <a:bodyPr/>
                   <a:lstStyle/>
                   <a:p>
-                    <a:fld id="{37E87E2C-F8D6-45E8-8840-FE26849AC7DC}" type="CELLRANGE">
+                    <a:fld id="{55886B69-7DCB-4413-B894-E5642AB6506F}" type="CELLRANGE">
                       <a:rPr lang="en-US"/>
                       <a:pPr/>
                       <a:t>[CELLRANGE]</a:t>
@@ -34098,7 +34098,7 @@
                   <a:bodyPr/>
                   <a:lstStyle/>
                   <a:p>
-                    <a:fld id="{9B9C366B-E23A-4652-8C1A-F87EFB9DDB40}" type="CELLRANGE">
+                    <a:fld id="{C898BBC0-67A5-4B5E-9A7F-F112E5928EF9}" type="CELLRANGE">
                       <a:rPr lang="en-US"/>
                       <a:pPr/>
                       <a:t>[CELLRANGE]</a:t>
@@ -34132,7 +34132,7 @@
                   <a:bodyPr/>
                   <a:lstStyle/>
                   <a:p>
-                    <a:fld id="{88C1FF44-861E-47ED-9967-32330F44DDE1}" type="CELLRANGE">
+                    <a:fld id="{B4978B1F-785A-4D41-9EC2-A838B404A04A}" type="CELLRANGE">
                       <a:rPr lang="en-US"/>
                       <a:pPr/>
                       <a:t>[CELLRANGE]</a:t>
@@ -34166,7 +34166,7 @@
                   <a:bodyPr/>
                   <a:lstStyle/>
                   <a:p>
-                    <a:fld id="{93BE2DD8-3429-481F-B354-F1718DDB318A}" type="CELLRANGE">
+                    <a:fld id="{8C406D0D-5437-4975-9A1F-E67619F318A4}" type="CELLRANGE">
                       <a:rPr lang="en-US"/>
                       <a:pPr/>
                       <a:t>[CELLRANGE]</a:t>
@@ -34200,7 +34200,7 @@
                   <a:bodyPr/>
                   <a:lstStyle/>
                   <a:p>
-                    <a:fld id="{95AA29D6-2070-4241-B336-2B2F55A622F0}" type="CELLRANGE">
+                    <a:fld id="{44FD7CC7-050F-4E8E-B866-8E31B5C9E688}" type="CELLRANGE">
                       <a:rPr lang="en-US"/>
                       <a:pPr/>
                       <a:t>[CELLRANGE]</a:t>
@@ -34234,7 +34234,7 @@
                   <a:bodyPr/>
                   <a:lstStyle/>
                   <a:p>
-                    <a:fld id="{3F996D1E-E026-46F7-A2DF-32EC1A54AE34}" type="CELLRANGE">
+                    <a:fld id="{A69475B6-BF32-447D-864F-F62F0E607294}" type="CELLRANGE">
                       <a:rPr lang="en-US"/>
                       <a:pPr/>
                       <a:t>[CELLRANGE]</a:t>
@@ -34268,7 +34268,7 @@
                   <a:bodyPr/>
                   <a:lstStyle/>
                   <a:p>
-                    <a:fld id="{B6EDACD0-4F77-409D-846C-973CB97F990B}" type="CELLRANGE">
+                    <a:fld id="{BB2B9F76-B444-4862-8545-E225E843622A}" type="CELLRANGE">
                       <a:rPr lang="en-US"/>
                       <a:pPr/>
                       <a:t>[CELLRANGE]</a:t>
@@ -34302,7 +34302,7 @@
                   <a:bodyPr/>
                   <a:lstStyle/>
                   <a:p>
-                    <a:fld id="{5E60F0F2-73D3-45D0-9380-C6DA3F827350}" type="CELLRANGE">
+                    <a:fld id="{F5FEA9D9-F503-40B4-9A04-7C375293C348}" type="CELLRANGE">
                       <a:rPr lang="en-US"/>
                       <a:pPr/>
                       <a:t>[CELLRANGE]</a:t>
@@ -34336,7 +34336,7 @@
                   <a:bodyPr/>
                   <a:lstStyle/>
                   <a:p>
-                    <a:fld id="{092562DB-8DCF-4680-83EA-40DC3C7AC65C}" type="CELLRANGE">
+                    <a:fld id="{3A578D7B-6C35-4589-9780-EB03B26FE8E0}" type="CELLRANGE">
                       <a:rPr lang="en-US"/>
                       <a:pPr/>
                       <a:t>[CELLRANGE]</a:t>
@@ -34370,7 +34370,7 @@
                   <a:bodyPr/>
                   <a:lstStyle/>
                   <a:p>
-                    <a:fld id="{FF29DA5F-44A1-4954-9063-70C8142F3648}" type="CELLRANGE">
+                    <a:fld id="{67D1088E-78BC-4B73-9F70-2B2057050413}" type="CELLRANGE">
                       <a:rPr lang="en-US"/>
                       <a:pPr/>
                       <a:t>[CELLRANGE]</a:t>
@@ -34404,7 +34404,7 @@
                   <a:bodyPr/>
                   <a:lstStyle/>
                   <a:p>
-                    <a:fld id="{90D09FBA-A062-4606-8262-D6D1B33EBB4C}" type="CELLRANGE">
+                    <a:fld id="{E29F82BC-2BBE-44E4-A250-85BC06241850}" type="CELLRANGE">
                       <a:rPr lang="en-US"/>
                       <a:pPr/>
                       <a:t>[CELLRANGE]</a:t>
@@ -34438,7 +34438,7 @@
                   <a:bodyPr/>
                   <a:lstStyle/>
                   <a:p>
-                    <a:fld id="{8EA33809-3791-4EFB-97B8-9CB0BBBAE54D}" type="CELLRANGE">
+                    <a:fld id="{6BC48FF9-E569-4628-B973-D8F81F31AC03}" type="CELLRANGE">
                       <a:rPr lang="en-US"/>
                       <a:pPr/>
                       <a:t>[CELLRANGE]</a:t>
@@ -34472,7 +34472,7 @@
                   <a:bodyPr/>
                   <a:lstStyle/>
                   <a:p>
-                    <a:fld id="{456EF14B-1C72-49FC-B144-1A67CA509FB9}" type="CELLRANGE">
+                    <a:fld id="{3E124C00-67E0-493A-AC56-417FE2817F54}" type="CELLRANGE">
                       <a:rPr lang="en-US"/>
                       <a:pPr/>
                       <a:t>[CELLRANGE]</a:t>
@@ -34506,7 +34506,7 @@
                   <a:bodyPr/>
                   <a:lstStyle/>
                   <a:p>
-                    <a:fld id="{EB8E4FE8-C848-4827-893D-5C930C56F4FB}" type="CELLRANGE">
+                    <a:fld id="{9CC60F6E-593D-4AA9-96C0-C431C738F32A}" type="CELLRANGE">
                       <a:rPr lang="en-US"/>
                       <a:pPr/>
                       <a:t>[CELLRANGE]</a:t>
@@ -34540,7 +34540,7 @@
                   <a:bodyPr/>
                   <a:lstStyle/>
                   <a:p>
-                    <a:fld id="{4EED6851-CA6F-427E-9BCD-8544E84558DE}" type="CELLRANGE">
+                    <a:fld id="{EAE95798-9F0B-4DC9-8050-2E0E8E9EDE69}" type="CELLRANGE">
                       <a:rPr lang="en-US"/>
                       <a:pPr/>
                       <a:t>[CELLRANGE]</a:t>
@@ -34574,7 +34574,7 @@
                   <a:bodyPr/>
                   <a:lstStyle/>
                   <a:p>
-                    <a:fld id="{67F2AF0C-F91D-4E75-901F-239ADDA0E68B}" type="CELLRANGE">
+                    <a:fld id="{D48B5827-95DC-4B03-951C-705A1A4C36D6}" type="CELLRANGE">
                       <a:rPr lang="en-US"/>
                       <a:pPr/>
                       <a:t>[CELLRANGE]</a:t>
@@ -34608,7 +34608,7 @@
                   <a:bodyPr/>
                   <a:lstStyle/>
                   <a:p>
-                    <a:fld id="{8E3C50AC-B58A-4B3E-B77C-F922B9136D8A}" type="CELLRANGE">
+                    <a:fld id="{969FA194-8E93-4B2C-AC77-6014BD85B6E5}" type="CELLRANGE">
                       <a:rPr lang="en-US"/>
                       <a:pPr/>
                       <a:t>[CELLRANGE]</a:t>
@@ -34642,7 +34642,7 @@
                   <a:bodyPr/>
                   <a:lstStyle/>
                   <a:p>
-                    <a:fld id="{493AC90D-9419-4400-8172-B862E7519F06}" type="CELLRANGE">
+                    <a:fld id="{6671F572-3491-4602-8895-D065F295E6ED}" type="CELLRANGE">
                       <a:rPr lang="en-US"/>
                       <a:pPr/>
                       <a:t>[CELLRANGE]</a:t>
@@ -34676,7 +34676,7 @@
                   <a:bodyPr/>
                   <a:lstStyle/>
                   <a:p>
-                    <a:fld id="{2F141CAB-E47A-4754-B95F-2AFCFA350E26}" type="CELLRANGE">
+                    <a:fld id="{A2319012-6193-4F9E-B998-513E4CEF737E}" type="CELLRANGE">
                       <a:rPr lang="en-US"/>
                       <a:pPr/>
                       <a:t>[CELLRANGE]</a:t>
@@ -34710,7 +34710,7 @@
                   <a:bodyPr/>
                   <a:lstStyle/>
                   <a:p>
-                    <a:fld id="{8A46A7EF-FEE7-44B4-87F2-B2A9540CD3AF}" type="CELLRANGE">
+                    <a:fld id="{67381B3C-AB45-4995-8268-98111574FD2D}" type="CELLRANGE">
                       <a:rPr lang="en-US"/>
                       <a:pPr/>
                       <a:t>[CELLRANGE]</a:t>
@@ -34744,7 +34744,7 @@
                   <a:bodyPr/>
                   <a:lstStyle/>
                   <a:p>
-                    <a:fld id="{52182328-CB20-4816-B732-70B73C09D07B}" type="CELLRANGE">
+                    <a:fld id="{2D427858-303D-438E-8E85-800F7CF4E18E}" type="CELLRANGE">
                       <a:rPr lang="en-US"/>
                       <a:pPr/>
                       <a:t>[CELLRANGE]</a:t>
@@ -34778,7 +34778,7 @@
                   <a:bodyPr/>
                   <a:lstStyle/>
                   <a:p>
-                    <a:fld id="{1EC50EA8-4814-46D7-822C-C5B1B6A40D98}" type="CELLRANGE">
+                    <a:fld id="{2B90FB8D-DE90-49B2-9F0F-7272D334060E}" type="CELLRANGE">
                       <a:rPr lang="en-US"/>
                       <a:pPr/>
                       <a:t>[CELLRANGE]</a:t>
@@ -34812,7 +34812,7 @@
                   <a:bodyPr/>
                   <a:lstStyle/>
                   <a:p>
-                    <a:fld id="{E3872072-23D3-47B9-8EAC-C342C8C4FACB}" type="CELLRANGE">
+                    <a:fld id="{093786A7-DD9A-4C46-878E-861FE905EE41}" type="CELLRANGE">
                       <a:rPr lang="en-US"/>
                       <a:pPr/>
                       <a:t>[CELLRANGE]</a:t>
@@ -34846,7 +34846,7 @@
                   <a:bodyPr/>
                   <a:lstStyle/>
                   <a:p>
-                    <a:fld id="{2825A553-01BD-4B2F-AD73-D7F216ABDBE7}" type="CELLRANGE">
+                    <a:fld id="{6CD43025-7400-4C3C-9F79-5059F2B30BB0}" type="CELLRANGE">
                       <a:rPr lang="en-US"/>
                       <a:pPr/>
                       <a:t>[CELLRANGE]</a:t>
@@ -34880,7 +34880,7 @@
                   <a:bodyPr/>
                   <a:lstStyle/>
                   <a:p>
-                    <a:fld id="{DC49EB42-8E6A-4FD0-B564-D7064C1120A6}" type="CELLRANGE">
+                    <a:fld id="{EEC467B7-7869-45FA-AAE4-98C200D4A8A1}" type="CELLRANGE">
                       <a:rPr lang="en-US"/>
                       <a:pPr/>
                       <a:t>[CELLRANGE]</a:t>
@@ -34914,7 +34914,7 @@
                   <a:bodyPr/>
                   <a:lstStyle/>
                   <a:p>
-                    <a:fld id="{CAF1C82B-D0CC-4755-AA73-3D63DAEAD5D5}" type="CELLRANGE">
+                    <a:fld id="{12F603AD-E415-4EAD-93EC-8CD0186DCEEF}" type="CELLRANGE">
                       <a:rPr lang="en-US"/>
                       <a:pPr/>
                       <a:t>[CELLRANGE]</a:t>
@@ -34948,7 +34948,7 @@
                   <a:bodyPr/>
                   <a:lstStyle/>
                   <a:p>
-                    <a:fld id="{30C67C26-B4CC-4DC1-A47C-352BB689E1EA}" type="CELLRANGE">
+                    <a:fld id="{D7B8158C-7BD5-4AD2-87F3-CC276D3C05B8}" type="CELLRANGE">
                       <a:rPr lang="en-US"/>
                       <a:pPr/>
                       <a:t>[CELLRANGE]</a:t>
@@ -34982,7 +34982,7 @@
                   <a:bodyPr/>
                   <a:lstStyle/>
                   <a:p>
-                    <a:fld id="{489B75A7-0C8A-4B89-8C80-1980A193E910}" type="CELLRANGE">
+                    <a:fld id="{577699F6-115C-4134-B417-8CD8C5C4A48E}" type="CELLRANGE">
                       <a:rPr lang="en-US"/>
                       <a:pPr/>
                       <a:t>[CELLRANGE]</a:t>
@@ -35016,7 +35016,7 @@
                   <a:bodyPr/>
                   <a:lstStyle/>
                   <a:p>
-                    <a:fld id="{561BEA89-87FE-419E-B431-BCB7C6454A99}" type="CELLRANGE">
+                    <a:fld id="{4A9A72DB-80FD-40FD-B77F-0A8B117D9CED}" type="CELLRANGE">
                       <a:rPr lang="en-US"/>
                       <a:pPr/>
                       <a:t>[CELLRANGE]</a:t>
@@ -35050,7 +35050,7 @@
                   <a:bodyPr/>
                   <a:lstStyle/>
                   <a:p>
-                    <a:fld id="{532BAD90-D780-4FBB-A514-0942D8DCAD70}" type="CELLRANGE">
+                    <a:fld id="{80C0CBBC-CE7E-4B07-9493-D31500DA583C}" type="CELLRANGE">
                       <a:rPr lang="en-US"/>
                       <a:pPr/>
                       <a:t>[CELLRANGE]</a:t>
@@ -35084,7 +35084,7 @@
                   <a:bodyPr/>
                   <a:lstStyle/>
                   <a:p>
-                    <a:fld id="{D3EB0F54-8E69-465D-8A17-752C1695EE31}" type="CELLRANGE">
+                    <a:fld id="{43523748-9F5C-43AD-98EF-E4A4EBF94ADD}" type="CELLRANGE">
                       <a:rPr lang="en-US"/>
                       <a:pPr/>
                       <a:t>[CELLRANGE]</a:t>
@@ -35118,7 +35118,7 @@
                   <a:bodyPr/>
                   <a:lstStyle/>
                   <a:p>
-                    <a:fld id="{5A3E4424-0EAC-4F16-8AA6-97B46101BE2A}" type="CELLRANGE">
+                    <a:fld id="{EBA62A75-5054-4101-B2AE-01E89F46A9AF}" type="CELLRANGE">
                       <a:rPr lang="en-US"/>
                       <a:pPr/>
                       <a:t>[CELLRANGE]</a:t>
@@ -35152,7 +35152,7 @@
                   <a:bodyPr/>
                   <a:lstStyle/>
                   <a:p>
-                    <a:fld id="{99BFA07D-1449-486E-AD20-A4A7E7F2DBA8}" type="CELLRANGE">
+                    <a:fld id="{0D578D36-8268-4513-9812-A61F1BA8E235}" type="CELLRANGE">
                       <a:rPr lang="en-US"/>
                       <a:pPr/>
                       <a:t>[CELLRANGE]</a:t>
@@ -35186,7 +35186,7 @@
                   <a:bodyPr/>
                   <a:lstStyle/>
                   <a:p>
-                    <a:fld id="{631FBA85-9333-45B4-95AB-D33C10E7477C}" type="CELLRANGE">
+                    <a:fld id="{24DED03C-9523-4461-A7AB-4E5DEF6979E6}" type="CELLRANGE">
                       <a:rPr lang="en-US"/>
                       <a:pPr/>
                       <a:t>[CELLRANGE]</a:t>
@@ -35220,7 +35220,7 @@
                   <a:bodyPr/>
                   <a:lstStyle/>
                   <a:p>
-                    <a:fld id="{CFBA1581-9F55-4A5F-B9FD-151B41FD6837}" type="CELLRANGE">
+                    <a:fld id="{AAC72722-BF6E-467A-9838-5D8C5B03468A}" type="CELLRANGE">
                       <a:rPr lang="en-US"/>
                       <a:pPr/>
                       <a:t>[CELLRANGE]</a:t>
@@ -35254,7 +35254,7 @@
                   <a:bodyPr/>
                   <a:lstStyle/>
                   <a:p>
-                    <a:fld id="{2AFB2489-9683-45EA-8489-75899D0F24E4}" type="CELLRANGE">
+                    <a:fld id="{669C1BC1-C5A4-4972-8121-54FD3228F338}" type="CELLRANGE">
                       <a:rPr lang="en-US"/>
                       <a:pPr/>
                       <a:t>[CELLRANGE]</a:t>
@@ -35288,7 +35288,7 @@
                   <a:bodyPr/>
                   <a:lstStyle/>
                   <a:p>
-                    <a:fld id="{AE83745D-C584-44A1-ABE1-63438675E951}" type="CELLRANGE">
+                    <a:fld id="{F09EFC86-367B-4E9F-A7F9-B0A836857451}" type="CELLRANGE">
                       <a:rPr lang="en-US"/>
                       <a:pPr/>
                       <a:t>[CELLRANGE]</a:t>
@@ -35322,7 +35322,7 @@
                   <a:bodyPr/>
                   <a:lstStyle/>
                   <a:p>
-                    <a:fld id="{8DF41297-07D9-4785-AFC7-26E05D3B1F83}" type="CELLRANGE">
+                    <a:fld id="{D7FA2D43-12BF-44A6-9BEE-C7C891EBBD07}" type="CELLRANGE">
                       <a:rPr lang="en-US"/>
                       <a:pPr/>
                       <a:t>[CELLRANGE]</a:t>
@@ -35356,7 +35356,7 @@
                   <a:bodyPr/>
                   <a:lstStyle/>
                   <a:p>
-                    <a:fld id="{9031F19F-9BD2-4EA4-AFED-C74B0BEEEA95}" type="CELLRANGE">
+                    <a:fld id="{F5F1B404-A752-4D4A-8405-4E05255AE4A5}" type="CELLRANGE">
                       <a:rPr lang="en-US"/>
                       <a:pPr/>
                       <a:t>[CELLRANGE]</a:t>
@@ -35390,7 +35390,7 @@
                   <a:bodyPr/>
                   <a:lstStyle/>
                   <a:p>
-                    <a:fld id="{59DE37AD-12D4-4E90-BBDE-A92196416249}" type="CELLRANGE">
+                    <a:fld id="{2C456F19-9236-46E5-97E3-3F42599BAD4E}" type="CELLRANGE">
                       <a:rPr lang="en-US"/>
                       <a:pPr/>
                       <a:t>[CELLRANGE]</a:t>
@@ -43954,14 +43954,14 @@
             <p:ph sz="half" idx="2"/>
             <p:extLst>
               <p:ext uri="{D42A27DB-BD31-4B8C-83A1-F6EECF244321}">
-                <p14:modId xmlns:p14="http://schemas.microsoft.com/office/powerpoint/2010/main" val="1149886200"/>
+                <p14:modId xmlns:p14="http://schemas.microsoft.com/office/powerpoint/2010/main" val="43023413"/>
               </p:ext>
             </p:extLst>
           </p:nvPr>
         </p:nvGraphicFramePr>
         <p:xfrm>
           <a:off x="839788" y="2505075"/>
-          <a:ext cx="5157786" cy="3337560"/>
+          <a:ext cx="5157786" cy="2966720"/>
         </p:xfrm>
         <a:graphic>
           <a:graphicData uri="http://schemas.openxmlformats.org/drawingml/2006/table">
@@ -44377,54 +44377,6 @@
                   </a:ext>
                 </a:extLst>
               </a:tr>
-              <a:tr h="370840">
-                <a:tc>
-                  <a:txBody>
-                    <a:bodyPr/>
-                    <a:lstStyle/>
-                    <a:p>
-                      <a:r>
-                        <a:rPr lang="en-US" dirty="0"/>
-                        <a:t>RAN_24HRST</a:t>
-                      </a:r>
-                    </a:p>
-                  </a:txBody>
-                  <a:tcPr/>
-                </a:tc>
-                <a:tc>
-                  <a:txBody>
-                    <a:bodyPr/>
-                    <a:lstStyle/>
-                    <a:p>
-                      <a:pPr algn="ctr"/>
-                      <a:r>
-                        <a:rPr lang="en-US" dirty="0"/>
-                        <a:t>0.19</a:t>
-                      </a:r>
-                    </a:p>
-                  </a:txBody>
-                  <a:tcPr/>
-                </a:tc>
-                <a:tc>
-                  <a:txBody>
-                    <a:bodyPr/>
-                    <a:lstStyle/>
-                    <a:p>
-                      <a:pPr algn="ctr"/>
-                      <a:r>
-                        <a:rPr lang="en-US" dirty="0"/>
-                        <a:t>0.09</a:t>
-                      </a:r>
-                    </a:p>
-                  </a:txBody>
-                  <a:tcPr/>
-                </a:tc>
-                <a:extLst>
-                  <a:ext uri="{0D108BD9-81ED-4DB2-BD59-A6C34878D82A}">
-                    <a16:rowId xmlns:a16="http://schemas.microsoft.com/office/drawing/2014/main" val="418722046"/>
-                  </a:ext>
-                </a:extLst>
-              </a:tr>
             </a:tbl>
           </a:graphicData>
         </a:graphic>
@@ -44473,14 +44425,14 @@
             <p:ph sz="quarter" idx="4"/>
             <p:extLst>
               <p:ext uri="{D42A27DB-BD31-4B8C-83A1-F6EECF244321}">
-                <p14:modId xmlns:p14="http://schemas.microsoft.com/office/powerpoint/2010/main" val="915070921"/>
+                <p14:modId xmlns:p14="http://schemas.microsoft.com/office/powerpoint/2010/main" val="3998694980"/>
               </p:ext>
             </p:extLst>
           </p:nvPr>
         </p:nvGraphicFramePr>
         <p:xfrm>
           <a:off x="6172200" y="2505075"/>
-          <a:ext cx="5183187" cy="3337560"/>
+          <a:ext cx="5183187" cy="2966720"/>
         </p:xfrm>
         <a:graphic>
           <a:graphicData uri="http://schemas.openxmlformats.org/drawingml/2006/table">
@@ -44896,54 +44848,6 @@
                   </a:ext>
                 </a:extLst>
               </a:tr>
-              <a:tr h="370840">
-                <a:tc>
-                  <a:txBody>
-                    <a:bodyPr/>
-                    <a:lstStyle/>
-                    <a:p>
-                      <a:r>
-                        <a:rPr lang="en-US" dirty="0"/>
-                        <a:t>RAN_24HRST</a:t>
-                      </a:r>
-                    </a:p>
-                  </a:txBody>
-                  <a:tcPr/>
-                </a:tc>
-                <a:tc>
-                  <a:txBody>
-                    <a:bodyPr/>
-                    <a:lstStyle/>
-                    <a:p>
-                      <a:pPr algn="ctr"/>
-                      <a:r>
-                        <a:rPr lang="en-US" dirty="0"/>
-                        <a:t>0.11</a:t>
-                      </a:r>
-                    </a:p>
-                  </a:txBody>
-                  <a:tcPr/>
-                </a:tc>
-                <a:tc>
-                  <a:txBody>
-                    <a:bodyPr/>
-                    <a:lstStyle/>
-                    <a:p>
-                      <a:pPr algn="ctr"/>
-                      <a:r>
-                        <a:rPr lang="en-US" dirty="0"/>
-                        <a:t>0.15</a:t>
-                      </a:r>
-                    </a:p>
-                  </a:txBody>
-                  <a:tcPr/>
-                </a:tc>
-                <a:extLst>
-                  <a:ext uri="{0D108BD9-81ED-4DB2-BD59-A6C34878D82A}">
-                    <a16:rowId xmlns:a16="http://schemas.microsoft.com/office/drawing/2014/main" val="2662277220"/>
-                  </a:ext>
-                </a:extLst>
-              </a:tr>
             </a:tbl>
           </a:graphicData>
         </a:graphic>
@@ -44962,8 +44866,8 @@
         </p:nvSpPr>
         <p:spPr>
           <a:xfrm>
-            <a:off x="838200" y="6062776"/>
-            <a:ext cx="10515599" cy="646331"/>
+            <a:off x="839788" y="5733419"/>
+            <a:ext cx="10515599" cy="369332"/>
           </a:xfrm>
           <a:prstGeom prst="rect">
             <a:avLst/>
@@ -44979,12 +44883,6 @@
             <a:r>
               <a:rPr lang="en-US" dirty="0"/>
               <a:t>RBC_10 = 10 or more units of RBC received in first 24 hours after ED admission</a:t>
-            </a:r>
-          </a:p>
-          <a:p>
-            <a:r>
-              <a:rPr lang="en-US" dirty="0"/>
-              <a:t>RAN_24HRST = Random status check at 24 hours (alive or dead)</a:t>
             </a:r>
           </a:p>
         </p:txBody>
@@ -45759,6 +45657,13 @@
             <a:r>
               <a:rPr lang="en-US" dirty="0"/>
               <a:t>Removed any subjects with missing more than 10% of biomarker measurements</a:t>
+            </a:r>
+          </a:p>
+          <a:p>
+            <a:pPr lvl="1"/>
+            <a:r>
+              <a:rPr lang="en-US" dirty="0"/>
+              <a:t>Imputed any missing values for k-means</a:t>
             </a:r>
           </a:p>
           <a:p>

--- a/Presentation.pptx
+++ b/Presentation.pptx
@@ -9,8 +9,8 @@
   </p:notesMasterIdLst>
   <p:sldIdLst>
     <p:sldId id="256" r:id="rId2"/>
-    <p:sldId id="258" r:id="rId3"/>
-    <p:sldId id="259" r:id="rId4"/>
+    <p:sldId id="259" r:id="rId3"/>
+    <p:sldId id="258" r:id="rId4"/>
     <p:sldId id="261" r:id="rId5"/>
     <p:sldId id="280" r:id="rId6"/>
     <p:sldId id="283" r:id="rId7"/>
@@ -220,7 +220,7 @@
           <a:p>
             <a:fld id="{E075B460-8CC1-4EBF-B663-3083FD19CB40}" type="datetimeFigureOut">
               <a:rPr lang="en-US" smtClean="0"/>
-              <a:t>7/29/2021</a:t>
+              <a:t>7/30/2021</a:t>
             </a:fld>
             <a:endParaRPr lang="en-US"/>
           </a:p>
@@ -611,7 +611,7 @@
           <a:p>
             <a:fld id="{00CC69FF-AC89-4F12-A847-8501413C4CE3}" type="slidenum">
               <a:rPr lang="en-US" smtClean="0"/>
-              <a:t>3</a:t>
+              <a:t>2</a:t>
             </a:fld>
             <a:endParaRPr lang="en-US"/>
           </a:p>
@@ -777,7 +777,7 @@
           <a:p>
             <a:fld id="{0B403945-F34F-4DBC-9A75-9B940B695032}" type="datetimeFigureOut">
               <a:rPr lang="en-US" smtClean="0"/>
-              <a:t>7/29/2021</a:t>
+              <a:t>7/30/2021</a:t>
             </a:fld>
             <a:endParaRPr lang="en-US"/>
           </a:p>
@@ -975,7 +975,7 @@
           <a:p>
             <a:fld id="{0B403945-F34F-4DBC-9A75-9B940B695032}" type="datetimeFigureOut">
               <a:rPr lang="en-US" smtClean="0"/>
-              <a:t>7/29/2021</a:t>
+              <a:t>7/30/2021</a:t>
             </a:fld>
             <a:endParaRPr lang="en-US"/>
           </a:p>
@@ -1183,7 +1183,7 @@
           <a:p>
             <a:fld id="{0B403945-F34F-4DBC-9A75-9B940B695032}" type="datetimeFigureOut">
               <a:rPr lang="en-US" smtClean="0"/>
-              <a:t>7/29/2021</a:t>
+              <a:t>7/30/2021</a:t>
             </a:fld>
             <a:endParaRPr lang="en-US"/>
           </a:p>
@@ -1381,7 +1381,7 @@
           <a:p>
             <a:fld id="{0B403945-F34F-4DBC-9A75-9B940B695032}" type="datetimeFigureOut">
               <a:rPr lang="en-US" smtClean="0"/>
-              <a:t>7/29/2021</a:t>
+              <a:t>7/30/2021</a:t>
             </a:fld>
             <a:endParaRPr lang="en-US"/>
           </a:p>
@@ -1656,7 +1656,7 @@
           <a:p>
             <a:fld id="{0B403945-F34F-4DBC-9A75-9B940B695032}" type="datetimeFigureOut">
               <a:rPr lang="en-US" smtClean="0"/>
-              <a:t>7/29/2021</a:t>
+              <a:t>7/30/2021</a:t>
             </a:fld>
             <a:endParaRPr lang="en-US"/>
           </a:p>
@@ -1921,7 +1921,7 @@
           <a:p>
             <a:fld id="{0B403945-F34F-4DBC-9A75-9B940B695032}" type="datetimeFigureOut">
               <a:rPr lang="en-US" smtClean="0"/>
-              <a:t>7/29/2021</a:t>
+              <a:t>7/30/2021</a:t>
             </a:fld>
             <a:endParaRPr lang="en-US"/>
           </a:p>
@@ -2333,7 +2333,7 @@
           <a:p>
             <a:fld id="{0B403945-F34F-4DBC-9A75-9B940B695032}" type="datetimeFigureOut">
               <a:rPr lang="en-US" smtClean="0"/>
-              <a:t>7/29/2021</a:t>
+              <a:t>7/30/2021</a:t>
             </a:fld>
             <a:endParaRPr lang="en-US"/>
           </a:p>
@@ -2474,7 +2474,7 @@
           <a:p>
             <a:fld id="{0B403945-F34F-4DBC-9A75-9B940B695032}" type="datetimeFigureOut">
               <a:rPr lang="en-US" smtClean="0"/>
-              <a:t>7/29/2021</a:t>
+              <a:t>7/30/2021</a:t>
             </a:fld>
             <a:endParaRPr lang="en-US"/>
           </a:p>
@@ -2587,7 +2587,7 @@
           <a:p>
             <a:fld id="{0B403945-F34F-4DBC-9A75-9B940B695032}" type="datetimeFigureOut">
               <a:rPr lang="en-US" smtClean="0"/>
-              <a:t>7/29/2021</a:t>
+              <a:t>7/30/2021</a:t>
             </a:fld>
             <a:endParaRPr lang="en-US"/>
           </a:p>
@@ -2898,7 +2898,7 @@
           <a:p>
             <a:fld id="{0B403945-F34F-4DBC-9A75-9B940B695032}" type="datetimeFigureOut">
               <a:rPr lang="en-US" smtClean="0"/>
-              <a:t>7/29/2021</a:t>
+              <a:t>7/30/2021</a:t>
             </a:fld>
             <a:endParaRPr lang="en-US"/>
           </a:p>
@@ -3186,7 +3186,7 @@
           <a:p>
             <a:fld id="{0B403945-F34F-4DBC-9A75-9B940B695032}" type="datetimeFigureOut">
               <a:rPr lang="en-US" smtClean="0"/>
-              <a:t>7/29/2021</a:t>
+              <a:t>7/30/2021</a:t>
             </a:fld>
             <a:endParaRPr lang="en-US"/>
           </a:p>
@@ -3427,7 +3427,7 @@
           <a:p>
             <a:fld id="{0B403945-F34F-4DBC-9A75-9B940B695032}" type="datetimeFigureOut">
               <a:rPr lang="en-US" smtClean="0"/>
-              <a:t>7/29/2021</a:t>
+              <a:t>7/30/2021</a:t>
             </a:fld>
             <a:endParaRPr lang="en-US"/>
           </a:p>
@@ -5646,7 +5646,7 @@
           <p:cNvPr id="2" name="Title 1">
             <a:extLst>
               <a:ext uri="{FF2B5EF4-FFF2-40B4-BE49-F238E27FC236}">
-                <a16:creationId xmlns:a16="http://schemas.microsoft.com/office/drawing/2014/main" id="{C614C5AA-8418-448F-AF7A-B8DDDCA1285B}"/>
+                <a16:creationId xmlns:a16="http://schemas.microsoft.com/office/drawing/2014/main" id="{304F1157-1290-411D-BEF6-0DFB565B13F1}"/>
               </a:ext>
             </a:extLst>
           </p:cNvPr>
@@ -5659,12 +5659,15 @@
         </p:nvSpPr>
         <p:spPr/>
         <p:txBody>
-          <a:bodyPr/>
-          <a:lstStyle/>
-          <a:p>
-            <a:r>
-              <a:rPr lang="en-US" dirty="0"/>
-              <a:t>Overview</a:t>
+          <a:bodyPr>
+            <a:normAutofit/>
+          </a:bodyPr>
+          <a:lstStyle/>
+          <a:p>
+            <a:pPr algn="ctr"/>
+            <a:r>
+              <a:rPr lang="en-US" sz="3000" dirty="0"/>
+              <a:t>Physical trauma is the fourth leading cause of death in all ages</a:t>
             </a:r>
           </a:p>
         </p:txBody>
@@ -5674,7 +5677,7 @@
           <p:cNvPr id="3" name="Content Placeholder 2">
             <a:extLst>
               <a:ext uri="{FF2B5EF4-FFF2-40B4-BE49-F238E27FC236}">
-                <a16:creationId xmlns:a16="http://schemas.microsoft.com/office/drawing/2014/main" id="{F4EF0AFE-0D6B-4946-9D0E-AA8423025923}"/>
+                <a16:creationId xmlns:a16="http://schemas.microsoft.com/office/drawing/2014/main" id="{B4F171D2-702E-405F-A6D2-13E2AC83D94B}"/>
               </a:ext>
             </a:extLst>
           </p:cNvPr>
@@ -5687,36 +5690,89 @@
         </p:nvSpPr>
         <p:spPr/>
         <p:txBody>
-          <a:bodyPr/>
-          <a:lstStyle/>
-          <a:p>
-            <a:r>
-              <a:rPr lang="en-US" dirty="0"/>
-              <a:t>Data set characteristics</a:t>
-            </a:r>
-          </a:p>
-          <a:p>
-            <a:r>
-              <a:rPr lang="en-US" dirty="0"/>
-              <a:t>Data Cleaning</a:t>
-            </a:r>
-          </a:p>
-          <a:p>
-            <a:r>
-              <a:rPr lang="en-US" dirty="0"/>
-              <a:t>Clustering and Heatmaps</a:t>
-            </a:r>
-          </a:p>
-          <a:p>
-            <a:r>
-              <a:rPr lang="en-US" dirty="0"/>
-              <a:t>PCA Plots</a:t>
-            </a:r>
-          </a:p>
-          <a:p>
-            <a:r>
-              <a:rPr lang="en-US" dirty="0"/>
-              <a:t>Outcomes</a:t>
+          <a:bodyPr>
+            <a:normAutofit/>
+          </a:bodyPr>
+          <a:lstStyle/>
+          <a:p>
+            <a:r>
+              <a:rPr lang="en-US" sz="2400" dirty="0"/>
+              <a:t>In the US, trauma accounts for ~150,000 deaths per year</a:t>
+            </a:r>
+          </a:p>
+          <a:p>
+            <a:r>
+              <a:rPr lang="en-US" sz="2400" dirty="0"/>
+              <a:t>Deaths as a result from injury accounts for 10% of the worlds deaths.</a:t>
+            </a:r>
+          </a:p>
+          <a:p>
+            <a:r>
+              <a:rPr lang="en-US" sz="2400" dirty="0"/>
+              <a:t>Trauma injury can lead to life-threatening complications throughout a hospital course</a:t>
+            </a:r>
+          </a:p>
+        </p:txBody>
+      </p:sp>
+      <p:sp>
+        <p:nvSpPr>
+          <p:cNvPr id="4" name="TextBox 3">
+            <a:extLst>
+              <a:ext uri="{FF2B5EF4-FFF2-40B4-BE49-F238E27FC236}">
+                <a16:creationId xmlns:a16="http://schemas.microsoft.com/office/drawing/2014/main" id="{CA93CFD1-A074-4B5B-B51C-8E76210A2A56}"/>
+              </a:ext>
+            </a:extLst>
+          </p:cNvPr>
+          <p:cNvSpPr txBox="1"/>
+          <p:nvPr/>
+        </p:nvSpPr>
+        <p:spPr>
+          <a:xfrm>
+            <a:off x="5848982" y="6118895"/>
+            <a:ext cx="6096000" cy="584775"/>
+          </a:xfrm>
+          <a:prstGeom prst="rect">
+            <a:avLst/>
+          </a:prstGeom>
+          <a:noFill/>
+        </p:spPr>
+        <p:txBody>
+          <a:bodyPr wrap="square" rtlCol="0">
+            <a:spAutoFit/>
+          </a:bodyPr>
+          <a:lstStyle/>
+          <a:p>
+            <a:r>
+              <a:rPr lang="en-US" sz="800" dirty="0">
+                <a:effectLst/>
+              </a:rPr>
+              <a:t>Physical trauma [Internet]. [cited 2021May10]. Available from: https://www.nigms.nih.gov/education/fact-sheets/Pages/physical-trauma.aspx </a:t>
+            </a:r>
+          </a:p>
+          <a:p>
+            <a:r>
+              <a:rPr lang="en-US" sz="800" dirty="0">
+                <a:effectLst/>
+              </a:rPr>
+              <a:t>Trauma facts and links [Internet]. 2020 [cited 2021May10]. Available from: </a:t>
+            </a:r>
+            <a:r>
+              <a:rPr lang="en-US" sz="800" dirty="0">
+                <a:effectLst/>
+                <a:hlinkClick r:id="rId3"/>
+              </a:rPr>
+              <a:t>https://www.aast.org/resources/trauma-facts</a:t>
+            </a:r>
+            <a:endParaRPr lang="en-US" sz="800" dirty="0">
+              <a:effectLst/>
+            </a:endParaRPr>
+          </a:p>
+          <a:p>
+            <a:r>
+              <a:rPr lang="en-US" sz="800" dirty="0">
+                <a:effectLst/>
+              </a:rPr>
+              <a:t>Injuries and violence: the facts [Internet]. World Health Organization. World Health Organization; 2012 [cited 2021Jun7]. Available from: https://www.who.int/violence_injury_prevention/key_facts/en/ </a:t>
             </a:r>
           </a:p>
         </p:txBody>
@@ -5724,7 +5780,7 @@
     </p:spTree>
     <p:extLst>
       <p:ext uri="{BB962C8B-B14F-4D97-AF65-F5344CB8AC3E}">
-        <p14:creationId xmlns:p14="http://schemas.microsoft.com/office/powerpoint/2010/main" val="1738877059"/>
+        <p14:creationId xmlns:p14="http://schemas.microsoft.com/office/powerpoint/2010/main" val="2398522326"/>
       </p:ext>
     </p:extLst>
   </p:cSld>
@@ -5756,7 +5812,7 @@
           <p:cNvPr id="2" name="Title 1">
             <a:extLst>
               <a:ext uri="{FF2B5EF4-FFF2-40B4-BE49-F238E27FC236}">
-                <a16:creationId xmlns:a16="http://schemas.microsoft.com/office/drawing/2014/main" id="{304F1157-1290-411D-BEF6-0DFB565B13F1}"/>
+                <a16:creationId xmlns:a16="http://schemas.microsoft.com/office/drawing/2014/main" id="{C614C5AA-8418-448F-AF7A-B8DDDCA1285B}"/>
               </a:ext>
             </a:extLst>
           </p:cNvPr>
@@ -5769,15 +5825,12 @@
         </p:nvSpPr>
         <p:spPr/>
         <p:txBody>
-          <a:bodyPr>
-            <a:normAutofit/>
-          </a:bodyPr>
-          <a:lstStyle/>
-          <a:p>
-            <a:pPr algn="ctr"/>
-            <a:r>
-              <a:rPr lang="en-US" sz="3000" dirty="0"/>
-              <a:t>Physical trauma is the fourth leading cause of death in all ages</a:t>
+          <a:bodyPr/>
+          <a:lstStyle/>
+          <a:p>
+            <a:r>
+              <a:rPr lang="en-US" dirty="0"/>
+              <a:t>Overview</a:t>
             </a:r>
           </a:p>
         </p:txBody>
@@ -5787,7 +5840,7 @@
           <p:cNvPr id="3" name="Content Placeholder 2">
             <a:extLst>
               <a:ext uri="{FF2B5EF4-FFF2-40B4-BE49-F238E27FC236}">
-                <a16:creationId xmlns:a16="http://schemas.microsoft.com/office/drawing/2014/main" id="{B4F171D2-702E-405F-A6D2-13E2AC83D94B}"/>
+                <a16:creationId xmlns:a16="http://schemas.microsoft.com/office/drawing/2014/main" id="{F4EF0AFE-0D6B-4946-9D0E-AA8423025923}"/>
               </a:ext>
             </a:extLst>
           </p:cNvPr>
@@ -5800,83 +5853,36 @@
         </p:nvSpPr>
         <p:spPr/>
         <p:txBody>
-          <a:bodyPr>
-            <a:normAutofit/>
-          </a:bodyPr>
-          <a:lstStyle/>
-          <a:p>
-            <a:r>
-              <a:rPr lang="en-US" sz="2400" dirty="0"/>
-              <a:t>In the US, trauma accounts for ~150,000 deaths per year</a:t>
-            </a:r>
-          </a:p>
-          <a:p>
-            <a:r>
-              <a:rPr lang="en-US" sz="2400" dirty="0"/>
-              <a:t>Deaths as a result from injury accounts for 10% of the worlds deaths.</a:t>
-            </a:r>
-          </a:p>
-        </p:txBody>
-      </p:sp>
-      <p:sp>
-        <p:nvSpPr>
-          <p:cNvPr id="4" name="TextBox 3">
-            <a:extLst>
-              <a:ext uri="{FF2B5EF4-FFF2-40B4-BE49-F238E27FC236}">
-                <a16:creationId xmlns:a16="http://schemas.microsoft.com/office/drawing/2014/main" id="{CA93CFD1-A074-4B5B-B51C-8E76210A2A56}"/>
-              </a:ext>
-            </a:extLst>
-          </p:cNvPr>
-          <p:cNvSpPr txBox="1"/>
-          <p:nvPr/>
-        </p:nvSpPr>
-        <p:spPr>
-          <a:xfrm>
-            <a:off x="5848982" y="6118895"/>
-            <a:ext cx="6096000" cy="584775"/>
-          </a:xfrm>
-          <a:prstGeom prst="rect">
-            <a:avLst/>
-          </a:prstGeom>
-          <a:noFill/>
-        </p:spPr>
-        <p:txBody>
-          <a:bodyPr wrap="square" rtlCol="0">
-            <a:spAutoFit/>
-          </a:bodyPr>
-          <a:lstStyle/>
-          <a:p>
-            <a:r>
-              <a:rPr lang="en-US" sz="800" dirty="0">
-                <a:effectLst/>
-              </a:rPr>
-              <a:t>Physical trauma [Internet]. [cited 2021May10]. Available from: https://www.nigms.nih.gov/education/fact-sheets/Pages/physical-trauma.aspx </a:t>
-            </a:r>
-          </a:p>
-          <a:p>
-            <a:r>
-              <a:rPr lang="en-US" sz="800" dirty="0">
-                <a:effectLst/>
-              </a:rPr>
-              <a:t>Trauma facts and links [Internet]. 2020 [cited 2021May10]. Available from: </a:t>
-            </a:r>
-            <a:r>
-              <a:rPr lang="en-US" sz="800" dirty="0">
-                <a:effectLst/>
-                <a:hlinkClick r:id="rId3"/>
-              </a:rPr>
-              <a:t>https://www.aast.org/resources/trauma-facts</a:t>
-            </a:r>
-            <a:endParaRPr lang="en-US" sz="800" dirty="0">
-              <a:effectLst/>
-            </a:endParaRPr>
-          </a:p>
-          <a:p>
-            <a:r>
-              <a:rPr lang="en-US" sz="800" dirty="0">
-                <a:effectLst/>
-              </a:rPr>
-              <a:t>Injuries and violence: the facts [Internet]. World Health Organization. World Health Organization; 2012 [cited 2021Jun7]. Available from: https://www.who.int/violence_injury_prevention/key_facts/en/ </a:t>
+          <a:bodyPr/>
+          <a:lstStyle/>
+          <a:p>
+            <a:r>
+              <a:rPr lang="en-US" dirty="0"/>
+              <a:t>Data set characteristics</a:t>
+            </a:r>
+          </a:p>
+          <a:p>
+            <a:r>
+              <a:rPr lang="en-US" dirty="0"/>
+              <a:t>Data Cleaning</a:t>
+            </a:r>
+          </a:p>
+          <a:p>
+            <a:r>
+              <a:rPr lang="en-US" dirty="0"/>
+              <a:t>Clustering and Heatmaps</a:t>
+            </a:r>
+          </a:p>
+          <a:p>
+            <a:r>
+              <a:rPr lang="en-US" dirty="0"/>
+              <a:t>PCA Plots</a:t>
+            </a:r>
+          </a:p>
+          <a:p>
+            <a:r>
+              <a:rPr lang="en-US" dirty="0"/>
+              <a:t>Outcomes</a:t>
             </a:r>
           </a:p>
         </p:txBody>
@@ -5884,7 +5890,7 @@
     </p:spTree>
     <p:extLst>
       <p:ext uri="{BB962C8B-B14F-4D97-AF65-F5344CB8AC3E}">
-        <p14:creationId xmlns:p14="http://schemas.microsoft.com/office/powerpoint/2010/main" val="2398522326"/>
+        <p14:creationId xmlns:p14="http://schemas.microsoft.com/office/powerpoint/2010/main" val="1738877059"/>
       </p:ext>
     </p:extLst>
   </p:cSld>

--- a/Presentation.pptx
+++ b/Presentation.pptx
@@ -12,11 +12,11 @@
     <p:sldId id="259" r:id="rId3"/>
     <p:sldId id="258" r:id="rId4"/>
     <p:sldId id="261" r:id="rId5"/>
-    <p:sldId id="280" r:id="rId6"/>
-    <p:sldId id="283" r:id="rId7"/>
-    <p:sldId id="286" r:id="rId8"/>
-    <p:sldId id="287" r:id="rId9"/>
-    <p:sldId id="284" r:id="rId10"/>
+    <p:sldId id="289" r:id="rId6"/>
+    <p:sldId id="280" r:id="rId7"/>
+    <p:sldId id="287" r:id="rId8"/>
+    <p:sldId id="284" r:id="rId9"/>
+    <p:sldId id="290" r:id="rId10"/>
     <p:sldId id="288" r:id="rId11"/>
     <p:sldId id="282" r:id="rId12"/>
     <p:sldId id="285" r:id="rId13"/>
@@ -3954,7 +3954,10 @@
           <a:lstStyle/>
           <a:p>
             <a:pPr algn="ctr"/>
-            <a:endParaRPr lang="en-US" sz="3000" dirty="0"/>
+            <a:r>
+              <a:rPr lang="en-US" sz="3000" dirty="0"/>
+              <a:t>Variable contributions in principal component 1</a:t>
+            </a:r>
           </a:p>
         </p:txBody>
       </p:sp>
@@ -4247,7 +4250,7 @@
         <p:spPr>
           <a:xfrm>
             <a:off x="839788" y="3347944"/>
-            <a:ext cx="5157787" cy="1365764"/>
+            <a:ext cx="5157786" cy="1365764"/>
           </a:xfrm>
         </p:spPr>
       </p:pic>
@@ -4314,7 +4317,7 @@
         <p:spPr>
           <a:xfrm>
             <a:off x="6194429" y="3347944"/>
-            <a:ext cx="5183184" cy="1241940"/>
+            <a:ext cx="5183184" cy="1241939"/>
           </a:xfrm>
         </p:spPr>
       </p:pic>
@@ -4678,7 +4681,7 @@
             <p:ph sz="half" idx="2"/>
             <p:extLst>
               <p:ext uri="{D42A27DB-BD31-4B8C-83A1-F6EECF244321}">
-                <p14:modId xmlns:p14="http://schemas.microsoft.com/office/powerpoint/2010/main" val="4067429533"/>
+                <p14:modId xmlns:p14="http://schemas.microsoft.com/office/powerpoint/2010/main" val="1664059278"/>
               </p:ext>
             </p:extLst>
           </p:nvPr>
@@ -4801,7 +4804,7 @@
                       <a:pPr algn="ctr"/>
                       <a:r>
                         <a:rPr lang="en-US" dirty="0"/>
-                        <a:t>0.06</a:t>
+                        <a:t>0.08</a:t>
                       </a:r>
                     </a:p>
                   </a:txBody>
@@ -4849,7 +4852,7 @@
                       <a:pPr algn="ctr"/>
                       <a:r>
                         <a:rPr lang="en-US" dirty="0"/>
-                        <a:t>0.18</a:t>
+                        <a:t>0.19</a:t>
                       </a:r>
                     </a:p>
                   </a:txBody>
@@ -4883,7 +4886,7 @@
                       <a:pPr algn="ctr"/>
                       <a:r>
                         <a:rPr lang="en-US" dirty="0"/>
-                        <a:t>0.36</a:t>
+                        <a:t>0.38</a:t>
                       </a:r>
                     </a:p>
                   </a:txBody>
@@ -4897,7 +4900,7 @@
                       <a:pPr algn="ctr"/>
                       <a:r>
                         <a:rPr lang="en-US" dirty="0"/>
-                        <a:t>0.25</a:t>
+                        <a:t>0.24</a:t>
                       </a:r>
                     </a:p>
                   </a:txBody>
@@ -4979,7 +4982,7 @@
                       <a:pPr algn="ctr"/>
                       <a:r>
                         <a:rPr lang="en-US" dirty="0"/>
-                        <a:t>0.32</a:t>
+                        <a:t>0.34</a:t>
                       </a:r>
                     </a:p>
                   </a:txBody>
@@ -4993,7 +4996,7 @@
                       <a:pPr algn="ctr"/>
                       <a:r>
                         <a:rPr lang="en-US" dirty="0"/>
-                        <a:t>0.16</a:t>
+                        <a:t>0.17</a:t>
                       </a:r>
                     </a:p>
                   </a:txBody>
@@ -5027,7 +5030,7 @@
                       <a:pPr algn="ctr"/>
                       <a:r>
                         <a:rPr lang="en-US" dirty="0"/>
-                        <a:t>0.20</a:t>
+                        <a:t>0.18</a:t>
                       </a:r>
                     </a:p>
                   </a:txBody>
@@ -5041,7 +5044,7 @@
                       <a:pPr algn="ctr"/>
                       <a:r>
                         <a:rPr lang="en-US" dirty="0"/>
-                        <a:t>0.07</a:t>
+                        <a:t>0.09</a:t>
                       </a:r>
                     </a:p>
                   </a:txBody>
@@ -5075,7 +5078,7 @@
                       <a:pPr algn="ctr"/>
                       <a:r>
                         <a:rPr lang="en-US" dirty="0"/>
-                        <a:t>0.57</a:t>
+                        <a:t>0.60</a:t>
                       </a:r>
                     </a:p>
                   </a:txBody>
@@ -5089,7 +5092,7 @@
                       <a:pPr algn="ctr"/>
                       <a:r>
                         <a:rPr lang="en-US" dirty="0"/>
-                        <a:t>0.41</a:t>
+                        <a:t>0.40</a:t>
                       </a:r>
                     </a:p>
                   </a:txBody>
@@ -5149,7 +5152,7 @@
             <p:ph sz="quarter" idx="4"/>
             <p:extLst>
               <p:ext uri="{D42A27DB-BD31-4B8C-83A1-F6EECF244321}">
-                <p14:modId xmlns:p14="http://schemas.microsoft.com/office/powerpoint/2010/main" val="580300133"/>
+                <p14:modId xmlns:p14="http://schemas.microsoft.com/office/powerpoint/2010/main" val="38576167"/>
               </p:ext>
             </p:extLst>
           </p:nvPr>
@@ -5258,21 +5261,21 @@
                       <a:pPr algn="ctr"/>
                       <a:r>
                         <a:rPr lang="en-US" dirty="0"/>
+                        <a:t>0.19</a:t>
+                      </a:r>
+                    </a:p>
+                  </a:txBody>
+                  <a:tcPr/>
+                </a:tc>
+                <a:tc>
+                  <a:txBody>
+                    <a:bodyPr/>
+                    <a:lstStyle/>
+                    <a:p>
+                      <a:pPr algn="ctr"/>
+                      <a:r>
+                        <a:rPr lang="en-US" dirty="0"/>
                         <a:t>0.08</a:t>
-                      </a:r>
-                    </a:p>
-                  </a:txBody>
-                  <a:tcPr/>
-                </a:tc>
-                <a:tc>
-                  <a:txBody>
-                    <a:bodyPr/>
-                    <a:lstStyle/>
-                    <a:p>
-                      <a:pPr algn="ctr"/>
-                      <a:r>
-                        <a:rPr lang="en-US" dirty="0"/>
-                        <a:t>0.18</a:t>
                       </a:r>
                     </a:p>
                   </a:txBody>
@@ -5306,21 +5309,21 @@
                       <a:pPr algn="ctr"/>
                       <a:r>
                         <a:rPr lang="en-US" dirty="0"/>
+                        <a:t>0.27</a:t>
+                      </a:r>
+                    </a:p>
+                  </a:txBody>
+                  <a:tcPr/>
+                </a:tc>
+                <a:tc>
+                  <a:txBody>
+                    <a:bodyPr/>
+                    <a:lstStyle/>
+                    <a:p>
+                      <a:pPr algn="ctr"/>
+                      <a:r>
+                        <a:rPr lang="en-US" dirty="0"/>
                         <a:t>0.18</a:t>
-                      </a:r>
-                    </a:p>
-                  </a:txBody>
-                  <a:tcPr/>
-                </a:tc>
-                <a:tc>
-                  <a:txBody>
-                    <a:bodyPr/>
-                    <a:lstStyle/>
-                    <a:p>
-                      <a:pPr algn="ctr"/>
-                      <a:r>
-                        <a:rPr lang="en-US" dirty="0"/>
-                        <a:t>0.28</a:t>
                       </a:r>
                     </a:p>
                   </a:txBody>
@@ -5354,21 +5357,21 @@
                       <a:pPr algn="ctr"/>
                       <a:r>
                         <a:rPr lang="en-US" dirty="0"/>
+                        <a:t>0.34</a:t>
+                      </a:r>
+                    </a:p>
+                  </a:txBody>
+                  <a:tcPr/>
+                </a:tc>
+                <a:tc>
+                  <a:txBody>
+                    <a:bodyPr/>
+                    <a:lstStyle/>
+                    <a:p>
+                      <a:pPr algn="ctr"/>
+                      <a:r>
+                        <a:rPr lang="en-US" dirty="0"/>
                         <a:t>0.24</a:t>
-                      </a:r>
-                    </a:p>
-                  </a:txBody>
-                  <a:tcPr/>
-                </a:tc>
-                <a:tc>
-                  <a:txBody>
-                    <a:bodyPr/>
-                    <a:lstStyle/>
-                    <a:p>
-                      <a:pPr algn="ctr"/>
-                      <a:r>
-                        <a:rPr lang="en-US" dirty="0"/>
-                        <a:t>0.34</a:t>
                       </a:r>
                     </a:p>
                   </a:txBody>
@@ -5402,7 +5405,7 @@
                       <a:pPr algn="ctr"/>
                       <a:r>
                         <a:rPr lang="en-US" dirty="0"/>
-                        <a:t>0.14</a:t>
+                        <a:t>0.23</a:t>
                       </a:r>
                     </a:p>
                   </a:txBody>
@@ -5416,7 +5419,7 @@
                       <a:pPr algn="ctr"/>
                       <a:r>
                         <a:rPr lang="en-US" dirty="0"/>
-                        <a:t>0.23</a:t>
+                        <a:t>0.13</a:t>
                       </a:r>
                     </a:p>
                   </a:txBody>
@@ -5450,7 +5453,7 @@
                       <a:pPr algn="ctr"/>
                       <a:r>
                         <a:rPr lang="en-US" dirty="0"/>
-                        <a:t>0.16</a:t>
+                        <a:t>0.29</a:t>
                       </a:r>
                     </a:p>
                   </a:txBody>
@@ -5464,7 +5467,7 @@
                       <a:pPr algn="ctr"/>
                       <a:r>
                         <a:rPr lang="en-US" dirty="0"/>
-                        <a:t>0.29</a:t>
+                        <a:t>0.17</a:t>
                       </a:r>
                     </a:p>
                   </a:txBody>
@@ -5498,21 +5501,21 @@
                       <a:pPr algn="ctr"/>
                       <a:r>
                         <a:rPr lang="en-US" dirty="0"/>
+                        <a:t>0.16</a:t>
+                      </a:r>
+                    </a:p>
+                  </a:txBody>
+                  <a:tcPr/>
+                </a:tc>
+                <a:tc>
+                  <a:txBody>
+                    <a:bodyPr/>
+                    <a:lstStyle/>
+                    <a:p>
+                      <a:pPr algn="ctr"/>
+                      <a:r>
+                        <a:rPr lang="en-US" dirty="0"/>
                         <a:t>0.09</a:t>
-                      </a:r>
-                    </a:p>
-                  </a:txBody>
-                  <a:tcPr/>
-                </a:tc>
-                <a:tc>
-                  <a:txBody>
-                    <a:bodyPr/>
-                    <a:lstStyle/>
-                    <a:p>
-                      <a:pPr algn="ctr"/>
-                      <a:r>
-                        <a:rPr lang="en-US" dirty="0"/>
-                        <a:t>0.15</a:t>
                       </a:r>
                     </a:p>
                   </a:txBody>
@@ -5546,7 +5549,7 @@
                       <a:pPr algn="ctr"/>
                       <a:r>
                         <a:rPr lang="en-US" dirty="0"/>
-                        <a:t>0.39</a:t>
+                        <a:t>0.55</a:t>
                       </a:r>
                     </a:p>
                   </a:txBody>
@@ -5560,7 +5563,7 @@
                       <a:pPr algn="ctr"/>
                       <a:r>
                         <a:rPr lang="en-US" dirty="0"/>
-                        <a:t>0.55</a:t>
+                        <a:t>0.40</a:t>
                       </a:r>
                     </a:p>
                   </a:txBody>
@@ -5709,7 +5712,7 @@
           <a:p>
             <a:r>
               <a:rPr lang="en-US" sz="2400" dirty="0"/>
-              <a:t>Trauma injury can lead to life-threatening complications throughout a hospital course</a:t>
+              <a:t>Trauma injury can lead to life-threatening complications throughout hospitalization</a:t>
             </a:r>
           </a:p>
         </p:txBody>
@@ -5864,19 +5867,19 @@
           <a:p>
             <a:r>
               <a:rPr lang="en-US" dirty="0"/>
-              <a:t>Data Cleaning</a:t>
+              <a:t>Data cleaning</a:t>
             </a:r>
           </a:p>
           <a:p>
             <a:r>
               <a:rPr lang="en-US" dirty="0"/>
-              <a:t>Clustering and Heatmaps</a:t>
+              <a:t>Clustering and heatmaps</a:t>
             </a:r>
           </a:p>
           <a:p>
             <a:r>
               <a:rPr lang="en-US" dirty="0"/>
-              <a:t>PCA Plots</a:t>
+              <a:t>PCA plots</a:t>
             </a:r>
           </a:p>
           <a:p>
@@ -5967,12 +5970,9 @@
           <a:lstStyle/>
           <a:p>
             <a:r>
-              <a:rPr lang="en-US" dirty="0"/>
-              <a:t>PROPPR Dataset – Original study was a blood transfusion study</a:t>
-            </a:r>
-          </a:p>
-          <a:p>
-            <a:endParaRPr lang="en-US" dirty="0"/>
+              <a:rPr lang="en-US" sz="2000" dirty="0"/>
+              <a:t>Dataset from PROPPR (Pragmatic, Randomized, Optimal Platelet and Plasma Ratios) Trial at timepoint 0.</a:t>
+            </a:r>
           </a:p>
           <a:p>
             <a:endParaRPr lang="en-US" dirty="0"/>
@@ -6000,44 +6000,51 @@
           <p:nvPr>
             <p:extLst>
               <p:ext uri="{D42A27DB-BD31-4B8C-83A1-F6EECF244321}">
-                <p14:modId xmlns:p14="http://schemas.microsoft.com/office/powerpoint/2010/main" val="3598996966"/>
+                <p14:modId xmlns:p14="http://schemas.microsoft.com/office/powerpoint/2010/main" val="1655457033"/>
               </p:ext>
             </p:extLst>
           </p:nvPr>
         </p:nvGraphicFramePr>
         <p:xfrm>
           <a:off x="2032000" y="2472965"/>
-          <a:ext cx="8128000" cy="1483360"/>
+          <a:ext cx="8128000" cy="1752600"/>
         </p:xfrm>
         <a:graphic>
           <a:graphicData uri="http://schemas.openxmlformats.org/drawingml/2006/table">
             <a:tbl>
-              <a:tblPr firstRow="1" firstCol="1" bandRow="1">
+              <a:tblPr firstRow="1" firstCol="1">
                 <a:tableStyleId>{5C22544A-7EE6-4342-B048-85BDC9FD1C3A}</a:tableStyleId>
               </a:tblPr>
               <a:tblGrid>
-                <a:gridCol w="2032000">
+                <a:gridCol w="1625600">
                   <a:extLst>
                     <a:ext uri="{9D8B030D-6E8A-4147-A177-3AD203B41FA5}">
                       <a16:colId xmlns:a16="http://schemas.microsoft.com/office/drawing/2014/main" val="223809974"/>
                     </a:ext>
                   </a:extLst>
                 </a:gridCol>
-                <a:gridCol w="2032000">
+                <a:gridCol w="1625600">
                   <a:extLst>
                     <a:ext uri="{9D8B030D-6E8A-4147-A177-3AD203B41FA5}">
                       <a16:colId xmlns:a16="http://schemas.microsoft.com/office/drawing/2014/main" val="849379723"/>
                     </a:ext>
                   </a:extLst>
                 </a:gridCol>
-                <a:gridCol w="2032000">
+                <a:gridCol w="1625600">
                   <a:extLst>
                     <a:ext uri="{9D8B030D-6E8A-4147-A177-3AD203B41FA5}">
                       <a16:colId xmlns:a16="http://schemas.microsoft.com/office/drawing/2014/main" val="2122961680"/>
                     </a:ext>
                   </a:extLst>
                 </a:gridCol>
-                <a:gridCol w="2032000">
+                <a:gridCol w="1625600">
+                  <a:extLst>
+                    <a:ext uri="{9D8B030D-6E8A-4147-A177-3AD203B41FA5}">
+                      <a16:colId xmlns:a16="http://schemas.microsoft.com/office/drawing/2014/main" val="1754667260"/>
+                    </a:ext>
+                  </a:extLst>
+                </a:gridCol>
+                <a:gridCol w="1625600">
                   <a:extLst>
                     <a:ext uri="{9D8B030D-6E8A-4147-A177-3AD203B41FA5}">
                       <a16:colId xmlns:a16="http://schemas.microsoft.com/office/drawing/2014/main" val="3565519859"/>
@@ -6092,6 +6099,20 @@
                       <a:pPr algn="ctr"/>
                       <a:r>
                         <a:rPr lang="en-US" dirty="0"/>
+                        <a:t>Both Types of Injury</a:t>
+                      </a:r>
+                    </a:p>
+                  </a:txBody>
+                  <a:tcPr/>
+                </a:tc>
+                <a:tc>
+                  <a:txBody>
+                    <a:bodyPr/>
+                    <a:lstStyle/>
+                    <a:p>
+                      <a:pPr algn="ctr"/>
+                      <a:r>
+                        <a:rPr lang="en-US" dirty="0"/>
                         <a:t>Total</a:t>
                       </a:r>
                     </a:p>
@@ -6155,7 +6176,21 @@
                       <a:pPr algn="ctr"/>
                       <a:r>
                         <a:rPr lang="en-US" dirty="0"/>
-                        <a:t>474</a:t>
+                        <a:t>4</a:t>
+                      </a:r>
+                    </a:p>
+                  </a:txBody>
+                  <a:tcPr/>
+                </a:tc>
+                <a:tc>
+                  <a:txBody>
+                    <a:bodyPr/>
+                    <a:lstStyle/>
+                    <a:p>
+                      <a:pPr algn="ctr"/>
+                      <a:r>
+                        <a:rPr lang="en-US" dirty="0"/>
+                        <a:t>478</a:t>
                       </a:r>
                     </a:p>
                   </a:txBody>
@@ -6218,7 +6253,21 @@
                       <a:pPr algn="ctr"/>
                       <a:r>
                         <a:rPr lang="en-US" dirty="0"/>
-                        <a:t>113</a:t>
+                        <a:t>3</a:t>
+                      </a:r>
+                    </a:p>
+                  </a:txBody>
+                  <a:tcPr/>
+                </a:tc>
+                <a:tc>
+                  <a:txBody>
+                    <a:bodyPr/>
+                    <a:lstStyle/>
+                    <a:p>
+                      <a:pPr algn="ctr"/>
+                      <a:r>
+                        <a:rPr lang="en-US" dirty="0"/>
+                        <a:t>116</a:t>
                       </a:r>
                     </a:p>
                   </a:txBody>
@@ -6281,7 +6330,21 @@
                       <a:pPr algn="ctr"/>
                       <a:r>
                         <a:rPr lang="en-US" dirty="0"/>
-                        <a:t>587</a:t>
+                        <a:t>7</a:t>
+                      </a:r>
+                    </a:p>
+                  </a:txBody>
+                  <a:tcPr/>
+                </a:tc>
+                <a:tc>
+                  <a:txBody>
+                    <a:bodyPr/>
+                    <a:lstStyle/>
+                    <a:p>
+                      <a:pPr algn="ctr"/>
+                      <a:r>
+                        <a:rPr lang="en-US" dirty="0"/>
+                        <a:t>594</a:t>
                       </a:r>
                     </a:p>
                   </a:txBody>
@@ -6290,6 +6353,192 @@
                 <a:extLst>
                   <a:ext uri="{0D108BD9-81ED-4DB2-BD59-A6C34878D82A}">
                     <a16:rowId xmlns:a16="http://schemas.microsoft.com/office/drawing/2014/main" val="3136741411"/>
+                  </a:ext>
+                </a:extLst>
+              </a:tr>
+            </a:tbl>
+          </a:graphicData>
+        </a:graphic>
+      </p:graphicFrame>
+      <p:graphicFrame>
+        <p:nvGraphicFramePr>
+          <p:cNvPr id="5" name="Table 5">
+            <a:extLst>
+              <a:ext uri="{FF2B5EF4-FFF2-40B4-BE49-F238E27FC236}">
+                <a16:creationId xmlns:a16="http://schemas.microsoft.com/office/drawing/2014/main" id="{2B1D59D2-83BE-4ECC-9677-91044DFC8D1C}"/>
+              </a:ext>
+            </a:extLst>
+          </p:cNvPr>
+          <p:cNvGraphicFramePr>
+            <a:graphicFrameLocks noGrp="1"/>
+          </p:cNvGraphicFramePr>
+          <p:nvPr>
+            <p:extLst>
+              <p:ext uri="{D42A27DB-BD31-4B8C-83A1-F6EECF244321}">
+                <p14:modId xmlns:p14="http://schemas.microsoft.com/office/powerpoint/2010/main" val="2544530360"/>
+              </p:ext>
+            </p:extLst>
+          </p:nvPr>
+        </p:nvGraphicFramePr>
+        <p:xfrm>
+          <a:off x="2032000" y="4504605"/>
+          <a:ext cx="8128000" cy="1010920"/>
+        </p:xfrm>
+        <a:graphic>
+          <a:graphicData uri="http://schemas.openxmlformats.org/drawingml/2006/table">
+            <a:tbl>
+              <a:tblPr firstRow="1" firstCol="1">
+                <a:tableStyleId>{5C22544A-7EE6-4342-B048-85BDC9FD1C3A}</a:tableStyleId>
+              </a:tblPr>
+              <a:tblGrid>
+                <a:gridCol w="2032000">
+                  <a:extLst>
+                    <a:ext uri="{9D8B030D-6E8A-4147-A177-3AD203B41FA5}">
+                      <a16:colId xmlns:a16="http://schemas.microsoft.com/office/drawing/2014/main" val="3129092491"/>
+                    </a:ext>
+                  </a:extLst>
+                </a:gridCol>
+                <a:gridCol w="2032000">
+                  <a:extLst>
+                    <a:ext uri="{9D8B030D-6E8A-4147-A177-3AD203B41FA5}">
+                      <a16:colId xmlns:a16="http://schemas.microsoft.com/office/drawing/2014/main" val="3639766220"/>
+                    </a:ext>
+                  </a:extLst>
+                </a:gridCol>
+                <a:gridCol w="2032000">
+                  <a:extLst>
+                    <a:ext uri="{9D8B030D-6E8A-4147-A177-3AD203B41FA5}">
+                      <a16:colId xmlns:a16="http://schemas.microsoft.com/office/drawing/2014/main" val="930657433"/>
+                    </a:ext>
+                  </a:extLst>
+                </a:gridCol>
+                <a:gridCol w="2032000">
+                  <a:extLst>
+                    <a:ext uri="{9D8B030D-6E8A-4147-A177-3AD203B41FA5}">
+                      <a16:colId xmlns:a16="http://schemas.microsoft.com/office/drawing/2014/main" val="3843598146"/>
+                    </a:ext>
+                  </a:extLst>
+                </a:gridCol>
+              </a:tblGrid>
+              <a:tr h="0">
+                <a:tc>
+                  <a:txBody>
+                    <a:bodyPr/>
+                    <a:lstStyle/>
+                    <a:p>
+                      <a:endParaRPr lang="en-US" dirty="0"/>
+                    </a:p>
+                  </a:txBody>
+                  <a:tcPr/>
+                </a:tc>
+                <a:tc>
+                  <a:txBody>
+                    <a:bodyPr/>
+                    <a:lstStyle/>
+                    <a:p>
+                      <a:pPr algn="ctr"/>
+                      <a:r>
+                        <a:rPr lang="en-US" dirty="0"/>
+                        <a:t>Blunt Injury</a:t>
+                      </a:r>
+                    </a:p>
+                  </a:txBody>
+                  <a:tcPr/>
+                </a:tc>
+                <a:tc>
+                  <a:txBody>
+                    <a:bodyPr/>
+                    <a:lstStyle/>
+                    <a:p>
+                      <a:pPr algn="ctr"/>
+                      <a:r>
+                        <a:rPr lang="en-US" dirty="0"/>
+                        <a:t>Penetrating Injury</a:t>
+                      </a:r>
+                    </a:p>
+                  </a:txBody>
+                  <a:tcPr/>
+                </a:tc>
+                <a:tc>
+                  <a:txBody>
+                    <a:bodyPr/>
+                    <a:lstStyle/>
+                    <a:p>
+                      <a:pPr algn="ctr"/>
+                      <a:r>
+                        <a:rPr lang="en-US" dirty="0"/>
+                        <a:t>Both Types of Injury</a:t>
+                      </a:r>
+                    </a:p>
+                  </a:txBody>
+                  <a:tcPr/>
+                </a:tc>
+                <a:extLst>
+                  <a:ext uri="{0D108BD9-81ED-4DB2-BD59-A6C34878D82A}">
+                    <a16:rowId xmlns:a16="http://schemas.microsoft.com/office/drawing/2014/main" val="525592647"/>
+                  </a:ext>
+                </a:extLst>
+              </a:tr>
+              <a:tr h="370840">
+                <a:tc>
+                  <a:txBody>
+                    <a:bodyPr/>
+                    <a:lstStyle/>
+                    <a:p>
+                      <a:pPr algn="r"/>
+                      <a:r>
+                        <a:rPr lang="en-US" dirty="0"/>
+                        <a:t>Age</a:t>
+                      </a:r>
+                    </a:p>
+                  </a:txBody>
+                  <a:tcPr/>
+                </a:tc>
+                <a:tc>
+                  <a:txBody>
+                    <a:bodyPr/>
+                    <a:lstStyle/>
+                    <a:p>
+                      <a:pPr algn="ctr"/>
+                      <a:r>
+                        <a:rPr lang="en-US" dirty="0"/>
+                        <a:t>42.7 ± 18.9</a:t>
+                      </a:r>
+                    </a:p>
+                  </a:txBody>
+                  <a:tcPr/>
+                </a:tc>
+                <a:tc>
+                  <a:txBody>
+                    <a:bodyPr/>
+                    <a:lstStyle/>
+                    <a:p>
+                      <a:pPr algn="ctr"/>
+                      <a:r>
+                        <a:rPr lang="en-US" dirty="0"/>
+                        <a:t>34.3 ± 15.5 </a:t>
+                      </a:r>
+                    </a:p>
+                  </a:txBody>
+                  <a:tcPr/>
+                </a:tc>
+                <a:tc>
+                  <a:txBody>
+                    <a:bodyPr/>
+                    <a:lstStyle/>
+                    <a:p>
+                      <a:pPr algn="ctr"/>
+                      <a:r>
+                        <a:rPr lang="en-US" dirty="0"/>
+                        <a:t>42.7 ± 18.9</a:t>
+                      </a:r>
+                    </a:p>
+                  </a:txBody>
+                  <a:tcPr/>
+                </a:tc>
+                <a:extLst>
+                  <a:ext uri="{0D108BD9-81ED-4DB2-BD59-A6C34878D82A}">
+                    <a16:rowId xmlns:a16="http://schemas.microsoft.com/office/drawing/2014/main" val="3777580411"/>
                   </a:ext>
                 </a:extLst>
               </a:tr>
@@ -6332,7 +6581,7 @@
           <p:cNvPr id="2" name="Title 1">
             <a:extLst>
               <a:ext uri="{FF2B5EF4-FFF2-40B4-BE49-F238E27FC236}">
-                <a16:creationId xmlns:a16="http://schemas.microsoft.com/office/drawing/2014/main" id="{ED61250D-D448-446B-BE16-99038F13F97B}"/>
+                <a16:creationId xmlns:a16="http://schemas.microsoft.com/office/drawing/2014/main" id="{0BE09E1D-76B6-451E-A707-276EA5BDB623}"/>
               </a:ext>
             </a:extLst>
           </p:cNvPr>
@@ -6350,7 +6599,7 @@
           <a:p>
             <a:r>
               <a:rPr lang="en-US" dirty="0"/>
-              <a:t>Data Cleaning</a:t>
+              <a:t>R Libraries</a:t>
             </a:r>
           </a:p>
         </p:txBody>
@@ -6360,7 +6609,7 @@
           <p:cNvPr id="3" name="Content Placeholder 2">
             <a:extLst>
               <a:ext uri="{FF2B5EF4-FFF2-40B4-BE49-F238E27FC236}">
-                <a16:creationId xmlns:a16="http://schemas.microsoft.com/office/drawing/2014/main" id="{753CE5E3-99BE-4204-ADB0-D8A31383103F}"/>
+                <a16:creationId xmlns:a16="http://schemas.microsoft.com/office/drawing/2014/main" id="{C7903331-9119-4F3B-B1BC-C8DF4A5C30FE}"/>
               </a:ext>
             </a:extLst>
           </p:cNvPr>
@@ -6377,28 +6626,85 @@
           <a:lstStyle/>
           <a:p>
             <a:r>
-              <a:rPr lang="en-US" sz="2400" dirty="0"/>
-              <a:t>Removed biomarker columns that are missing more than 20% of their values</a:t>
-            </a:r>
-          </a:p>
-          <a:p>
-            <a:r>
-              <a:rPr lang="en-US" sz="2400" dirty="0"/>
-              <a:t>Removed any subjects with missing more than 10% of biomarker measurements</a:t>
-            </a:r>
-          </a:p>
-          <a:p>
-            <a:r>
-              <a:rPr lang="en-US" sz="2400" dirty="0"/>
-              <a:t>Imputed any missing values for k-means</a:t>
-            </a:r>
+              <a:rPr lang="en-US" dirty="0"/>
+              <a:t>Data manipulation:</a:t>
+            </a:r>
+          </a:p>
+          <a:p>
+            <a:pPr lvl="1"/>
+            <a:r>
+              <a:rPr lang="en-US" dirty="0" err="1"/>
+              <a:t>Tidyverse</a:t>
+            </a:r>
+            <a:endParaRPr lang="en-US" dirty="0"/>
+          </a:p>
+          <a:p>
+            <a:pPr lvl="1"/>
+            <a:r>
+              <a:rPr lang="en-US" dirty="0" err="1"/>
+              <a:t>Hmisc</a:t>
+            </a:r>
+            <a:endParaRPr lang="en-US" dirty="0"/>
+          </a:p>
+          <a:p>
+            <a:pPr lvl="1"/>
+            <a:r>
+              <a:rPr lang="en-US" dirty="0" err="1"/>
+              <a:t>data.table</a:t>
+            </a:r>
+            <a:endParaRPr lang="en-US" dirty="0"/>
+          </a:p>
+          <a:p>
+            <a:r>
+              <a:rPr lang="en-US" dirty="0"/>
+              <a:t>Visualization &amp; Clustering</a:t>
+            </a:r>
+          </a:p>
+          <a:p>
+            <a:pPr lvl="1"/>
+            <a:r>
+              <a:rPr lang="en-US" dirty="0" err="1"/>
+              <a:t>Pheatmap</a:t>
+            </a:r>
+            <a:endParaRPr lang="en-US" dirty="0"/>
+          </a:p>
+          <a:p>
+            <a:pPr lvl="1"/>
+            <a:r>
+              <a:rPr lang="en-US" dirty="0" err="1"/>
+              <a:t>Factoextra</a:t>
+            </a:r>
+            <a:endParaRPr lang="en-US" dirty="0"/>
+          </a:p>
+          <a:p>
+            <a:pPr lvl="1"/>
+            <a:r>
+              <a:rPr lang="en-US" dirty="0"/>
+              <a:t>ggplot2</a:t>
+            </a:r>
+          </a:p>
+          <a:p>
+            <a:pPr lvl="1"/>
+            <a:r>
+              <a:rPr lang="en-US" dirty="0" err="1"/>
+              <a:t>Viridis</a:t>
+            </a:r>
+            <a:endParaRPr lang="en-US" dirty="0"/>
+          </a:p>
+          <a:p>
+            <a:pPr lvl="1"/>
+            <a:r>
+              <a:rPr lang="en-US" dirty="0" err="1"/>
+              <a:t>Rgl</a:t>
+            </a:r>
+            <a:endParaRPr lang="en-US" dirty="0"/>
           </a:p>
         </p:txBody>
       </p:sp>
     </p:spTree>
     <p:extLst>
       <p:ext uri="{BB962C8B-B14F-4D97-AF65-F5344CB8AC3E}">
-        <p14:creationId xmlns:p14="http://schemas.microsoft.com/office/powerpoint/2010/main" val="2127122932"/>
+        <p14:creationId xmlns:p14="http://schemas.microsoft.com/office/powerpoint/2010/main" val="1396010543"/>
       </p:ext>
     </p:extLst>
   </p:cSld>
@@ -6430,7 +6736,7 @@
           <p:cNvPr id="2" name="Title 1">
             <a:extLst>
               <a:ext uri="{FF2B5EF4-FFF2-40B4-BE49-F238E27FC236}">
-                <a16:creationId xmlns:a16="http://schemas.microsoft.com/office/drawing/2014/main" id="{FAB55B64-96F0-46AF-9163-9CB79C7F94A1}"/>
+                <a16:creationId xmlns:a16="http://schemas.microsoft.com/office/drawing/2014/main" id="{ED61250D-D448-446B-BE16-99038F13F97B}"/>
               </a:ext>
             </a:extLst>
           </p:cNvPr>
@@ -6443,153 +6749,79 @@
         </p:nvSpPr>
         <p:spPr/>
         <p:txBody>
-          <a:bodyPr>
-            <a:normAutofit/>
-          </a:bodyPr>
-          <a:lstStyle/>
-          <a:p>
-            <a:pPr algn="ctr"/>
-            <a:r>
-              <a:rPr lang="en-US" sz="3000" dirty="0"/>
-              <a:t>Four outliers greatly impact hierarchical clustering</a:t>
-            </a:r>
-          </a:p>
-        </p:txBody>
-      </p:sp>
-      <p:sp>
-        <p:nvSpPr>
-          <p:cNvPr id="3" name="Text Placeholder 2">
-            <a:extLst>
-              <a:ext uri="{FF2B5EF4-FFF2-40B4-BE49-F238E27FC236}">
-                <a16:creationId xmlns:a16="http://schemas.microsoft.com/office/drawing/2014/main" id="{729F7756-2838-486E-9A9D-F995BE2C9AA0}"/>
-              </a:ext>
-            </a:extLst>
-          </p:cNvPr>
-          <p:cNvSpPr>
-            <a:spLocks noGrp="1"/>
-          </p:cNvSpPr>
-          <p:nvPr>
-            <p:ph type="body" idx="1"/>
+          <a:bodyPr/>
+          <a:lstStyle/>
+          <a:p>
+            <a:r>
+              <a:rPr lang="en-US" dirty="0"/>
+              <a:t>Data Cleaning</a:t>
+            </a:r>
+          </a:p>
+        </p:txBody>
+      </p:sp>
+      <p:sp>
+        <p:nvSpPr>
+          <p:cNvPr id="3" name="Content Placeholder 2">
+            <a:extLst>
+              <a:ext uri="{FF2B5EF4-FFF2-40B4-BE49-F238E27FC236}">
+                <a16:creationId xmlns:a16="http://schemas.microsoft.com/office/drawing/2014/main" id="{753CE5E3-99BE-4204-ADB0-D8A31383103F}"/>
+              </a:ext>
+            </a:extLst>
+          </p:cNvPr>
+          <p:cNvSpPr>
+            <a:spLocks noGrp="1"/>
+          </p:cNvSpPr>
+          <p:nvPr>
+            <p:ph idx="1"/>
           </p:nvPr>
         </p:nvSpPr>
         <p:spPr/>
         <p:txBody>
-          <a:bodyPr>
-            <a:normAutofit/>
-          </a:bodyPr>
-          <a:lstStyle/>
-          <a:p>
-            <a:r>
-              <a:rPr lang="en-US" sz="1800" dirty="0"/>
-              <a:t>With 4 ‘outliers’</a:t>
-            </a:r>
-          </a:p>
-        </p:txBody>
-      </p:sp>
-      <p:pic>
-        <p:nvPicPr>
-          <p:cNvPr id="8" name="Content Placeholder 7" descr="A picture containing background pattern&#10;&#10;Description automatically generated">
-            <a:extLst>
-              <a:ext uri="{FF2B5EF4-FFF2-40B4-BE49-F238E27FC236}">
-                <a16:creationId xmlns:a16="http://schemas.microsoft.com/office/drawing/2014/main" id="{B53D8E1E-F165-455A-9BB2-764FE3150373}"/>
-              </a:ext>
-            </a:extLst>
-          </p:cNvPr>
-          <p:cNvPicPr>
-            <a:picLocks noGrp="1" noChangeAspect="1"/>
-          </p:cNvPicPr>
-          <p:nvPr>
-            <p:ph sz="half" idx="2"/>
-          </p:nvPr>
-        </p:nvPicPr>
-        <p:blipFill>
-          <a:blip r:embed="rId2">
-            <a:extLst>
-              <a:ext uri="{28A0092B-C50C-407E-A947-70E740481C1C}">
-                <a14:useLocalDpi xmlns:a14="http://schemas.microsoft.com/office/drawing/2010/main" val="0"/>
-              </a:ext>
-            </a:extLst>
-          </a:blip>
-          <a:stretch>
-            <a:fillRect/>
-          </a:stretch>
-        </p:blipFill>
-        <p:spPr>
-          <a:xfrm>
-            <a:off x="241802" y="3006726"/>
-            <a:ext cx="5755773" cy="2428936"/>
-          </a:xfrm>
-        </p:spPr>
-      </p:pic>
-      <p:sp>
-        <p:nvSpPr>
-          <p:cNvPr id="5" name="Text Placeholder 4">
-            <a:extLst>
-              <a:ext uri="{FF2B5EF4-FFF2-40B4-BE49-F238E27FC236}">
-                <a16:creationId xmlns:a16="http://schemas.microsoft.com/office/drawing/2014/main" id="{D00D44B2-59ED-4058-8186-553F0F1F214B}"/>
-              </a:ext>
-            </a:extLst>
-          </p:cNvPr>
-          <p:cNvSpPr>
-            <a:spLocks noGrp="1"/>
-          </p:cNvSpPr>
-          <p:nvPr>
-            <p:ph type="body" sz="quarter" idx="3"/>
-          </p:nvPr>
-        </p:nvSpPr>
-        <p:spPr/>
-        <p:txBody>
-          <a:bodyPr>
-            <a:normAutofit/>
-          </a:bodyPr>
-          <a:lstStyle/>
-          <a:p>
-            <a:r>
-              <a:rPr lang="en-US" sz="1800" dirty="0"/>
-              <a:t>Without ‘outliers’</a:t>
-            </a:r>
-          </a:p>
-        </p:txBody>
-      </p:sp>
-      <p:pic>
-        <p:nvPicPr>
-          <p:cNvPr id="10" name="Content Placeholder 9" descr="A picture containing table&#10;&#10;Description automatically generated">
-            <a:extLst>
-              <a:ext uri="{FF2B5EF4-FFF2-40B4-BE49-F238E27FC236}">
-                <a16:creationId xmlns:a16="http://schemas.microsoft.com/office/drawing/2014/main" id="{BE6C5742-8586-45AE-81F6-48F1E404778C}"/>
-              </a:ext>
-            </a:extLst>
-          </p:cNvPr>
-          <p:cNvPicPr>
-            <a:picLocks noGrp="1" noChangeAspect="1"/>
-          </p:cNvPicPr>
-          <p:nvPr>
-            <p:ph sz="quarter" idx="4"/>
-          </p:nvPr>
-        </p:nvPicPr>
-        <p:blipFill>
-          <a:blip r:embed="rId3">
-            <a:extLst>
-              <a:ext uri="{28A0092B-C50C-407E-A947-70E740481C1C}">
-                <a14:useLocalDpi xmlns:a14="http://schemas.microsoft.com/office/drawing/2010/main" val="0"/>
-              </a:ext>
-            </a:extLst>
-          </a:blip>
-          <a:stretch>
-            <a:fillRect/>
-          </a:stretch>
-        </p:blipFill>
-        <p:spPr>
-          <a:xfrm>
-            <a:off x="6096000" y="3006726"/>
-            <a:ext cx="5784119" cy="2457610"/>
-          </a:xfrm>
-        </p:spPr>
-      </p:pic>
+          <a:bodyPr/>
+          <a:lstStyle/>
+          <a:p>
+            <a:r>
+              <a:rPr lang="en-US" sz="2400" dirty="0"/>
+              <a:t>Removed biomarker columns that are missing more than 20% of their values</a:t>
+            </a:r>
+          </a:p>
+          <a:p>
+            <a:r>
+              <a:rPr lang="en-US" sz="2400" dirty="0"/>
+              <a:t>Removed any subjects missing more than 10% of biomarker measurements</a:t>
+            </a:r>
+          </a:p>
+          <a:p>
+            <a:r>
+              <a:rPr lang="en-US" sz="2400" dirty="0"/>
+              <a:t>Imputed any missing values for k-means</a:t>
+            </a:r>
+          </a:p>
+          <a:p>
+            <a:endParaRPr lang="en-US" sz="2400" dirty="0"/>
+          </a:p>
+          <a:p>
+            <a:endParaRPr lang="en-US" sz="2400" dirty="0"/>
+          </a:p>
+          <a:p>
+            <a:r>
+              <a:rPr lang="en-US" sz="2400" dirty="0"/>
+              <a:t>After cleaning:</a:t>
+            </a:r>
+          </a:p>
+          <a:p>
+            <a:pPr lvl="1"/>
+            <a:r>
+              <a:rPr lang="en-US" sz="2000" dirty="0"/>
+              <a:t>Dataset size: 476</a:t>
+            </a:r>
+          </a:p>
+        </p:txBody>
+      </p:sp>
     </p:spTree>
     <p:extLst>
       <p:ext uri="{BB962C8B-B14F-4D97-AF65-F5344CB8AC3E}">
-        <p14:creationId xmlns:p14="http://schemas.microsoft.com/office/powerpoint/2010/main" val="629274228"/>
+        <p14:creationId xmlns:p14="http://schemas.microsoft.com/office/powerpoint/2010/main" val="2127122932"/>
       </p:ext>
     </p:extLst>
   </p:cSld>
@@ -6621,7 +6853,7 @@
           <p:cNvPr id="2" name="Title 1">
             <a:extLst>
               <a:ext uri="{FF2B5EF4-FFF2-40B4-BE49-F238E27FC236}">
-                <a16:creationId xmlns:a16="http://schemas.microsoft.com/office/drawing/2014/main" id="{D047A47F-7BC9-4345-8033-A1AF749B6A66}"/>
+                <a16:creationId xmlns:a16="http://schemas.microsoft.com/office/drawing/2014/main" id="{F8070BCB-05B2-4490-8DB6-B79D92B20FEF}"/>
               </a:ext>
             </a:extLst>
           </p:cNvPr>
@@ -6634,284 +6866,149 @@
         </p:nvSpPr>
         <p:spPr/>
         <p:txBody>
+          <a:bodyPr>
+            <a:normAutofit/>
+          </a:bodyPr>
+          <a:lstStyle/>
+          <a:p>
+            <a:pPr algn="ctr"/>
+            <a:r>
+              <a:rPr lang="en-US" sz="3000" dirty="0"/>
+              <a:t>Silhouette scores shows optimal number of clusters of 2</a:t>
+            </a:r>
+          </a:p>
+        </p:txBody>
+      </p:sp>
+      <p:sp>
+        <p:nvSpPr>
+          <p:cNvPr id="3" name="Text Placeholder 2">
+            <a:extLst>
+              <a:ext uri="{FF2B5EF4-FFF2-40B4-BE49-F238E27FC236}">
+                <a16:creationId xmlns:a16="http://schemas.microsoft.com/office/drawing/2014/main" id="{F325DF6E-952D-44C9-826B-C83F271C45AA}"/>
+              </a:ext>
+            </a:extLst>
+          </p:cNvPr>
+          <p:cNvSpPr>
+            <a:spLocks noGrp="1"/>
+          </p:cNvSpPr>
+          <p:nvPr>
+            <p:ph type="body" idx="1"/>
+          </p:nvPr>
+        </p:nvSpPr>
+        <p:spPr/>
+        <p:txBody>
           <a:bodyPr/>
           <a:lstStyle/>
           <a:p>
-            <a:pPr algn="ctr"/>
-            <a:r>
-              <a:rPr kumimoji="0" lang="en-US" sz="3000" b="0" i="0" u="none" strike="noStrike" kern="1200" cap="none" spc="0" normalizeH="0" baseline="0" noProof="0" dirty="0">
-                <a:ln>
-                  <a:noFill/>
-                </a:ln>
-                <a:solidFill>
-                  <a:prstClr val="black"/>
-                </a:solidFill>
-                <a:effectLst/>
-                <a:uLnTx/>
-                <a:uFillTx/>
-                <a:latin typeface="Calibri Light" panose="020F0302020204030204"/>
-                <a:ea typeface="+mj-ea"/>
-                <a:cs typeface="+mj-cs"/>
-              </a:rPr>
-              <a:t>Four outliers have little impact on k-means clustering</a:t>
-            </a:r>
-            <a:endParaRPr lang="en-US" dirty="0"/>
-          </a:p>
-        </p:txBody>
-      </p:sp>
-      <p:graphicFrame>
-        <p:nvGraphicFramePr>
-          <p:cNvPr id="3" name="Table 4">
-            <a:extLst>
-              <a:ext uri="{FF2B5EF4-FFF2-40B4-BE49-F238E27FC236}">
-                <a16:creationId xmlns:a16="http://schemas.microsoft.com/office/drawing/2014/main" id="{951007FF-C385-4C17-A231-DCA7BFC3DD88}"/>
-              </a:ext>
-            </a:extLst>
-          </p:cNvPr>
-          <p:cNvGraphicFramePr>
-            <a:graphicFrameLocks noGrp="1"/>
-          </p:cNvGraphicFramePr>
-          <p:nvPr>
-            <p:extLst>
-              <p:ext uri="{D42A27DB-BD31-4B8C-83A1-F6EECF244321}">
-                <p14:modId xmlns:p14="http://schemas.microsoft.com/office/powerpoint/2010/main" val="158957417"/>
-              </p:ext>
-            </p:extLst>
-          </p:nvPr>
-        </p:nvGraphicFramePr>
-        <p:xfrm>
-          <a:off x="2715558" y="2482630"/>
-          <a:ext cx="6096000" cy="2021840"/>
-        </p:xfrm>
-        <a:graphic>
-          <a:graphicData uri="http://schemas.openxmlformats.org/drawingml/2006/table">
-            <a:tbl>
-              <a:tblPr firstRow="1" firstCol="1" bandRow="1">
-                <a:tableStyleId>{5C22544A-7EE6-4342-B048-85BDC9FD1C3A}</a:tableStyleId>
-              </a:tblPr>
-              <a:tblGrid>
-                <a:gridCol w="2032000">
-                  <a:extLst>
-                    <a:ext uri="{9D8B030D-6E8A-4147-A177-3AD203B41FA5}">
-                      <a16:colId xmlns:a16="http://schemas.microsoft.com/office/drawing/2014/main" val="223809974"/>
-                    </a:ext>
-                  </a:extLst>
-                </a:gridCol>
-                <a:gridCol w="2032000">
-                  <a:extLst>
-                    <a:ext uri="{9D8B030D-6E8A-4147-A177-3AD203B41FA5}">
-                      <a16:colId xmlns:a16="http://schemas.microsoft.com/office/drawing/2014/main" val="849379723"/>
-                    </a:ext>
-                  </a:extLst>
-                </a:gridCol>
-                <a:gridCol w="2032000">
-                  <a:extLst>
-                    <a:ext uri="{9D8B030D-6E8A-4147-A177-3AD203B41FA5}">
-                      <a16:colId xmlns:a16="http://schemas.microsoft.com/office/drawing/2014/main" val="2122961680"/>
-                    </a:ext>
-                  </a:extLst>
-                </a:gridCol>
-              </a:tblGrid>
-              <a:tr h="370840">
-                <a:tc>
-                  <a:txBody>
-                    <a:bodyPr/>
-                    <a:lstStyle/>
-                    <a:p>
-                      <a:endParaRPr lang="en-US" dirty="0"/>
-                    </a:p>
-                  </a:txBody>
-                  <a:tcPr/>
-                </a:tc>
-                <a:tc>
-                  <a:txBody>
-                    <a:bodyPr/>
-                    <a:lstStyle/>
-                    <a:p>
-                      <a:pPr algn="ctr"/>
-                      <a:r>
-                        <a:rPr lang="en-US" dirty="0"/>
-                        <a:t>Cluster 1</a:t>
-                      </a:r>
-                    </a:p>
-                  </a:txBody>
-                  <a:tcPr/>
-                </a:tc>
-                <a:tc>
-                  <a:txBody>
-                    <a:bodyPr/>
-                    <a:lstStyle/>
-                    <a:p>
-                      <a:pPr algn="ctr"/>
-                      <a:r>
-                        <a:rPr lang="en-US" dirty="0"/>
-                        <a:t>Cluster 2</a:t>
-                      </a:r>
-                    </a:p>
-                  </a:txBody>
-                  <a:tcPr/>
-                </a:tc>
-                <a:extLst>
-                  <a:ext uri="{0D108BD9-81ED-4DB2-BD59-A6C34878D82A}">
-                    <a16:rowId xmlns:a16="http://schemas.microsoft.com/office/drawing/2014/main" val="3029916054"/>
-                  </a:ext>
-                </a:extLst>
-              </a:tr>
-              <a:tr h="370840">
-                <a:tc>
-                  <a:txBody>
-                    <a:bodyPr/>
-                    <a:lstStyle/>
-                    <a:p>
-                      <a:pPr algn="r"/>
-                      <a:r>
-                        <a:rPr lang="en-US" dirty="0"/>
-                        <a:t>K-Means No Outliers</a:t>
-                      </a:r>
-                    </a:p>
-                  </a:txBody>
-                  <a:tcPr/>
-                </a:tc>
-                <a:tc>
-                  <a:txBody>
-                    <a:bodyPr/>
-                    <a:lstStyle/>
-                    <a:p>
-                      <a:pPr algn="ctr"/>
-                      <a:r>
-                        <a:rPr lang="en-US" dirty="0"/>
-                        <a:t>207</a:t>
-                      </a:r>
-                    </a:p>
-                  </a:txBody>
-                  <a:tcPr/>
-                </a:tc>
-                <a:tc>
-                  <a:txBody>
-                    <a:bodyPr/>
-                    <a:lstStyle/>
-                    <a:p>
-                      <a:pPr algn="ctr"/>
-                      <a:r>
-                        <a:rPr lang="en-US" dirty="0"/>
-                        <a:t>260</a:t>
-                      </a:r>
-                    </a:p>
-                  </a:txBody>
-                  <a:tcPr/>
-                </a:tc>
-                <a:extLst>
-                  <a:ext uri="{0D108BD9-81ED-4DB2-BD59-A6C34878D82A}">
-                    <a16:rowId xmlns:a16="http://schemas.microsoft.com/office/drawing/2014/main" val="1088739959"/>
-                  </a:ext>
-                </a:extLst>
-              </a:tr>
-              <a:tr h="370840">
-                <a:tc>
-                  <a:txBody>
-                    <a:bodyPr/>
-                    <a:lstStyle/>
-                    <a:p>
-                      <a:pPr algn="r"/>
-                      <a:r>
-                        <a:rPr lang="en-US" dirty="0"/>
-                        <a:t>K-Means w/ Outliers</a:t>
-                      </a:r>
-                    </a:p>
-                  </a:txBody>
-                  <a:tcPr/>
-                </a:tc>
-                <a:tc>
-                  <a:txBody>
-                    <a:bodyPr/>
-                    <a:lstStyle/>
-                    <a:p>
-                      <a:pPr algn="ctr"/>
-                      <a:r>
-                        <a:rPr lang="en-US" dirty="0"/>
-                        <a:t>204</a:t>
-                      </a:r>
-                    </a:p>
-                  </a:txBody>
-                  <a:tcPr/>
-                </a:tc>
-                <a:tc>
-                  <a:txBody>
-                    <a:bodyPr/>
-                    <a:lstStyle/>
-                    <a:p>
-                      <a:pPr algn="ctr"/>
-                      <a:r>
-                        <a:rPr lang="en-US" dirty="0"/>
-                        <a:t>267</a:t>
-                      </a:r>
-                    </a:p>
-                  </a:txBody>
-                  <a:tcPr/>
-                </a:tc>
-                <a:extLst>
-                  <a:ext uri="{0D108BD9-81ED-4DB2-BD59-A6C34878D82A}">
-                    <a16:rowId xmlns:a16="http://schemas.microsoft.com/office/drawing/2014/main" val="3581973919"/>
-                  </a:ext>
-                </a:extLst>
-              </a:tr>
-              <a:tr h="370840">
-                <a:tc>
-                  <a:txBody>
-                    <a:bodyPr/>
-                    <a:lstStyle/>
-                    <a:p>
-                      <a:pPr algn="r"/>
-                      <a:r>
-                        <a:rPr lang="en-US" dirty="0"/>
-                        <a:t>Overlap</a:t>
-                      </a:r>
-                    </a:p>
-                  </a:txBody>
-                  <a:tcPr/>
-                </a:tc>
-                <a:tc>
-                  <a:txBody>
-                    <a:bodyPr/>
-                    <a:lstStyle/>
-                    <a:p>
-                      <a:pPr algn="ctr"/>
-                      <a:r>
-                        <a:rPr lang="en-US" dirty="0"/>
-                        <a:t>200</a:t>
-                      </a:r>
-                    </a:p>
-                  </a:txBody>
-                  <a:tcPr/>
-                </a:tc>
-                <a:tc>
-                  <a:txBody>
-                    <a:bodyPr/>
-                    <a:lstStyle/>
-                    <a:p>
-                      <a:pPr algn="ctr"/>
-                      <a:r>
-                        <a:rPr lang="en-US" dirty="0"/>
-                        <a:t>260</a:t>
-                      </a:r>
-                    </a:p>
-                  </a:txBody>
-                  <a:tcPr/>
-                </a:tc>
-                <a:extLst>
-                  <a:ext uri="{0D108BD9-81ED-4DB2-BD59-A6C34878D82A}">
-                    <a16:rowId xmlns:a16="http://schemas.microsoft.com/office/drawing/2014/main" val="3136741411"/>
-                  </a:ext>
-                </a:extLst>
-              </a:tr>
-            </a:tbl>
-          </a:graphicData>
-        </a:graphic>
-      </p:graphicFrame>
+            <a:r>
+              <a:rPr lang="en-US" dirty="0"/>
+              <a:t>Hierarchical</a:t>
+            </a:r>
+          </a:p>
+        </p:txBody>
+      </p:sp>
+      <p:pic>
+        <p:nvPicPr>
+          <p:cNvPr id="10" name="Content Placeholder 9" descr="Chart, line chart&#10;&#10;Description automatically generated">
+            <a:extLst>
+              <a:ext uri="{FF2B5EF4-FFF2-40B4-BE49-F238E27FC236}">
+                <a16:creationId xmlns:a16="http://schemas.microsoft.com/office/drawing/2014/main" id="{3CA9D289-EEB8-4114-ACCF-2AF2F39CBB19}"/>
+              </a:ext>
+            </a:extLst>
+          </p:cNvPr>
+          <p:cNvPicPr>
+            <a:picLocks noGrp="1" noChangeAspect="1"/>
+          </p:cNvPicPr>
+          <p:nvPr>
+            <p:ph sz="half" idx="2"/>
+          </p:nvPr>
+        </p:nvPicPr>
+        <p:blipFill>
+          <a:blip r:embed="rId2">
+            <a:extLst>
+              <a:ext uri="{28A0092B-C50C-407E-A947-70E740481C1C}">
+                <a14:useLocalDpi xmlns:a14="http://schemas.microsoft.com/office/drawing/2010/main" val="0"/>
+              </a:ext>
+            </a:extLst>
+          </a:blip>
+          <a:stretch>
+            <a:fillRect/>
+          </a:stretch>
+        </p:blipFill>
+        <p:spPr>
+          <a:xfrm>
+            <a:off x="1273821" y="2505075"/>
+            <a:ext cx="4289720" cy="3684588"/>
+          </a:xfrm>
+        </p:spPr>
+      </p:pic>
+      <p:sp>
+        <p:nvSpPr>
+          <p:cNvPr id="5" name="Text Placeholder 4">
+            <a:extLst>
+              <a:ext uri="{FF2B5EF4-FFF2-40B4-BE49-F238E27FC236}">
+                <a16:creationId xmlns:a16="http://schemas.microsoft.com/office/drawing/2014/main" id="{1374ECB9-C86A-4DEC-BCDE-F34750EA20BC}"/>
+              </a:ext>
+            </a:extLst>
+          </p:cNvPr>
+          <p:cNvSpPr>
+            <a:spLocks noGrp="1"/>
+          </p:cNvSpPr>
+          <p:nvPr>
+            <p:ph type="body" sz="quarter" idx="3"/>
+          </p:nvPr>
+        </p:nvSpPr>
+        <p:spPr/>
+        <p:txBody>
+          <a:bodyPr/>
+          <a:lstStyle/>
+          <a:p>
+            <a:r>
+              <a:rPr lang="en-US" dirty="0"/>
+              <a:t>K-Means</a:t>
+            </a:r>
+          </a:p>
+        </p:txBody>
+      </p:sp>
+      <p:pic>
+        <p:nvPicPr>
+          <p:cNvPr id="8" name="Content Placeholder 7" descr="Chart, line chart&#10;&#10;Description automatically generated">
+            <a:extLst>
+              <a:ext uri="{FF2B5EF4-FFF2-40B4-BE49-F238E27FC236}">
+                <a16:creationId xmlns:a16="http://schemas.microsoft.com/office/drawing/2014/main" id="{685FBE6B-E3E3-4D87-80DF-046B5567ACD5}"/>
+              </a:ext>
+            </a:extLst>
+          </p:cNvPr>
+          <p:cNvPicPr>
+            <a:picLocks noGrp="1" noChangeAspect="1"/>
+          </p:cNvPicPr>
+          <p:nvPr>
+            <p:ph sz="quarter" idx="4"/>
+          </p:nvPr>
+        </p:nvPicPr>
+        <p:blipFill>
+          <a:blip r:embed="rId3">
+            <a:extLst>
+              <a:ext uri="{28A0092B-C50C-407E-A947-70E740481C1C}">
+                <a14:useLocalDpi xmlns:a14="http://schemas.microsoft.com/office/drawing/2010/main" val="0"/>
+              </a:ext>
+            </a:extLst>
+          </a:blip>
+          <a:stretch>
+            <a:fillRect/>
+          </a:stretch>
+        </p:blipFill>
+        <p:spPr>
+          <a:xfrm>
+            <a:off x="6618934" y="2505075"/>
+            <a:ext cx="4289720" cy="3684588"/>
+          </a:xfrm>
+        </p:spPr>
+      </p:pic>
     </p:spTree>
     <p:extLst>
       <p:ext uri="{BB962C8B-B14F-4D97-AF65-F5344CB8AC3E}">
-        <p14:creationId xmlns:p14="http://schemas.microsoft.com/office/powerpoint/2010/main" val="534966571"/>
+        <p14:creationId xmlns:p14="http://schemas.microsoft.com/office/powerpoint/2010/main" val="3334714568"/>
       </p:ext>
     </p:extLst>
   </p:cSld>
@@ -6943,7 +7040,7 @@
           <p:cNvPr id="2" name="Title 1">
             <a:extLst>
               <a:ext uri="{FF2B5EF4-FFF2-40B4-BE49-F238E27FC236}">
-                <a16:creationId xmlns:a16="http://schemas.microsoft.com/office/drawing/2014/main" id="{F8070BCB-05B2-4490-8DB6-B79D92B20FEF}"/>
+                <a16:creationId xmlns:a16="http://schemas.microsoft.com/office/drawing/2014/main" id="{75DB6DE2-9247-4A70-B2FC-C561FB6D6BCC}"/>
               </a:ext>
             </a:extLst>
           </p:cNvPr>
@@ -6956,16 +7053,28 @@
         </p:nvSpPr>
         <p:spPr/>
         <p:txBody>
-          <a:bodyPr>
-            <a:normAutofit/>
-          </a:bodyPr>
+          <a:bodyPr/>
           <a:lstStyle/>
           <a:p>
             <a:pPr algn="ctr"/>
             <a:r>
-              <a:rPr lang="en-US" sz="3000" dirty="0"/>
-              <a:t>Silhouette scores suggest optimal number of clusters of 2</a:t>
-            </a:r>
+              <a:rPr kumimoji="0" lang="en-US" sz="3000" b="0" i="0" u="none" strike="noStrike" kern="1200" cap="none" spc="0" normalizeH="0" baseline="0" noProof="0" dirty="0">
+                <a:ln>
+                  <a:noFill/>
+                </a:ln>
+                <a:solidFill>
+                  <a:prstClr val="black"/>
+                </a:solidFill>
+                <a:effectLst/>
+                <a:uLnTx/>
+                <a:uFillTx/>
+                <a:latin typeface="Calibri Light" panose="020F0302020204030204"/>
+                <a:ea typeface="+mj-ea"/>
+                <a:cs typeface="+mj-cs"/>
+              </a:rPr>
+              <a:t>PCA plot shows clustering based on magnitude of principal component 1</a:t>
+            </a:r>
+            <a:endParaRPr lang="en-US" dirty="0"/>
           </a:p>
         </p:txBody>
       </p:sp>
@@ -6974,7 +7083,7 @@
           <p:cNvPr id="3" name="Text Placeholder 2">
             <a:extLst>
               <a:ext uri="{FF2B5EF4-FFF2-40B4-BE49-F238E27FC236}">
-                <a16:creationId xmlns:a16="http://schemas.microsoft.com/office/drawing/2014/main" id="{F325DF6E-952D-44C9-826B-C83F271C45AA}"/>
+                <a16:creationId xmlns:a16="http://schemas.microsoft.com/office/drawing/2014/main" id="{C3E45124-6680-4948-BA9E-346302BFE622}"/>
               </a:ext>
             </a:extLst>
           </p:cNvPr>
@@ -6999,10 +7108,10 @@
       </p:sp>
       <p:pic>
         <p:nvPicPr>
-          <p:cNvPr id="10" name="Content Placeholder 9" descr="Chart, line chart&#10;&#10;Description automatically generated">
-            <a:extLst>
-              <a:ext uri="{FF2B5EF4-FFF2-40B4-BE49-F238E27FC236}">
-                <a16:creationId xmlns:a16="http://schemas.microsoft.com/office/drawing/2014/main" id="{3CA9D289-EEB8-4114-ACCF-2AF2F39CBB19}"/>
+          <p:cNvPr id="8" name="Content Placeholder 7">
+            <a:extLst>
+              <a:ext uri="{FF2B5EF4-FFF2-40B4-BE49-F238E27FC236}">
+                <a16:creationId xmlns:a16="http://schemas.microsoft.com/office/drawing/2014/main" id="{89A77204-65E8-4288-8684-FC6934B4AB8D}"/>
               </a:ext>
             </a:extLst>
           </p:cNvPr>
@@ -7021,14 +7130,13 @@
               </a:ext>
             </a:extLst>
           </a:blip>
-          <a:stretch>
-            <a:fillRect/>
-          </a:stretch>
+          <a:srcRect/>
+          <a:stretch/>
         </p:blipFill>
         <p:spPr>
           <a:xfrm>
             <a:off x="1273821" y="2505075"/>
-            <a:ext cx="4289720" cy="3684588"/>
+            <a:ext cx="4289720" cy="3684587"/>
           </a:xfrm>
         </p:spPr>
       </p:pic>
@@ -7037,7 +7145,7 @@
           <p:cNvPr id="5" name="Text Placeholder 4">
             <a:extLst>
               <a:ext uri="{FF2B5EF4-FFF2-40B4-BE49-F238E27FC236}">
-                <a16:creationId xmlns:a16="http://schemas.microsoft.com/office/drawing/2014/main" id="{1374ECB9-C86A-4DEC-BCDE-F34750EA20BC}"/>
+                <a16:creationId xmlns:a16="http://schemas.microsoft.com/office/drawing/2014/main" id="{175D2D8D-3A04-4679-B50C-2A4A887C53BE}"/>
               </a:ext>
             </a:extLst>
           </p:cNvPr>
@@ -7062,10 +7170,10 @@
       </p:sp>
       <p:pic>
         <p:nvPicPr>
-          <p:cNvPr id="8" name="Content Placeholder 7" descr="Chart, line chart&#10;&#10;Description automatically generated">
-            <a:extLst>
-              <a:ext uri="{FF2B5EF4-FFF2-40B4-BE49-F238E27FC236}">
-                <a16:creationId xmlns:a16="http://schemas.microsoft.com/office/drawing/2014/main" id="{685FBE6B-E3E3-4D87-80DF-046B5567ACD5}"/>
+          <p:cNvPr id="10" name="Content Placeholder 9">
+            <a:extLst>
+              <a:ext uri="{FF2B5EF4-FFF2-40B4-BE49-F238E27FC236}">
+                <a16:creationId xmlns:a16="http://schemas.microsoft.com/office/drawing/2014/main" id="{A4F407D3-0597-4088-8388-E07A44B843EA}"/>
               </a:ext>
             </a:extLst>
           </p:cNvPr>
@@ -7084,21 +7192,20 @@
               </a:ext>
             </a:extLst>
           </a:blip>
-          <a:stretch>
-            <a:fillRect/>
-          </a:stretch>
+          <a:srcRect/>
+          <a:stretch/>
         </p:blipFill>
         <p:spPr>
           <a:xfrm>
             <a:off x="6618934" y="2505075"/>
-            <a:ext cx="4289720" cy="3684588"/>
+            <a:ext cx="4289719" cy="3684587"/>
           </a:xfrm>
         </p:spPr>
       </p:pic>
     </p:spTree>
     <p:extLst>
       <p:ext uri="{BB962C8B-B14F-4D97-AF65-F5344CB8AC3E}">
-        <p14:creationId xmlns:p14="http://schemas.microsoft.com/office/powerpoint/2010/main" val="3334714568"/>
+        <p14:creationId xmlns:p14="http://schemas.microsoft.com/office/powerpoint/2010/main" val="177966446"/>
       </p:ext>
     </p:extLst>
   </p:cSld>
@@ -7130,7 +7237,7 @@
           <p:cNvPr id="2" name="Title 1">
             <a:extLst>
               <a:ext uri="{FF2B5EF4-FFF2-40B4-BE49-F238E27FC236}">
-                <a16:creationId xmlns:a16="http://schemas.microsoft.com/office/drawing/2014/main" id="{75DB6DE2-9247-4A70-B2FC-C561FB6D6BCC}"/>
+                <a16:creationId xmlns:a16="http://schemas.microsoft.com/office/drawing/2014/main" id="{722C944A-78EF-4A2E-B269-130CF050F8E9}"/>
               </a:ext>
             </a:extLst>
           </p:cNvPr>
@@ -7162,7 +7269,7 @@
                 <a:ea typeface="+mj-ea"/>
                 <a:cs typeface="+mj-cs"/>
               </a:rPr>
-              <a:t>PCA plot shows clustering based on magnitude principal component 1</a:t>
+              <a:t>Clustering differs from grouping by injury mechanism</a:t>
             </a:r>
             <a:endParaRPr lang="en-US" dirty="0"/>
           </a:p>
@@ -7173,7 +7280,7 @@
           <p:cNvPr id="3" name="Text Placeholder 2">
             <a:extLst>
               <a:ext uri="{FF2B5EF4-FFF2-40B4-BE49-F238E27FC236}">
-                <a16:creationId xmlns:a16="http://schemas.microsoft.com/office/drawing/2014/main" id="{C3E45124-6680-4948-BA9E-346302BFE622}"/>
+                <a16:creationId xmlns:a16="http://schemas.microsoft.com/office/drawing/2014/main" id="{2044FC96-64AF-4F8B-ACDB-E5D215A1F918}"/>
               </a:ext>
             </a:extLst>
           </p:cNvPr>
@@ -7201,7 +7308,7 @@
           <p:cNvPr id="8" name="Content Placeholder 7">
             <a:extLst>
               <a:ext uri="{FF2B5EF4-FFF2-40B4-BE49-F238E27FC236}">
-                <a16:creationId xmlns:a16="http://schemas.microsoft.com/office/drawing/2014/main" id="{89A77204-65E8-4288-8684-FC6934B4AB8D}"/>
+                <a16:creationId xmlns:a16="http://schemas.microsoft.com/office/drawing/2014/main" id="{27130AFD-4B1C-418C-91B1-B1CB7AACFEF3}"/>
               </a:ext>
             </a:extLst>
           </p:cNvPr>
@@ -7235,7 +7342,7 @@
           <p:cNvPr id="5" name="Text Placeholder 4">
             <a:extLst>
               <a:ext uri="{FF2B5EF4-FFF2-40B4-BE49-F238E27FC236}">
-                <a16:creationId xmlns:a16="http://schemas.microsoft.com/office/drawing/2014/main" id="{175D2D8D-3A04-4679-B50C-2A4A887C53BE}"/>
+                <a16:creationId xmlns:a16="http://schemas.microsoft.com/office/drawing/2014/main" id="{4CF7FAF9-E194-45DD-909D-6F609A5BD2FA}"/>
               </a:ext>
             </a:extLst>
           </p:cNvPr>
@@ -7253,17 +7360,17 @@
           <a:p>
             <a:r>
               <a:rPr lang="en-US" dirty="0"/>
-              <a:t>K-Means</a:t>
+              <a:t>Injury Mechanism</a:t>
             </a:r>
           </a:p>
         </p:txBody>
       </p:sp>
       <p:pic>
         <p:nvPicPr>
-          <p:cNvPr id="10" name="Content Placeholder 9">
-            <a:extLst>
-              <a:ext uri="{FF2B5EF4-FFF2-40B4-BE49-F238E27FC236}">
-                <a16:creationId xmlns:a16="http://schemas.microsoft.com/office/drawing/2014/main" id="{A4F407D3-0597-4088-8388-E07A44B843EA}"/>
+          <p:cNvPr id="10" name="Content Placeholder 9" descr="Chart, scatter chart&#10;&#10;Description automatically generated">
+            <a:extLst>
+              <a:ext uri="{FF2B5EF4-FFF2-40B4-BE49-F238E27FC236}">
+                <a16:creationId xmlns:a16="http://schemas.microsoft.com/office/drawing/2014/main" id="{F6B286B5-AE7B-4A76-AA83-CA4020325BC3}"/>
               </a:ext>
             </a:extLst>
           </p:cNvPr>
@@ -7282,20 +7389,21 @@
               </a:ext>
             </a:extLst>
           </a:blip>
-          <a:srcRect/>
-          <a:stretch/>
+          <a:stretch>
+            <a:fillRect/>
+          </a:stretch>
         </p:blipFill>
         <p:spPr>
           <a:xfrm>
             <a:off x="6618934" y="2505075"/>
-            <a:ext cx="4289719" cy="3684587"/>
+            <a:ext cx="4289720" cy="3684588"/>
           </a:xfrm>
         </p:spPr>
       </p:pic>
     </p:spTree>
     <p:extLst>
       <p:ext uri="{BB962C8B-B14F-4D97-AF65-F5344CB8AC3E}">
-        <p14:creationId xmlns:p14="http://schemas.microsoft.com/office/powerpoint/2010/main" val="177966446"/>
+        <p14:creationId xmlns:p14="http://schemas.microsoft.com/office/powerpoint/2010/main" val="2261589956"/>
       </p:ext>
     </p:extLst>
   </p:cSld>
